--- a/East_Africa_Fertilizer_Presentation.pptx
+++ b/East_Africa_Fertilizer_Presentation.pptx
@@ -10,19 +10,24 @@
     <p:sldId id="270" r:id="rId4"/>
     <p:sldId id="271" r:id="rId5"/>
     <p:sldId id="273" r:id="rId6"/>
-    <p:sldId id="272" r:id="rId7"/>
-    <p:sldId id="274" r:id="rId8"/>
-    <p:sldId id="279" r:id="rId9"/>
-    <p:sldId id="280" r:id="rId10"/>
-    <p:sldId id="281" r:id="rId11"/>
-    <p:sldId id="282" r:id="rId12"/>
-    <p:sldId id="275" r:id="rId13"/>
-    <p:sldId id="276" r:id="rId14"/>
-    <p:sldId id="277" r:id="rId15"/>
-    <p:sldId id="278" r:id="rId16"/>
-    <p:sldId id="283" r:id="rId17"/>
-    <p:sldId id="284" r:id="rId18"/>
-    <p:sldId id="268" r:id="rId19"/>
+    <p:sldId id="274" r:id="rId7"/>
+    <p:sldId id="279" r:id="rId8"/>
+    <p:sldId id="280" r:id="rId9"/>
+    <p:sldId id="281" r:id="rId10"/>
+    <p:sldId id="282" r:id="rId11"/>
+    <p:sldId id="275" r:id="rId12"/>
+    <p:sldId id="276" r:id="rId13"/>
+    <p:sldId id="277" r:id="rId14"/>
+    <p:sldId id="278" r:id="rId15"/>
+    <p:sldId id="283" r:id="rId16"/>
+    <p:sldId id="285" r:id="rId17"/>
+    <p:sldId id="288" r:id="rId18"/>
+    <p:sldId id="291" r:id="rId19"/>
+    <p:sldId id="289" r:id="rId20"/>
+    <p:sldId id="292" r:id="rId21"/>
+    <p:sldId id="293" r:id="rId22"/>
+    <p:sldId id="294" r:id="rId23"/>
+    <p:sldId id="268" r:id="rId24"/>
   </p:sldIdLst>
   <p:sldSz cx="9144000" cy="6858000" type="screen4x3"/>
   <p:notesSz cx="6858000" cy="9144000"/>
@@ -319,7 +324,7 @@
           <a:p>
             <a:fld id="{5BCAD085-E8A6-8845-BD4E-CB4CCA059FC4}" type="datetimeFigureOut">
               <a:rPr lang="en-US" smtClean="0"/>
-              <a:t>4/28/2025</a:t>
+              <a:t>4/30/2025</a:t>
             </a:fld>
             <a:endParaRPr lang="en-US"/>
           </a:p>
@@ -487,7 +492,7 @@
           <a:p>
             <a:fld id="{5BCAD085-E8A6-8845-BD4E-CB4CCA059FC4}" type="datetimeFigureOut">
               <a:rPr lang="en-US" smtClean="0"/>
-              <a:t>4/28/2025</a:t>
+              <a:t>4/30/2025</a:t>
             </a:fld>
             <a:endParaRPr lang="en-US"/>
           </a:p>
@@ -665,7 +670,7 @@
           <a:p>
             <a:fld id="{5BCAD085-E8A6-8845-BD4E-CB4CCA059FC4}" type="datetimeFigureOut">
               <a:rPr lang="en-US" smtClean="0"/>
-              <a:t>4/28/2025</a:t>
+              <a:t>4/30/2025</a:t>
             </a:fld>
             <a:endParaRPr lang="en-US"/>
           </a:p>
@@ -833,7 +838,7 @@
           <a:p>
             <a:fld id="{5BCAD085-E8A6-8845-BD4E-CB4CCA059FC4}" type="datetimeFigureOut">
               <a:rPr lang="en-US" smtClean="0"/>
-              <a:t>4/28/2025</a:t>
+              <a:t>4/30/2025</a:t>
             </a:fld>
             <a:endParaRPr lang="en-US"/>
           </a:p>
@@ -1078,7 +1083,7 @@
           <a:p>
             <a:fld id="{5BCAD085-E8A6-8845-BD4E-CB4CCA059FC4}" type="datetimeFigureOut">
               <a:rPr lang="en-US" smtClean="0"/>
-              <a:t>4/28/2025</a:t>
+              <a:t>4/30/2025</a:t>
             </a:fld>
             <a:endParaRPr lang="en-US"/>
           </a:p>
@@ -1363,7 +1368,7 @@
           <a:p>
             <a:fld id="{5BCAD085-E8A6-8845-BD4E-CB4CCA059FC4}" type="datetimeFigureOut">
               <a:rPr lang="en-US" smtClean="0"/>
-              <a:t>4/28/2025</a:t>
+              <a:t>4/30/2025</a:t>
             </a:fld>
             <a:endParaRPr lang="en-US"/>
           </a:p>
@@ -1782,7 +1787,7 @@
           <a:p>
             <a:fld id="{5BCAD085-E8A6-8845-BD4E-CB4CCA059FC4}" type="datetimeFigureOut">
               <a:rPr lang="en-US" smtClean="0"/>
-              <a:t>4/28/2025</a:t>
+              <a:t>4/30/2025</a:t>
             </a:fld>
             <a:endParaRPr lang="en-US"/>
           </a:p>
@@ -1899,7 +1904,7 @@
           <a:p>
             <a:fld id="{5BCAD085-E8A6-8845-BD4E-CB4CCA059FC4}" type="datetimeFigureOut">
               <a:rPr lang="en-US" smtClean="0"/>
-              <a:t>4/28/2025</a:t>
+              <a:t>4/30/2025</a:t>
             </a:fld>
             <a:endParaRPr lang="en-US"/>
           </a:p>
@@ -1994,7 +1999,7 @@
           <a:p>
             <a:fld id="{5BCAD085-E8A6-8845-BD4E-CB4CCA059FC4}" type="datetimeFigureOut">
               <a:rPr lang="en-US" smtClean="0"/>
-              <a:t>4/28/2025</a:t>
+              <a:t>4/30/2025</a:t>
             </a:fld>
             <a:endParaRPr lang="en-US"/>
           </a:p>
@@ -2269,7 +2274,7 @@
           <a:p>
             <a:fld id="{5BCAD085-E8A6-8845-BD4E-CB4CCA059FC4}" type="datetimeFigureOut">
               <a:rPr lang="en-US" smtClean="0"/>
-              <a:t>4/28/2025</a:t>
+              <a:t>4/30/2025</a:t>
             </a:fld>
             <a:endParaRPr lang="en-US"/>
           </a:p>
@@ -2521,7 +2526,7 @@
           <a:p>
             <a:fld id="{5BCAD085-E8A6-8845-BD4E-CB4CCA059FC4}" type="datetimeFigureOut">
               <a:rPr lang="en-US" smtClean="0"/>
-              <a:t>4/28/2025</a:t>
+              <a:t>4/30/2025</a:t>
             </a:fld>
             <a:endParaRPr lang="en-US"/>
           </a:p>
@@ -2732,7 +2737,7 @@
           <a:p>
             <a:fld id="{5BCAD085-E8A6-8845-BD4E-CB4CCA059FC4}" type="datetimeFigureOut">
               <a:rPr lang="en-US" smtClean="0"/>
-              <a:t>4/28/2025</a:t>
+              <a:t>4/30/2025</a:t>
             </a:fld>
             <a:endParaRPr lang="en-US"/>
           </a:p>
@@ -3263,143 +3268,6 @@
           <p:cNvPr id="2" name="Title 1">
             <a:extLst>
               <a:ext uri="{FF2B5EF4-FFF2-40B4-BE49-F238E27FC236}">
-                <a16:creationId xmlns:a16="http://schemas.microsoft.com/office/drawing/2014/main" id="{08A7223D-7216-6876-AEDE-138129C277E1}"/>
-              </a:ext>
-            </a:extLst>
-          </p:cNvPr>
-          <p:cNvSpPr>
-            <a:spLocks noGrp="1"/>
-          </p:cNvSpPr>
-          <p:nvPr>
-            <p:ph type="title"/>
-          </p:nvPr>
-        </p:nvSpPr>
-        <p:spPr/>
-        <p:txBody>
-          <a:bodyPr>
-            <a:normAutofit fontScale="90000"/>
-          </a:bodyPr>
-          <a:lstStyle/>
-          <a:p>
-            <a:br>
-              <a:rPr lang="en-US" b="1" dirty="0">
-                <a:latin typeface="Times New Roman" panose="02020603050405020304" pitchFamily="18" charset="0"/>
-                <a:cs typeface="Times New Roman" panose="02020603050405020304" pitchFamily="18" charset="0"/>
-              </a:rPr>
-            </a:br>
-            <a:r>
-              <a:rPr lang="en-US" b="1" dirty="0">
-                <a:latin typeface="Times New Roman" panose="02020603050405020304" pitchFamily="18" charset="0"/>
-                <a:cs typeface="Times New Roman" panose="02020603050405020304" pitchFamily="18" charset="0"/>
-              </a:rPr>
-              <a:t>Fertilizer Consumption Trends Over Time</a:t>
-            </a:r>
-            <a:br>
-              <a:rPr lang="en-US" b="1" dirty="0"/>
-            </a:br>
-            <a:endParaRPr lang="en-US" dirty="0"/>
-          </a:p>
-        </p:txBody>
-      </p:sp>
-      <p:pic>
-        <p:nvPicPr>
-          <p:cNvPr id="3074" name="Picture 2">
-            <a:extLst>
-              <a:ext uri="{FF2B5EF4-FFF2-40B4-BE49-F238E27FC236}">
-                <a16:creationId xmlns:a16="http://schemas.microsoft.com/office/drawing/2014/main" id="{E1C6CD26-7CDD-FE6C-8EFC-C6097F5EA070}"/>
-              </a:ext>
-            </a:extLst>
-          </p:cNvPr>
-          <p:cNvPicPr>
-            <a:picLocks noGrp="1" noChangeAspect="1" noChangeArrowheads="1"/>
-          </p:cNvPicPr>
-          <p:nvPr>
-            <p:ph idx="1"/>
-          </p:nvPr>
-        </p:nvPicPr>
-        <p:blipFill>
-          <a:blip r:embed="rId3">
-            <a:extLst>
-              <a:ext uri="{28A0092B-C50C-407E-A947-70E740481C1C}">
-                <a14:useLocalDpi xmlns:a14="http://schemas.microsoft.com/office/drawing/2010/main" val="0"/>
-              </a:ext>
-            </a:extLst>
-          </a:blip>
-          <a:srcRect/>
-          <a:stretch>
-            <a:fillRect/>
-          </a:stretch>
-        </p:blipFill>
-        <p:spPr bwMode="auto">
-          <a:xfrm>
-            <a:off x="457200" y="1827388"/>
-            <a:ext cx="8229600" cy="4071587"/>
-          </a:xfrm>
-          <a:prstGeom prst="rect">
-            <a:avLst/>
-          </a:prstGeom>
-          <a:noFill/>
-          <a:extLst>
-            <a:ext uri="{909E8E84-426E-40DD-AFC4-6F175D3DCCD1}">
-              <a14:hiddenFill xmlns:a14="http://schemas.microsoft.com/office/drawing/2010/main">
-                <a:solidFill>
-                  <a:srgbClr val="FFFFFF"/>
-                </a:solidFill>
-              </a14:hiddenFill>
-            </a:ext>
-          </a:extLst>
-        </p:spPr>
-      </p:pic>
-    </p:spTree>
-    <p:extLst>
-      <p:ext uri="{BB962C8B-B14F-4D97-AF65-F5344CB8AC3E}">
-        <p14:creationId xmlns:p14="http://schemas.microsoft.com/office/powerpoint/2010/main" val="3006515765"/>
-      </p:ext>
-    </p:extLst>
-  </p:cSld>
-  <p:clrMapOvr>
-    <a:masterClrMapping/>
-  </p:clrMapOvr>
-</p:sld>
-</file>
-
-<file path=ppt/slides/slide11.xml><?xml version="1.0" encoding="utf-8"?>
-<p:sld xmlns:a="http://schemas.openxmlformats.org/drawingml/2006/main" xmlns:r="http://schemas.openxmlformats.org/officeDocument/2006/relationships" xmlns:p="http://schemas.openxmlformats.org/presentationml/2006/main">
-  <p:cSld>
-    <p:bg>
-      <p:bgPr>
-        <a:blipFill dpi="0" rotWithShape="1">
-          <a:blip r:embed="rId2">
-            <a:alphaModFix amt="20000"/>
-            <a:lum/>
-          </a:blip>
-          <a:srcRect/>
-          <a:stretch>
-            <a:fillRect l="-6000" r="-6000"/>
-          </a:stretch>
-        </a:blipFill>
-        <a:effectLst/>
-      </p:bgPr>
-    </p:bg>
-    <p:spTree>
-      <p:nvGrpSpPr>
-        <p:cNvPr id="1" name=""/>
-        <p:cNvGrpSpPr/>
-        <p:nvPr/>
-      </p:nvGrpSpPr>
-      <p:grpSpPr>
-        <a:xfrm>
-          <a:off x="0" y="0"/>
-          <a:ext cx="0" cy="0"/>
-          <a:chOff x="0" y="0"/>
-          <a:chExt cx="0" cy="0"/>
-        </a:xfrm>
-      </p:grpSpPr>
-      <p:sp>
-        <p:nvSpPr>
-          <p:cNvPr id="2" name="Title 1">
-            <a:extLst>
-              <a:ext uri="{FF2B5EF4-FFF2-40B4-BE49-F238E27FC236}">
                 <a16:creationId xmlns:a16="http://schemas.microsoft.com/office/drawing/2014/main" id="{7355A998-A943-2211-3954-15EFAD695B56}"/>
               </a:ext>
             </a:extLst>
@@ -3560,7 +3428,7 @@
 </p:sld>
 </file>
 
-<file path=ppt/slides/slide12.xml><?xml version="1.0" encoding="utf-8"?>
+<file path=ppt/slides/slide11.xml><?xml version="1.0" encoding="utf-8"?>
 <p:sld xmlns:a="http://schemas.openxmlformats.org/drawingml/2006/main" xmlns:r="http://schemas.openxmlformats.org/officeDocument/2006/relationships" xmlns:p="http://schemas.openxmlformats.org/presentationml/2006/main">
   <p:cSld>
     <p:bg>
@@ -3694,7 +3562,7 @@
 </p:sld>
 </file>
 
-<file path=ppt/slides/slide13.xml><?xml version="1.0" encoding="utf-8"?>
+<file path=ppt/slides/slide12.xml><?xml version="1.0" encoding="utf-8"?>
 <p:sld xmlns:a="http://schemas.openxmlformats.org/drawingml/2006/main" xmlns:r="http://schemas.openxmlformats.org/officeDocument/2006/relationships" xmlns:p="http://schemas.openxmlformats.org/presentationml/2006/main">
   <p:cSld>
     <p:bg>
@@ -3856,7 +3724,7 @@
 </p:sld>
 </file>
 
-<file path=ppt/slides/slide14.xml><?xml version="1.0" encoding="utf-8"?>
+<file path=ppt/slides/slide13.xml><?xml version="1.0" encoding="utf-8"?>
 <p:sld xmlns:a="http://schemas.openxmlformats.org/drawingml/2006/main" xmlns:r="http://schemas.openxmlformats.org/officeDocument/2006/relationships" xmlns:p="http://schemas.openxmlformats.org/presentationml/2006/main">
   <p:cSld>
     <p:bg>
@@ -3993,6 +3861,180 @@
 </p:sld>
 </file>
 
+<file path=ppt/slides/slide14.xml><?xml version="1.0" encoding="utf-8"?>
+<p:sld xmlns:a="http://schemas.openxmlformats.org/drawingml/2006/main" xmlns:r="http://schemas.openxmlformats.org/officeDocument/2006/relationships" xmlns:p="http://schemas.openxmlformats.org/presentationml/2006/main">
+  <p:cSld>
+    <p:bg>
+      <p:bgPr>
+        <a:blipFill dpi="0" rotWithShape="1">
+          <a:blip r:embed="rId2">
+            <a:alphaModFix amt="20000"/>
+            <a:lum/>
+          </a:blip>
+          <a:srcRect/>
+          <a:stretch>
+            <a:fillRect l="-6000" r="-6000"/>
+          </a:stretch>
+        </a:blipFill>
+        <a:effectLst/>
+      </p:bgPr>
+    </p:bg>
+    <p:spTree>
+      <p:nvGrpSpPr>
+        <p:cNvPr id="1" name=""/>
+        <p:cNvGrpSpPr/>
+        <p:nvPr/>
+      </p:nvGrpSpPr>
+      <p:grpSpPr>
+        <a:xfrm>
+          <a:off x="0" y="0"/>
+          <a:ext cx="0" cy="0"/>
+          <a:chOff x="0" y="0"/>
+          <a:chExt cx="0" cy="0"/>
+        </a:xfrm>
+      </p:grpSpPr>
+      <p:sp>
+        <p:nvSpPr>
+          <p:cNvPr id="2" name="Title 1">
+            <a:extLst>
+              <a:ext uri="{FF2B5EF4-FFF2-40B4-BE49-F238E27FC236}">
+                <a16:creationId xmlns:a16="http://schemas.microsoft.com/office/drawing/2014/main" id="{54075433-6E31-7BBA-9129-BDA4A17A4EE6}"/>
+              </a:ext>
+            </a:extLst>
+          </p:cNvPr>
+          <p:cNvSpPr>
+            <a:spLocks noGrp="1"/>
+          </p:cNvSpPr>
+          <p:nvPr>
+            <p:ph type="title"/>
+          </p:nvPr>
+        </p:nvSpPr>
+        <p:spPr/>
+        <p:txBody>
+          <a:bodyPr/>
+          <a:lstStyle/>
+          <a:p>
+            <a:endParaRPr lang="en-US"/>
+          </a:p>
+        </p:txBody>
+      </p:sp>
+      <p:sp>
+        <p:nvSpPr>
+          <p:cNvPr id="3" name="Content Placeholder 2">
+            <a:extLst>
+              <a:ext uri="{FF2B5EF4-FFF2-40B4-BE49-F238E27FC236}">
+                <a16:creationId xmlns:a16="http://schemas.microsoft.com/office/drawing/2014/main" id="{4E0BFC69-19EA-E075-B08D-FFB8D586988A}"/>
+              </a:ext>
+            </a:extLst>
+          </p:cNvPr>
+          <p:cNvSpPr>
+            <a:spLocks noGrp="1"/>
+          </p:cNvSpPr>
+          <p:nvPr>
+            <p:ph idx="1"/>
+          </p:nvPr>
+        </p:nvSpPr>
+        <p:spPr/>
+        <p:txBody>
+          <a:bodyPr/>
+          <a:lstStyle/>
+          <a:p>
+            <a:pPr>
+              <a:buNone/>
+            </a:pPr>
+            <a:r>
+              <a:rPr lang="en-US" sz="2800" b="1" dirty="0">
+                <a:latin typeface="Times New Roman" panose="02020603050405020304" pitchFamily="18" charset="0"/>
+                <a:cs typeface="Times New Roman" panose="02020603050405020304" pitchFamily="18" charset="0"/>
+              </a:rPr>
+              <a:t>Insights:</a:t>
+            </a:r>
+            <a:endParaRPr lang="en-US" sz="2800" dirty="0">
+              <a:latin typeface="Times New Roman" panose="02020603050405020304" pitchFamily="18" charset="0"/>
+              <a:cs typeface="Times New Roman" panose="02020603050405020304" pitchFamily="18" charset="0"/>
+            </a:endParaRPr>
+          </a:p>
+          <a:p>
+            <a:pPr>
+              <a:buFont typeface="Arial" panose="020B0604020202020204" pitchFamily="34" charset="0"/>
+              <a:buChar char="•"/>
+            </a:pPr>
+            <a:r>
+              <a:rPr lang="en-US" sz="2800" dirty="0">
+                <a:latin typeface="Times New Roman" panose="02020603050405020304" pitchFamily="18" charset="0"/>
+                <a:cs typeface="Times New Roman" panose="02020603050405020304" pitchFamily="18" charset="0"/>
+              </a:rPr>
+              <a:t>Countries with lower ag employment often show higher crop index values (e.g. Kenya)</a:t>
+            </a:r>
+          </a:p>
+          <a:p>
+            <a:pPr>
+              <a:buFont typeface="Arial" panose="020B0604020202020204" pitchFamily="34" charset="0"/>
+              <a:buChar char="•"/>
+            </a:pPr>
+            <a:r>
+              <a:rPr lang="en-US" sz="2800" dirty="0">
+                <a:latin typeface="Times New Roman" panose="02020603050405020304" pitchFamily="18" charset="0"/>
+                <a:cs typeface="Times New Roman" panose="02020603050405020304" pitchFamily="18" charset="0"/>
+              </a:rPr>
+              <a:t>Traditional, labor-heavy agriculture may correlate with lower efficiency</a:t>
+            </a:r>
+          </a:p>
+          <a:p>
+            <a:pPr marL="0" indent="0">
+              <a:buNone/>
+            </a:pPr>
+            <a:endParaRPr lang="en-US" sz="2800" dirty="0">
+              <a:latin typeface="Times New Roman" panose="02020603050405020304" pitchFamily="18" charset="0"/>
+              <a:cs typeface="Times New Roman" panose="02020603050405020304" pitchFamily="18" charset="0"/>
+            </a:endParaRPr>
+          </a:p>
+          <a:p>
+            <a:pPr marL="0" indent="0">
+              <a:buNone/>
+            </a:pPr>
+            <a:r>
+              <a:rPr lang="en-US" sz="2800" b="1" dirty="0">
+                <a:latin typeface="Times New Roman" panose="02020603050405020304" pitchFamily="18" charset="0"/>
+                <a:cs typeface="Times New Roman" panose="02020603050405020304" pitchFamily="18" charset="0"/>
+              </a:rPr>
+              <a:t>Suggests: </a:t>
+            </a:r>
+          </a:p>
+          <a:p>
+            <a:pPr>
+              <a:buFont typeface="Arial" panose="020B0604020202020204" pitchFamily="34" charset="0"/>
+              <a:buChar char="•"/>
+            </a:pPr>
+            <a:r>
+              <a:rPr lang="en-US" sz="2800" dirty="0">
+                <a:latin typeface="Times New Roman" panose="02020603050405020304" pitchFamily="18" charset="0"/>
+                <a:cs typeface="Times New Roman" panose="02020603050405020304" pitchFamily="18" charset="0"/>
+              </a:rPr>
+              <a:t>Modernized practices improve productivity per worker</a:t>
+            </a:r>
+          </a:p>
+          <a:p>
+            <a:pPr marL="0" indent="0">
+              <a:buNone/>
+            </a:pPr>
+            <a:endParaRPr lang="en-US" dirty="0"/>
+          </a:p>
+        </p:txBody>
+      </p:sp>
+    </p:spTree>
+    <p:extLst>
+      <p:ext uri="{BB962C8B-B14F-4D97-AF65-F5344CB8AC3E}">
+        <p14:creationId xmlns:p14="http://schemas.microsoft.com/office/powerpoint/2010/main" val="2407226018"/>
+      </p:ext>
+    </p:extLst>
+  </p:cSld>
+  <p:clrMapOvr>
+    <a:masterClrMapping/>
+  </p:clrMapOvr>
+</p:sld>
+</file>
+
 <file path=ppt/slides/slide15.xml><?xml version="1.0" encoding="utf-8"?>
 <p:sld xmlns:a="http://schemas.openxmlformats.org/drawingml/2006/main" xmlns:r="http://schemas.openxmlformats.org/officeDocument/2006/relationships" xmlns:p="http://schemas.openxmlformats.org/presentationml/2006/main">
   <p:cSld>
@@ -4030,165 +4072,6 @@
           <p:cNvPr id="2" name="Title 1">
             <a:extLst>
               <a:ext uri="{FF2B5EF4-FFF2-40B4-BE49-F238E27FC236}">
-                <a16:creationId xmlns:a16="http://schemas.microsoft.com/office/drawing/2014/main" id="{54075433-6E31-7BBA-9129-BDA4A17A4EE6}"/>
-              </a:ext>
-            </a:extLst>
-          </p:cNvPr>
-          <p:cNvSpPr>
-            <a:spLocks noGrp="1"/>
-          </p:cNvSpPr>
-          <p:nvPr>
-            <p:ph type="title"/>
-          </p:nvPr>
-        </p:nvSpPr>
-        <p:spPr/>
-        <p:txBody>
-          <a:bodyPr/>
-          <a:lstStyle/>
-          <a:p>
-            <a:endParaRPr lang="en-US"/>
-          </a:p>
-        </p:txBody>
-      </p:sp>
-      <p:sp>
-        <p:nvSpPr>
-          <p:cNvPr id="3" name="Content Placeholder 2">
-            <a:extLst>
-              <a:ext uri="{FF2B5EF4-FFF2-40B4-BE49-F238E27FC236}">
-                <a16:creationId xmlns:a16="http://schemas.microsoft.com/office/drawing/2014/main" id="{4E0BFC69-19EA-E075-B08D-FFB8D586988A}"/>
-              </a:ext>
-            </a:extLst>
-          </p:cNvPr>
-          <p:cNvSpPr>
-            <a:spLocks noGrp="1"/>
-          </p:cNvSpPr>
-          <p:nvPr>
-            <p:ph idx="1"/>
-          </p:nvPr>
-        </p:nvSpPr>
-        <p:spPr/>
-        <p:txBody>
-          <a:bodyPr/>
-          <a:lstStyle/>
-          <a:p>
-            <a:pPr>
-              <a:buNone/>
-            </a:pPr>
-            <a:r>
-              <a:rPr lang="en-US" sz="2800" b="1" dirty="0">
-                <a:latin typeface="Times New Roman" panose="02020603050405020304" pitchFamily="18" charset="0"/>
-                <a:cs typeface="Times New Roman" panose="02020603050405020304" pitchFamily="18" charset="0"/>
-              </a:rPr>
-              <a:t>Insights:</a:t>
-            </a:r>
-            <a:endParaRPr lang="en-US" sz="2800" dirty="0">
-              <a:latin typeface="Times New Roman" panose="02020603050405020304" pitchFamily="18" charset="0"/>
-              <a:cs typeface="Times New Roman" panose="02020603050405020304" pitchFamily="18" charset="0"/>
-            </a:endParaRPr>
-          </a:p>
-          <a:p>
-            <a:pPr>
-              <a:buFont typeface="Arial" panose="020B0604020202020204" pitchFamily="34" charset="0"/>
-              <a:buChar char="•"/>
-            </a:pPr>
-            <a:r>
-              <a:rPr lang="en-US" sz="2800" dirty="0">
-                <a:latin typeface="Times New Roman" panose="02020603050405020304" pitchFamily="18" charset="0"/>
-                <a:cs typeface="Times New Roman" panose="02020603050405020304" pitchFamily="18" charset="0"/>
-              </a:rPr>
-              <a:t>Countries with lower ag employment often show higher crop index values (e.g. Kenya)</a:t>
-            </a:r>
-          </a:p>
-          <a:p>
-            <a:pPr>
-              <a:buFont typeface="Arial" panose="020B0604020202020204" pitchFamily="34" charset="0"/>
-              <a:buChar char="•"/>
-            </a:pPr>
-            <a:r>
-              <a:rPr lang="en-US" sz="2800" dirty="0">
-                <a:latin typeface="Times New Roman" panose="02020603050405020304" pitchFamily="18" charset="0"/>
-                <a:cs typeface="Times New Roman" panose="02020603050405020304" pitchFamily="18" charset="0"/>
-              </a:rPr>
-              <a:t>Traditional, labor-heavy agriculture may correlate with lower efficiency</a:t>
-            </a:r>
-          </a:p>
-          <a:p>
-            <a:pPr marL="0" indent="0">
-              <a:buNone/>
-            </a:pPr>
-            <a:endParaRPr lang="en-US" sz="2800" dirty="0">
-              <a:latin typeface="Times New Roman" panose="02020603050405020304" pitchFamily="18" charset="0"/>
-              <a:cs typeface="Times New Roman" panose="02020603050405020304" pitchFamily="18" charset="0"/>
-            </a:endParaRPr>
-          </a:p>
-          <a:p>
-            <a:pPr marL="0" indent="0">
-              <a:buNone/>
-            </a:pPr>
-            <a:r>
-              <a:rPr lang="en-US" sz="2800" b="1" dirty="0">
-                <a:latin typeface="Times New Roman" panose="02020603050405020304" pitchFamily="18" charset="0"/>
-                <a:cs typeface="Times New Roman" panose="02020603050405020304" pitchFamily="18" charset="0"/>
-              </a:rPr>
-              <a:t>Suggests: </a:t>
-            </a:r>
-          </a:p>
-          <a:p>
-            <a:pPr>
-              <a:buFont typeface="Arial" panose="020B0604020202020204" pitchFamily="34" charset="0"/>
-              <a:buChar char="•"/>
-            </a:pPr>
-            <a:r>
-              <a:rPr lang="en-US" sz="2800" dirty="0">
-                <a:latin typeface="Times New Roman" panose="02020603050405020304" pitchFamily="18" charset="0"/>
-                <a:cs typeface="Times New Roman" panose="02020603050405020304" pitchFamily="18" charset="0"/>
-              </a:rPr>
-              <a:t>Modernized practices improve productivity per worker</a:t>
-            </a:r>
-          </a:p>
-          <a:p>
-            <a:pPr marL="0" indent="0">
-              <a:buNone/>
-            </a:pPr>
-            <a:endParaRPr lang="en-US" dirty="0"/>
-          </a:p>
-        </p:txBody>
-      </p:sp>
-    </p:spTree>
-    <p:extLst>
-      <p:ext uri="{BB962C8B-B14F-4D97-AF65-F5344CB8AC3E}">
-        <p14:creationId xmlns:p14="http://schemas.microsoft.com/office/powerpoint/2010/main" val="2407226018"/>
-      </p:ext>
-    </p:extLst>
-  </p:cSld>
-  <p:clrMapOvr>
-    <a:masterClrMapping/>
-  </p:clrMapOvr>
-</p:sld>
-</file>
-
-<file path=ppt/slides/slide16.xml><?xml version="1.0" encoding="utf-8"?>
-<p:sld xmlns:a="http://schemas.openxmlformats.org/drawingml/2006/main" xmlns:r="http://schemas.openxmlformats.org/officeDocument/2006/relationships" xmlns:p="http://schemas.openxmlformats.org/presentationml/2006/main">
-  <p:cSld>
-    <p:spTree>
-      <p:nvGrpSpPr>
-        <p:cNvPr id="1" name=""/>
-        <p:cNvGrpSpPr/>
-        <p:nvPr/>
-      </p:nvGrpSpPr>
-      <p:grpSpPr>
-        <a:xfrm>
-          <a:off x="0" y="0"/>
-          <a:ext cx="0" cy="0"/>
-          <a:chOff x="0" y="0"/>
-          <a:chExt cx="0" cy="0"/>
-        </a:xfrm>
-      </p:grpSpPr>
-      <p:sp>
-        <p:nvSpPr>
-          <p:cNvPr id="2" name="Title 1">
-            <a:extLst>
-              <a:ext uri="{FF2B5EF4-FFF2-40B4-BE49-F238E27FC236}">
                 <a16:creationId xmlns:a16="http://schemas.microsoft.com/office/drawing/2014/main" id="{BDAB45A4-8684-B20C-3BDA-00C8C9763135}"/>
               </a:ext>
             </a:extLst>
@@ -4200,21 +4083,36 @@
             <p:ph type="title"/>
           </p:nvPr>
         </p:nvSpPr>
-        <p:spPr/>
-        <p:txBody>
-          <a:bodyPr/>
-          <a:lstStyle/>
-          <a:p>
-            <a:endParaRPr lang="en-US"/>
-          </a:p>
-        </p:txBody>
-      </p:sp>
-      <p:sp>
-        <p:nvSpPr>
-          <p:cNvPr id="3" name="Content Placeholder 2">
+        <p:spPr>
+          <a:xfrm>
+            <a:off x="499621" y="197964"/>
+            <a:ext cx="8267307" cy="1234910"/>
+          </a:xfrm>
+        </p:spPr>
+        <p:txBody>
+          <a:bodyPr>
+            <a:normAutofit fontScale="90000"/>
+          </a:bodyPr>
+          <a:lstStyle/>
+          <a:p>
+            <a:pPr algn="ctr"/>
+            <a:r>
+              <a:rPr lang="en-US" sz="4400" dirty="0">
+                <a:latin typeface="Times New Roman" panose="02020603050405020304" pitchFamily="18" charset="0"/>
+                <a:cs typeface="Times New Roman" panose="02020603050405020304" pitchFamily="18" charset="0"/>
+              </a:rPr>
+              <a:t>Fertilizer Consumption Trends and Forecast for Kenya (1960–2035)</a:t>
+            </a:r>
+            <a:endParaRPr lang="en-US" dirty="0"/>
+          </a:p>
+        </p:txBody>
+      </p:sp>
+      <p:sp>
+        <p:nvSpPr>
+          <p:cNvPr id="5" name="Text Placeholder 4">
             <a:extLst>
               <a:ext uri="{FF2B5EF4-FFF2-40B4-BE49-F238E27FC236}">
-                <a16:creationId xmlns:a16="http://schemas.microsoft.com/office/drawing/2014/main" id="{11086566-55AE-88A7-0DD5-A05DFCD8864F}"/>
+                <a16:creationId xmlns:a16="http://schemas.microsoft.com/office/drawing/2014/main" id="{ADEDE2DA-5BCD-A9F2-E077-F3F5DE7E0968}"/>
               </a:ext>
             </a:extLst>
           </p:cNvPr>
@@ -4222,18 +4120,107 @@
             <a:spLocks noGrp="1"/>
           </p:cNvSpPr>
           <p:nvPr>
-            <p:ph idx="1"/>
-          </p:nvPr>
-        </p:nvSpPr>
-        <p:spPr/>
-        <p:txBody>
-          <a:bodyPr/>
-          <a:lstStyle/>
-          <a:p>
-            <a:endParaRPr lang="en-US"/>
-          </a:p>
-        </p:txBody>
-      </p:sp>
+            <p:ph type="body" sz="half" idx="2"/>
+          </p:nvPr>
+        </p:nvSpPr>
+        <p:spPr>
+          <a:xfrm>
+            <a:off x="122547" y="4825966"/>
+            <a:ext cx="8842343" cy="2032033"/>
+          </a:xfrm>
+        </p:spPr>
+        <p:txBody>
+          <a:bodyPr>
+            <a:normAutofit fontScale="70000" lnSpcReduction="20000"/>
+          </a:bodyPr>
+          <a:lstStyle/>
+          <a:p>
+            <a:pPr marL="285750" indent="-285750">
+              <a:buFont typeface="Arial" panose="020B0604020202020204" pitchFamily="34" charset="0"/>
+              <a:buChar char="•"/>
+            </a:pPr>
+            <a:r>
+              <a:rPr lang="en-US" sz="2700" dirty="0">
+                <a:latin typeface="Times New Roman" panose="02020603050405020304" pitchFamily="18" charset="0"/>
+                <a:cs typeface="Times New Roman" panose="02020603050405020304" pitchFamily="18" charset="0"/>
+              </a:rPr>
+              <a:t>Fertilizer use in Kenya rose steadily from 1960 to 2023, with notable volatility in recent years.</a:t>
+            </a:r>
+          </a:p>
+          <a:p>
+            <a:pPr marL="285750" indent="-285750">
+              <a:buFont typeface="Arial" panose="020B0604020202020204" pitchFamily="34" charset="0"/>
+              <a:buChar char="•"/>
+            </a:pPr>
+            <a:r>
+              <a:rPr lang="en-US" sz="2700" dirty="0">
+                <a:latin typeface="Times New Roman" panose="02020603050405020304" pitchFamily="18" charset="0"/>
+                <a:cs typeface="Times New Roman" panose="02020603050405020304" pitchFamily="18" charset="0"/>
+              </a:rPr>
+              <a:t>The ARIMA model forecasts stabilization around 40–45 kg/ha through 2035.</a:t>
+            </a:r>
+          </a:p>
+          <a:p>
+            <a:pPr marL="285750" indent="-285750">
+              <a:buFont typeface="Arial" panose="020B0604020202020204" pitchFamily="34" charset="0"/>
+              <a:buChar char="•"/>
+            </a:pPr>
+            <a:r>
+              <a:rPr lang="en-US" sz="2700" dirty="0">
+                <a:latin typeface="Times New Roman" panose="02020603050405020304" pitchFamily="18" charset="0"/>
+                <a:cs typeface="Times New Roman" panose="02020603050405020304" pitchFamily="18" charset="0"/>
+              </a:rPr>
+              <a:t>Wide confidence intervals signal uncertainty thus external factors like climate, prices, and policy could impact actual outcomes.</a:t>
+            </a:r>
+          </a:p>
+          <a:p>
+            <a:pPr marL="285750" indent="-285750">
+              <a:buFont typeface="Arial" panose="020B0604020202020204" pitchFamily="34" charset="0"/>
+              <a:buChar char="•"/>
+            </a:pPr>
+            <a:r>
+              <a:rPr lang="en-US" sz="2700" dirty="0">
+                <a:latin typeface="Times New Roman" panose="02020603050405020304" pitchFamily="18" charset="0"/>
+                <a:cs typeface="Times New Roman" panose="02020603050405020304" pitchFamily="18" charset="0"/>
+              </a:rPr>
+              <a:t>Policy support e.g. subsidies  and training is crucial to push usage toward the higher end of the forecast range.</a:t>
+            </a:r>
+          </a:p>
+          <a:p>
+            <a:endParaRPr lang="en-US" dirty="0"/>
+          </a:p>
+        </p:txBody>
+      </p:sp>
+      <p:pic>
+        <p:nvPicPr>
+          <p:cNvPr id="6" name="Content Placeholder 3" descr="d157c072-8ca3-45b6-af27-43deec136130.png">
+            <a:extLst>
+              <a:ext uri="{FF2B5EF4-FFF2-40B4-BE49-F238E27FC236}">
+                <a16:creationId xmlns:a16="http://schemas.microsoft.com/office/drawing/2014/main" id="{5C83133C-040F-C6BF-EA2F-FC9AE22F298B}"/>
+              </a:ext>
+            </a:extLst>
+          </p:cNvPr>
+          <p:cNvPicPr>
+            <a:picLocks noChangeAspect="1"/>
+          </p:cNvPicPr>
+          <p:nvPr/>
+        </p:nvPicPr>
+        <p:blipFill>
+          <a:blip r:embed="rId3"/>
+          <a:stretch>
+            <a:fillRect/>
+          </a:stretch>
+        </p:blipFill>
+        <p:spPr>
+          <a:xfrm>
+            <a:off x="1036947" y="1432874"/>
+            <a:ext cx="6645897" cy="3271101"/>
+          </a:xfrm>
+          <a:prstGeom prst="rect">
+            <a:avLst/>
+          </a:prstGeom>
+        </p:spPr>
+      </p:pic>
     </p:spTree>
     <p:extLst>
       <p:ext uri="{BB962C8B-B14F-4D97-AF65-F5344CB8AC3E}">
@@ -4247,94 +4234,14 @@
 </p:sld>
 </file>
 
-<file path=ppt/slides/slide17.xml><?xml version="1.0" encoding="utf-8"?>
-<p:sld xmlns:a="http://schemas.openxmlformats.org/drawingml/2006/main" xmlns:r="http://schemas.openxmlformats.org/officeDocument/2006/relationships" xmlns:p="http://schemas.openxmlformats.org/presentationml/2006/main">
-  <p:cSld>
-    <p:spTree>
-      <p:nvGrpSpPr>
-        <p:cNvPr id="1" name=""/>
-        <p:cNvGrpSpPr/>
-        <p:nvPr/>
-      </p:nvGrpSpPr>
-      <p:grpSpPr>
-        <a:xfrm>
-          <a:off x="0" y="0"/>
-          <a:ext cx="0" cy="0"/>
-          <a:chOff x="0" y="0"/>
-          <a:chExt cx="0" cy="0"/>
-        </a:xfrm>
-      </p:grpSpPr>
-      <p:sp>
-        <p:nvSpPr>
-          <p:cNvPr id="2" name="Title 1">
-            <a:extLst>
-              <a:ext uri="{FF2B5EF4-FFF2-40B4-BE49-F238E27FC236}">
-                <a16:creationId xmlns:a16="http://schemas.microsoft.com/office/drawing/2014/main" id="{3A6D237B-F7A5-908C-8815-25081666BD9E}"/>
-              </a:ext>
-            </a:extLst>
-          </p:cNvPr>
-          <p:cNvSpPr>
-            <a:spLocks noGrp="1"/>
-          </p:cNvSpPr>
-          <p:nvPr>
-            <p:ph type="title"/>
-          </p:nvPr>
-        </p:nvSpPr>
-        <p:spPr/>
-        <p:txBody>
-          <a:bodyPr/>
-          <a:lstStyle/>
-          <a:p>
-            <a:endParaRPr lang="en-US"/>
-          </a:p>
-        </p:txBody>
-      </p:sp>
-      <p:sp>
-        <p:nvSpPr>
-          <p:cNvPr id="3" name="Content Placeholder 2">
-            <a:extLst>
-              <a:ext uri="{FF2B5EF4-FFF2-40B4-BE49-F238E27FC236}">
-                <a16:creationId xmlns:a16="http://schemas.microsoft.com/office/drawing/2014/main" id="{EECB0845-D9F9-B10E-D9FA-70C5D9963150}"/>
-              </a:ext>
-            </a:extLst>
-          </p:cNvPr>
-          <p:cNvSpPr>
-            <a:spLocks noGrp="1"/>
-          </p:cNvSpPr>
-          <p:nvPr>
-            <p:ph idx="1"/>
-          </p:nvPr>
-        </p:nvSpPr>
-        <p:spPr/>
-        <p:txBody>
-          <a:bodyPr/>
-          <a:lstStyle/>
-          <a:p>
-            <a:endParaRPr lang="en-US"/>
-          </a:p>
-        </p:txBody>
-      </p:sp>
-    </p:spTree>
-    <p:extLst>
-      <p:ext uri="{BB962C8B-B14F-4D97-AF65-F5344CB8AC3E}">
-        <p14:creationId xmlns:p14="http://schemas.microsoft.com/office/powerpoint/2010/main" val="656906610"/>
-      </p:ext>
-    </p:extLst>
-  </p:cSld>
-  <p:clrMapOvr>
-    <a:masterClrMapping/>
-  </p:clrMapOvr>
-</p:sld>
-</file>
-
-<file path=ppt/slides/slide18.xml><?xml version="1.0" encoding="utf-8"?>
+<file path=ppt/slides/slide16.xml><?xml version="1.0" encoding="utf-8"?>
 <p:sld xmlns:a="http://schemas.openxmlformats.org/drawingml/2006/main" xmlns:r="http://schemas.openxmlformats.org/officeDocument/2006/relationships" xmlns:p="http://schemas.openxmlformats.org/presentationml/2006/main">
   <p:cSld>
     <p:bg>
       <p:bgPr>
         <a:blipFill dpi="0" rotWithShape="1">
           <a:blip r:embed="rId2">
-            <a:alphaModFix amt="40000"/>
+            <a:alphaModFix amt="20000"/>
             <a:lum/>
           </a:blip>
           <a:srcRect/>
@@ -4361,7 +4268,13 @@
       </p:grpSpPr>
       <p:sp>
         <p:nvSpPr>
-          <p:cNvPr id="2" name="Title 1"/>
+          <p:cNvPr id="2" name="Title 1">
+            <a:extLst>
+              <a:ext uri="{FF2B5EF4-FFF2-40B4-BE49-F238E27FC236}">
+                <a16:creationId xmlns:a16="http://schemas.microsoft.com/office/drawing/2014/main" id="{F622BC4A-E9B7-1952-C91C-849F33ACD6F7}"/>
+              </a:ext>
+            </a:extLst>
+          </p:cNvPr>
           <p:cNvSpPr>
             <a:spLocks noGrp="1"/>
           </p:cNvSpPr>
@@ -4371,185 +4284,133 @@
         </p:nvSpPr>
         <p:spPr/>
         <p:txBody>
-          <a:bodyPr/>
-          <a:lstStyle/>
-          <a:p>
-            <a:r>
-              <a:rPr dirty="0">
-                <a:latin typeface="Times New Roman" panose="02020603050405020304" pitchFamily="18" charset="0"/>
-                <a:cs typeface="Times New Roman" panose="02020603050405020304" pitchFamily="18" charset="0"/>
-              </a:rPr>
-              <a:t>Thank You </a:t>
-            </a:r>
-            <a:r>
-              <a:rPr lang="en-GB" dirty="0">
-                <a:latin typeface="Times New Roman" panose="02020603050405020304" pitchFamily="18" charset="0"/>
-                <a:cs typeface="Times New Roman" panose="02020603050405020304" pitchFamily="18" charset="0"/>
-              </a:rPr>
-              <a:t>!</a:t>
-            </a:r>
-            <a:endParaRPr dirty="0">
+          <a:bodyPr>
+            <a:normAutofit fontScale="90000"/>
+          </a:bodyPr>
+          <a:lstStyle/>
+          <a:p>
+            <a:r>
+              <a:rPr lang="en-US" b="1" dirty="0">
+                <a:latin typeface="Times New Roman" panose="02020603050405020304" pitchFamily="18" charset="0"/>
+                <a:cs typeface="Times New Roman" panose="02020603050405020304" pitchFamily="18" charset="0"/>
+              </a:rPr>
+              <a:t>Predicting Agricultural Productivity with Machine Learning</a:t>
+            </a:r>
+          </a:p>
+        </p:txBody>
+      </p:sp>
+      <p:sp>
+        <p:nvSpPr>
+          <p:cNvPr id="3" name="Content Placeholder 2">
+            <a:extLst>
+              <a:ext uri="{FF2B5EF4-FFF2-40B4-BE49-F238E27FC236}">
+                <a16:creationId xmlns:a16="http://schemas.microsoft.com/office/drawing/2014/main" id="{7A00FF2D-BFD7-6B65-C241-B350BC859D3A}"/>
+              </a:ext>
+            </a:extLst>
+          </p:cNvPr>
+          <p:cNvSpPr>
+            <a:spLocks noGrp="1"/>
+          </p:cNvSpPr>
+          <p:nvPr>
+            <p:ph idx="1"/>
+          </p:nvPr>
+        </p:nvSpPr>
+        <p:spPr>
+          <a:xfrm>
+            <a:off x="103695" y="1881908"/>
+            <a:ext cx="8385141" cy="4913722"/>
+          </a:xfrm>
+        </p:spPr>
+        <p:txBody>
+          <a:bodyPr>
+            <a:noAutofit/>
+          </a:bodyPr>
+          <a:lstStyle/>
+          <a:p>
+            <a:pPr>
+              <a:buNone/>
+            </a:pPr>
+            <a:r>
+              <a:rPr lang="en-US" sz="2800" b="1" dirty="0">
+                <a:latin typeface="Times New Roman" panose="02020603050405020304" pitchFamily="18" charset="0"/>
+                <a:cs typeface="Times New Roman" panose="02020603050405020304" pitchFamily="18" charset="0"/>
+              </a:rPr>
+              <a:t>Models Performance:</a:t>
+            </a:r>
+          </a:p>
+          <a:p>
+            <a:pPr>
+              <a:buFont typeface="Arial" panose="020B0604020202020204" pitchFamily="34" charset="0"/>
+              <a:buChar char="•"/>
+            </a:pPr>
+            <a:r>
+              <a:rPr lang="en-US" sz="2800" dirty="0">
+                <a:latin typeface="Times New Roman" panose="02020603050405020304" pitchFamily="18" charset="0"/>
+                <a:cs typeface="Times New Roman" panose="02020603050405020304" pitchFamily="18" charset="0"/>
+              </a:rPr>
+              <a:t>Random Forest - delivered the most accurate predictions for crop productivity, with strong explanatory power (R² = 0.87) and low error.</a:t>
+            </a:r>
+          </a:p>
+          <a:p>
+            <a:pPr>
+              <a:buFont typeface="Arial" panose="020B0604020202020204" pitchFamily="34" charset="0"/>
+              <a:buChar char="•"/>
+            </a:pPr>
+            <a:endParaRPr lang="en-US" sz="2800" dirty="0">
               <a:latin typeface="Times New Roman" panose="02020603050405020304" pitchFamily="18" charset="0"/>
               <a:cs typeface="Times New Roman" panose="02020603050405020304" pitchFamily="18" charset="0"/>
             </a:endParaRPr>
           </a:p>
-        </p:txBody>
-      </p:sp>
-      <p:sp>
-        <p:nvSpPr>
-          <p:cNvPr id="3" name="Content Placeholder 2"/>
-          <p:cNvSpPr>
-            <a:spLocks noGrp="1"/>
-          </p:cNvSpPr>
-          <p:nvPr>
-            <p:ph idx="1"/>
-          </p:nvPr>
-        </p:nvSpPr>
-        <p:spPr/>
-        <p:txBody>
-          <a:bodyPr>
-            <a:normAutofit/>
-          </a:bodyPr>
-          <a:lstStyle/>
+          <a:p>
+            <a:pPr>
+              <a:buFont typeface="Arial" panose="020B0604020202020204" pitchFamily="34" charset="0"/>
+              <a:buChar char="•"/>
+            </a:pPr>
+            <a:r>
+              <a:rPr lang="en-US" sz="2800" dirty="0" err="1">
+                <a:latin typeface="Times New Roman" panose="02020603050405020304" pitchFamily="18" charset="0"/>
+                <a:cs typeface="Times New Roman" panose="02020603050405020304" pitchFamily="18" charset="0"/>
+              </a:rPr>
+              <a:t>XGBoost</a:t>
+            </a:r>
+            <a:r>
+              <a:rPr lang="en-US" sz="2800" dirty="0">
+                <a:latin typeface="Times New Roman" panose="02020603050405020304" pitchFamily="18" charset="0"/>
+                <a:cs typeface="Times New Roman" panose="02020603050405020304" pitchFamily="18" charset="0"/>
+              </a:rPr>
+              <a:t> - also performed well (R² = 0.84), but was slightly less accurate</a:t>
+            </a:r>
+          </a:p>
           <a:p>
             <a:pPr marL="0" indent="0">
               <a:buNone/>
             </a:pPr>
-            <a:r>
-              <a:rPr sz="2800" dirty="0">
-                <a:latin typeface="Times New Roman" panose="02020603050405020304" pitchFamily="18" charset="0"/>
-                <a:cs typeface="Times New Roman" panose="02020603050405020304" pitchFamily="18" charset="0"/>
-              </a:rPr>
-              <a:t>• Questions?</a:t>
-            </a:r>
-            <a:endParaRPr lang="en-GB" sz="2800" dirty="0">
+            <a:endParaRPr lang="en-US" sz="2800" dirty="0">
               <a:latin typeface="Times New Roman" panose="02020603050405020304" pitchFamily="18" charset="0"/>
               <a:cs typeface="Times New Roman" panose="02020603050405020304" pitchFamily="18" charset="0"/>
             </a:endParaRPr>
           </a:p>
           <a:p>
-            <a:pPr marL="0" indent="0">
-              <a:buNone/>
-            </a:pPr>
-            <a:endParaRPr sz="2800" dirty="0">
-              <a:latin typeface="Times New Roman" panose="02020603050405020304" pitchFamily="18" charset="0"/>
-              <a:cs typeface="Times New Roman" panose="02020603050405020304" pitchFamily="18" charset="0"/>
-            </a:endParaRPr>
-          </a:p>
-          <a:p>
-            <a:pPr marL="0" indent="0">
-              <a:buNone/>
-            </a:pPr>
-            <a:endParaRPr lang="en-GB" sz="2800" dirty="0">
-              <a:latin typeface="Times New Roman" panose="02020603050405020304" pitchFamily="18" charset="0"/>
-              <a:cs typeface="Times New Roman" panose="02020603050405020304" pitchFamily="18" charset="0"/>
-            </a:endParaRPr>
-          </a:p>
-          <a:p>
-            <a:pPr marL="0" indent="0">
-              <a:buNone/>
-            </a:pPr>
-            <a:r>
-              <a:rPr sz="2800" dirty="0">
-                <a:latin typeface="Times New Roman" panose="02020603050405020304" pitchFamily="18" charset="0"/>
-                <a:cs typeface="Times New Roman" panose="02020603050405020304" pitchFamily="18" charset="0"/>
-              </a:rPr>
-              <a:t>• </a:t>
-            </a:r>
-            <a:r>
-              <a:rPr lang="en-GB" sz="2800" dirty="0">
-                <a:latin typeface="Times New Roman" panose="02020603050405020304" pitchFamily="18" charset="0"/>
-                <a:cs typeface="Times New Roman" panose="02020603050405020304" pitchFamily="18" charset="0"/>
-              </a:rPr>
-              <a:t>Presented By</a:t>
-            </a:r>
-            <a:r>
-              <a:rPr sz="2800" dirty="0">
-                <a:latin typeface="Times New Roman" panose="02020603050405020304" pitchFamily="18" charset="0"/>
-                <a:cs typeface="Times New Roman" panose="02020603050405020304" pitchFamily="18" charset="0"/>
-              </a:rPr>
-              <a:t>:</a:t>
-            </a:r>
-            <a:r>
-              <a:rPr lang="en-GB" sz="2800" dirty="0">
-                <a:latin typeface="Times New Roman" panose="02020603050405020304" pitchFamily="18" charset="0"/>
-                <a:cs typeface="Times New Roman" panose="02020603050405020304" pitchFamily="18" charset="0"/>
-              </a:rPr>
-              <a:t> </a:t>
-            </a:r>
-            <a:r>
-              <a:rPr lang="en-GB" sz="2800" dirty="0">
-                <a:solidFill>
-                  <a:schemeClr val="accent1"/>
-                </a:solidFill>
-                <a:latin typeface="Times New Roman" panose="02020603050405020304" pitchFamily="18" charset="0"/>
-                <a:cs typeface="Times New Roman" panose="02020603050405020304" pitchFamily="18" charset="0"/>
-              </a:rPr>
-              <a:t>Group 2</a:t>
-            </a:r>
-          </a:p>
-          <a:p>
-            <a:pPr marL="0" indent="0">
-              <a:buNone/>
-            </a:pPr>
-            <a:endParaRPr sz="2800" dirty="0">
-              <a:latin typeface="Times New Roman" panose="02020603050405020304" pitchFamily="18" charset="0"/>
-              <a:cs typeface="Times New Roman" panose="02020603050405020304" pitchFamily="18" charset="0"/>
-            </a:endParaRPr>
-          </a:p>
-          <a:p>
-            <a:pPr marL="0" indent="0">
-              <a:buNone/>
-            </a:pPr>
-            <a:r>
-              <a:rPr sz="2800" dirty="0">
-                <a:latin typeface="Times New Roman" panose="02020603050405020304" pitchFamily="18" charset="0"/>
-                <a:cs typeface="Times New Roman" panose="02020603050405020304" pitchFamily="18" charset="0"/>
-              </a:rPr>
-              <a:t>• GitHub:</a:t>
-            </a:r>
-            <a:r>
-              <a:rPr lang="en-GB" sz="2800" dirty="0">
-                <a:latin typeface="Times New Roman" panose="02020603050405020304" pitchFamily="18" charset="0"/>
-                <a:cs typeface="Times New Roman" panose="02020603050405020304" pitchFamily="18" charset="0"/>
-              </a:rPr>
-              <a:t> </a:t>
-            </a:r>
-            <a:r>
-              <a:rPr lang="en-GB" sz="2800" dirty="0">
-                <a:latin typeface="Times New Roman" panose="02020603050405020304" pitchFamily="18" charset="0"/>
-                <a:cs typeface="Times New Roman" panose="02020603050405020304" pitchFamily="18" charset="0"/>
-                <a:hlinkClick r:id="rId3"/>
-              </a:rPr>
-              <a:t>https://github.com/Rodgerdev/east-africa-</a:t>
-            </a:r>
-            <a:r>
-              <a:rPr lang="en-GB" sz="2800" dirty="0">
-                <a:latin typeface="Times New Roman" panose="02020603050405020304" pitchFamily="18" charset="0"/>
-                <a:cs typeface="Times New Roman" panose="02020603050405020304" pitchFamily="18" charset="0"/>
-              </a:rPr>
-              <a:t>  </a:t>
-            </a:r>
-          </a:p>
-          <a:p>
-            <a:pPr marL="0" indent="0">
-              <a:buNone/>
-            </a:pPr>
-            <a:r>
-              <a:rPr lang="en-GB" sz="2800" dirty="0">
-                <a:latin typeface="Times New Roman" panose="02020603050405020304" pitchFamily="18" charset="0"/>
-                <a:cs typeface="Times New Roman" panose="02020603050405020304" pitchFamily="18" charset="0"/>
-              </a:rPr>
-              <a:t>fertilizer-project</a:t>
-            </a:r>
-            <a:endParaRPr lang="en-GB" sz="2800" u="sng" dirty="0">
-              <a:latin typeface="Times New Roman" panose="02020603050405020304" pitchFamily="18" charset="0"/>
-              <a:cs typeface="Times New Roman" panose="02020603050405020304" pitchFamily="18" charset="0"/>
-            </a:endParaRPr>
+            <a:pPr>
+              <a:buFont typeface="Arial" panose="020B0604020202020204" pitchFamily="34" charset="0"/>
+              <a:buChar char="•"/>
+            </a:pPr>
+            <a:r>
+              <a:rPr lang="en-US" sz="2800" dirty="0">
+                <a:latin typeface="Times New Roman" panose="02020603050405020304" pitchFamily="18" charset="0"/>
+                <a:cs typeface="Times New Roman" panose="02020603050405020304" pitchFamily="18" charset="0"/>
+              </a:rPr>
+              <a:t>Linear Regression - failed to capture patterns in the data (R² = 0.08), showing it's not suitable for this task.</a:t>
+            </a:r>
           </a:p>
         </p:txBody>
       </p:sp>
     </p:spTree>
+    <p:extLst>
+      <p:ext uri="{BB962C8B-B14F-4D97-AF65-F5344CB8AC3E}">
+        <p14:creationId xmlns:p14="http://schemas.microsoft.com/office/powerpoint/2010/main" val="56085890"/>
+      </p:ext>
+    </p:extLst>
   </p:cSld>
   <p:clrMapOvr>
     <a:masterClrMapping/>
@@ -4557,14 +4418,14 @@
 </p:sld>
 </file>
 
-<file path=ppt/slides/slide2.xml><?xml version="1.0" encoding="utf-8"?>
+<file path=ppt/slides/slide17.xml><?xml version="1.0" encoding="utf-8"?>
 <p:sld xmlns:a="http://schemas.openxmlformats.org/drawingml/2006/main" xmlns:r="http://schemas.openxmlformats.org/officeDocument/2006/relationships" xmlns:p="http://schemas.openxmlformats.org/presentationml/2006/main">
   <p:cSld>
     <p:bg>
       <p:bgPr>
         <a:blipFill dpi="0" rotWithShape="1">
           <a:blip r:embed="rId2">
-            <a:alphaModFix amt="25000"/>
+            <a:alphaModFix amt="20000"/>
             <a:lum/>
           </a:blip>
           <a:srcRect/>
@@ -4591,6 +4452,628 @@
       </p:grpSpPr>
       <p:sp>
         <p:nvSpPr>
+          <p:cNvPr id="8" name="Title 7">
+            <a:extLst>
+              <a:ext uri="{FF2B5EF4-FFF2-40B4-BE49-F238E27FC236}">
+                <a16:creationId xmlns:a16="http://schemas.microsoft.com/office/drawing/2014/main" id="{83189D60-2ACA-1380-6A66-CE99C168F633}"/>
+              </a:ext>
+            </a:extLst>
+          </p:cNvPr>
+          <p:cNvSpPr>
+            <a:spLocks noGrp="1"/>
+          </p:cNvSpPr>
+          <p:nvPr>
+            <p:ph type="title"/>
+          </p:nvPr>
+        </p:nvSpPr>
+        <p:spPr>
+          <a:xfrm>
+            <a:off x="457200" y="146051"/>
+            <a:ext cx="8229600" cy="539750"/>
+          </a:xfrm>
+        </p:spPr>
+        <p:txBody>
+          <a:bodyPr>
+            <a:normAutofit/>
+          </a:bodyPr>
+          <a:lstStyle/>
+          <a:p>
+            <a:r>
+              <a:rPr lang="en-GB" sz="2800" b="1" dirty="0">
+                <a:latin typeface="Times New Roman" panose="02020603050405020304" pitchFamily="18" charset="0"/>
+                <a:cs typeface="Times New Roman" panose="02020603050405020304" pitchFamily="18" charset="0"/>
+              </a:rPr>
+              <a:t>Best Performing Model- Random Forest</a:t>
+            </a:r>
+            <a:endParaRPr lang="en-US" sz="2800" b="1" dirty="0">
+              <a:latin typeface="Times New Roman" panose="02020603050405020304" pitchFamily="18" charset="0"/>
+              <a:cs typeface="Times New Roman" panose="02020603050405020304" pitchFamily="18" charset="0"/>
+            </a:endParaRPr>
+          </a:p>
+        </p:txBody>
+      </p:sp>
+      <p:sp>
+        <p:nvSpPr>
+          <p:cNvPr id="4" name="Text Placeholder 3">
+            <a:extLst>
+              <a:ext uri="{FF2B5EF4-FFF2-40B4-BE49-F238E27FC236}">
+                <a16:creationId xmlns:a16="http://schemas.microsoft.com/office/drawing/2014/main" id="{B5FC54DE-6FB7-4E0D-F137-90FB51FBC2CC}"/>
+              </a:ext>
+            </a:extLst>
+          </p:cNvPr>
+          <p:cNvSpPr>
+            <a:spLocks noGrp="1"/>
+          </p:cNvSpPr>
+          <p:nvPr>
+            <p:ph type="body" sz="half" idx="4294967295"/>
+          </p:nvPr>
+        </p:nvSpPr>
+        <p:spPr>
+          <a:xfrm>
+            <a:off x="141288" y="4727575"/>
+            <a:ext cx="8229600" cy="1984375"/>
+          </a:xfrm>
+        </p:spPr>
+        <p:txBody>
+          <a:bodyPr>
+            <a:normAutofit/>
+          </a:bodyPr>
+          <a:lstStyle/>
+          <a:p>
+            <a:pPr marL="0" indent="0">
+              <a:buNone/>
+            </a:pPr>
+            <a:r>
+              <a:rPr lang="en-US" sz="2000" b="1" dirty="0">
+                <a:latin typeface="Times New Roman" panose="02020603050405020304" pitchFamily="18" charset="0"/>
+                <a:cs typeface="Times New Roman" panose="02020603050405020304" pitchFamily="18" charset="0"/>
+              </a:rPr>
+              <a:t>Insights:</a:t>
+            </a:r>
+          </a:p>
+          <a:p>
+            <a:pPr marL="285750" indent="-285750">
+              <a:buFont typeface="Arial" panose="020B0604020202020204" pitchFamily="34" charset="0"/>
+              <a:buChar char="•"/>
+            </a:pPr>
+            <a:r>
+              <a:rPr lang="en-US" sz="2000" dirty="0">
+                <a:latin typeface="Times New Roman" panose="02020603050405020304" pitchFamily="18" charset="0"/>
+                <a:cs typeface="Times New Roman" panose="02020603050405020304" pitchFamily="18" charset="0"/>
+              </a:rPr>
+              <a:t>Policies focusing on input efficiency (fertilizer use) and yield optimization will likely have the highest returns for improving crop productivity.</a:t>
+            </a:r>
+          </a:p>
+          <a:p>
+            <a:pPr marL="285750" indent="-285750">
+              <a:buFont typeface="Arial" panose="020B0604020202020204" pitchFamily="34" charset="0"/>
+              <a:buChar char="•"/>
+            </a:pPr>
+            <a:r>
+              <a:rPr lang="en-US" sz="2000" dirty="0">
+                <a:latin typeface="Times New Roman" panose="02020603050405020304" pitchFamily="18" charset="0"/>
+                <a:cs typeface="Times New Roman" panose="02020603050405020304" pitchFamily="18" charset="0"/>
+              </a:rPr>
+              <a:t>The tight clustering of data points around this line indicates high model accuracy and low prediction error.</a:t>
+            </a:r>
+          </a:p>
+        </p:txBody>
+      </p:sp>
+      <p:pic>
+        <p:nvPicPr>
+          <p:cNvPr id="5" name="Content Placeholder 5">
+            <a:extLst>
+              <a:ext uri="{FF2B5EF4-FFF2-40B4-BE49-F238E27FC236}">
+                <a16:creationId xmlns:a16="http://schemas.microsoft.com/office/drawing/2014/main" id="{BBF540A6-5B1B-5DFE-FD5E-8F468072209C}"/>
+              </a:ext>
+            </a:extLst>
+          </p:cNvPr>
+          <p:cNvPicPr>
+            <a:picLocks noGrp="1" noChangeAspect="1"/>
+          </p:cNvPicPr>
+          <p:nvPr>
+            <p:ph type="pic" idx="4294967295"/>
+          </p:nvPr>
+        </p:nvPicPr>
+        <p:blipFill>
+          <a:blip r:embed="rId3"/>
+          <a:srcRect l="5556" r="5556"/>
+          <a:stretch>
+            <a:fillRect/>
+          </a:stretch>
+        </p:blipFill>
+        <p:spPr>
+          <a:xfrm>
+            <a:off x="0" y="820131"/>
+            <a:ext cx="4392613" cy="3907443"/>
+          </a:xfrm>
+        </p:spPr>
+      </p:pic>
+      <p:pic>
+        <p:nvPicPr>
+          <p:cNvPr id="6" name="Content Placeholder 7">
+            <a:extLst>
+              <a:ext uri="{FF2B5EF4-FFF2-40B4-BE49-F238E27FC236}">
+                <a16:creationId xmlns:a16="http://schemas.microsoft.com/office/drawing/2014/main" id="{7B8BB054-54C8-3B06-0061-8B9AC593099D}"/>
+              </a:ext>
+            </a:extLst>
+          </p:cNvPr>
+          <p:cNvPicPr>
+            <a:picLocks noChangeAspect="1"/>
+          </p:cNvPicPr>
+          <p:nvPr/>
+        </p:nvPicPr>
+        <p:blipFill>
+          <a:blip r:embed="rId4"/>
+          <a:stretch>
+            <a:fillRect/>
+          </a:stretch>
+        </p:blipFill>
+        <p:spPr>
+          <a:xfrm>
+            <a:off x="4959284" y="820130"/>
+            <a:ext cx="4038600" cy="3907443"/>
+          </a:xfrm>
+          <a:prstGeom prst="rect">
+            <a:avLst/>
+          </a:prstGeom>
+        </p:spPr>
+      </p:pic>
+    </p:spTree>
+    <p:extLst>
+      <p:ext uri="{BB962C8B-B14F-4D97-AF65-F5344CB8AC3E}">
+        <p14:creationId xmlns:p14="http://schemas.microsoft.com/office/powerpoint/2010/main" val="2080736482"/>
+      </p:ext>
+    </p:extLst>
+  </p:cSld>
+  <p:clrMapOvr>
+    <a:masterClrMapping/>
+  </p:clrMapOvr>
+</p:sld>
+</file>
+
+<file path=ppt/slides/slide18.xml><?xml version="1.0" encoding="utf-8"?>
+<p:sld xmlns:a="http://schemas.openxmlformats.org/drawingml/2006/main" xmlns:r="http://schemas.openxmlformats.org/officeDocument/2006/relationships" xmlns:p="http://schemas.openxmlformats.org/presentationml/2006/main">
+  <p:cSld>
+    <p:bg>
+      <p:bgPr>
+        <a:blipFill dpi="0" rotWithShape="1">
+          <a:blip r:embed="rId2">
+            <a:alphaModFix amt="20000"/>
+            <a:lum/>
+          </a:blip>
+          <a:srcRect/>
+          <a:stretch>
+            <a:fillRect l="-6000" r="-6000"/>
+          </a:stretch>
+        </a:blipFill>
+        <a:effectLst/>
+      </p:bgPr>
+    </p:bg>
+    <p:spTree>
+      <p:nvGrpSpPr>
+        <p:cNvPr id="1" name=""/>
+        <p:cNvGrpSpPr/>
+        <p:nvPr/>
+      </p:nvGrpSpPr>
+      <p:grpSpPr>
+        <a:xfrm>
+          <a:off x="0" y="0"/>
+          <a:ext cx="0" cy="0"/>
+          <a:chOff x="0" y="0"/>
+          <a:chExt cx="0" cy="0"/>
+        </a:xfrm>
+      </p:grpSpPr>
+      <p:sp>
+        <p:nvSpPr>
+          <p:cNvPr id="2" name="Title 1">
+            <a:extLst>
+              <a:ext uri="{FF2B5EF4-FFF2-40B4-BE49-F238E27FC236}">
+                <a16:creationId xmlns:a16="http://schemas.microsoft.com/office/drawing/2014/main" id="{BAE0A9CD-D921-E213-39F8-A8D546A3F173}"/>
+              </a:ext>
+            </a:extLst>
+          </p:cNvPr>
+          <p:cNvSpPr>
+            <a:spLocks noGrp="1"/>
+          </p:cNvSpPr>
+          <p:nvPr>
+            <p:ph type="title"/>
+          </p:nvPr>
+        </p:nvSpPr>
+        <p:spPr>
+          <a:xfrm>
+            <a:off x="457200" y="146115"/>
+            <a:ext cx="8229600" cy="1271523"/>
+          </a:xfrm>
+        </p:spPr>
+        <p:txBody>
+          <a:bodyPr>
+            <a:normAutofit fontScale="90000"/>
+          </a:bodyPr>
+          <a:lstStyle/>
+          <a:p>
+            <a:r>
+              <a:rPr lang="en-US" b="1" dirty="0">
+                <a:latin typeface="Times New Roman" panose="02020603050405020304" pitchFamily="18" charset="0"/>
+                <a:cs typeface="Times New Roman" panose="02020603050405020304" pitchFamily="18" charset="0"/>
+              </a:rPr>
+              <a:t>Segmenting Countries by Fertilizer Efficiency</a:t>
+            </a:r>
+            <a:endParaRPr lang="en-US" b="1" dirty="0"/>
+          </a:p>
+        </p:txBody>
+      </p:sp>
+      <p:pic>
+        <p:nvPicPr>
+          <p:cNvPr id="3076" name="Picture 4">
+            <a:extLst>
+              <a:ext uri="{FF2B5EF4-FFF2-40B4-BE49-F238E27FC236}">
+                <a16:creationId xmlns:a16="http://schemas.microsoft.com/office/drawing/2014/main" id="{4AB5863B-5996-8644-4AFF-7B37ED2AF4C5}"/>
+              </a:ext>
+            </a:extLst>
+          </p:cNvPr>
+          <p:cNvPicPr>
+            <a:picLocks noGrp="1" noChangeAspect="1" noChangeArrowheads="1"/>
+          </p:cNvPicPr>
+          <p:nvPr>
+            <p:ph idx="1"/>
+          </p:nvPr>
+        </p:nvPicPr>
+        <p:blipFill>
+          <a:blip r:embed="rId3">
+            <a:extLst>
+              <a:ext uri="{28A0092B-C50C-407E-A947-70E740481C1C}">
+                <a14:useLocalDpi xmlns:a14="http://schemas.microsoft.com/office/drawing/2010/main" val="0"/>
+              </a:ext>
+            </a:extLst>
+          </a:blip>
+          <a:stretch>
+            <a:fillRect/>
+          </a:stretch>
+        </p:blipFill>
+        <p:spPr bwMode="auto">
+          <a:xfrm>
+            <a:off x="1221915" y="1347484"/>
+            <a:ext cx="5785766" cy="4163031"/>
+          </a:xfrm>
+          <a:prstGeom prst="rect">
+            <a:avLst/>
+          </a:prstGeom>
+          <a:noFill/>
+          <a:extLst>
+            <a:ext uri="{909E8E84-426E-40DD-AFC4-6F175D3DCCD1}">
+              <a14:hiddenFill xmlns:a14="http://schemas.microsoft.com/office/drawing/2010/main">
+                <a:solidFill>
+                  <a:srgbClr val="FFFFFF"/>
+                </a:solidFill>
+              </a14:hiddenFill>
+            </a:ext>
+          </a:extLst>
+        </p:spPr>
+      </p:pic>
+      <p:sp>
+        <p:nvSpPr>
+          <p:cNvPr id="4" name="Text Placeholder 3">
+            <a:extLst>
+              <a:ext uri="{FF2B5EF4-FFF2-40B4-BE49-F238E27FC236}">
+                <a16:creationId xmlns:a16="http://schemas.microsoft.com/office/drawing/2014/main" id="{6F5D85E4-08A1-BEA9-1AE0-F4B97F62DC5C}"/>
+              </a:ext>
+            </a:extLst>
+          </p:cNvPr>
+          <p:cNvSpPr>
+            <a:spLocks noGrp="1"/>
+          </p:cNvSpPr>
+          <p:nvPr>
+            <p:ph type="body" sz="half" idx="4294967295"/>
+          </p:nvPr>
+        </p:nvSpPr>
+        <p:spPr>
+          <a:xfrm>
+            <a:off x="-1" y="5568885"/>
+            <a:ext cx="8229599" cy="1143000"/>
+          </a:xfrm>
+        </p:spPr>
+        <p:txBody>
+          <a:bodyPr/>
+          <a:lstStyle/>
+          <a:p>
+            <a:pPr marL="0" indent="0">
+              <a:buNone/>
+              <a:defRPr sz="1400"/>
+            </a:pPr>
+            <a:r>
+              <a:rPr lang="en-US" sz="2000" b="1" dirty="0">
+                <a:latin typeface="Times New Roman" panose="02020603050405020304" pitchFamily="18" charset="0"/>
+                <a:cs typeface="Times New Roman" panose="02020603050405020304" pitchFamily="18" charset="0"/>
+              </a:rPr>
+              <a:t>Methodology:</a:t>
+            </a:r>
+          </a:p>
+          <a:p>
+            <a:pPr>
+              <a:defRPr sz="1400"/>
+            </a:pPr>
+            <a:r>
+              <a:rPr lang="en-US" sz="2000" dirty="0">
+                <a:latin typeface="Times New Roman" panose="02020603050405020304" pitchFamily="18" charset="0"/>
+                <a:cs typeface="Times New Roman" panose="02020603050405020304" pitchFamily="18" charset="0"/>
+              </a:rPr>
+              <a:t>Used K-Means clustering (k=4) based on fertilizer use and agricultural output, visualized using PCA (2D).</a:t>
+            </a:r>
+          </a:p>
+          <a:p>
+            <a:endParaRPr lang="en-US" dirty="0"/>
+          </a:p>
+        </p:txBody>
+      </p:sp>
+    </p:spTree>
+    <p:extLst>
+      <p:ext uri="{BB962C8B-B14F-4D97-AF65-F5344CB8AC3E}">
+        <p14:creationId xmlns:p14="http://schemas.microsoft.com/office/powerpoint/2010/main" val="1614930283"/>
+      </p:ext>
+    </p:extLst>
+  </p:cSld>
+  <p:clrMapOvr>
+    <a:masterClrMapping/>
+  </p:clrMapOvr>
+</p:sld>
+</file>
+
+<file path=ppt/slides/slide19.xml><?xml version="1.0" encoding="utf-8"?>
+<p:sld xmlns:a="http://schemas.openxmlformats.org/drawingml/2006/main" xmlns:r="http://schemas.openxmlformats.org/officeDocument/2006/relationships" xmlns:p="http://schemas.openxmlformats.org/presentationml/2006/main">
+  <p:cSld>
+    <p:bg>
+      <p:bgPr>
+        <a:blipFill dpi="0" rotWithShape="1">
+          <a:blip r:embed="rId2">
+            <a:alphaModFix amt="20000"/>
+            <a:lum/>
+          </a:blip>
+          <a:srcRect/>
+          <a:stretch>
+            <a:fillRect l="-6000" r="-6000"/>
+          </a:stretch>
+        </a:blipFill>
+        <a:effectLst/>
+      </p:bgPr>
+    </p:bg>
+    <p:spTree>
+      <p:nvGrpSpPr>
+        <p:cNvPr id="1" name=""/>
+        <p:cNvGrpSpPr/>
+        <p:nvPr/>
+      </p:nvGrpSpPr>
+      <p:grpSpPr>
+        <a:xfrm>
+          <a:off x="0" y="0"/>
+          <a:ext cx="0" cy="0"/>
+          <a:chOff x="0" y="0"/>
+          <a:chExt cx="0" cy="0"/>
+        </a:xfrm>
+      </p:grpSpPr>
+      <p:sp>
+        <p:nvSpPr>
+          <p:cNvPr id="6" name="Content Placeholder 5">
+            <a:extLst>
+              <a:ext uri="{FF2B5EF4-FFF2-40B4-BE49-F238E27FC236}">
+                <a16:creationId xmlns:a16="http://schemas.microsoft.com/office/drawing/2014/main" id="{29C5A317-5E9A-70D8-C5AB-97EB3BB3C3E9}"/>
+              </a:ext>
+            </a:extLst>
+          </p:cNvPr>
+          <p:cNvSpPr>
+            <a:spLocks noGrp="1"/>
+          </p:cNvSpPr>
+          <p:nvPr>
+            <p:ph idx="4294967295"/>
+          </p:nvPr>
+        </p:nvSpPr>
+        <p:spPr>
+          <a:xfrm>
+            <a:off x="150828" y="1600200"/>
+            <a:ext cx="8785782" cy="4525963"/>
+          </a:xfrm>
+        </p:spPr>
+        <p:txBody>
+          <a:bodyPr>
+            <a:normAutofit fontScale="85000" lnSpcReduction="10000"/>
+          </a:bodyPr>
+          <a:lstStyle/>
+          <a:p>
+            <a:pPr marL="0" indent="0">
+              <a:buNone/>
+              <a:defRPr sz="1400"/>
+            </a:pPr>
+            <a:r>
+              <a:rPr lang="en-US" sz="2800" b="1" dirty="0">
+                <a:latin typeface="Times New Roman" panose="02020603050405020304" pitchFamily="18" charset="0"/>
+                <a:cs typeface="Times New Roman" panose="02020603050405020304" pitchFamily="18" charset="0"/>
+              </a:rPr>
+              <a:t>Insights:</a:t>
+            </a:r>
+          </a:p>
+          <a:p>
+            <a:pPr marL="0" indent="0">
+              <a:buNone/>
+              <a:defRPr sz="1400"/>
+            </a:pPr>
+            <a:r>
+              <a:rPr lang="en-US" sz="2800" dirty="0">
+                <a:latin typeface="Times New Roman" panose="02020603050405020304" pitchFamily="18" charset="0"/>
+                <a:cs typeface="Times New Roman" panose="02020603050405020304" pitchFamily="18" charset="0"/>
+              </a:rPr>
+              <a:t>• Cluster A – High Input, Low Output (Inefficient) </a:t>
+            </a:r>
+          </a:p>
+          <a:p>
+            <a:pPr marL="0" indent="0">
+              <a:buNone/>
+              <a:defRPr sz="1400"/>
+            </a:pPr>
+            <a:r>
+              <a:rPr lang="en-US" sz="2800" dirty="0">
+                <a:latin typeface="Times New Roman" panose="02020603050405020304" pitchFamily="18" charset="0"/>
+                <a:cs typeface="Times New Roman" panose="02020603050405020304" pitchFamily="18" charset="0"/>
+              </a:rPr>
+              <a:t>• Cluster B – Low Input, High Output (Efficient) </a:t>
+            </a:r>
+          </a:p>
+          <a:p>
+            <a:pPr marL="0" indent="0">
+              <a:buNone/>
+              <a:defRPr sz="1400"/>
+            </a:pPr>
+            <a:r>
+              <a:rPr lang="en-US" sz="2800" dirty="0">
+                <a:latin typeface="Times New Roman" panose="02020603050405020304" pitchFamily="18" charset="0"/>
+                <a:cs typeface="Times New Roman" panose="02020603050405020304" pitchFamily="18" charset="0"/>
+              </a:rPr>
+              <a:t>• Cluster C – Moderate Input/Output, High Variability </a:t>
+            </a:r>
+          </a:p>
+          <a:p>
+            <a:pPr marL="0" indent="0">
+              <a:buNone/>
+              <a:defRPr sz="1400"/>
+            </a:pPr>
+            <a:r>
+              <a:rPr lang="en-US" sz="2800" dirty="0">
+                <a:latin typeface="Times New Roman" panose="02020603050405020304" pitchFamily="18" charset="0"/>
+                <a:cs typeface="Times New Roman" panose="02020603050405020304" pitchFamily="18" charset="0"/>
+              </a:rPr>
+              <a:t>• Cluster D – High Input, High Output (Scalable Systems) </a:t>
+            </a:r>
+          </a:p>
+          <a:p>
+            <a:pPr>
+              <a:defRPr sz="1400"/>
+            </a:pPr>
+            <a:endParaRPr lang="en-US" sz="2800" b="1" dirty="0">
+              <a:latin typeface="Times New Roman" panose="02020603050405020304" pitchFamily="18" charset="0"/>
+              <a:cs typeface="Times New Roman" panose="02020603050405020304" pitchFamily="18" charset="0"/>
+            </a:endParaRPr>
+          </a:p>
+          <a:p>
+            <a:pPr marL="0" indent="0">
+              <a:buNone/>
+              <a:defRPr sz="1400"/>
+            </a:pPr>
+            <a:r>
+              <a:rPr lang="en-US" sz="2800" b="1" dirty="0">
+                <a:latin typeface="Times New Roman" panose="02020603050405020304" pitchFamily="18" charset="0"/>
+                <a:cs typeface="Times New Roman" panose="02020603050405020304" pitchFamily="18" charset="0"/>
+              </a:rPr>
+              <a:t>Policy Implications:</a:t>
+            </a:r>
+          </a:p>
+          <a:p>
+            <a:pPr>
+              <a:defRPr sz="1400"/>
+            </a:pPr>
+            <a:r>
+              <a:rPr lang="en-US" sz="2800" dirty="0">
+                <a:latin typeface="Times New Roman" panose="02020603050405020304" pitchFamily="18" charset="0"/>
+                <a:cs typeface="Times New Roman" panose="02020603050405020304" pitchFamily="18" charset="0"/>
+              </a:rPr>
+              <a:t>Cluster A: Focus on improving efficiency and reducing waste.</a:t>
+            </a:r>
+          </a:p>
+          <a:p>
+            <a:pPr>
+              <a:defRPr sz="1400"/>
+            </a:pPr>
+            <a:r>
+              <a:rPr lang="en-US" sz="2800" dirty="0">
+                <a:latin typeface="Times New Roman" panose="02020603050405020304" pitchFamily="18" charset="0"/>
+                <a:cs typeface="Times New Roman" panose="02020603050405020304" pitchFamily="18" charset="0"/>
+              </a:rPr>
+              <a:t>Cluster B: Model efficient practices and maintain sustainability.</a:t>
+            </a:r>
+          </a:p>
+          <a:p>
+            <a:pPr>
+              <a:defRPr sz="1400"/>
+            </a:pPr>
+            <a:r>
+              <a:rPr lang="en-US" sz="2800" dirty="0">
+                <a:latin typeface="Times New Roman" panose="02020603050405020304" pitchFamily="18" charset="0"/>
+                <a:cs typeface="Times New Roman" panose="02020603050405020304" pitchFamily="18" charset="0"/>
+              </a:rPr>
+              <a:t>Cluster C: Stabilization through targeted support and infrastructure.</a:t>
+            </a:r>
+          </a:p>
+          <a:p>
+            <a:pPr>
+              <a:defRPr sz="1400"/>
+            </a:pPr>
+            <a:r>
+              <a:rPr lang="en-US" sz="2800" dirty="0">
+                <a:latin typeface="Times New Roman" panose="02020603050405020304" pitchFamily="18" charset="0"/>
+                <a:cs typeface="Times New Roman" panose="02020603050405020304" pitchFamily="18" charset="0"/>
+              </a:rPr>
+              <a:t>Cluster D: Potential for sustainable intensification and investment.</a:t>
+            </a:r>
+          </a:p>
+          <a:p>
+            <a:pPr>
+              <a:defRPr sz="1400"/>
+            </a:pPr>
+            <a:endParaRPr lang="en-US" dirty="0"/>
+          </a:p>
+          <a:p>
+            <a:pPr marL="0" indent="0">
+              <a:buNone/>
+            </a:pPr>
+            <a:endParaRPr lang="en-US" dirty="0"/>
+          </a:p>
+        </p:txBody>
+      </p:sp>
+    </p:spTree>
+    <p:extLst>
+      <p:ext uri="{BB962C8B-B14F-4D97-AF65-F5344CB8AC3E}">
+        <p14:creationId xmlns:p14="http://schemas.microsoft.com/office/powerpoint/2010/main" val="3561479714"/>
+      </p:ext>
+    </p:extLst>
+  </p:cSld>
+  <p:clrMapOvr>
+    <a:masterClrMapping/>
+  </p:clrMapOvr>
+</p:sld>
+</file>
+
+<file path=ppt/slides/slide2.xml><?xml version="1.0" encoding="utf-8"?>
+<p:sld xmlns:a="http://schemas.openxmlformats.org/drawingml/2006/main" xmlns:r="http://schemas.openxmlformats.org/officeDocument/2006/relationships" xmlns:p="http://schemas.openxmlformats.org/presentationml/2006/main">
+  <p:cSld>
+    <p:bg>
+      <p:bgPr>
+        <a:blipFill dpi="0" rotWithShape="1">
+          <a:blip r:embed="rId2">
+            <a:alphaModFix amt="20000"/>
+            <a:lum/>
+          </a:blip>
+          <a:srcRect/>
+          <a:stretch>
+            <a:fillRect l="-6000" r="-6000"/>
+          </a:stretch>
+        </a:blipFill>
+        <a:effectLst/>
+      </p:bgPr>
+    </p:bg>
+    <p:spTree>
+      <p:nvGrpSpPr>
+        <p:cNvPr id="1" name=""/>
+        <p:cNvGrpSpPr/>
+        <p:nvPr/>
+      </p:nvGrpSpPr>
+      <p:grpSpPr>
+        <a:xfrm>
+          <a:off x="0" y="0"/>
+          <a:ext cx="0" cy="0"/>
+          <a:chOff x="0" y="0"/>
+          <a:chExt cx="0" cy="0"/>
+        </a:xfrm>
+      </p:grpSpPr>
+      <p:sp>
+        <p:nvSpPr>
           <p:cNvPr id="2" name="Title 1">
             <a:extLst>
               <a:ext uri="{FF2B5EF4-FFF2-40B4-BE49-F238E27FC236}">
@@ -4623,7 +5106,7 @@
                 <a:latin typeface="Times New Roman" panose="02020603050405020304" pitchFamily="18" charset="0"/>
                 <a:cs typeface="Times New Roman" panose="02020603050405020304" pitchFamily="18" charset="0"/>
               </a:rPr>
-              <a:t>What's the Challenge?</a:t>
+              <a:t>Business Context/Problem</a:t>
             </a:r>
             <a:br>
               <a:rPr lang="en-US" b="1" dirty="0"/>
@@ -4650,7 +5133,9 @@
         </p:nvSpPr>
         <p:spPr/>
         <p:txBody>
-          <a:bodyPr/>
+          <a:bodyPr>
+            <a:normAutofit fontScale="92500" lnSpcReduction="20000"/>
+          </a:bodyPr>
           <a:lstStyle/>
           <a:p>
             <a:pPr marL="0" indent="0">
@@ -4685,6 +5170,56 @@
               </a:rPr>
               <a:t>Despite increasing fertilizer consumption in East Africa, agricultural productivity remains inconsistent and often underwhelming. This project investigates whether current fertilizer usage aligns with optimal efficiency and how it impacts overall agricultural output.</a:t>
             </a:r>
+          </a:p>
+          <a:p>
+            <a:pPr marL="0" indent="0">
+              <a:buNone/>
+            </a:pPr>
+            <a:endParaRPr lang="en-US" sz="2800" dirty="0">
+              <a:latin typeface="Times New Roman" panose="02020603050405020304" pitchFamily="18" charset="0"/>
+              <a:cs typeface="Times New Roman" panose="02020603050405020304" pitchFamily="18" charset="0"/>
+            </a:endParaRPr>
+          </a:p>
+          <a:p>
+            <a:pPr marL="0" indent="0">
+              <a:buNone/>
+            </a:pPr>
+            <a:r>
+              <a:rPr lang="en-US" sz="2800" b="1" dirty="0">
+                <a:latin typeface="Times New Roman" panose="02020603050405020304" pitchFamily="18" charset="0"/>
+                <a:cs typeface="Times New Roman" panose="02020603050405020304" pitchFamily="18" charset="0"/>
+              </a:rPr>
+              <a:t>The Challenge:</a:t>
+            </a:r>
+            <a:r>
+              <a:rPr lang="en-US" sz="2800" dirty="0">
+                <a:latin typeface="Times New Roman" panose="02020603050405020304" pitchFamily="18" charset="0"/>
+                <a:cs typeface="Times New Roman" panose="02020603050405020304" pitchFamily="18" charset="0"/>
+              </a:rPr>
+              <a:t> </a:t>
+            </a:r>
+            <a:br>
+              <a:rPr lang="en-US" sz="2800" dirty="0">
+                <a:latin typeface="Times New Roman" panose="02020603050405020304" pitchFamily="18" charset="0"/>
+                <a:cs typeface="Times New Roman" panose="02020603050405020304" pitchFamily="18" charset="0"/>
+              </a:rPr>
+            </a:br>
+            <a:r>
+              <a:rPr lang="en-US" sz="2800" dirty="0">
+                <a:latin typeface="Times New Roman" panose="02020603050405020304" pitchFamily="18" charset="0"/>
+                <a:cs typeface="Times New Roman" panose="02020603050405020304" pitchFamily="18" charset="0"/>
+              </a:rPr>
+              <a:t>East African nations face a critical challenge: How to boost agricultural productivity without over-relying on chemical fertilizers.</a:t>
+            </a:r>
+          </a:p>
+          <a:p>
+            <a:pPr marL="0" indent="0">
+              <a:buNone/>
+            </a:pPr>
+            <a:endParaRPr lang="en-US" sz="2800" dirty="0">
+              <a:latin typeface="Times New Roman" panose="02020603050405020304" pitchFamily="18" charset="0"/>
+              <a:cs typeface="Times New Roman" panose="02020603050405020304" pitchFamily="18" charset="0"/>
+            </a:endParaRPr>
           </a:p>
           <a:p>
             <a:endParaRPr lang="en-US" dirty="0"/>
@@ -4697,6 +5232,869 @@
         <p14:creationId xmlns:p14="http://schemas.microsoft.com/office/powerpoint/2010/main" val="216901906"/>
       </p:ext>
     </p:extLst>
+  </p:cSld>
+  <p:clrMapOvr>
+    <a:masterClrMapping/>
+  </p:clrMapOvr>
+</p:sld>
+</file>
+
+<file path=ppt/slides/slide20.xml><?xml version="1.0" encoding="utf-8"?>
+<p:sld xmlns:a="http://schemas.openxmlformats.org/drawingml/2006/main" xmlns:r="http://schemas.openxmlformats.org/officeDocument/2006/relationships" xmlns:p="http://schemas.openxmlformats.org/presentationml/2006/main">
+  <p:cSld>
+    <p:bg>
+      <p:bgPr>
+        <a:blipFill dpi="0" rotWithShape="1">
+          <a:blip r:embed="rId2">
+            <a:alphaModFix amt="20000"/>
+            <a:lum/>
+          </a:blip>
+          <a:srcRect/>
+          <a:stretch>
+            <a:fillRect l="-6000" r="-6000"/>
+          </a:stretch>
+        </a:blipFill>
+        <a:effectLst/>
+      </p:bgPr>
+    </p:bg>
+    <p:spTree>
+      <p:nvGrpSpPr>
+        <p:cNvPr id="1" name=""/>
+        <p:cNvGrpSpPr/>
+        <p:nvPr/>
+      </p:nvGrpSpPr>
+      <p:grpSpPr>
+        <a:xfrm>
+          <a:off x="0" y="0"/>
+          <a:ext cx="0" cy="0"/>
+          <a:chOff x="0" y="0"/>
+          <a:chExt cx="0" cy="0"/>
+        </a:xfrm>
+      </p:grpSpPr>
+      <p:sp>
+        <p:nvSpPr>
+          <p:cNvPr id="2" name="Title 1">
+            <a:extLst>
+              <a:ext uri="{FF2B5EF4-FFF2-40B4-BE49-F238E27FC236}">
+                <a16:creationId xmlns:a16="http://schemas.microsoft.com/office/drawing/2014/main" id="{4FE2D231-E2EA-7974-0FF3-752114A7A328}"/>
+              </a:ext>
+            </a:extLst>
+          </p:cNvPr>
+          <p:cNvSpPr>
+            <a:spLocks noGrp="1"/>
+          </p:cNvSpPr>
+          <p:nvPr>
+            <p:ph type="title"/>
+          </p:nvPr>
+        </p:nvSpPr>
+        <p:spPr/>
+        <p:txBody>
+          <a:bodyPr/>
+          <a:lstStyle/>
+          <a:p>
+            <a:r>
+              <a:rPr lang="en-US" sz="4400" b="1" dirty="0">
+                <a:latin typeface="Times New Roman" panose="02020603050405020304" pitchFamily="18" charset="0"/>
+                <a:cs typeface="Times New Roman" panose="02020603050405020304" pitchFamily="18" charset="0"/>
+              </a:rPr>
+              <a:t>Policy Recommendations</a:t>
+            </a:r>
+            <a:endParaRPr lang="en-US" b="1" dirty="0"/>
+          </a:p>
+        </p:txBody>
+      </p:sp>
+      <p:sp>
+        <p:nvSpPr>
+          <p:cNvPr id="3" name="Content Placeholder 2">
+            <a:extLst>
+              <a:ext uri="{FF2B5EF4-FFF2-40B4-BE49-F238E27FC236}">
+                <a16:creationId xmlns:a16="http://schemas.microsoft.com/office/drawing/2014/main" id="{5D83AA26-4FC2-60A9-6CAC-107882A14E7C}"/>
+              </a:ext>
+            </a:extLst>
+          </p:cNvPr>
+          <p:cNvSpPr>
+            <a:spLocks noGrp="1"/>
+          </p:cNvSpPr>
+          <p:nvPr>
+            <p:ph idx="1"/>
+          </p:nvPr>
+        </p:nvSpPr>
+        <p:spPr>
+          <a:xfrm>
+            <a:off x="457200" y="1600200"/>
+            <a:ext cx="8229600" cy="4885441"/>
+          </a:xfrm>
+        </p:spPr>
+        <p:txBody>
+          <a:bodyPr>
+            <a:noAutofit/>
+          </a:bodyPr>
+          <a:lstStyle/>
+          <a:p>
+            <a:r>
+              <a:rPr lang="en-US" sz="2100" dirty="0">
+                <a:latin typeface="Times New Roman" panose="02020603050405020304" pitchFamily="18" charset="0"/>
+                <a:cs typeface="Times New Roman" panose="02020603050405020304" pitchFamily="18" charset="0"/>
+              </a:rPr>
+              <a:t>Increase Fertilizer Access- Build supply chains and offer subsidies to make fertilizers affordable.</a:t>
+            </a:r>
+          </a:p>
+          <a:p>
+            <a:r>
+              <a:rPr lang="en-US" sz="2100" dirty="0">
+                <a:latin typeface="Times New Roman" panose="02020603050405020304" pitchFamily="18" charset="0"/>
+                <a:cs typeface="Times New Roman" panose="02020603050405020304" pitchFamily="18" charset="0"/>
+              </a:rPr>
+              <a:t>Promote Sustainable Use- Train farmers on efficient, eco-friendly fertilizer practices.</a:t>
+            </a:r>
+          </a:p>
+          <a:p>
+            <a:r>
+              <a:rPr lang="en-US" sz="2100" dirty="0">
+                <a:latin typeface="Times New Roman" panose="02020603050405020304" pitchFamily="18" charset="0"/>
+                <a:cs typeface="Times New Roman" panose="02020603050405020304" pitchFamily="18" charset="0"/>
+              </a:rPr>
+              <a:t>Boost Cereal Yields- Invest in research, improved seeds, and irrigation.</a:t>
+            </a:r>
+          </a:p>
+          <a:p>
+            <a:r>
+              <a:rPr lang="en-US" sz="2100" dirty="0">
+                <a:latin typeface="Times New Roman" panose="02020603050405020304" pitchFamily="18" charset="0"/>
+                <a:cs typeface="Times New Roman" panose="02020603050405020304" pitchFamily="18" charset="0"/>
+              </a:rPr>
+              <a:t>Maximize Arable Land- Encourage crop rotation and soil conservation.</a:t>
+            </a:r>
+          </a:p>
+          <a:p>
+            <a:r>
+              <a:rPr lang="en-US" sz="2100" dirty="0">
+                <a:latin typeface="Times New Roman" panose="02020603050405020304" pitchFamily="18" charset="0"/>
+                <a:cs typeface="Times New Roman" panose="02020603050405020304" pitchFamily="18" charset="0"/>
+              </a:rPr>
+              <a:t>Educate Farmers- Expand extension services for modern farming knowledge.</a:t>
+            </a:r>
+          </a:p>
+          <a:p>
+            <a:r>
+              <a:rPr lang="en-US" sz="2100" dirty="0">
+                <a:latin typeface="Times New Roman" panose="02020603050405020304" pitchFamily="18" charset="0"/>
+                <a:cs typeface="Times New Roman" panose="02020603050405020304" pitchFamily="18" charset="0"/>
+              </a:rPr>
+              <a:t>Adopt Technology- Support precision farming, mobile tools, and AI solutions.</a:t>
+            </a:r>
+          </a:p>
+          <a:p>
+            <a:r>
+              <a:rPr lang="en-US" sz="2100" dirty="0">
+                <a:latin typeface="Times New Roman" panose="02020603050405020304" pitchFamily="18" charset="0"/>
+                <a:cs typeface="Times New Roman" panose="02020603050405020304" pitchFamily="18" charset="0"/>
+              </a:rPr>
+              <a:t>Build Resilience- Introduce crop insurance and emergency reserves.</a:t>
+            </a:r>
+          </a:p>
+          <a:p>
+            <a:r>
+              <a:rPr lang="en-US" sz="2100" dirty="0">
+                <a:latin typeface="Times New Roman" panose="02020603050405020304" pitchFamily="18" charset="0"/>
+                <a:cs typeface="Times New Roman" panose="02020603050405020304" pitchFamily="18" charset="0"/>
+              </a:rPr>
+              <a:t>Strengthen Data Systems- Improve regional data sharing and analytics.</a:t>
+            </a:r>
+          </a:p>
+          <a:p>
+            <a:r>
+              <a:rPr lang="en-US" sz="2100" dirty="0">
+                <a:latin typeface="Times New Roman" panose="02020603050405020304" pitchFamily="18" charset="0"/>
+                <a:cs typeface="Times New Roman" panose="02020603050405020304" pitchFamily="18" charset="0"/>
+              </a:rPr>
+              <a:t>Support PPPs-  Collaborate across sectors to fund and scale solutions.</a:t>
+            </a:r>
+          </a:p>
+        </p:txBody>
+      </p:sp>
+    </p:spTree>
+    <p:extLst>
+      <p:ext uri="{BB962C8B-B14F-4D97-AF65-F5344CB8AC3E}">
+        <p14:creationId xmlns:p14="http://schemas.microsoft.com/office/powerpoint/2010/main" val="2116105072"/>
+      </p:ext>
+    </p:extLst>
+  </p:cSld>
+  <p:clrMapOvr>
+    <a:masterClrMapping/>
+  </p:clrMapOvr>
+</p:sld>
+</file>
+
+<file path=ppt/slides/slide21.xml><?xml version="1.0" encoding="utf-8"?>
+<p:sld xmlns:a="http://schemas.openxmlformats.org/drawingml/2006/main" xmlns:r="http://schemas.openxmlformats.org/officeDocument/2006/relationships" xmlns:p="http://schemas.openxmlformats.org/presentationml/2006/main">
+  <p:cSld>
+    <p:bg>
+      <p:bgPr>
+        <a:blipFill dpi="0" rotWithShape="1">
+          <a:blip r:embed="rId2">
+            <a:alphaModFix amt="20000"/>
+            <a:lum/>
+          </a:blip>
+          <a:srcRect/>
+          <a:stretch>
+            <a:fillRect l="-6000" r="-6000"/>
+          </a:stretch>
+        </a:blipFill>
+        <a:effectLst/>
+      </p:bgPr>
+    </p:bg>
+    <p:spTree>
+      <p:nvGrpSpPr>
+        <p:cNvPr id="1" name=""/>
+        <p:cNvGrpSpPr/>
+        <p:nvPr/>
+      </p:nvGrpSpPr>
+      <p:grpSpPr>
+        <a:xfrm>
+          <a:off x="0" y="0"/>
+          <a:ext cx="0" cy="0"/>
+          <a:chOff x="0" y="0"/>
+          <a:chExt cx="0" cy="0"/>
+        </a:xfrm>
+      </p:grpSpPr>
+      <p:sp>
+        <p:nvSpPr>
+          <p:cNvPr id="2" name="Title 1">
+            <a:extLst>
+              <a:ext uri="{FF2B5EF4-FFF2-40B4-BE49-F238E27FC236}">
+                <a16:creationId xmlns:a16="http://schemas.microsoft.com/office/drawing/2014/main" id="{31400860-9BC0-1DA8-7D4E-EEF42272CE14}"/>
+              </a:ext>
+            </a:extLst>
+          </p:cNvPr>
+          <p:cNvSpPr>
+            <a:spLocks noGrp="1"/>
+          </p:cNvSpPr>
+          <p:nvPr>
+            <p:ph type="title"/>
+          </p:nvPr>
+        </p:nvSpPr>
+        <p:spPr/>
+        <p:txBody>
+          <a:bodyPr>
+            <a:normAutofit/>
+          </a:bodyPr>
+          <a:lstStyle/>
+          <a:p>
+            <a:r>
+              <a:rPr lang="en-US" sz="4000" b="1" dirty="0">
+                <a:latin typeface="Times New Roman" panose="02020603050405020304" pitchFamily="18" charset="0"/>
+                <a:cs typeface="Times New Roman" panose="02020603050405020304" pitchFamily="18" charset="0"/>
+              </a:rPr>
+              <a:t>Conclusion</a:t>
+            </a:r>
+          </a:p>
+        </p:txBody>
+      </p:sp>
+      <p:sp>
+        <p:nvSpPr>
+          <p:cNvPr id="3" name="Content Placeholder 2">
+            <a:extLst>
+              <a:ext uri="{FF2B5EF4-FFF2-40B4-BE49-F238E27FC236}">
+                <a16:creationId xmlns:a16="http://schemas.microsoft.com/office/drawing/2014/main" id="{77592347-74D3-6DAD-5C4F-B4020311E940}"/>
+              </a:ext>
+            </a:extLst>
+          </p:cNvPr>
+          <p:cNvSpPr>
+            <a:spLocks noGrp="1"/>
+          </p:cNvSpPr>
+          <p:nvPr>
+            <p:ph idx="1"/>
+          </p:nvPr>
+        </p:nvSpPr>
+        <p:spPr>
+          <a:xfrm>
+            <a:off x="226243" y="1600200"/>
+            <a:ext cx="8460557" cy="5055124"/>
+          </a:xfrm>
+        </p:spPr>
+        <p:txBody>
+          <a:bodyPr>
+            <a:noAutofit/>
+          </a:bodyPr>
+          <a:lstStyle/>
+          <a:p>
+            <a:r>
+              <a:rPr lang="en-US" sz="2800" dirty="0">
+                <a:latin typeface="Times New Roman" panose="02020603050405020304" pitchFamily="18" charset="0"/>
+                <a:cs typeface="Times New Roman" panose="02020603050405020304" pitchFamily="18" charset="0"/>
+              </a:rPr>
+              <a:t>This project developed a forecasting and analytics framework for fertilizer use in East Africa.</a:t>
+            </a:r>
+          </a:p>
+          <a:p>
+            <a:r>
+              <a:rPr lang="en-US" sz="2800" dirty="0">
+                <a:latin typeface="Times New Roman" panose="02020603050405020304" pitchFamily="18" charset="0"/>
+                <a:cs typeface="Times New Roman" panose="02020603050405020304" pitchFamily="18" charset="0"/>
+              </a:rPr>
+              <a:t>Historical and predictive analyses revealed key trends, gaps, and optimization opportunities.</a:t>
+            </a:r>
+          </a:p>
+          <a:p>
+            <a:r>
+              <a:rPr lang="en-US" sz="2800" dirty="0">
+                <a:latin typeface="Times New Roman" panose="02020603050405020304" pitchFamily="18" charset="0"/>
+                <a:cs typeface="Times New Roman" panose="02020603050405020304" pitchFamily="18" charset="0"/>
+              </a:rPr>
+              <a:t>Machine learning and time-series models uncovered non-linear dynamics in productivity.</a:t>
+            </a:r>
+          </a:p>
+          <a:p>
+            <a:r>
+              <a:rPr lang="en-US" sz="2800" dirty="0">
+                <a:latin typeface="Times New Roman" panose="02020603050405020304" pitchFamily="18" charset="0"/>
+                <a:cs typeface="Times New Roman" panose="02020603050405020304" pitchFamily="18" charset="0"/>
+              </a:rPr>
+              <a:t>Country clustering enabled more targeted and relevant policy recommendations.</a:t>
+            </a:r>
+          </a:p>
+          <a:p>
+            <a:r>
+              <a:rPr lang="en-US" sz="2800" dirty="0">
+                <a:latin typeface="Times New Roman" panose="02020603050405020304" pitchFamily="18" charset="0"/>
+                <a:cs typeface="Times New Roman" panose="02020603050405020304" pitchFamily="18" charset="0"/>
+              </a:rPr>
+              <a:t>Integrated, data-driven strategies are essential for sustainable agriculture and food security in the region.</a:t>
+            </a:r>
+          </a:p>
+        </p:txBody>
+      </p:sp>
+    </p:spTree>
+    <p:extLst>
+      <p:ext uri="{BB962C8B-B14F-4D97-AF65-F5344CB8AC3E}">
+        <p14:creationId xmlns:p14="http://schemas.microsoft.com/office/powerpoint/2010/main" val="3235450984"/>
+      </p:ext>
+    </p:extLst>
+  </p:cSld>
+  <p:clrMapOvr>
+    <a:masterClrMapping/>
+  </p:clrMapOvr>
+</p:sld>
+</file>
+
+<file path=ppt/slides/slide22.xml><?xml version="1.0" encoding="utf-8"?>
+<p:sld xmlns:a="http://schemas.openxmlformats.org/drawingml/2006/main" xmlns:r="http://schemas.openxmlformats.org/officeDocument/2006/relationships" xmlns:p="http://schemas.openxmlformats.org/presentationml/2006/main">
+  <p:cSld>
+    <p:bg>
+      <p:bgPr>
+        <a:blipFill dpi="0" rotWithShape="1">
+          <a:blip r:embed="rId2">
+            <a:alphaModFix amt="30000"/>
+            <a:lum/>
+          </a:blip>
+          <a:srcRect/>
+          <a:stretch>
+            <a:fillRect l="-6000" r="-6000"/>
+          </a:stretch>
+        </a:blipFill>
+        <a:effectLst/>
+      </p:bgPr>
+    </p:bg>
+    <p:spTree>
+      <p:nvGrpSpPr>
+        <p:cNvPr id="1" name=""/>
+        <p:cNvGrpSpPr/>
+        <p:nvPr/>
+      </p:nvGrpSpPr>
+      <p:grpSpPr>
+        <a:xfrm>
+          <a:off x="0" y="0"/>
+          <a:ext cx="0" cy="0"/>
+          <a:chOff x="0" y="0"/>
+          <a:chExt cx="0" cy="0"/>
+        </a:xfrm>
+      </p:grpSpPr>
+      <p:sp>
+        <p:nvSpPr>
+          <p:cNvPr id="4" name="Title 3">
+            <a:extLst>
+              <a:ext uri="{FF2B5EF4-FFF2-40B4-BE49-F238E27FC236}">
+                <a16:creationId xmlns:a16="http://schemas.microsoft.com/office/drawing/2014/main" id="{7CA74654-1AD0-8082-143B-447535102C1D}"/>
+              </a:ext>
+            </a:extLst>
+          </p:cNvPr>
+          <p:cNvSpPr>
+            <a:spLocks noGrp="1"/>
+          </p:cNvSpPr>
+          <p:nvPr>
+            <p:ph type="title"/>
+          </p:nvPr>
+        </p:nvSpPr>
+        <p:spPr/>
+        <p:txBody>
+          <a:bodyPr>
+            <a:normAutofit/>
+          </a:bodyPr>
+          <a:lstStyle/>
+          <a:p>
+            <a:r>
+              <a:rPr lang="en-US" sz="4000" b="1" dirty="0">
+                <a:latin typeface="Times New Roman" panose="02020603050405020304" pitchFamily="18" charset="0"/>
+                <a:cs typeface="Times New Roman" panose="02020603050405020304" pitchFamily="18" charset="0"/>
+              </a:rPr>
+              <a:t>Who’s This For?</a:t>
+            </a:r>
+          </a:p>
+        </p:txBody>
+      </p:sp>
+      <p:pic>
+        <p:nvPicPr>
+          <p:cNvPr id="6146" name="Picture 2">
+            <a:extLst>
+              <a:ext uri="{FF2B5EF4-FFF2-40B4-BE49-F238E27FC236}">
+                <a16:creationId xmlns:a16="http://schemas.microsoft.com/office/drawing/2014/main" id="{F06E3D95-C352-3912-920E-81AC85EC30B1}"/>
+              </a:ext>
+            </a:extLst>
+          </p:cNvPr>
+          <p:cNvPicPr>
+            <a:picLocks noGrp="1" noChangeAspect="1" noChangeArrowheads="1"/>
+          </p:cNvPicPr>
+          <p:nvPr>
+            <p:ph idx="1"/>
+          </p:nvPr>
+        </p:nvPicPr>
+        <p:blipFill>
+          <a:blip r:embed="rId3">
+            <a:extLst>
+              <a:ext uri="{28A0092B-C50C-407E-A947-70E740481C1C}">
+                <a14:useLocalDpi xmlns:a14="http://schemas.microsoft.com/office/drawing/2010/main" val="0"/>
+              </a:ext>
+            </a:extLst>
+          </a:blip>
+          <a:stretch>
+            <a:fillRect/>
+          </a:stretch>
+        </p:blipFill>
+        <p:spPr bwMode="auto">
+          <a:xfrm>
+            <a:off x="4392424" y="2683497"/>
+            <a:ext cx="1943100" cy="1828800"/>
+          </a:xfrm>
+          <a:prstGeom prst="rect">
+            <a:avLst/>
+          </a:prstGeom>
+          <a:noFill/>
+          <a:extLst>
+            <a:ext uri="{909E8E84-426E-40DD-AFC4-6F175D3DCCD1}">
+              <a14:hiddenFill xmlns:a14="http://schemas.microsoft.com/office/drawing/2010/main">
+                <a:solidFill>
+                  <a:srgbClr val="FFFFFF"/>
+                </a:solidFill>
+              </a14:hiddenFill>
+            </a:ext>
+          </a:extLst>
+        </p:spPr>
+      </p:pic>
+      <p:pic>
+        <p:nvPicPr>
+          <p:cNvPr id="6154" name="Picture 10" descr="World Bank">
+            <a:extLst>
+              <a:ext uri="{FF2B5EF4-FFF2-40B4-BE49-F238E27FC236}">
+                <a16:creationId xmlns:a16="http://schemas.microsoft.com/office/drawing/2014/main" id="{4AF2D123-DCAD-4955-FD61-C50EDCC01A3C}"/>
+              </a:ext>
+            </a:extLst>
+          </p:cNvPr>
+          <p:cNvPicPr>
+            <a:picLocks noChangeAspect="1" noChangeArrowheads="1"/>
+          </p:cNvPicPr>
+          <p:nvPr/>
+        </p:nvPicPr>
+        <p:blipFill>
+          <a:blip r:embed="rId4">
+            <a:extLst>
+              <a:ext uri="{28A0092B-C50C-407E-A947-70E740481C1C}">
+                <a14:useLocalDpi xmlns:a14="http://schemas.microsoft.com/office/drawing/2010/main" val="0"/>
+              </a:ext>
+            </a:extLst>
+          </a:blip>
+          <a:srcRect/>
+          <a:stretch>
+            <a:fillRect/>
+          </a:stretch>
+        </p:blipFill>
+        <p:spPr bwMode="auto">
+          <a:xfrm>
+            <a:off x="555249" y="1401129"/>
+            <a:ext cx="3429000" cy="2057400"/>
+          </a:xfrm>
+          <a:prstGeom prst="rect">
+            <a:avLst/>
+          </a:prstGeom>
+          <a:noFill/>
+          <a:extLst>
+            <a:ext uri="{909E8E84-426E-40DD-AFC4-6F175D3DCCD1}">
+              <a14:hiddenFill xmlns:a14="http://schemas.microsoft.com/office/drawing/2010/main">
+                <a:solidFill>
+                  <a:srgbClr val="FFFFFF"/>
+                </a:solidFill>
+              </a14:hiddenFill>
+            </a:ext>
+          </a:extLst>
+        </p:spPr>
+      </p:pic>
+      <p:pic>
+        <p:nvPicPr>
+          <p:cNvPr id="6156" name="Picture 12" descr="The United Nations | URI">
+            <a:extLst>
+              <a:ext uri="{FF2B5EF4-FFF2-40B4-BE49-F238E27FC236}">
+                <a16:creationId xmlns:a16="http://schemas.microsoft.com/office/drawing/2014/main" id="{DED9F163-2A6B-ECDF-4120-2E331B09E849}"/>
+              </a:ext>
+            </a:extLst>
+          </p:cNvPr>
+          <p:cNvPicPr>
+            <a:picLocks noChangeAspect="1" noChangeArrowheads="1"/>
+          </p:cNvPicPr>
+          <p:nvPr/>
+        </p:nvPicPr>
+        <p:blipFill>
+          <a:blip r:embed="rId5">
+            <a:extLst>
+              <a:ext uri="{28A0092B-C50C-407E-A947-70E740481C1C}">
+                <a14:useLocalDpi xmlns:a14="http://schemas.microsoft.com/office/drawing/2010/main" val="0"/>
+              </a:ext>
+            </a:extLst>
+          </a:blip>
+          <a:srcRect/>
+          <a:stretch>
+            <a:fillRect/>
+          </a:stretch>
+        </p:blipFill>
+        <p:spPr bwMode="auto">
+          <a:xfrm>
+            <a:off x="6752686" y="1527142"/>
+            <a:ext cx="2143125" cy="2143125"/>
+          </a:xfrm>
+          <a:prstGeom prst="rect">
+            <a:avLst/>
+          </a:prstGeom>
+          <a:noFill/>
+          <a:extLst>
+            <a:ext uri="{909E8E84-426E-40DD-AFC4-6F175D3DCCD1}">
+              <a14:hiddenFill xmlns:a14="http://schemas.microsoft.com/office/drawing/2010/main">
+                <a:solidFill>
+                  <a:srgbClr val="FFFFFF"/>
+                </a:solidFill>
+              </a14:hiddenFill>
+            </a:ext>
+          </a:extLst>
+        </p:spPr>
+      </p:pic>
+      <p:pic>
+        <p:nvPicPr>
+          <p:cNvPr id="6158" name="Picture 14" descr="East African Development Company">
+            <a:extLst>
+              <a:ext uri="{FF2B5EF4-FFF2-40B4-BE49-F238E27FC236}">
+                <a16:creationId xmlns:a16="http://schemas.microsoft.com/office/drawing/2014/main" id="{EDBCAB3D-1ADE-96D5-BC57-22083EAD3436}"/>
+              </a:ext>
+            </a:extLst>
+          </p:cNvPr>
+          <p:cNvPicPr>
+            <a:picLocks noChangeAspect="1" noChangeArrowheads="1"/>
+          </p:cNvPicPr>
+          <p:nvPr/>
+        </p:nvPicPr>
+        <p:blipFill>
+          <a:blip r:embed="rId6">
+            <a:extLst>
+              <a:ext uri="{28A0092B-C50C-407E-A947-70E740481C1C}">
+                <a14:useLocalDpi xmlns:a14="http://schemas.microsoft.com/office/drawing/2010/main" val="0"/>
+              </a:ext>
+            </a:extLst>
+          </a:blip>
+          <a:srcRect/>
+          <a:stretch>
+            <a:fillRect/>
+          </a:stretch>
+        </p:blipFill>
+        <p:spPr bwMode="auto">
+          <a:xfrm>
+            <a:off x="1115456" y="4512297"/>
+            <a:ext cx="2143125" cy="2133600"/>
+          </a:xfrm>
+          <a:prstGeom prst="rect">
+            <a:avLst/>
+          </a:prstGeom>
+          <a:noFill/>
+          <a:extLst>
+            <a:ext uri="{909E8E84-426E-40DD-AFC4-6F175D3DCCD1}">
+              <a14:hiddenFill xmlns:a14="http://schemas.microsoft.com/office/drawing/2010/main">
+                <a:solidFill>
+                  <a:srgbClr val="FFFFFF"/>
+                </a:solidFill>
+              </a14:hiddenFill>
+            </a:ext>
+          </a:extLst>
+        </p:spPr>
+      </p:pic>
+      <p:pic>
+        <p:nvPicPr>
+          <p:cNvPr id="6160" name="Picture 16" descr="Profile for Agritech East Africa">
+            <a:extLst>
+              <a:ext uri="{FF2B5EF4-FFF2-40B4-BE49-F238E27FC236}">
+                <a16:creationId xmlns:a16="http://schemas.microsoft.com/office/drawing/2014/main" id="{33FF651D-75B1-97A5-5A3A-414367EC7071}"/>
+              </a:ext>
+            </a:extLst>
+          </p:cNvPr>
+          <p:cNvPicPr>
+            <a:picLocks noChangeAspect="1" noChangeArrowheads="1"/>
+          </p:cNvPicPr>
+          <p:nvPr/>
+        </p:nvPicPr>
+        <p:blipFill>
+          <a:blip r:embed="rId7">
+            <a:extLst>
+              <a:ext uri="{28A0092B-C50C-407E-A947-70E740481C1C}">
+                <a14:useLocalDpi xmlns:a14="http://schemas.microsoft.com/office/drawing/2010/main" val="0"/>
+              </a:ext>
+            </a:extLst>
+          </a:blip>
+          <a:srcRect/>
+          <a:stretch>
+            <a:fillRect/>
+          </a:stretch>
+        </p:blipFill>
+        <p:spPr bwMode="auto">
+          <a:xfrm>
+            <a:off x="4823235" y="4936126"/>
+            <a:ext cx="3381375" cy="1352550"/>
+          </a:xfrm>
+          <a:prstGeom prst="rect">
+            <a:avLst/>
+          </a:prstGeom>
+          <a:noFill/>
+          <a:extLst>
+            <a:ext uri="{909E8E84-426E-40DD-AFC4-6F175D3DCCD1}">
+              <a14:hiddenFill xmlns:a14="http://schemas.microsoft.com/office/drawing/2010/main">
+                <a:solidFill>
+                  <a:srgbClr val="FFFFFF"/>
+                </a:solidFill>
+              </a14:hiddenFill>
+            </a:ext>
+          </a:extLst>
+        </p:spPr>
+      </p:pic>
+    </p:spTree>
+    <p:extLst>
+      <p:ext uri="{BB962C8B-B14F-4D97-AF65-F5344CB8AC3E}">
+        <p14:creationId xmlns:p14="http://schemas.microsoft.com/office/powerpoint/2010/main" val="1406878004"/>
+      </p:ext>
+    </p:extLst>
+  </p:cSld>
+  <p:clrMapOvr>
+    <a:masterClrMapping/>
+  </p:clrMapOvr>
+</p:sld>
+</file>
+
+<file path=ppt/slides/slide23.xml><?xml version="1.0" encoding="utf-8"?>
+<p:sld xmlns:a="http://schemas.openxmlformats.org/drawingml/2006/main" xmlns:r="http://schemas.openxmlformats.org/officeDocument/2006/relationships" xmlns:p="http://schemas.openxmlformats.org/presentationml/2006/main">
+  <p:cSld>
+    <p:bg>
+      <p:bgPr>
+        <a:blipFill dpi="0" rotWithShape="1">
+          <a:blip r:embed="rId2">
+            <a:alphaModFix amt="30000"/>
+            <a:lum/>
+          </a:blip>
+          <a:srcRect/>
+          <a:stretch>
+            <a:fillRect l="-6000" r="-6000"/>
+          </a:stretch>
+        </a:blipFill>
+        <a:effectLst/>
+      </p:bgPr>
+    </p:bg>
+    <p:spTree>
+      <p:nvGrpSpPr>
+        <p:cNvPr id="1" name=""/>
+        <p:cNvGrpSpPr/>
+        <p:nvPr/>
+      </p:nvGrpSpPr>
+      <p:grpSpPr>
+        <a:xfrm>
+          <a:off x="0" y="0"/>
+          <a:ext cx="0" cy="0"/>
+          <a:chOff x="0" y="0"/>
+          <a:chExt cx="0" cy="0"/>
+        </a:xfrm>
+      </p:grpSpPr>
+      <p:sp>
+        <p:nvSpPr>
+          <p:cNvPr id="2" name="Title 1"/>
+          <p:cNvSpPr>
+            <a:spLocks noGrp="1"/>
+          </p:cNvSpPr>
+          <p:nvPr>
+            <p:ph type="title"/>
+          </p:nvPr>
+        </p:nvSpPr>
+        <p:spPr/>
+        <p:txBody>
+          <a:bodyPr/>
+          <a:lstStyle/>
+          <a:p>
+            <a:r>
+              <a:rPr b="1" dirty="0">
+                <a:latin typeface="Times New Roman" panose="02020603050405020304" pitchFamily="18" charset="0"/>
+                <a:cs typeface="Times New Roman" panose="02020603050405020304" pitchFamily="18" charset="0"/>
+              </a:rPr>
+              <a:t>Thank You </a:t>
+            </a:r>
+            <a:r>
+              <a:rPr lang="en-GB" b="1" dirty="0">
+                <a:latin typeface="Times New Roman" panose="02020603050405020304" pitchFamily="18" charset="0"/>
+                <a:cs typeface="Times New Roman" panose="02020603050405020304" pitchFamily="18" charset="0"/>
+              </a:rPr>
+              <a:t>!</a:t>
+            </a:r>
+            <a:endParaRPr b="1" dirty="0">
+              <a:latin typeface="Times New Roman" panose="02020603050405020304" pitchFamily="18" charset="0"/>
+              <a:cs typeface="Times New Roman" panose="02020603050405020304" pitchFamily="18" charset="0"/>
+            </a:endParaRPr>
+          </a:p>
+        </p:txBody>
+      </p:sp>
+      <p:sp>
+        <p:nvSpPr>
+          <p:cNvPr id="3" name="Content Placeholder 2"/>
+          <p:cNvSpPr>
+            <a:spLocks noGrp="1"/>
+          </p:cNvSpPr>
+          <p:nvPr>
+            <p:ph idx="1"/>
+          </p:nvPr>
+        </p:nvSpPr>
+        <p:spPr/>
+        <p:txBody>
+          <a:bodyPr>
+            <a:normAutofit/>
+          </a:bodyPr>
+          <a:lstStyle/>
+          <a:p>
+            <a:pPr marL="0" indent="0">
+              <a:buNone/>
+            </a:pPr>
+            <a:endParaRPr sz="2800" dirty="0">
+              <a:latin typeface="Times New Roman" panose="02020603050405020304" pitchFamily="18" charset="0"/>
+              <a:cs typeface="Times New Roman" panose="02020603050405020304" pitchFamily="18" charset="0"/>
+            </a:endParaRPr>
+          </a:p>
+          <a:p>
+            <a:pPr marL="0" indent="0">
+              <a:buNone/>
+            </a:pPr>
+            <a:endParaRPr lang="en-GB" sz="2800" dirty="0">
+              <a:latin typeface="Times New Roman" panose="02020603050405020304" pitchFamily="18" charset="0"/>
+              <a:cs typeface="Times New Roman" panose="02020603050405020304" pitchFamily="18" charset="0"/>
+            </a:endParaRPr>
+          </a:p>
+          <a:p>
+            <a:pPr marL="0" indent="0" algn="ctr">
+              <a:buNone/>
+            </a:pPr>
+            <a:r>
+              <a:rPr lang="en-GB" sz="2800" dirty="0">
+                <a:latin typeface="Times New Roman" panose="02020603050405020304" pitchFamily="18" charset="0"/>
+                <a:cs typeface="Times New Roman" panose="02020603050405020304" pitchFamily="18" charset="0"/>
+              </a:rPr>
+              <a:t>Presented By</a:t>
+            </a:r>
+            <a:r>
+              <a:rPr sz="2800" dirty="0">
+                <a:latin typeface="Times New Roman" panose="02020603050405020304" pitchFamily="18" charset="0"/>
+                <a:cs typeface="Times New Roman" panose="02020603050405020304" pitchFamily="18" charset="0"/>
+              </a:rPr>
+              <a:t>:</a:t>
+            </a:r>
+            <a:r>
+              <a:rPr lang="en-GB" sz="2800" dirty="0">
+                <a:latin typeface="Times New Roman" panose="02020603050405020304" pitchFamily="18" charset="0"/>
+                <a:cs typeface="Times New Roman" panose="02020603050405020304" pitchFamily="18" charset="0"/>
+              </a:rPr>
+              <a:t> </a:t>
+            </a:r>
+            <a:r>
+              <a:rPr lang="en-GB" sz="2800" b="1" dirty="0">
+                <a:latin typeface="Times New Roman" panose="02020603050405020304" pitchFamily="18" charset="0"/>
+                <a:cs typeface="Times New Roman" panose="02020603050405020304" pitchFamily="18" charset="0"/>
+              </a:rPr>
+              <a:t>Group 2</a:t>
+            </a:r>
+          </a:p>
+          <a:p>
+            <a:pPr marL="0" indent="0" algn="ctr">
+              <a:buNone/>
+            </a:pPr>
+            <a:endParaRPr sz="2800" dirty="0">
+              <a:latin typeface="Times New Roman" panose="02020603050405020304" pitchFamily="18" charset="0"/>
+              <a:cs typeface="Times New Roman" panose="02020603050405020304" pitchFamily="18" charset="0"/>
+            </a:endParaRPr>
+          </a:p>
+          <a:p>
+            <a:pPr marL="0" indent="0" algn="ctr">
+              <a:buNone/>
+            </a:pPr>
+            <a:r>
+              <a:rPr lang="en-US" sz="2800" dirty="0">
+                <a:latin typeface="Times New Roman" panose="02020603050405020304" pitchFamily="18" charset="0"/>
+                <a:cs typeface="Times New Roman" panose="02020603050405020304" pitchFamily="18" charset="0"/>
+              </a:rPr>
+              <a:t>GitHub Repo: </a:t>
+            </a:r>
+            <a:r>
+              <a:rPr lang="en-US" sz="2800" dirty="0">
+                <a:latin typeface="Times New Roman" panose="02020603050405020304" pitchFamily="18" charset="0"/>
+                <a:cs typeface="Times New Roman" panose="02020603050405020304" pitchFamily="18" charset="0"/>
+                <a:hlinkClick r:id="rId3"/>
+              </a:rPr>
+              <a:t>github.com/</a:t>
+            </a:r>
+            <a:r>
+              <a:rPr lang="en-US" sz="2800" dirty="0" err="1">
+                <a:latin typeface="Times New Roman" panose="02020603050405020304" pitchFamily="18" charset="0"/>
+                <a:cs typeface="Times New Roman" panose="02020603050405020304" pitchFamily="18" charset="0"/>
+                <a:hlinkClick r:id="rId3"/>
+              </a:rPr>
+              <a:t>Rodgerdev</a:t>
+            </a:r>
+            <a:r>
+              <a:rPr lang="en-US" sz="2800" dirty="0">
+                <a:latin typeface="Times New Roman" panose="02020603050405020304" pitchFamily="18" charset="0"/>
+                <a:cs typeface="Times New Roman" panose="02020603050405020304" pitchFamily="18" charset="0"/>
+                <a:hlinkClick r:id="rId3"/>
+              </a:rPr>
+              <a:t>/east-</a:t>
+            </a:r>
+            <a:r>
+              <a:rPr lang="en-US" sz="2800" dirty="0" err="1">
+                <a:latin typeface="Times New Roman" panose="02020603050405020304" pitchFamily="18" charset="0"/>
+                <a:cs typeface="Times New Roman" panose="02020603050405020304" pitchFamily="18" charset="0"/>
+                <a:hlinkClick r:id="rId3"/>
+              </a:rPr>
+              <a:t>africa</a:t>
+            </a:r>
+            <a:r>
+              <a:rPr lang="en-US" sz="2800" dirty="0">
+                <a:latin typeface="Times New Roman" panose="02020603050405020304" pitchFamily="18" charset="0"/>
+                <a:cs typeface="Times New Roman" panose="02020603050405020304" pitchFamily="18" charset="0"/>
+                <a:hlinkClick r:id="rId3"/>
+              </a:rPr>
+              <a:t>-fertilizer-project</a:t>
+            </a:r>
+            <a:endParaRPr lang="en-GB" sz="2800" u="sng" dirty="0">
+              <a:latin typeface="Times New Roman" panose="02020603050405020304" pitchFamily="18" charset="0"/>
+              <a:cs typeface="Times New Roman" panose="02020603050405020304" pitchFamily="18" charset="0"/>
+            </a:endParaRPr>
+          </a:p>
+        </p:txBody>
+      </p:sp>
+    </p:spTree>
   </p:cSld>
   <p:clrMapOvr>
     <a:masterClrMapping/>
@@ -4802,54 +6200,6 @@
             <a:pPr>
               <a:buNone/>
             </a:pPr>
-            <a:r>
-              <a:rPr lang="en-US" sz="2800" b="1" dirty="0">
-                <a:latin typeface="Times New Roman" panose="02020603050405020304" pitchFamily="18" charset="0"/>
-                <a:cs typeface="Times New Roman" panose="02020603050405020304" pitchFamily="18" charset="0"/>
-              </a:rPr>
-              <a:t>The Challenge:</a:t>
-            </a:r>
-            <a:r>
-              <a:rPr lang="en-US" sz="2800" dirty="0">
-                <a:latin typeface="Times New Roman" panose="02020603050405020304" pitchFamily="18" charset="0"/>
-                <a:cs typeface="Times New Roman" panose="02020603050405020304" pitchFamily="18" charset="0"/>
-              </a:rPr>
-              <a:t> </a:t>
-            </a:r>
-            <a:br>
-              <a:rPr lang="en-US" sz="2800" dirty="0">
-                <a:latin typeface="Times New Roman" panose="02020603050405020304" pitchFamily="18" charset="0"/>
-                <a:cs typeface="Times New Roman" panose="02020603050405020304" pitchFamily="18" charset="0"/>
-              </a:rPr>
-            </a:br>
-            <a:r>
-              <a:rPr lang="en-US" sz="2800" dirty="0">
-                <a:latin typeface="Times New Roman" panose="02020603050405020304" pitchFamily="18" charset="0"/>
-                <a:cs typeface="Times New Roman" panose="02020603050405020304" pitchFamily="18" charset="0"/>
-              </a:rPr>
-              <a:t>East African nations face a critical challenge: How to boost agricultural productivity without over-relying on chemical fertilizers.</a:t>
-            </a:r>
-          </a:p>
-          <a:p>
-            <a:pPr>
-              <a:buNone/>
-            </a:pPr>
-            <a:endParaRPr lang="en-US" sz="2800" dirty="0">
-              <a:latin typeface="Times New Roman" panose="02020603050405020304" pitchFamily="18" charset="0"/>
-              <a:cs typeface="Times New Roman" panose="02020603050405020304" pitchFamily="18" charset="0"/>
-            </a:endParaRPr>
-          </a:p>
-          <a:p>
-            <a:pPr>
-              <a:buNone/>
-            </a:pPr>
-            <a:r>
-              <a:rPr lang="en-US" sz="2800" b="1" dirty="0">
-                <a:latin typeface="Times New Roman" panose="02020603050405020304" pitchFamily="18" charset="0"/>
-                <a:cs typeface="Times New Roman" panose="02020603050405020304" pitchFamily="18" charset="0"/>
-              </a:rPr>
-              <a:t>Why it Matters:</a:t>
-            </a:r>
             <a:endParaRPr lang="en-US" sz="2800" dirty="0">
               <a:latin typeface="Times New Roman" panose="02020603050405020304" pitchFamily="18" charset="0"/>
               <a:cs typeface="Times New Roman" panose="02020603050405020304" pitchFamily="18" charset="0"/>
@@ -4919,7 +6269,7 @@
       <p:bgPr>
         <a:blipFill dpi="0" rotWithShape="1">
           <a:blip r:embed="rId2">
-            <a:alphaModFix amt="25000"/>
+            <a:alphaModFix amt="20000"/>
             <a:lum/>
           </a:blip>
           <a:srcRect/>
@@ -4971,11 +6321,8 @@
               <a:rPr lang="en-US" b="1" dirty="0"/>
             </a:br>
             <a:r>
-              <a:rPr lang="en-US" b="1" dirty="0">
-                <a:latin typeface="Times New Roman" panose="02020603050405020304" pitchFamily="18" charset="0"/>
-                <a:cs typeface="Times New Roman" panose="02020603050405020304" pitchFamily="18" charset="0"/>
-              </a:rPr>
-              <a:t>What Are We Trying to Do?</a:t>
+              <a:rPr lang="en-US" b="1" dirty="0"/>
+              <a:t>Project Objectives &amp; Approach</a:t>
             </a:r>
             <a:br>
               <a:rPr lang="en-US" b="1" dirty="0"/>
@@ -5151,7 +6498,7 @@
       <p:bgPr>
         <a:blipFill dpi="0" rotWithShape="1">
           <a:blip r:embed="rId2">
-            <a:alphaModFix amt="40000"/>
+            <a:alphaModFix amt="20000"/>
             <a:lum/>
           </a:blip>
           <a:srcRect/>
@@ -5203,11 +6550,8 @@
               <a:rPr lang="en-US" b="1" dirty="0"/>
             </a:br>
             <a:r>
-              <a:rPr lang="en-US" b="1" dirty="0">
-                <a:latin typeface="Times New Roman" panose="02020603050405020304" pitchFamily="18" charset="0"/>
-                <a:cs typeface="Times New Roman" panose="02020603050405020304" pitchFamily="18" charset="0"/>
-              </a:rPr>
-              <a:t>What Success Looks Like</a:t>
+              <a:rPr lang="en-US" b="1" dirty="0"/>
+              <a:t>Success Criteria &amp; Evaluation</a:t>
             </a:r>
             <a:br>
               <a:rPr lang="en-US" b="1" dirty="0"/>
@@ -5234,28 +6578,14 @@
         </p:nvSpPr>
         <p:spPr/>
         <p:txBody>
-          <a:bodyPr/>
+          <a:bodyPr>
+            <a:normAutofit fontScale="85000" lnSpcReduction="10000"/>
+          </a:bodyPr>
           <a:lstStyle/>
           <a:p>
             <a:pPr>
               <a:buNone/>
             </a:pPr>
-            <a:endParaRPr lang="en-US" sz="2800" b="1" dirty="0">
-              <a:latin typeface="Times New Roman" panose="02020603050405020304" pitchFamily="18" charset="0"/>
-              <a:cs typeface="Times New Roman" panose="02020603050405020304" pitchFamily="18" charset="0"/>
-            </a:endParaRPr>
-          </a:p>
-          <a:p>
-            <a:pPr>
-              <a:buNone/>
-            </a:pPr>
-            <a:r>
-              <a:rPr lang="en-US" sz="2800" b="1" dirty="0">
-                <a:latin typeface="Times New Roman" panose="02020603050405020304" pitchFamily="18" charset="0"/>
-                <a:cs typeface="Times New Roman" panose="02020603050405020304" pitchFamily="18" charset="0"/>
-              </a:rPr>
-              <a:t>Success Criteria:</a:t>
-            </a:r>
             <a:endParaRPr lang="en-US" sz="2800" dirty="0">
               <a:latin typeface="Times New Roman" panose="02020603050405020304" pitchFamily="18" charset="0"/>
               <a:cs typeface="Times New Roman" panose="02020603050405020304" pitchFamily="18" charset="0"/>
@@ -5271,7 +6601,7 @@
                 <a:latin typeface="Times New Roman" panose="02020603050405020304" pitchFamily="18" charset="0"/>
                 <a:cs typeface="Times New Roman" panose="02020603050405020304" pitchFamily="18" charset="0"/>
               </a:rPr>
-              <a:t>Clear trends in fertilizer use &amp; productivity</a:t>
+              <a:t>Model Accuracy: 85% forecast accuracy, low prediction errors</a:t>
             </a:r>
           </a:p>
           <a:p>
@@ -5284,7 +6614,7 @@
                 <a:latin typeface="Times New Roman" panose="02020603050405020304" pitchFamily="18" charset="0"/>
                 <a:cs typeface="Times New Roman" panose="02020603050405020304" pitchFamily="18" charset="0"/>
               </a:rPr>
-              <a:t>Meaningful correlations backed by data</a:t>
+              <a:t>Fertilizer–Productivity Link: Strong correlation (R² &gt; 0.7)</a:t>
             </a:r>
           </a:p>
           <a:p>
@@ -5297,7 +6627,7 @@
                 <a:latin typeface="Times New Roman" panose="02020603050405020304" pitchFamily="18" charset="0"/>
                 <a:cs typeface="Times New Roman" panose="02020603050405020304" pitchFamily="18" charset="0"/>
               </a:rPr>
-              <a:t>Accurate forecasts to support planning</a:t>
+              <a:t>Country Clustering: Distinct, meaningful efficiency groups</a:t>
             </a:r>
           </a:p>
           <a:p>
@@ -5310,10 +6640,52 @@
                 <a:latin typeface="Times New Roman" panose="02020603050405020304" pitchFamily="18" charset="0"/>
                 <a:cs typeface="Times New Roman" panose="02020603050405020304" pitchFamily="18" charset="0"/>
               </a:rPr>
-              <a:t>Country clusters for strategic targeting</a:t>
-            </a:r>
-          </a:p>
-          <a:p>
+              <a:t>Policy Impact:  actionable recommendations adopted by stakeholders</a:t>
+            </a:r>
+          </a:p>
+          <a:p>
+            <a:pPr>
+              <a:buFont typeface="Arial" panose="020B0604020202020204" pitchFamily="34" charset="0"/>
+              <a:buChar char="•"/>
+            </a:pPr>
+            <a:r>
+              <a:rPr lang="en-US" sz="2800" dirty="0">
+                <a:latin typeface="Times New Roman" panose="02020603050405020304" pitchFamily="18" charset="0"/>
+                <a:cs typeface="Times New Roman" panose="02020603050405020304" pitchFamily="18" charset="0"/>
+              </a:rPr>
+              <a:t>Stakeholder Use: 80% satisfaction, more than 2 adopters (e.g., governments, NGOs</a:t>
+            </a:r>
+          </a:p>
+          <a:p>
+            <a:pPr>
+              <a:buFont typeface="Arial" panose="020B0604020202020204" pitchFamily="34" charset="0"/>
+              <a:buChar char="•"/>
+            </a:pPr>
+            <a:r>
+              <a:rPr lang="en-US" sz="2800" dirty="0">
+                <a:latin typeface="Times New Roman" panose="02020603050405020304" pitchFamily="18" charset="0"/>
+                <a:cs typeface="Times New Roman" panose="02020603050405020304" pitchFamily="18" charset="0"/>
+              </a:rPr>
+              <a:t>Real-World Results: Measurable yield gains in pilot areas</a:t>
+            </a:r>
+          </a:p>
+          <a:p>
+            <a:pPr>
+              <a:buFont typeface="Arial" panose="020B0604020202020204" pitchFamily="34" charset="0"/>
+              <a:buChar char="•"/>
+            </a:pPr>
+            <a:r>
+              <a:rPr lang="en-US" sz="2800" dirty="0">
+                <a:latin typeface="Times New Roman" panose="02020603050405020304" pitchFamily="18" charset="0"/>
+                <a:cs typeface="Times New Roman" panose="02020603050405020304" pitchFamily="18" charset="0"/>
+              </a:rPr>
+              <a:t>Access &amp; Usability: Dashboards and findings fully accessible</a:t>
+            </a:r>
+          </a:p>
+          <a:p>
+            <a:pPr marL="0" indent="0">
+              <a:buNone/>
+            </a:pPr>
             <a:endParaRPr lang="en-US" dirty="0"/>
           </a:p>
         </p:txBody>
@@ -5338,7 +6710,7 @@
       <p:bgPr>
         <a:blipFill dpi="0" rotWithShape="1">
           <a:blip r:embed="rId2">
-            <a:alphaModFix amt="40000"/>
+            <a:alphaModFix amt="30000"/>
             <a:lum/>
           </a:blip>
           <a:srcRect/>
@@ -5368,217 +6740,6 @@
           <p:cNvPr id="2" name="Title 1">
             <a:extLst>
               <a:ext uri="{FF2B5EF4-FFF2-40B4-BE49-F238E27FC236}">
-                <a16:creationId xmlns:a16="http://schemas.microsoft.com/office/drawing/2014/main" id="{46D23388-C772-EEB8-6677-9F45D0AD0844}"/>
-              </a:ext>
-            </a:extLst>
-          </p:cNvPr>
-          <p:cNvSpPr>
-            <a:spLocks noGrp="1"/>
-          </p:cNvSpPr>
-          <p:nvPr>
-            <p:ph type="title"/>
-          </p:nvPr>
-        </p:nvSpPr>
-        <p:spPr/>
-        <p:txBody>
-          <a:bodyPr>
-            <a:normAutofit fontScale="90000"/>
-          </a:bodyPr>
-          <a:lstStyle/>
-          <a:p>
-            <a:br>
-              <a:rPr lang="en-US" b="1" dirty="0"/>
-            </a:br>
-            <a:r>
-              <a:rPr lang="en-US" b="1" dirty="0">
-                <a:latin typeface="Times New Roman" panose="02020603050405020304" pitchFamily="18" charset="0"/>
-                <a:cs typeface="Times New Roman" panose="02020603050405020304" pitchFamily="18" charset="0"/>
-              </a:rPr>
-              <a:t>Who's This For?</a:t>
-            </a:r>
-            <a:br>
-              <a:rPr lang="en-US" b="1" dirty="0"/>
-            </a:br>
-            <a:endParaRPr lang="en-US" dirty="0"/>
-          </a:p>
-        </p:txBody>
-      </p:sp>
-      <p:sp>
-        <p:nvSpPr>
-          <p:cNvPr id="3" name="Content Placeholder 2">
-            <a:extLst>
-              <a:ext uri="{FF2B5EF4-FFF2-40B4-BE49-F238E27FC236}">
-                <a16:creationId xmlns:a16="http://schemas.microsoft.com/office/drawing/2014/main" id="{E9C0B218-261A-A52E-C191-E55E8242E538}"/>
-              </a:ext>
-            </a:extLst>
-          </p:cNvPr>
-          <p:cNvSpPr>
-            <a:spLocks noGrp="1"/>
-          </p:cNvSpPr>
-          <p:nvPr>
-            <p:ph idx="1"/>
-          </p:nvPr>
-        </p:nvSpPr>
-        <p:spPr/>
-        <p:txBody>
-          <a:bodyPr>
-            <a:normAutofit/>
-          </a:bodyPr>
-          <a:lstStyle/>
-          <a:p>
-            <a:pPr>
-              <a:buNone/>
-            </a:pPr>
-            <a:r>
-              <a:rPr lang="en-US" sz="2800" b="1" dirty="0">
-                <a:latin typeface="Times New Roman" panose="02020603050405020304" pitchFamily="18" charset="0"/>
-                <a:cs typeface="Times New Roman" panose="02020603050405020304" pitchFamily="18" charset="0"/>
-              </a:rPr>
-              <a:t>Stakeholders:</a:t>
-            </a:r>
-            <a:r>
-              <a:rPr lang="en-US" sz="2800" dirty="0">
-                <a:latin typeface="Times New Roman" panose="02020603050405020304" pitchFamily="18" charset="0"/>
-                <a:cs typeface="Times New Roman" panose="02020603050405020304" pitchFamily="18" charset="0"/>
-              </a:rPr>
-              <a:t> </a:t>
-            </a:r>
-          </a:p>
-          <a:p>
-            <a:pPr>
-              <a:buFont typeface="Arial" panose="020B0604020202020204" pitchFamily="34" charset="0"/>
-              <a:buChar char="•"/>
-            </a:pPr>
-            <a:r>
-              <a:rPr lang="en-US" sz="2800" dirty="0">
-                <a:latin typeface="Times New Roman" panose="02020603050405020304" pitchFamily="18" charset="0"/>
-                <a:cs typeface="Times New Roman" panose="02020603050405020304" pitchFamily="18" charset="0"/>
-              </a:rPr>
-              <a:t> Ministry of Agriculture</a:t>
-            </a:r>
-          </a:p>
-          <a:p>
-            <a:pPr>
-              <a:buFont typeface="Arial" panose="020B0604020202020204" pitchFamily="34" charset="0"/>
-              <a:buChar char="•"/>
-            </a:pPr>
-            <a:r>
-              <a:rPr lang="en-US" sz="2800" dirty="0">
-                <a:latin typeface="Times New Roman" panose="02020603050405020304" pitchFamily="18" charset="0"/>
-                <a:cs typeface="Times New Roman" panose="02020603050405020304" pitchFamily="18" charset="0"/>
-              </a:rPr>
-              <a:t> Development Organizations</a:t>
-            </a:r>
-          </a:p>
-          <a:p>
-            <a:pPr>
-              <a:buFont typeface="Arial" panose="020B0604020202020204" pitchFamily="34" charset="0"/>
-              <a:buChar char="•"/>
-            </a:pPr>
-            <a:r>
-              <a:rPr lang="en-US" sz="2800" dirty="0">
-                <a:latin typeface="Times New Roman" panose="02020603050405020304" pitchFamily="18" charset="0"/>
-                <a:cs typeface="Times New Roman" panose="02020603050405020304" pitchFamily="18" charset="0"/>
-              </a:rPr>
-              <a:t> Farmer Cooperatives</a:t>
-            </a:r>
-          </a:p>
-          <a:p>
-            <a:pPr>
-              <a:buFont typeface="Arial" panose="020B0604020202020204" pitchFamily="34" charset="0"/>
-              <a:buChar char="•"/>
-            </a:pPr>
-            <a:r>
-              <a:rPr lang="en-US" sz="2800" dirty="0">
-                <a:latin typeface="Times New Roman" panose="02020603050405020304" pitchFamily="18" charset="0"/>
-                <a:cs typeface="Times New Roman" panose="02020603050405020304" pitchFamily="18" charset="0"/>
-              </a:rPr>
-              <a:t>Agri tech Companies</a:t>
-            </a:r>
-          </a:p>
-          <a:p>
-            <a:pPr>
-              <a:buFont typeface="Arial" panose="020B0604020202020204" pitchFamily="34" charset="0"/>
-              <a:buChar char="•"/>
-            </a:pPr>
-            <a:r>
-              <a:rPr lang="en-US" sz="2800" dirty="0">
-                <a:latin typeface="Times New Roman" panose="02020603050405020304" pitchFamily="18" charset="0"/>
-                <a:cs typeface="Times New Roman" panose="02020603050405020304" pitchFamily="18" charset="0"/>
-              </a:rPr>
-              <a:t>Donors &amp; NGO s</a:t>
-            </a:r>
-          </a:p>
-          <a:p>
-            <a:pPr>
-              <a:buNone/>
-            </a:pPr>
-            <a:endParaRPr lang="en-US" sz="2800" dirty="0">
-              <a:latin typeface="Times New Roman" panose="02020603050405020304" pitchFamily="18" charset="0"/>
-              <a:cs typeface="Times New Roman" panose="02020603050405020304" pitchFamily="18" charset="0"/>
-            </a:endParaRPr>
-          </a:p>
-          <a:p>
-            <a:pPr marL="0" indent="0">
-              <a:buNone/>
-            </a:pPr>
-            <a:endParaRPr lang="en-US" sz="2800" dirty="0"/>
-          </a:p>
-          <a:p>
-            <a:endParaRPr lang="en-US" dirty="0"/>
-          </a:p>
-        </p:txBody>
-      </p:sp>
-    </p:spTree>
-    <p:extLst>
-      <p:ext uri="{BB962C8B-B14F-4D97-AF65-F5344CB8AC3E}">
-        <p14:creationId xmlns:p14="http://schemas.microsoft.com/office/powerpoint/2010/main" val="3923179562"/>
-      </p:ext>
-    </p:extLst>
-  </p:cSld>
-  <p:clrMapOvr>
-    <a:masterClrMapping/>
-  </p:clrMapOvr>
-</p:sld>
-</file>
-
-<file path=ppt/slides/slide7.xml><?xml version="1.0" encoding="utf-8"?>
-<p:sld xmlns:a="http://schemas.openxmlformats.org/drawingml/2006/main" xmlns:r="http://schemas.openxmlformats.org/officeDocument/2006/relationships" xmlns:p="http://schemas.openxmlformats.org/presentationml/2006/main">
-  <p:cSld>
-    <p:bg>
-      <p:bgPr>
-        <a:blipFill dpi="0" rotWithShape="1">
-          <a:blip r:embed="rId2">
-            <a:alphaModFix amt="40000"/>
-            <a:lum/>
-          </a:blip>
-          <a:srcRect/>
-          <a:stretch>
-            <a:fillRect l="-6000" r="-6000"/>
-          </a:stretch>
-        </a:blipFill>
-        <a:effectLst/>
-      </p:bgPr>
-    </p:bg>
-    <p:spTree>
-      <p:nvGrpSpPr>
-        <p:cNvPr id="1" name=""/>
-        <p:cNvGrpSpPr/>
-        <p:nvPr/>
-      </p:nvGrpSpPr>
-      <p:grpSpPr>
-        <a:xfrm>
-          <a:off x="0" y="0"/>
-          <a:ext cx="0" cy="0"/>
-          <a:chOff x="0" y="0"/>
-          <a:chExt cx="0" cy="0"/>
-        </a:xfrm>
-      </p:grpSpPr>
-      <p:sp>
-        <p:nvSpPr>
-          <p:cNvPr id="2" name="Title 1">
-            <a:extLst>
-              <a:ext uri="{FF2B5EF4-FFF2-40B4-BE49-F238E27FC236}">
                 <a16:creationId xmlns:a16="http://schemas.microsoft.com/office/drawing/2014/main" id="{7CD7A0EA-9924-355E-125E-B46C6640B287}"/>
               </a:ext>
             </a:extLst>
@@ -5636,7 +6797,7 @@
         <p:spPr/>
         <p:txBody>
           <a:bodyPr>
-            <a:normAutofit fontScale="92500" lnSpcReduction="20000"/>
+            <a:normAutofit fontScale="77500" lnSpcReduction="20000"/>
           </a:bodyPr>
           <a:lstStyle/>
           <a:p>
@@ -5695,9 +6856,16 @@
             </a:r>
           </a:p>
           <a:p>
-            <a:pPr marL="0" indent="0">
-              <a:buNone/>
-            </a:pPr>
+            <a:pPr>
+              <a:buNone/>
+            </a:pPr>
+            <a:r>
+              <a:rPr lang="en-US" sz="3000" b="1" dirty="0">
+                <a:latin typeface="Times New Roman" panose="02020603050405020304" pitchFamily="18" charset="0"/>
+                <a:cs typeface="Times New Roman" panose="02020603050405020304" pitchFamily="18" charset="0"/>
+              </a:rPr>
+              <a:t>Key Indicators:</a:t>
+            </a:r>
             <a:endParaRPr lang="en-US" sz="3000" dirty="0">
               <a:latin typeface="Times New Roman" panose="02020603050405020304" pitchFamily="18" charset="0"/>
               <a:cs typeface="Times New Roman" panose="02020603050405020304" pitchFamily="18" charset="0"/>
@@ -5705,19 +6873,16 @@
           </a:p>
           <a:p>
             <a:pPr>
-              <a:buNone/>
-            </a:pPr>
-            <a:r>
-              <a:rPr lang="en-US" sz="3000" b="1" dirty="0">
-                <a:latin typeface="Times New Roman" panose="02020603050405020304" pitchFamily="18" charset="0"/>
-                <a:cs typeface="Times New Roman" panose="02020603050405020304" pitchFamily="18" charset="0"/>
-              </a:rPr>
-              <a:t>Key Indicators:</a:t>
-            </a:r>
-            <a:endParaRPr lang="en-US" sz="3000" dirty="0">
-              <a:latin typeface="Times New Roman" panose="02020603050405020304" pitchFamily="18" charset="0"/>
-              <a:cs typeface="Times New Roman" panose="02020603050405020304" pitchFamily="18" charset="0"/>
-            </a:endParaRPr>
+              <a:buFont typeface="Arial" panose="020B0604020202020204" pitchFamily="34" charset="0"/>
+              <a:buChar char="•"/>
+            </a:pPr>
+            <a:r>
+              <a:rPr lang="en-US" sz="3000" dirty="0">
+                <a:latin typeface="Times New Roman" panose="02020603050405020304" pitchFamily="18" charset="0"/>
+                <a:cs typeface="Times New Roman" panose="02020603050405020304" pitchFamily="18" charset="0"/>
+              </a:rPr>
+              <a:t>Fertilizer consumption (kg/ha)</a:t>
+            </a:r>
           </a:p>
           <a:p>
             <a:pPr>
@@ -5729,7 +6894,7 @@
                 <a:latin typeface="Times New Roman" panose="02020603050405020304" pitchFamily="18" charset="0"/>
                 <a:cs typeface="Times New Roman" panose="02020603050405020304" pitchFamily="18" charset="0"/>
               </a:rPr>
-              <a:t>Fertilizer consumption (kg/ha)</a:t>
+              <a:t>Ag. value added (US$)</a:t>
             </a:r>
           </a:p>
           <a:p>
@@ -5742,7 +6907,7 @@
                 <a:latin typeface="Times New Roman" panose="02020603050405020304" pitchFamily="18" charset="0"/>
                 <a:cs typeface="Times New Roman" panose="02020603050405020304" pitchFamily="18" charset="0"/>
               </a:rPr>
-              <a:t>Ag. value added (US$)</a:t>
+              <a:t>Employment in ag. (%)</a:t>
             </a:r>
           </a:p>
           <a:p>
@@ -5755,7 +6920,19 @@
                 <a:latin typeface="Times New Roman" panose="02020603050405020304" pitchFamily="18" charset="0"/>
                 <a:cs typeface="Times New Roman" panose="02020603050405020304" pitchFamily="18" charset="0"/>
               </a:rPr>
-              <a:t>Employment in ag. (%)</a:t>
+              <a:t>Crop production index</a:t>
+            </a:r>
+          </a:p>
+          <a:p>
+            <a:pPr marL="0" indent="0">
+              <a:buNone/>
+            </a:pPr>
+            <a:r>
+              <a:rPr lang="en-US" sz="3000" b="1" dirty="0">
+                <a:latin typeface="Times New Roman" panose="02020603050405020304" pitchFamily="18" charset="0"/>
+                <a:cs typeface="Times New Roman" panose="02020603050405020304" pitchFamily="18" charset="0"/>
+              </a:rPr>
+              <a:t>Data Handling</a:t>
             </a:r>
           </a:p>
           <a:p>
@@ -5768,10 +6945,13 @@
                 <a:latin typeface="Times New Roman" panose="02020603050405020304" pitchFamily="18" charset="0"/>
                 <a:cs typeface="Times New Roman" panose="02020603050405020304" pitchFamily="18" charset="0"/>
               </a:rPr>
-              <a:t>Crop production index</a:t>
-            </a:r>
-          </a:p>
-          <a:p>
+              <a:t>Missing values handled using K-Nearest Neighbors (KNN) for multivariate patterns and Median imputation for simpler gaps</a:t>
+            </a:r>
+          </a:p>
+          <a:p>
+            <a:pPr marL="0" indent="0">
+              <a:buNone/>
+            </a:pPr>
             <a:endParaRPr lang="en-US" dirty="0"/>
           </a:p>
         </p:txBody>
@@ -5789,7 +6969,7 @@
 </p:sld>
 </file>
 
-<file path=ppt/slides/slide8.xml><?xml version="1.0" encoding="utf-8"?>
+<file path=ppt/slides/slide7.xml><?xml version="1.0" encoding="utf-8"?>
 <p:sld xmlns:a="http://schemas.openxmlformats.org/drawingml/2006/main" xmlns:r="http://schemas.openxmlformats.org/officeDocument/2006/relationships" xmlns:p="http://schemas.openxmlformats.org/presentationml/2006/main">
   <p:cSld>
     <p:bg>
@@ -5926,6 +7106,194 @@
 </p:sld>
 </file>
 
+<file path=ppt/slides/slide8.xml><?xml version="1.0" encoding="utf-8"?>
+<p:sld xmlns:a="http://schemas.openxmlformats.org/drawingml/2006/main" xmlns:r="http://schemas.openxmlformats.org/officeDocument/2006/relationships" xmlns:p="http://schemas.openxmlformats.org/presentationml/2006/main">
+  <p:cSld>
+    <p:bg>
+      <p:bgPr>
+        <a:blipFill dpi="0" rotWithShape="1">
+          <a:blip r:embed="rId2">
+            <a:alphaModFix amt="20000"/>
+            <a:lum/>
+          </a:blip>
+          <a:srcRect/>
+          <a:stretch>
+            <a:fillRect l="-6000" r="-6000"/>
+          </a:stretch>
+        </a:blipFill>
+        <a:effectLst/>
+      </p:bgPr>
+    </p:bg>
+    <p:spTree>
+      <p:nvGrpSpPr>
+        <p:cNvPr id="1" name=""/>
+        <p:cNvGrpSpPr/>
+        <p:nvPr/>
+      </p:nvGrpSpPr>
+      <p:grpSpPr>
+        <a:xfrm>
+          <a:off x="0" y="0"/>
+          <a:ext cx="0" cy="0"/>
+          <a:chOff x="0" y="0"/>
+          <a:chExt cx="0" cy="0"/>
+        </a:xfrm>
+      </p:grpSpPr>
+      <p:sp>
+        <p:nvSpPr>
+          <p:cNvPr id="2" name="Title 1">
+            <a:extLst>
+              <a:ext uri="{FF2B5EF4-FFF2-40B4-BE49-F238E27FC236}">
+                <a16:creationId xmlns:a16="http://schemas.microsoft.com/office/drawing/2014/main" id="{6976AF46-3788-EFD0-58FB-93F317615240}"/>
+              </a:ext>
+            </a:extLst>
+          </p:cNvPr>
+          <p:cNvSpPr>
+            <a:spLocks noGrp="1"/>
+          </p:cNvSpPr>
+          <p:nvPr>
+            <p:ph type="title"/>
+          </p:nvPr>
+        </p:nvSpPr>
+        <p:spPr/>
+        <p:txBody>
+          <a:bodyPr/>
+          <a:lstStyle/>
+          <a:p>
+            <a:endParaRPr lang="en-US"/>
+          </a:p>
+        </p:txBody>
+      </p:sp>
+      <p:sp>
+        <p:nvSpPr>
+          <p:cNvPr id="3" name="Content Placeholder 2">
+            <a:extLst>
+              <a:ext uri="{FF2B5EF4-FFF2-40B4-BE49-F238E27FC236}">
+                <a16:creationId xmlns:a16="http://schemas.microsoft.com/office/drawing/2014/main" id="{51CD0A50-74D5-75F3-084D-4120C2D2EE44}"/>
+              </a:ext>
+            </a:extLst>
+          </p:cNvPr>
+          <p:cNvSpPr>
+            <a:spLocks noGrp="1"/>
+          </p:cNvSpPr>
+          <p:nvPr>
+            <p:ph idx="1"/>
+          </p:nvPr>
+        </p:nvSpPr>
+        <p:spPr/>
+        <p:txBody>
+          <a:bodyPr/>
+          <a:lstStyle/>
+          <a:p>
+            <a:pPr>
+              <a:buFont typeface="Arial" panose="020B0604020202020204" pitchFamily="34" charset="0"/>
+              <a:buChar char="•"/>
+            </a:pPr>
+            <a:endParaRPr lang="en-US" dirty="0"/>
+          </a:p>
+          <a:p>
+            <a:pPr marL="0" indent="0">
+              <a:buNone/>
+            </a:pPr>
+            <a:r>
+              <a:rPr lang="en-US" sz="2800" b="1" dirty="0">
+                <a:latin typeface="Times New Roman" panose="02020603050405020304" pitchFamily="18" charset="0"/>
+                <a:cs typeface="Times New Roman" panose="02020603050405020304" pitchFamily="18" charset="0"/>
+              </a:rPr>
+              <a:t>Insights</a:t>
+            </a:r>
+          </a:p>
+          <a:p>
+            <a:pPr>
+              <a:buFont typeface="Arial" panose="020B0604020202020204" pitchFamily="34" charset="0"/>
+              <a:buChar char="•"/>
+            </a:pPr>
+            <a:r>
+              <a:rPr lang="en-US" sz="2800" dirty="0">
+                <a:latin typeface="Times New Roman" panose="02020603050405020304" pitchFamily="18" charset="0"/>
+                <a:cs typeface="Times New Roman" panose="02020603050405020304" pitchFamily="18" charset="0"/>
+              </a:rPr>
+              <a:t>Right-skewed distribution: Most countries use low amounts of fertilizer, while a few use extremely high</a:t>
+            </a:r>
+          </a:p>
+          <a:p>
+            <a:pPr>
+              <a:buFont typeface="Arial" panose="020B0604020202020204" pitchFamily="34" charset="0"/>
+              <a:buChar char="•"/>
+            </a:pPr>
+            <a:r>
+              <a:rPr lang="en-US" sz="2800" dirty="0">
+                <a:latin typeface="Times New Roman" panose="02020603050405020304" pitchFamily="18" charset="0"/>
+                <a:cs typeface="Times New Roman" panose="02020603050405020304" pitchFamily="18" charset="0"/>
+              </a:rPr>
+              <a:t>Log transformation helps normalize data for modeling</a:t>
+            </a:r>
+          </a:p>
+          <a:p>
+            <a:pPr marL="0" indent="0">
+              <a:buNone/>
+            </a:pPr>
+            <a:r>
+              <a:rPr lang="en-US" sz="2800" b="1" dirty="0">
+                <a:latin typeface="Times New Roman" panose="02020603050405020304" pitchFamily="18" charset="0"/>
+                <a:cs typeface="Times New Roman" panose="02020603050405020304" pitchFamily="18" charset="0"/>
+              </a:rPr>
+              <a:t>Suggests</a:t>
+            </a:r>
+          </a:p>
+          <a:p>
+            <a:pPr>
+              <a:buFont typeface="Arial" panose="020B0604020202020204" pitchFamily="34" charset="0"/>
+              <a:buChar char="•"/>
+            </a:pPr>
+            <a:r>
+              <a:rPr lang="en-US" sz="2800" dirty="0">
+                <a:latin typeface="Times New Roman" panose="02020603050405020304" pitchFamily="18" charset="0"/>
+                <a:cs typeface="Times New Roman" panose="02020603050405020304" pitchFamily="18" charset="0"/>
+              </a:rPr>
+              <a:t>Modeling strategies must account for this skew</a:t>
+            </a:r>
+          </a:p>
+          <a:p>
+            <a:pPr>
+              <a:buFont typeface="Arial" panose="020B0604020202020204" pitchFamily="34" charset="0"/>
+              <a:buChar char="•"/>
+            </a:pPr>
+            <a:endParaRPr lang="en-US" sz="2800" b="1" dirty="0">
+              <a:latin typeface="Times New Roman" panose="02020603050405020304" pitchFamily="18" charset="0"/>
+              <a:cs typeface="Times New Roman" panose="02020603050405020304" pitchFamily="18" charset="0"/>
+            </a:endParaRPr>
+          </a:p>
+          <a:p>
+            <a:pPr marL="0" indent="0">
+              <a:buNone/>
+            </a:pPr>
+            <a:endParaRPr lang="en-US" b="1" dirty="0"/>
+          </a:p>
+          <a:p>
+            <a:pPr>
+              <a:buFont typeface="Arial" panose="020B0604020202020204" pitchFamily="34" charset="0"/>
+              <a:buChar char="•"/>
+            </a:pPr>
+            <a:endParaRPr lang="en-US" b="1" dirty="0"/>
+          </a:p>
+          <a:p>
+            <a:endParaRPr lang="en-US" dirty="0"/>
+          </a:p>
+        </p:txBody>
+      </p:sp>
+    </p:spTree>
+    <p:extLst>
+      <p:ext uri="{BB962C8B-B14F-4D97-AF65-F5344CB8AC3E}">
+        <p14:creationId xmlns:p14="http://schemas.microsoft.com/office/powerpoint/2010/main" val="3262351621"/>
+      </p:ext>
+    </p:extLst>
+  </p:cSld>
+  <p:clrMapOvr>
+    <a:masterClrMapping/>
+  </p:clrMapOvr>
+</p:sld>
+</file>
+
 <file path=ppt/slides/slide9.xml><?xml version="1.0" encoding="utf-8"?>
 <p:sld xmlns:a="http://schemas.openxmlformats.org/drawingml/2006/main" xmlns:r="http://schemas.openxmlformats.org/officeDocument/2006/relationships" xmlns:p="http://schemas.openxmlformats.org/presentationml/2006/main">
   <p:cSld>
@@ -5963,7 +7331,7 @@
           <p:cNvPr id="2" name="Title 1">
             <a:extLst>
               <a:ext uri="{FF2B5EF4-FFF2-40B4-BE49-F238E27FC236}">
-                <a16:creationId xmlns:a16="http://schemas.microsoft.com/office/drawing/2014/main" id="{6976AF46-3788-EFD0-58FB-93F317615240}"/>
+                <a16:creationId xmlns:a16="http://schemas.microsoft.com/office/drawing/2014/main" id="{08A7223D-7216-6876-AEDE-138129C277E1}"/>
               </a:ext>
             </a:extLst>
           </p:cNvPr>
@@ -5976,135 +7344,84 @@
         </p:nvSpPr>
         <p:spPr/>
         <p:txBody>
-          <a:bodyPr/>
-          <a:lstStyle/>
-          <a:p>
-            <a:endParaRPr lang="en-US"/>
-          </a:p>
-        </p:txBody>
-      </p:sp>
-      <p:sp>
-        <p:nvSpPr>
-          <p:cNvPr id="3" name="Content Placeholder 2">
+          <a:bodyPr>
+            <a:normAutofit fontScale="90000"/>
+          </a:bodyPr>
+          <a:lstStyle/>
+          <a:p>
+            <a:br>
+              <a:rPr lang="en-US" b="1" dirty="0">
+                <a:latin typeface="Times New Roman" panose="02020603050405020304" pitchFamily="18" charset="0"/>
+                <a:cs typeface="Times New Roman" panose="02020603050405020304" pitchFamily="18" charset="0"/>
+              </a:rPr>
+            </a:br>
+            <a:r>
+              <a:rPr lang="en-US" b="1" dirty="0">
+                <a:latin typeface="Times New Roman" panose="02020603050405020304" pitchFamily="18" charset="0"/>
+                <a:cs typeface="Times New Roman" panose="02020603050405020304" pitchFamily="18" charset="0"/>
+              </a:rPr>
+              <a:t>Fertilizer Consumption Trends Over Time</a:t>
+            </a:r>
+            <a:br>
+              <a:rPr lang="en-US" b="1" dirty="0"/>
+            </a:br>
+            <a:endParaRPr lang="en-US" dirty="0"/>
+          </a:p>
+        </p:txBody>
+      </p:sp>
+      <p:pic>
+        <p:nvPicPr>
+          <p:cNvPr id="3074" name="Picture 2">
             <a:extLst>
               <a:ext uri="{FF2B5EF4-FFF2-40B4-BE49-F238E27FC236}">
-                <a16:creationId xmlns:a16="http://schemas.microsoft.com/office/drawing/2014/main" id="{51CD0A50-74D5-75F3-084D-4120C2D2EE44}"/>
+                <a16:creationId xmlns:a16="http://schemas.microsoft.com/office/drawing/2014/main" id="{E1C6CD26-7CDD-FE6C-8EFC-C6097F5EA070}"/>
               </a:ext>
             </a:extLst>
           </p:cNvPr>
-          <p:cNvSpPr>
-            <a:spLocks noGrp="1"/>
-          </p:cNvSpPr>
+          <p:cNvPicPr>
+            <a:picLocks noGrp="1" noChangeAspect="1" noChangeArrowheads="1"/>
+          </p:cNvPicPr>
           <p:nvPr>
             <p:ph idx="1"/>
           </p:nvPr>
-        </p:nvSpPr>
-        <p:spPr/>
-        <p:txBody>
-          <a:bodyPr/>
-          <a:lstStyle/>
-          <a:p>
-            <a:pPr>
-              <a:buFont typeface="Arial" panose="020B0604020202020204" pitchFamily="34" charset="0"/>
-              <a:buChar char="•"/>
-            </a:pPr>
-            <a:endParaRPr lang="en-US" dirty="0"/>
-          </a:p>
-          <a:p>
-            <a:pPr marL="0" indent="0">
-              <a:buNone/>
-            </a:pPr>
-            <a:r>
-              <a:rPr lang="en-US" sz="2800" b="1" dirty="0">
-                <a:latin typeface="Times New Roman" panose="02020603050405020304" pitchFamily="18" charset="0"/>
-                <a:cs typeface="Times New Roman" panose="02020603050405020304" pitchFamily="18" charset="0"/>
-              </a:rPr>
-              <a:t>Insights</a:t>
-            </a:r>
-          </a:p>
-          <a:p>
-            <a:pPr>
-              <a:buFont typeface="Arial" panose="020B0604020202020204" pitchFamily="34" charset="0"/>
-              <a:buChar char="•"/>
-            </a:pPr>
-            <a:r>
-              <a:rPr lang="en-US" sz="2800" dirty="0">
-                <a:latin typeface="Times New Roman" panose="02020603050405020304" pitchFamily="18" charset="0"/>
-                <a:cs typeface="Times New Roman" panose="02020603050405020304" pitchFamily="18" charset="0"/>
-              </a:rPr>
-              <a:t>Right-skewed distribution: Most countries use low amounts of fertilizer, while a few use extremely high</a:t>
-            </a:r>
-          </a:p>
-          <a:p>
-            <a:pPr>
-              <a:buFont typeface="Arial" panose="020B0604020202020204" pitchFamily="34" charset="0"/>
-              <a:buChar char="•"/>
-            </a:pPr>
-            <a:r>
-              <a:rPr lang="en-US" sz="2800" dirty="0">
-                <a:latin typeface="Times New Roman" panose="02020603050405020304" pitchFamily="18" charset="0"/>
-                <a:cs typeface="Times New Roman" panose="02020603050405020304" pitchFamily="18" charset="0"/>
-              </a:rPr>
-              <a:t>Log transformation helps normalize data for modeling</a:t>
-            </a:r>
-          </a:p>
-          <a:p>
-            <a:pPr marL="0" indent="0">
-              <a:buNone/>
-            </a:pPr>
-            <a:r>
-              <a:rPr lang="en-US" sz="2800" b="1" dirty="0">
-                <a:latin typeface="Times New Roman" panose="02020603050405020304" pitchFamily="18" charset="0"/>
-                <a:cs typeface="Times New Roman" panose="02020603050405020304" pitchFamily="18" charset="0"/>
-              </a:rPr>
-              <a:t>Suggests</a:t>
-            </a:r>
-          </a:p>
-          <a:p>
-            <a:pPr>
-              <a:buFont typeface="Arial" panose="020B0604020202020204" pitchFamily="34" charset="0"/>
-              <a:buChar char="•"/>
-            </a:pPr>
-            <a:r>
-              <a:rPr lang="en-US" sz="2800" dirty="0">
-                <a:latin typeface="Times New Roman" panose="02020603050405020304" pitchFamily="18" charset="0"/>
-                <a:cs typeface="Times New Roman" panose="02020603050405020304" pitchFamily="18" charset="0"/>
-              </a:rPr>
-              <a:t>Modeling strategies must account for this skew</a:t>
-            </a:r>
-          </a:p>
-          <a:p>
-            <a:pPr>
-              <a:buFont typeface="Arial" panose="020B0604020202020204" pitchFamily="34" charset="0"/>
-              <a:buChar char="•"/>
-            </a:pPr>
-            <a:endParaRPr lang="en-US" sz="2800" b="1" dirty="0">
-              <a:latin typeface="Times New Roman" panose="02020603050405020304" pitchFamily="18" charset="0"/>
-              <a:cs typeface="Times New Roman" panose="02020603050405020304" pitchFamily="18" charset="0"/>
-            </a:endParaRPr>
-          </a:p>
-          <a:p>
-            <a:pPr marL="0" indent="0">
-              <a:buNone/>
-            </a:pPr>
-            <a:endParaRPr lang="en-US" b="1" dirty="0"/>
-          </a:p>
-          <a:p>
-            <a:pPr>
-              <a:buFont typeface="Arial" panose="020B0604020202020204" pitchFamily="34" charset="0"/>
-              <a:buChar char="•"/>
-            </a:pPr>
-            <a:endParaRPr lang="en-US" b="1" dirty="0"/>
-          </a:p>
-          <a:p>
-            <a:endParaRPr lang="en-US" dirty="0"/>
-          </a:p>
-        </p:txBody>
-      </p:sp>
+        </p:nvPicPr>
+        <p:blipFill>
+          <a:blip r:embed="rId3">
+            <a:extLst>
+              <a:ext uri="{28A0092B-C50C-407E-A947-70E740481C1C}">
+                <a14:useLocalDpi xmlns:a14="http://schemas.microsoft.com/office/drawing/2010/main" val="0"/>
+              </a:ext>
+            </a:extLst>
+          </a:blip>
+          <a:srcRect/>
+          <a:stretch>
+            <a:fillRect/>
+          </a:stretch>
+        </p:blipFill>
+        <p:spPr bwMode="auto">
+          <a:xfrm>
+            <a:off x="457200" y="1827388"/>
+            <a:ext cx="8229600" cy="4071587"/>
+          </a:xfrm>
+          <a:prstGeom prst="rect">
+            <a:avLst/>
+          </a:prstGeom>
+          <a:noFill/>
+          <a:extLst>
+            <a:ext uri="{909E8E84-426E-40DD-AFC4-6F175D3DCCD1}">
+              <a14:hiddenFill xmlns:a14="http://schemas.microsoft.com/office/drawing/2010/main">
+                <a:solidFill>
+                  <a:srgbClr val="FFFFFF"/>
+                </a:solidFill>
+              </a14:hiddenFill>
+            </a:ext>
+          </a:extLst>
+        </p:spPr>
+      </p:pic>
     </p:spTree>
     <p:extLst>
       <p:ext uri="{BB962C8B-B14F-4D97-AF65-F5344CB8AC3E}">
-        <p14:creationId xmlns:p14="http://schemas.microsoft.com/office/powerpoint/2010/main" val="3262351621"/>
+        <p14:creationId xmlns:p14="http://schemas.microsoft.com/office/powerpoint/2010/main" val="3006515765"/>
       </p:ext>
     </p:extLst>
   </p:cSld>

--- a/East_Africa_Fertilizer_Presentation.pptx
+++ b/East_Africa_Fertilizer_Presentation.pptx
@@ -4,6 +4,9 @@
   <p:sldMasterIdLst>
     <p:sldMasterId id="2147483648" r:id="rId1"/>
   </p:sldMasterIdLst>
+  <p:notesMasterIdLst>
+    <p:notesMasterId r:id="rId26"/>
+  </p:notesMasterIdLst>
   <p:sldIdLst>
     <p:sldId id="256" r:id="rId2"/>
     <p:sldId id="269" r:id="rId3"/>
@@ -11,23 +14,24 @@
     <p:sldId id="271" r:id="rId5"/>
     <p:sldId id="273" r:id="rId6"/>
     <p:sldId id="274" r:id="rId7"/>
-    <p:sldId id="279" r:id="rId8"/>
+    <p:sldId id="296" r:id="rId8"/>
     <p:sldId id="280" r:id="rId9"/>
-    <p:sldId id="281" r:id="rId10"/>
-    <p:sldId id="282" r:id="rId11"/>
-    <p:sldId id="275" r:id="rId12"/>
-    <p:sldId id="276" r:id="rId13"/>
-    <p:sldId id="277" r:id="rId14"/>
-    <p:sldId id="278" r:id="rId15"/>
-    <p:sldId id="283" r:id="rId16"/>
-    <p:sldId id="285" r:id="rId17"/>
-    <p:sldId id="288" r:id="rId18"/>
-    <p:sldId id="291" r:id="rId19"/>
-    <p:sldId id="289" r:id="rId20"/>
-    <p:sldId id="292" r:id="rId21"/>
-    <p:sldId id="293" r:id="rId22"/>
-    <p:sldId id="294" r:id="rId23"/>
-    <p:sldId id="268" r:id="rId24"/>
+    <p:sldId id="297" r:id="rId10"/>
+    <p:sldId id="281" r:id="rId11"/>
+    <p:sldId id="282" r:id="rId12"/>
+    <p:sldId id="275" r:id="rId13"/>
+    <p:sldId id="276" r:id="rId14"/>
+    <p:sldId id="277" r:id="rId15"/>
+    <p:sldId id="278" r:id="rId16"/>
+    <p:sldId id="283" r:id="rId17"/>
+    <p:sldId id="285" r:id="rId18"/>
+    <p:sldId id="288" r:id="rId19"/>
+    <p:sldId id="291" r:id="rId20"/>
+    <p:sldId id="289" r:id="rId21"/>
+    <p:sldId id="292" r:id="rId22"/>
+    <p:sldId id="293" r:id="rId23"/>
+    <p:sldId id="294" r:id="rId24"/>
+    <p:sldId id="268" r:id="rId25"/>
   </p:sldIdLst>
   <p:sldSz cx="9144000" cy="6858000" type="screen4x3"/>
   <p:notesSz cx="6858000" cy="9144000"/>
@@ -143,6 +147,5348 @@
     </p:ext>
   </p:extLst>
 </p:presentation>
+</file>
+
+<file path=ppt/diagrams/colors1.xml><?xml version="1.0" encoding="utf-8"?>
+<dgm:colorsDef xmlns:dgm="http://schemas.openxmlformats.org/drawingml/2006/diagram" xmlns:a="http://schemas.openxmlformats.org/drawingml/2006/main" uniqueId="urn:microsoft.com/office/officeart/2005/8/colors/accent1_2">
+  <dgm:title val=""/>
+  <dgm:desc val=""/>
+  <dgm:catLst>
+    <dgm:cat type="accent1" pri="11200"/>
+  </dgm:catLst>
+  <dgm:styleLbl name="node0">
+    <dgm:fillClrLst meth="repeat">
+      <a:schemeClr val="accent1"/>
+    </dgm:fillClrLst>
+    <dgm:linClrLst meth="repeat">
+      <a:schemeClr val="lt1"/>
+    </dgm:linClrLst>
+    <dgm:effectClrLst/>
+    <dgm:txLinClrLst/>
+    <dgm:txFillClrLst/>
+    <dgm:txEffectClrLst/>
+  </dgm:styleLbl>
+  <dgm:styleLbl name="alignNode1">
+    <dgm:fillClrLst meth="repeat">
+      <a:schemeClr val="accent1"/>
+    </dgm:fillClrLst>
+    <dgm:linClrLst meth="repeat">
+      <a:schemeClr val="accent1"/>
+    </dgm:linClrLst>
+    <dgm:effectClrLst/>
+    <dgm:txLinClrLst/>
+    <dgm:txFillClrLst/>
+    <dgm:txEffectClrLst/>
+  </dgm:styleLbl>
+  <dgm:styleLbl name="node1">
+    <dgm:fillClrLst meth="repeat">
+      <a:schemeClr val="accent1"/>
+    </dgm:fillClrLst>
+    <dgm:linClrLst meth="repeat">
+      <a:schemeClr val="lt1"/>
+    </dgm:linClrLst>
+    <dgm:effectClrLst/>
+    <dgm:txLinClrLst/>
+    <dgm:txFillClrLst/>
+    <dgm:txEffectClrLst/>
+  </dgm:styleLbl>
+  <dgm:styleLbl name="lnNode1">
+    <dgm:fillClrLst meth="repeat">
+      <a:schemeClr val="accent1"/>
+    </dgm:fillClrLst>
+    <dgm:linClrLst meth="repeat">
+      <a:schemeClr val="lt1"/>
+    </dgm:linClrLst>
+    <dgm:effectClrLst/>
+    <dgm:txLinClrLst/>
+    <dgm:txFillClrLst/>
+    <dgm:txEffectClrLst/>
+  </dgm:styleLbl>
+  <dgm:styleLbl name="vennNode1">
+    <dgm:fillClrLst meth="repeat">
+      <a:schemeClr val="accent1">
+        <a:alpha val="50000"/>
+      </a:schemeClr>
+    </dgm:fillClrLst>
+    <dgm:linClrLst meth="repeat">
+      <a:schemeClr val="lt1"/>
+    </dgm:linClrLst>
+    <dgm:effectClrLst/>
+    <dgm:txLinClrLst/>
+    <dgm:txFillClrLst/>
+    <dgm:txEffectClrLst/>
+  </dgm:styleLbl>
+  <dgm:styleLbl name="node2">
+    <dgm:fillClrLst meth="repeat">
+      <a:schemeClr val="accent1"/>
+    </dgm:fillClrLst>
+    <dgm:linClrLst meth="repeat">
+      <a:schemeClr val="lt1"/>
+    </dgm:linClrLst>
+    <dgm:effectClrLst/>
+    <dgm:txLinClrLst/>
+    <dgm:txFillClrLst/>
+    <dgm:txEffectClrLst/>
+  </dgm:styleLbl>
+  <dgm:styleLbl name="node3">
+    <dgm:fillClrLst meth="repeat">
+      <a:schemeClr val="accent1"/>
+    </dgm:fillClrLst>
+    <dgm:linClrLst meth="repeat">
+      <a:schemeClr val="lt1"/>
+    </dgm:linClrLst>
+    <dgm:effectClrLst/>
+    <dgm:txLinClrLst/>
+    <dgm:txFillClrLst/>
+    <dgm:txEffectClrLst/>
+  </dgm:styleLbl>
+  <dgm:styleLbl name="node4">
+    <dgm:fillClrLst meth="repeat">
+      <a:schemeClr val="accent1"/>
+    </dgm:fillClrLst>
+    <dgm:linClrLst meth="repeat">
+      <a:schemeClr val="lt1"/>
+    </dgm:linClrLst>
+    <dgm:effectClrLst/>
+    <dgm:txLinClrLst/>
+    <dgm:txFillClrLst/>
+    <dgm:txEffectClrLst/>
+  </dgm:styleLbl>
+  <dgm:styleLbl name="fgImgPlace1">
+    <dgm:fillClrLst meth="repeat">
+      <a:schemeClr val="accent1">
+        <a:tint val="50000"/>
+      </a:schemeClr>
+    </dgm:fillClrLst>
+    <dgm:linClrLst meth="repeat">
+      <a:schemeClr val="lt1"/>
+    </dgm:linClrLst>
+    <dgm:effectClrLst/>
+    <dgm:txLinClrLst/>
+    <dgm:txFillClrLst meth="repeat">
+      <a:schemeClr val="lt1"/>
+    </dgm:txFillClrLst>
+    <dgm:txEffectClrLst/>
+  </dgm:styleLbl>
+  <dgm:styleLbl name="alignImgPlace1">
+    <dgm:fillClrLst meth="repeat">
+      <a:schemeClr val="accent1">
+        <a:tint val="50000"/>
+      </a:schemeClr>
+    </dgm:fillClrLst>
+    <dgm:linClrLst meth="repeat">
+      <a:schemeClr val="lt1"/>
+    </dgm:linClrLst>
+    <dgm:effectClrLst/>
+    <dgm:txLinClrLst/>
+    <dgm:txFillClrLst meth="repeat">
+      <a:schemeClr val="lt1"/>
+    </dgm:txFillClrLst>
+    <dgm:txEffectClrLst/>
+  </dgm:styleLbl>
+  <dgm:styleLbl name="bgImgPlace1">
+    <dgm:fillClrLst meth="repeat">
+      <a:schemeClr val="accent1">
+        <a:tint val="50000"/>
+      </a:schemeClr>
+    </dgm:fillClrLst>
+    <dgm:linClrLst meth="repeat">
+      <a:schemeClr val="lt1"/>
+    </dgm:linClrLst>
+    <dgm:effectClrLst/>
+    <dgm:txLinClrLst/>
+    <dgm:txFillClrLst meth="repeat">
+      <a:schemeClr val="lt1"/>
+    </dgm:txFillClrLst>
+    <dgm:txEffectClrLst/>
+  </dgm:styleLbl>
+  <dgm:styleLbl name="sibTrans2D1">
+    <dgm:fillClrLst meth="repeat">
+      <a:schemeClr val="accent1">
+        <a:tint val="60000"/>
+      </a:schemeClr>
+    </dgm:fillClrLst>
+    <dgm:linClrLst meth="repeat">
+      <a:schemeClr val="accent1">
+        <a:tint val="60000"/>
+      </a:schemeClr>
+    </dgm:linClrLst>
+    <dgm:effectClrLst/>
+    <dgm:txLinClrLst/>
+    <dgm:txFillClrLst/>
+    <dgm:txEffectClrLst/>
+  </dgm:styleLbl>
+  <dgm:styleLbl name="fgSibTrans2D1">
+    <dgm:fillClrLst meth="repeat">
+      <a:schemeClr val="accent1">
+        <a:tint val="60000"/>
+      </a:schemeClr>
+    </dgm:fillClrLst>
+    <dgm:linClrLst meth="repeat">
+      <a:schemeClr val="accent1">
+        <a:tint val="60000"/>
+      </a:schemeClr>
+    </dgm:linClrLst>
+    <dgm:effectClrLst/>
+    <dgm:txLinClrLst/>
+    <dgm:txFillClrLst/>
+    <dgm:txEffectClrLst/>
+  </dgm:styleLbl>
+  <dgm:styleLbl name="bgSibTrans2D1">
+    <dgm:fillClrLst meth="repeat">
+      <a:schemeClr val="accent1">
+        <a:tint val="60000"/>
+      </a:schemeClr>
+    </dgm:fillClrLst>
+    <dgm:linClrLst meth="repeat">
+      <a:schemeClr val="accent1">
+        <a:tint val="60000"/>
+      </a:schemeClr>
+    </dgm:linClrLst>
+    <dgm:effectClrLst/>
+    <dgm:txLinClrLst/>
+    <dgm:txFillClrLst/>
+    <dgm:txEffectClrLst/>
+  </dgm:styleLbl>
+  <dgm:styleLbl name="sibTrans1D1">
+    <dgm:fillClrLst meth="repeat">
+      <a:schemeClr val="accent1"/>
+    </dgm:fillClrLst>
+    <dgm:linClrLst meth="repeat">
+      <a:schemeClr val="accent1"/>
+    </dgm:linClrLst>
+    <dgm:effectClrLst/>
+    <dgm:txLinClrLst/>
+    <dgm:txFillClrLst meth="repeat">
+      <a:schemeClr val="tx1"/>
+    </dgm:txFillClrLst>
+    <dgm:txEffectClrLst/>
+  </dgm:styleLbl>
+  <dgm:styleLbl name="callout">
+    <dgm:fillClrLst meth="repeat">
+      <a:schemeClr val="accent1"/>
+    </dgm:fillClrLst>
+    <dgm:linClrLst meth="repeat">
+      <a:schemeClr val="accent1">
+        <a:tint val="50000"/>
+      </a:schemeClr>
+    </dgm:linClrLst>
+    <dgm:effectClrLst/>
+    <dgm:txLinClrLst/>
+    <dgm:txFillClrLst meth="repeat">
+      <a:schemeClr val="tx1"/>
+    </dgm:txFillClrLst>
+    <dgm:txEffectClrLst/>
+  </dgm:styleLbl>
+  <dgm:styleLbl name="asst0">
+    <dgm:fillClrLst meth="repeat">
+      <a:schemeClr val="accent1"/>
+    </dgm:fillClrLst>
+    <dgm:linClrLst meth="repeat">
+      <a:schemeClr val="lt1"/>
+    </dgm:linClrLst>
+    <dgm:effectClrLst/>
+    <dgm:txLinClrLst/>
+    <dgm:txFillClrLst/>
+    <dgm:txEffectClrLst/>
+  </dgm:styleLbl>
+  <dgm:styleLbl name="asst1">
+    <dgm:fillClrLst meth="repeat">
+      <a:schemeClr val="accent1"/>
+    </dgm:fillClrLst>
+    <dgm:linClrLst meth="repeat">
+      <a:schemeClr val="lt1"/>
+    </dgm:linClrLst>
+    <dgm:effectClrLst/>
+    <dgm:txLinClrLst/>
+    <dgm:txFillClrLst/>
+    <dgm:txEffectClrLst/>
+  </dgm:styleLbl>
+  <dgm:styleLbl name="asst2">
+    <dgm:fillClrLst meth="repeat">
+      <a:schemeClr val="accent1"/>
+    </dgm:fillClrLst>
+    <dgm:linClrLst meth="repeat">
+      <a:schemeClr val="lt1"/>
+    </dgm:linClrLst>
+    <dgm:effectClrLst/>
+    <dgm:txLinClrLst/>
+    <dgm:txFillClrLst/>
+    <dgm:txEffectClrLst/>
+  </dgm:styleLbl>
+  <dgm:styleLbl name="asst3">
+    <dgm:fillClrLst meth="repeat">
+      <a:schemeClr val="accent1"/>
+    </dgm:fillClrLst>
+    <dgm:linClrLst meth="repeat">
+      <a:schemeClr val="lt1"/>
+    </dgm:linClrLst>
+    <dgm:effectClrLst/>
+    <dgm:txLinClrLst/>
+    <dgm:txFillClrLst/>
+    <dgm:txEffectClrLst/>
+  </dgm:styleLbl>
+  <dgm:styleLbl name="asst4">
+    <dgm:fillClrLst meth="repeat">
+      <a:schemeClr val="accent1"/>
+    </dgm:fillClrLst>
+    <dgm:linClrLst meth="repeat">
+      <a:schemeClr val="lt1"/>
+    </dgm:linClrLst>
+    <dgm:effectClrLst/>
+    <dgm:txLinClrLst/>
+    <dgm:txFillClrLst/>
+    <dgm:txEffectClrLst/>
+  </dgm:styleLbl>
+  <dgm:styleLbl name="parChTrans2D1">
+    <dgm:fillClrLst meth="repeat">
+      <a:schemeClr val="accent1">
+        <a:tint val="60000"/>
+      </a:schemeClr>
+    </dgm:fillClrLst>
+    <dgm:linClrLst meth="repeat">
+      <a:schemeClr val="accent1">
+        <a:tint val="60000"/>
+      </a:schemeClr>
+    </dgm:linClrLst>
+    <dgm:effectClrLst/>
+    <dgm:txLinClrLst/>
+    <dgm:txFillClrLst meth="repeat">
+      <a:schemeClr val="lt1"/>
+    </dgm:txFillClrLst>
+    <dgm:txEffectClrLst/>
+  </dgm:styleLbl>
+  <dgm:styleLbl name="parChTrans2D2">
+    <dgm:fillClrLst meth="repeat">
+      <a:schemeClr val="accent1"/>
+    </dgm:fillClrLst>
+    <dgm:linClrLst meth="repeat">
+      <a:schemeClr val="accent1"/>
+    </dgm:linClrLst>
+    <dgm:effectClrLst/>
+    <dgm:txLinClrLst/>
+    <dgm:txFillClrLst meth="repeat">
+      <a:schemeClr val="lt1"/>
+    </dgm:txFillClrLst>
+    <dgm:txEffectClrLst/>
+  </dgm:styleLbl>
+  <dgm:styleLbl name="parChTrans2D3">
+    <dgm:fillClrLst meth="repeat">
+      <a:schemeClr val="accent1"/>
+    </dgm:fillClrLst>
+    <dgm:linClrLst meth="repeat">
+      <a:schemeClr val="accent1"/>
+    </dgm:linClrLst>
+    <dgm:effectClrLst/>
+    <dgm:txLinClrLst/>
+    <dgm:txFillClrLst meth="repeat">
+      <a:schemeClr val="lt1"/>
+    </dgm:txFillClrLst>
+    <dgm:txEffectClrLst/>
+  </dgm:styleLbl>
+  <dgm:styleLbl name="parChTrans2D4">
+    <dgm:fillClrLst meth="repeat">
+      <a:schemeClr val="accent1"/>
+    </dgm:fillClrLst>
+    <dgm:linClrLst meth="repeat">
+      <a:schemeClr val="accent1"/>
+    </dgm:linClrLst>
+    <dgm:effectClrLst/>
+    <dgm:txLinClrLst/>
+    <dgm:txFillClrLst meth="repeat">
+      <a:schemeClr val="lt1"/>
+    </dgm:txFillClrLst>
+    <dgm:txEffectClrLst/>
+  </dgm:styleLbl>
+  <dgm:styleLbl name="parChTrans1D1">
+    <dgm:fillClrLst meth="repeat">
+      <a:schemeClr val="accent1"/>
+    </dgm:fillClrLst>
+    <dgm:linClrLst meth="repeat">
+      <a:schemeClr val="accent1">
+        <a:shade val="60000"/>
+      </a:schemeClr>
+    </dgm:linClrLst>
+    <dgm:effectClrLst/>
+    <dgm:txLinClrLst/>
+    <dgm:txFillClrLst meth="repeat">
+      <a:schemeClr val="tx1"/>
+    </dgm:txFillClrLst>
+    <dgm:txEffectClrLst/>
+  </dgm:styleLbl>
+  <dgm:styleLbl name="parChTrans1D2">
+    <dgm:fillClrLst meth="repeat">
+      <a:schemeClr val="accent1"/>
+    </dgm:fillClrLst>
+    <dgm:linClrLst meth="repeat">
+      <a:schemeClr val="accent1">
+        <a:shade val="60000"/>
+      </a:schemeClr>
+    </dgm:linClrLst>
+    <dgm:effectClrLst/>
+    <dgm:txLinClrLst/>
+    <dgm:txFillClrLst meth="repeat">
+      <a:schemeClr val="tx1"/>
+    </dgm:txFillClrLst>
+    <dgm:txEffectClrLst/>
+  </dgm:styleLbl>
+  <dgm:styleLbl name="parChTrans1D3">
+    <dgm:fillClrLst meth="repeat">
+      <a:schemeClr val="accent1"/>
+    </dgm:fillClrLst>
+    <dgm:linClrLst meth="repeat">
+      <a:schemeClr val="accent1">
+        <a:shade val="80000"/>
+      </a:schemeClr>
+    </dgm:linClrLst>
+    <dgm:effectClrLst/>
+    <dgm:txLinClrLst/>
+    <dgm:txFillClrLst meth="repeat">
+      <a:schemeClr val="tx1"/>
+    </dgm:txFillClrLst>
+    <dgm:txEffectClrLst/>
+  </dgm:styleLbl>
+  <dgm:styleLbl name="parChTrans1D4">
+    <dgm:fillClrLst meth="repeat">
+      <a:schemeClr val="accent1"/>
+    </dgm:fillClrLst>
+    <dgm:linClrLst meth="repeat">
+      <a:schemeClr val="accent1">
+        <a:shade val="80000"/>
+      </a:schemeClr>
+    </dgm:linClrLst>
+    <dgm:effectClrLst/>
+    <dgm:txLinClrLst/>
+    <dgm:txFillClrLst meth="repeat">
+      <a:schemeClr val="tx1"/>
+    </dgm:txFillClrLst>
+    <dgm:txEffectClrLst/>
+  </dgm:styleLbl>
+  <dgm:styleLbl name="fgAcc1">
+    <dgm:fillClrLst meth="repeat">
+      <a:schemeClr val="lt1">
+        <a:alpha val="90000"/>
+      </a:schemeClr>
+    </dgm:fillClrLst>
+    <dgm:linClrLst meth="repeat">
+      <a:schemeClr val="accent1"/>
+    </dgm:linClrLst>
+    <dgm:effectClrLst/>
+    <dgm:txLinClrLst/>
+    <dgm:txFillClrLst meth="repeat">
+      <a:schemeClr val="dk1"/>
+    </dgm:txFillClrLst>
+    <dgm:txEffectClrLst/>
+  </dgm:styleLbl>
+  <dgm:styleLbl name="conFgAcc1">
+    <dgm:fillClrLst meth="repeat">
+      <a:schemeClr val="lt1">
+        <a:alpha val="90000"/>
+      </a:schemeClr>
+    </dgm:fillClrLst>
+    <dgm:linClrLst meth="repeat">
+      <a:schemeClr val="accent1"/>
+    </dgm:linClrLst>
+    <dgm:effectClrLst/>
+    <dgm:txLinClrLst/>
+    <dgm:txFillClrLst meth="repeat">
+      <a:schemeClr val="dk1"/>
+    </dgm:txFillClrLst>
+    <dgm:txEffectClrLst/>
+  </dgm:styleLbl>
+  <dgm:styleLbl name="alignAcc1">
+    <dgm:fillClrLst meth="repeat">
+      <a:schemeClr val="lt1">
+        <a:alpha val="90000"/>
+      </a:schemeClr>
+    </dgm:fillClrLst>
+    <dgm:linClrLst meth="repeat">
+      <a:schemeClr val="accent1"/>
+    </dgm:linClrLst>
+    <dgm:effectClrLst/>
+    <dgm:txLinClrLst/>
+    <dgm:txFillClrLst meth="repeat">
+      <a:schemeClr val="dk1"/>
+    </dgm:txFillClrLst>
+    <dgm:txEffectClrLst/>
+  </dgm:styleLbl>
+  <dgm:styleLbl name="trAlignAcc1">
+    <dgm:fillClrLst meth="repeat">
+      <a:schemeClr val="lt1">
+        <a:alpha val="40000"/>
+      </a:schemeClr>
+    </dgm:fillClrLst>
+    <dgm:linClrLst meth="repeat">
+      <a:schemeClr val="accent1"/>
+    </dgm:linClrLst>
+    <dgm:effectClrLst/>
+    <dgm:txLinClrLst/>
+    <dgm:txFillClrLst meth="repeat">
+      <a:schemeClr val="dk1"/>
+    </dgm:txFillClrLst>
+    <dgm:txEffectClrLst/>
+  </dgm:styleLbl>
+  <dgm:styleLbl name="bgAcc1">
+    <dgm:fillClrLst meth="repeat">
+      <a:schemeClr val="lt1">
+        <a:alpha val="90000"/>
+      </a:schemeClr>
+    </dgm:fillClrLst>
+    <dgm:linClrLst meth="repeat">
+      <a:schemeClr val="accent1"/>
+    </dgm:linClrLst>
+    <dgm:effectClrLst/>
+    <dgm:txLinClrLst/>
+    <dgm:txFillClrLst meth="repeat">
+      <a:schemeClr val="dk1"/>
+    </dgm:txFillClrLst>
+    <dgm:txEffectClrLst/>
+  </dgm:styleLbl>
+  <dgm:styleLbl name="solidFgAcc1">
+    <dgm:fillClrLst meth="repeat">
+      <a:schemeClr val="lt1"/>
+    </dgm:fillClrLst>
+    <dgm:linClrLst meth="repeat">
+      <a:schemeClr val="accent1"/>
+    </dgm:linClrLst>
+    <dgm:effectClrLst/>
+    <dgm:txLinClrLst/>
+    <dgm:txFillClrLst meth="repeat">
+      <a:schemeClr val="dk1"/>
+    </dgm:txFillClrLst>
+    <dgm:txEffectClrLst/>
+  </dgm:styleLbl>
+  <dgm:styleLbl name="solidAlignAcc1">
+    <dgm:fillClrLst meth="repeat">
+      <a:schemeClr val="lt1"/>
+    </dgm:fillClrLst>
+    <dgm:linClrLst meth="repeat">
+      <a:schemeClr val="accent1"/>
+    </dgm:linClrLst>
+    <dgm:effectClrLst/>
+    <dgm:txLinClrLst/>
+    <dgm:txFillClrLst meth="repeat">
+      <a:schemeClr val="dk1"/>
+    </dgm:txFillClrLst>
+    <dgm:txEffectClrLst/>
+  </dgm:styleLbl>
+  <dgm:styleLbl name="solidBgAcc1">
+    <dgm:fillClrLst meth="repeat">
+      <a:schemeClr val="lt1"/>
+    </dgm:fillClrLst>
+    <dgm:linClrLst meth="repeat">
+      <a:schemeClr val="accent1"/>
+    </dgm:linClrLst>
+    <dgm:effectClrLst/>
+    <dgm:txLinClrLst/>
+    <dgm:txFillClrLst meth="repeat">
+      <a:schemeClr val="dk1"/>
+    </dgm:txFillClrLst>
+    <dgm:txEffectClrLst/>
+  </dgm:styleLbl>
+  <dgm:styleLbl name="fgAccFollowNode1">
+    <dgm:fillClrLst meth="repeat">
+      <a:schemeClr val="accent1">
+        <a:alpha val="90000"/>
+        <a:tint val="40000"/>
+      </a:schemeClr>
+    </dgm:fillClrLst>
+    <dgm:linClrLst meth="repeat">
+      <a:schemeClr val="accent1">
+        <a:alpha val="90000"/>
+        <a:tint val="40000"/>
+      </a:schemeClr>
+    </dgm:linClrLst>
+    <dgm:effectClrLst/>
+    <dgm:txLinClrLst/>
+    <dgm:txFillClrLst meth="repeat">
+      <a:schemeClr val="dk1"/>
+    </dgm:txFillClrLst>
+    <dgm:txEffectClrLst/>
+  </dgm:styleLbl>
+  <dgm:styleLbl name="alignAccFollowNode1">
+    <dgm:fillClrLst meth="repeat">
+      <a:schemeClr val="accent1">
+        <a:alpha val="90000"/>
+        <a:tint val="40000"/>
+      </a:schemeClr>
+    </dgm:fillClrLst>
+    <dgm:linClrLst meth="repeat">
+      <a:schemeClr val="accent1">
+        <a:alpha val="90000"/>
+        <a:tint val="40000"/>
+      </a:schemeClr>
+    </dgm:linClrLst>
+    <dgm:effectClrLst/>
+    <dgm:txLinClrLst/>
+    <dgm:txFillClrLst meth="repeat">
+      <a:schemeClr val="dk1"/>
+    </dgm:txFillClrLst>
+    <dgm:txEffectClrLst/>
+  </dgm:styleLbl>
+  <dgm:styleLbl name="bgAccFollowNode1">
+    <dgm:fillClrLst meth="repeat">
+      <a:schemeClr val="accent1">
+        <a:alpha val="90000"/>
+        <a:tint val="40000"/>
+      </a:schemeClr>
+    </dgm:fillClrLst>
+    <dgm:linClrLst meth="repeat">
+      <a:schemeClr val="accent1">
+        <a:alpha val="90000"/>
+        <a:tint val="40000"/>
+      </a:schemeClr>
+    </dgm:linClrLst>
+    <dgm:effectClrLst/>
+    <dgm:txLinClrLst/>
+    <dgm:txFillClrLst meth="repeat">
+      <a:schemeClr val="dk1"/>
+    </dgm:txFillClrLst>
+    <dgm:txEffectClrLst/>
+  </dgm:styleLbl>
+  <dgm:styleLbl name="fgAcc0">
+    <dgm:fillClrLst meth="repeat">
+      <a:schemeClr val="lt1">
+        <a:alpha val="90000"/>
+      </a:schemeClr>
+    </dgm:fillClrLst>
+    <dgm:linClrLst meth="repeat">
+      <a:schemeClr val="accent1"/>
+    </dgm:linClrLst>
+    <dgm:effectClrLst/>
+    <dgm:txLinClrLst/>
+    <dgm:txFillClrLst meth="repeat">
+      <a:schemeClr val="dk1"/>
+    </dgm:txFillClrLst>
+    <dgm:txEffectClrLst/>
+  </dgm:styleLbl>
+  <dgm:styleLbl name="fgAcc2">
+    <dgm:fillClrLst meth="repeat">
+      <a:schemeClr val="lt1">
+        <a:alpha val="90000"/>
+      </a:schemeClr>
+    </dgm:fillClrLst>
+    <dgm:linClrLst meth="repeat">
+      <a:schemeClr val="accent1"/>
+    </dgm:linClrLst>
+    <dgm:effectClrLst/>
+    <dgm:txLinClrLst/>
+    <dgm:txFillClrLst meth="repeat">
+      <a:schemeClr val="dk1"/>
+    </dgm:txFillClrLst>
+    <dgm:txEffectClrLst/>
+  </dgm:styleLbl>
+  <dgm:styleLbl name="fgAcc3">
+    <dgm:fillClrLst meth="repeat">
+      <a:schemeClr val="lt1">
+        <a:alpha val="90000"/>
+      </a:schemeClr>
+    </dgm:fillClrLst>
+    <dgm:linClrLst meth="repeat">
+      <a:schemeClr val="accent1"/>
+    </dgm:linClrLst>
+    <dgm:effectClrLst/>
+    <dgm:txLinClrLst/>
+    <dgm:txFillClrLst meth="repeat">
+      <a:schemeClr val="dk1"/>
+    </dgm:txFillClrLst>
+    <dgm:txEffectClrLst/>
+  </dgm:styleLbl>
+  <dgm:styleLbl name="fgAcc4">
+    <dgm:fillClrLst meth="repeat">
+      <a:schemeClr val="lt1">
+        <a:alpha val="90000"/>
+      </a:schemeClr>
+    </dgm:fillClrLst>
+    <dgm:linClrLst meth="repeat">
+      <a:schemeClr val="accent1"/>
+    </dgm:linClrLst>
+    <dgm:effectClrLst/>
+    <dgm:txLinClrLst/>
+    <dgm:txFillClrLst meth="repeat">
+      <a:schemeClr val="dk1"/>
+    </dgm:txFillClrLst>
+    <dgm:txEffectClrLst/>
+  </dgm:styleLbl>
+  <dgm:styleLbl name="bgShp">
+    <dgm:fillClrLst meth="repeat">
+      <a:schemeClr val="accent1">
+        <a:tint val="40000"/>
+      </a:schemeClr>
+    </dgm:fillClrLst>
+    <dgm:linClrLst meth="repeat">
+      <a:schemeClr val="accent1"/>
+    </dgm:linClrLst>
+    <dgm:effectClrLst/>
+    <dgm:txLinClrLst/>
+    <dgm:txFillClrLst meth="repeat">
+      <a:schemeClr val="dk1"/>
+    </dgm:txFillClrLst>
+    <dgm:txEffectClrLst/>
+  </dgm:styleLbl>
+  <dgm:styleLbl name="dkBgShp">
+    <dgm:fillClrLst meth="repeat">
+      <a:schemeClr val="accent1">
+        <a:shade val="80000"/>
+      </a:schemeClr>
+    </dgm:fillClrLst>
+    <dgm:linClrLst meth="repeat">
+      <a:schemeClr val="accent1"/>
+    </dgm:linClrLst>
+    <dgm:effectClrLst/>
+    <dgm:txLinClrLst/>
+    <dgm:txFillClrLst meth="repeat">
+      <a:schemeClr val="lt1"/>
+    </dgm:txFillClrLst>
+    <dgm:txEffectClrLst/>
+  </dgm:styleLbl>
+  <dgm:styleLbl name="trBgShp">
+    <dgm:fillClrLst meth="repeat">
+      <a:schemeClr val="accent1">
+        <a:tint val="50000"/>
+        <a:alpha val="40000"/>
+      </a:schemeClr>
+    </dgm:fillClrLst>
+    <dgm:linClrLst meth="repeat">
+      <a:schemeClr val="accent1"/>
+    </dgm:linClrLst>
+    <dgm:effectClrLst/>
+    <dgm:txLinClrLst/>
+    <dgm:txFillClrLst meth="repeat">
+      <a:schemeClr val="lt1"/>
+    </dgm:txFillClrLst>
+    <dgm:txEffectClrLst/>
+  </dgm:styleLbl>
+  <dgm:styleLbl name="fgShp">
+    <dgm:fillClrLst meth="repeat">
+      <a:schemeClr val="accent1">
+        <a:tint val="60000"/>
+      </a:schemeClr>
+    </dgm:fillClrLst>
+    <dgm:linClrLst meth="repeat">
+      <a:schemeClr val="lt1"/>
+    </dgm:linClrLst>
+    <dgm:effectClrLst/>
+    <dgm:txLinClrLst/>
+    <dgm:txFillClrLst meth="repeat">
+      <a:schemeClr val="dk1"/>
+    </dgm:txFillClrLst>
+    <dgm:txEffectClrLst/>
+  </dgm:styleLbl>
+  <dgm:styleLbl name="revTx">
+    <dgm:fillClrLst meth="repeat">
+      <a:schemeClr val="lt1">
+        <a:alpha val="0"/>
+      </a:schemeClr>
+    </dgm:fillClrLst>
+    <dgm:linClrLst meth="repeat">
+      <a:schemeClr val="dk1">
+        <a:alpha val="0"/>
+      </a:schemeClr>
+    </dgm:linClrLst>
+    <dgm:effectClrLst/>
+    <dgm:txLinClrLst/>
+    <dgm:txFillClrLst meth="repeat">
+      <a:schemeClr val="tx1"/>
+    </dgm:txFillClrLst>
+    <dgm:txEffectClrLst/>
+  </dgm:styleLbl>
+</dgm:colorsDef>
+</file>
+
+<file path=ppt/diagrams/colors2.xml><?xml version="1.0" encoding="utf-8"?>
+<dgm:colorsDef xmlns:dgm="http://schemas.openxmlformats.org/drawingml/2006/diagram" xmlns:a="http://schemas.openxmlformats.org/drawingml/2006/main" uniqueId="urn:microsoft.com/office/officeart/2005/8/colors/colorful3">
+  <dgm:title val=""/>
+  <dgm:desc val=""/>
+  <dgm:catLst>
+    <dgm:cat type="colorful" pri="10300"/>
+  </dgm:catLst>
+  <dgm:styleLbl name="node0">
+    <dgm:fillClrLst meth="repeat">
+      <a:schemeClr val="accent2"/>
+    </dgm:fillClrLst>
+    <dgm:linClrLst meth="repeat">
+      <a:schemeClr val="lt1"/>
+    </dgm:linClrLst>
+    <dgm:effectClrLst/>
+    <dgm:txLinClrLst/>
+    <dgm:txFillClrLst/>
+    <dgm:txEffectClrLst/>
+  </dgm:styleLbl>
+  <dgm:styleLbl name="node1">
+    <dgm:fillClrLst>
+      <a:schemeClr val="accent3"/>
+      <a:schemeClr val="accent4"/>
+    </dgm:fillClrLst>
+    <dgm:linClrLst meth="repeat">
+      <a:schemeClr val="lt1"/>
+    </dgm:linClrLst>
+    <dgm:effectClrLst/>
+    <dgm:txLinClrLst/>
+    <dgm:txFillClrLst/>
+    <dgm:txEffectClrLst/>
+  </dgm:styleLbl>
+  <dgm:styleLbl name="alignNode1">
+    <dgm:fillClrLst>
+      <a:schemeClr val="accent3"/>
+      <a:schemeClr val="accent4"/>
+    </dgm:fillClrLst>
+    <dgm:linClrLst>
+      <a:schemeClr val="accent3"/>
+      <a:schemeClr val="accent4"/>
+    </dgm:linClrLst>
+    <dgm:effectClrLst/>
+    <dgm:txLinClrLst/>
+    <dgm:txFillClrLst/>
+    <dgm:txEffectClrLst/>
+  </dgm:styleLbl>
+  <dgm:styleLbl name="lnNode1">
+    <dgm:fillClrLst>
+      <a:schemeClr val="accent3"/>
+      <a:schemeClr val="accent4"/>
+    </dgm:fillClrLst>
+    <dgm:linClrLst meth="repeat">
+      <a:schemeClr val="lt1"/>
+    </dgm:linClrLst>
+    <dgm:effectClrLst/>
+    <dgm:txLinClrLst/>
+    <dgm:txFillClrLst/>
+    <dgm:txEffectClrLst/>
+  </dgm:styleLbl>
+  <dgm:styleLbl name="vennNode1">
+    <dgm:fillClrLst>
+      <a:schemeClr val="accent3">
+        <a:alpha val="50000"/>
+      </a:schemeClr>
+      <a:schemeClr val="accent4">
+        <a:alpha val="50000"/>
+      </a:schemeClr>
+    </dgm:fillClrLst>
+    <dgm:linClrLst meth="repeat">
+      <a:schemeClr val="lt1"/>
+    </dgm:linClrLst>
+    <dgm:effectClrLst/>
+    <dgm:txLinClrLst/>
+    <dgm:txFillClrLst/>
+    <dgm:txEffectClrLst/>
+  </dgm:styleLbl>
+  <dgm:styleLbl name="node2">
+    <dgm:fillClrLst>
+      <a:schemeClr val="accent4"/>
+    </dgm:fillClrLst>
+    <dgm:linClrLst meth="repeat">
+      <a:schemeClr val="lt1"/>
+    </dgm:linClrLst>
+    <dgm:effectClrLst/>
+    <dgm:txLinClrLst/>
+    <dgm:txFillClrLst/>
+    <dgm:txEffectClrLst/>
+  </dgm:styleLbl>
+  <dgm:styleLbl name="node3">
+    <dgm:fillClrLst>
+      <a:schemeClr val="accent5"/>
+    </dgm:fillClrLst>
+    <dgm:linClrLst meth="repeat">
+      <a:schemeClr val="lt1"/>
+    </dgm:linClrLst>
+    <dgm:effectClrLst/>
+    <dgm:txLinClrLst/>
+    <dgm:txFillClrLst/>
+    <dgm:txEffectClrLst/>
+  </dgm:styleLbl>
+  <dgm:styleLbl name="node4">
+    <dgm:fillClrLst>
+      <a:schemeClr val="accent6"/>
+    </dgm:fillClrLst>
+    <dgm:linClrLst meth="repeat">
+      <a:schemeClr val="lt1"/>
+    </dgm:linClrLst>
+    <dgm:effectClrLst/>
+    <dgm:txLinClrLst/>
+    <dgm:txFillClrLst/>
+    <dgm:txEffectClrLst/>
+  </dgm:styleLbl>
+  <dgm:styleLbl name="fgImgPlace1">
+    <dgm:fillClrLst>
+      <a:schemeClr val="accent3">
+        <a:tint val="50000"/>
+      </a:schemeClr>
+      <a:schemeClr val="accent4">
+        <a:tint val="50000"/>
+      </a:schemeClr>
+    </dgm:fillClrLst>
+    <dgm:linClrLst meth="repeat">
+      <a:schemeClr val="lt1"/>
+    </dgm:linClrLst>
+    <dgm:effectClrLst/>
+    <dgm:txLinClrLst/>
+    <dgm:txFillClrLst meth="repeat">
+      <a:schemeClr val="lt1"/>
+    </dgm:txFillClrLst>
+    <dgm:txEffectClrLst/>
+  </dgm:styleLbl>
+  <dgm:styleLbl name="alignImgPlace1">
+    <dgm:fillClrLst>
+      <a:schemeClr val="accent3">
+        <a:tint val="50000"/>
+      </a:schemeClr>
+      <a:schemeClr val="accent4">
+        <a:tint val="20000"/>
+      </a:schemeClr>
+    </dgm:fillClrLst>
+    <dgm:linClrLst meth="repeat">
+      <a:schemeClr val="lt1"/>
+    </dgm:linClrLst>
+    <dgm:effectClrLst/>
+    <dgm:txLinClrLst/>
+    <dgm:txFillClrLst meth="repeat">
+      <a:schemeClr val="lt1"/>
+    </dgm:txFillClrLst>
+    <dgm:txEffectClrLst/>
+  </dgm:styleLbl>
+  <dgm:styleLbl name="bgImgPlace1">
+    <dgm:fillClrLst>
+      <a:schemeClr val="accent3">
+        <a:tint val="50000"/>
+      </a:schemeClr>
+      <a:schemeClr val="accent4">
+        <a:tint val="20000"/>
+      </a:schemeClr>
+    </dgm:fillClrLst>
+    <dgm:linClrLst meth="repeat">
+      <a:schemeClr val="lt1"/>
+    </dgm:linClrLst>
+    <dgm:effectClrLst/>
+    <dgm:txLinClrLst/>
+    <dgm:txFillClrLst meth="repeat">
+      <a:schemeClr val="lt1"/>
+    </dgm:txFillClrLst>
+    <dgm:txEffectClrLst/>
+  </dgm:styleLbl>
+  <dgm:styleLbl name="sibTrans2D1">
+    <dgm:fillClrLst>
+      <a:schemeClr val="accent3"/>
+      <a:schemeClr val="accent4"/>
+    </dgm:fillClrLst>
+    <dgm:linClrLst meth="repeat">
+      <a:schemeClr val="lt1"/>
+    </dgm:linClrLst>
+    <dgm:effectClrLst/>
+    <dgm:txLinClrLst/>
+    <dgm:txFillClrLst/>
+    <dgm:txEffectClrLst/>
+  </dgm:styleLbl>
+  <dgm:styleLbl name="fgSibTrans2D1">
+    <dgm:fillClrLst>
+      <a:schemeClr val="accent3"/>
+      <a:schemeClr val="accent4"/>
+    </dgm:fillClrLst>
+    <dgm:linClrLst meth="repeat">
+      <a:schemeClr val="lt1"/>
+    </dgm:linClrLst>
+    <dgm:effectClrLst/>
+    <dgm:txLinClrLst/>
+    <dgm:txFillClrLst meth="repeat">
+      <a:schemeClr val="lt1"/>
+    </dgm:txFillClrLst>
+    <dgm:txEffectClrLst/>
+  </dgm:styleLbl>
+  <dgm:styleLbl name="bgSibTrans2D1">
+    <dgm:fillClrLst>
+      <a:schemeClr val="accent3"/>
+      <a:schemeClr val="accent4"/>
+    </dgm:fillClrLst>
+    <dgm:linClrLst meth="repeat">
+      <a:schemeClr val="lt1"/>
+    </dgm:linClrLst>
+    <dgm:effectClrLst/>
+    <dgm:txLinClrLst/>
+    <dgm:txFillClrLst meth="repeat">
+      <a:schemeClr val="lt1"/>
+    </dgm:txFillClrLst>
+    <dgm:txEffectClrLst/>
+  </dgm:styleLbl>
+  <dgm:styleLbl name="sibTrans1D1">
+    <dgm:fillClrLst/>
+    <dgm:linClrLst>
+      <a:schemeClr val="accent3"/>
+      <a:schemeClr val="accent4"/>
+    </dgm:linClrLst>
+    <dgm:effectClrLst/>
+    <dgm:txLinClrLst/>
+    <dgm:txFillClrLst meth="repeat">
+      <a:schemeClr val="tx1"/>
+    </dgm:txFillClrLst>
+    <dgm:txEffectClrLst/>
+  </dgm:styleLbl>
+  <dgm:styleLbl name="callout">
+    <dgm:fillClrLst meth="repeat">
+      <a:schemeClr val="accent3"/>
+    </dgm:fillClrLst>
+    <dgm:linClrLst meth="repeat">
+      <a:schemeClr val="accent3">
+        <a:tint val="50000"/>
+      </a:schemeClr>
+    </dgm:linClrLst>
+    <dgm:effectClrLst/>
+    <dgm:txLinClrLst/>
+    <dgm:txFillClrLst meth="repeat">
+      <a:schemeClr val="tx1"/>
+    </dgm:txFillClrLst>
+    <dgm:txEffectClrLst/>
+  </dgm:styleLbl>
+  <dgm:styleLbl name="asst0">
+    <dgm:fillClrLst meth="repeat">
+      <a:schemeClr val="accent3"/>
+    </dgm:fillClrLst>
+    <dgm:linClrLst meth="repeat">
+      <a:schemeClr val="lt1">
+        <a:shade val="80000"/>
+      </a:schemeClr>
+    </dgm:linClrLst>
+    <dgm:effectClrLst/>
+    <dgm:txLinClrLst/>
+    <dgm:txFillClrLst/>
+    <dgm:txEffectClrLst/>
+  </dgm:styleLbl>
+  <dgm:styleLbl name="asst1">
+    <dgm:fillClrLst meth="repeat">
+      <a:schemeClr val="accent4"/>
+    </dgm:fillClrLst>
+    <dgm:linClrLst meth="repeat">
+      <a:schemeClr val="lt1">
+        <a:shade val="80000"/>
+      </a:schemeClr>
+    </dgm:linClrLst>
+    <dgm:effectClrLst/>
+    <dgm:txLinClrLst/>
+    <dgm:txFillClrLst/>
+    <dgm:txEffectClrLst/>
+  </dgm:styleLbl>
+  <dgm:styleLbl name="asst2">
+    <dgm:fillClrLst>
+      <a:schemeClr val="accent5"/>
+    </dgm:fillClrLst>
+    <dgm:linClrLst meth="repeat">
+      <a:schemeClr val="lt1"/>
+    </dgm:linClrLst>
+    <dgm:effectClrLst/>
+    <dgm:txLinClrLst/>
+    <dgm:txFillClrLst/>
+    <dgm:txEffectClrLst/>
+  </dgm:styleLbl>
+  <dgm:styleLbl name="asst3">
+    <dgm:fillClrLst>
+      <a:schemeClr val="accent6"/>
+    </dgm:fillClrLst>
+    <dgm:linClrLst meth="repeat">
+      <a:schemeClr val="lt1"/>
+    </dgm:linClrLst>
+    <dgm:effectClrLst/>
+    <dgm:txLinClrLst/>
+    <dgm:txFillClrLst/>
+    <dgm:txEffectClrLst/>
+  </dgm:styleLbl>
+  <dgm:styleLbl name="asst4">
+    <dgm:fillClrLst>
+      <a:schemeClr val="accent1"/>
+    </dgm:fillClrLst>
+    <dgm:linClrLst meth="repeat">
+      <a:schemeClr val="lt1"/>
+    </dgm:linClrLst>
+    <dgm:effectClrLst/>
+    <dgm:txLinClrLst/>
+    <dgm:txFillClrLst/>
+    <dgm:txEffectClrLst/>
+  </dgm:styleLbl>
+  <dgm:styleLbl name="parChTrans2D1">
+    <dgm:fillClrLst meth="repeat">
+      <a:schemeClr val="accent2"/>
+    </dgm:fillClrLst>
+    <dgm:linClrLst meth="repeat">
+      <a:schemeClr val="lt1"/>
+    </dgm:linClrLst>
+    <dgm:effectClrLst/>
+    <dgm:txLinClrLst/>
+    <dgm:txFillClrLst meth="repeat">
+      <a:schemeClr val="lt1"/>
+    </dgm:txFillClrLst>
+    <dgm:txEffectClrLst/>
+  </dgm:styleLbl>
+  <dgm:styleLbl name="parChTrans2D2">
+    <dgm:fillClrLst meth="repeat">
+      <a:schemeClr val="accent3"/>
+    </dgm:fillClrLst>
+    <dgm:linClrLst meth="repeat">
+      <a:schemeClr val="lt1"/>
+    </dgm:linClrLst>
+    <dgm:effectClrLst/>
+    <dgm:txLinClrLst/>
+    <dgm:txFillClrLst/>
+    <dgm:txEffectClrLst/>
+  </dgm:styleLbl>
+  <dgm:styleLbl name="parChTrans2D3">
+    <dgm:fillClrLst meth="repeat">
+      <a:schemeClr val="accent4"/>
+    </dgm:fillClrLst>
+    <dgm:linClrLst meth="repeat">
+      <a:schemeClr val="lt1"/>
+    </dgm:linClrLst>
+    <dgm:effectClrLst/>
+    <dgm:txLinClrLst/>
+    <dgm:txFillClrLst/>
+    <dgm:txEffectClrLst/>
+  </dgm:styleLbl>
+  <dgm:styleLbl name="parChTrans2D4">
+    <dgm:fillClrLst meth="repeat">
+      <a:schemeClr val="accent5"/>
+    </dgm:fillClrLst>
+    <dgm:linClrLst meth="repeat">
+      <a:schemeClr val="lt1"/>
+    </dgm:linClrLst>
+    <dgm:effectClrLst/>
+    <dgm:txLinClrLst/>
+    <dgm:txFillClrLst meth="repeat">
+      <a:schemeClr val="lt1"/>
+    </dgm:txFillClrLst>
+    <dgm:txEffectClrLst/>
+  </dgm:styleLbl>
+  <dgm:styleLbl name="parChTrans1D1">
+    <dgm:fillClrLst meth="repeat">
+      <a:schemeClr val="accent3"/>
+    </dgm:fillClrLst>
+    <dgm:linClrLst meth="repeat">
+      <a:schemeClr val="accent3"/>
+    </dgm:linClrLst>
+    <dgm:effectClrLst/>
+    <dgm:txLinClrLst/>
+    <dgm:txFillClrLst meth="repeat">
+      <a:schemeClr val="tx1"/>
+    </dgm:txFillClrLst>
+    <dgm:txEffectClrLst/>
+  </dgm:styleLbl>
+  <dgm:styleLbl name="parChTrans1D2">
+    <dgm:fillClrLst meth="repeat">
+      <a:schemeClr val="accent2">
+        <a:tint val="90000"/>
+      </a:schemeClr>
+    </dgm:fillClrLst>
+    <dgm:linClrLst meth="repeat">
+      <a:schemeClr val="accent4"/>
+    </dgm:linClrLst>
+    <dgm:effectClrLst/>
+    <dgm:txLinClrLst/>
+    <dgm:txFillClrLst meth="repeat">
+      <a:schemeClr val="tx1"/>
+    </dgm:txFillClrLst>
+    <dgm:txEffectClrLst/>
+  </dgm:styleLbl>
+  <dgm:styleLbl name="parChTrans1D3">
+    <dgm:fillClrLst meth="repeat">
+      <a:schemeClr val="accent2">
+        <a:tint val="70000"/>
+      </a:schemeClr>
+    </dgm:fillClrLst>
+    <dgm:linClrLst meth="repeat">
+      <a:schemeClr val="accent5"/>
+    </dgm:linClrLst>
+    <dgm:effectClrLst/>
+    <dgm:txLinClrLst/>
+    <dgm:txFillClrLst meth="repeat">
+      <a:schemeClr val="tx1"/>
+    </dgm:txFillClrLst>
+    <dgm:txEffectClrLst/>
+  </dgm:styleLbl>
+  <dgm:styleLbl name="parChTrans1D4">
+    <dgm:fillClrLst meth="repeat">
+      <a:schemeClr val="accent6">
+        <a:tint val="50000"/>
+      </a:schemeClr>
+    </dgm:fillClrLst>
+    <dgm:linClrLst meth="repeat">
+      <a:schemeClr val="accent6"/>
+    </dgm:linClrLst>
+    <dgm:effectClrLst/>
+    <dgm:txLinClrLst/>
+    <dgm:txFillClrLst meth="repeat">
+      <a:schemeClr val="tx1"/>
+    </dgm:txFillClrLst>
+    <dgm:txEffectClrLst/>
+  </dgm:styleLbl>
+  <dgm:styleLbl name="fgAcc1">
+    <dgm:fillClrLst meth="repeat">
+      <a:schemeClr val="lt1">
+        <a:alpha val="90000"/>
+      </a:schemeClr>
+    </dgm:fillClrLst>
+    <dgm:linClrLst>
+      <a:schemeClr val="accent3"/>
+      <a:schemeClr val="accent4"/>
+    </dgm:linClrLst>
+    <dgm:effectClrLst/>
+    <dgm:txLinClrLst/>
+    <dgm:txFillClrLst meth="repeat">
+      <a:schemeClr val="dk1"/>
+    </dgm:txFillClrLst>
+    <dgm:txEffectClrLst/>
+  </dgm:styleLbl>
+  <dgm:styleLbl name="conFgAcc1">
+    <dgm:fillClrLst meth="repeat">
+      <a:schemeClr val="lt1">
+        <a:alpha val="90000"/>
+      </a:schemeClr>
+    </dgm:fillClrLst>
+    <dgm:linClrLst>
+      <a:schemeClr val="accent3"/>
+      <a:schemeClr val="accent4"/>
+    </dgm:linClrLst>
+    <dgm:effectClrLst/>
+    <dgm:txLinClrLst/>
+    <dgm:txFillClrLst meth="repeat">
+      <a:schemeClr val="dk1"/>
+    </dgm:txFillClrLst>
+    <dgm:txEffectClrLst/>
+  </dgm:styleLbl>
+  <dgm:styleLbl name="alignAcc1">
+    <dgm:fillClrLst meth="repeat">
+      <a:schemeClr val="lt1">
+        <a:alpha val="90000"/>
+      </a:schemeClr>
+    </dgm:fillClrLst>
+    <dgm:linClrLst>
+      <a:schemeClr val="accent3"/>
+      <a:schemeClr val="accent4"/>
+    </dgm:linClrLst>
+    <dgm:effectClrLst/>
+    <dgm:txLinClrLst/>
+    <dgm:txFillClrLst meth="repeat">
+      <a:schemeClr val="dk1"/>
+    </dgm:txFillClrLst>
+    <dgm:txEffectClrLst/>
+  </dgm:styleLbl>
+  <dgm:styleLbl name="trAlignAcc1">
+    <dgm:fillClrLst meth="repeat">
+      <a:schemeClr val="lt1">
+        <a:alpha val="40000"/>
+      </a:schemeClr>
+    </dgm:fillClrLst>
+    <dgm:linClrLst meth="repeat">
+      <a:schemeClr val="accent2"/>
+    </dgm:linClrLst>
+    <dgm:effectClrLst/>
+    <dgm:txLinClrLst/>
+    <dgm:txFillClrLst meth="repeat">
+      <a:schemeClr val="dk1"/>
+    </dgm:txFillClrLst>
+    <dgm:txEffectClrLst/>
+  </dgm:styleLbl>
+  <dgm:styleLbl name="bgAcc1">
+    <dgm:fillClrLst meth="repeat">
+      <a:schemeClr val="lt1">
+        <a:alpha val="90000"/>
+      </a:schemeClr>
+    </dgm:fillClrLst>
+    <dgm:linClrLst>
+      <a:schemeClr val="accent3"/>
+      <a:schemeClr val="accent4"/>
+    </dgm:linClrLst>
+    <dgm:effectClrLst/>
+    <dgm:txLinClrLst/>
+    <dgm:txFillClrLst meth="repeat">
+      <a:schemeClr val="dk1"/>
+    </dgm:txFillClrLst>
+    <dgm:txEffectClrLst/>
+  </dgm:styleLbl>
+  <dgm:styleLbl name="solidFgAcc1">
+    <dgm:fillClrLst meth="repeat">
+      <a:schemeClr val="lt1"/>
+    </dgm:fillClrLst>
+    <dgm:linClrLst>
+      <a:schemeClr val="accent3"/>
+      <a:schemeClr val="accent4"/>
+    </dgm:linClrLst>
+    <dgm:effectClrLst/>
+    <dgm:txLinClrLst/>
+    <dgm:txFillClrLst meth="repeat">
+      <a:schemeClr val="dk1"/>
+    </dgm:txFillClrLst>
+    <dgm:txEffectClrLst/>
+  </dgm:styleLbl>
+  <dgm:styleLbl name="solidAlignAcc1">
+    <dgm:fillClrLst meth="repeat">
+      <a:schemeClr val="lt1"/>
+    </dgm:fillClrLst>
+    <dgm:linClrLst>
+      <a:schemeClr val="accent3"/>
+      <a:schemeClr val="accent4"/>
+    </dgm:linClrLst>
+    <dgm:effectClrLst/>
+    <dgm:txLinClrLst/>
+    <dgm:txFillClrLst meth="repeat">
+      <a:schemeClr val="dk1"/>
+    </dgm:txFillClrLst>
+    <dgm:txEffectClrLst/>
+  </dgm:styleLbl>
+  <dgm:styleLbl name="solidBgAcc1">
+    <dgm:fillClrLst meth="repeat">
+      <a:schemeClr val="lt1"/>
+    </dgm:fillClrLst>
+    <dgm:linClrLst>
+      <a:schemeClr val="accent3"/>
+      <a:schemeClr val="accent4"/>
+    </dgm:linClrLst>
+    <dgm:effectClrLst/>
+    <dgm:txLinClrLst/>
+    <dgm:txFillClrLst meth="repeat">
+      <a:schemeClr val="dk1"/>
+    </dgm:txFillClrLst>
+    <dgm:txEffectClrLst/>
+  </dgm:styleLbl>
+  <dgm:styleLbl name="fgAccFollowNode1">
+    <dgm:fillClrLst>
+      <a:schemeClr val="accent3">
+        <a:tint val="40000"/>
+        <a:alpha val="90000"/>
+      </a:schemeClr>
+      <a:schemeClr val="accent4">
+        <a:tint val="40000"/>
+        <a:alpha val="90000"/>
+      </a:schemeClr>
+    </dgm:fillClrLst>
+    <dgm:linClrLst>
+      <a:schemeClr val="accent3">
+        <a:tint val="40000"/>
+        <a:alpha val="90000"/>
+      </a:schemeClr>
+      <a:schemeClr val="accent4">
+        <a:tint val="40000"/>
+        <a:alpha val="90000"/>
+      </a:schemeClr>
+    </dgm:linClrLst>
+    <dgm:effectClrLst/>
+    <dgm:txLinClrLst/>
+    <dgm:txFillClrLst meth="repeat">
+      <a:schemeClr val="dk1"/>
+    </dgm:txFillClrLst>
+    <dgm:txEffectClrLst/>
+  </dgm:styleLbl>
+  <dgm:styleLbl name="alignAccFollowNode1">
+    <dgm:fillClrLst>
+      <a:schemeClr val="accent3">
+        <a:tint val="40000"/>
+        <a:alpha val="90000"/>
+      </a:schemeClr>
+      <a:schemeClr val="accent4">
+        <a:tint val="40000"/>
+        <a:alpha val="90000"/>
+      </a:schemeClr>
+    </dgm:fillClrLst>
+    <dgm:linClrLst>
+      <a:schemeClr val="accent3">
+        <a:tint val="40000"/>
+        <a:alpha val="90000"/>
+      </a:schemeClr>
+      <a:schemeClr val="accent4">
+        <a:tint val="40000"/>
+        <a:alpha val="90000"/>
+      </a:schemeClr>
+    </dgm:linClrLst>
+    <dgm:effectClrLst/>
+    <dgm:txLinClrLst/>
+    <dgm:txFillClrLst meth="repeat">
+      <a:schemeClr val="dk1"/>
+    </dgm:txFillClrLst>
+    <dgm:txEffectClrLst/>
+  </dgm:styleLbl>
+  <dgm:styleLbl name="bgAccFollowNode1">
+    <dgm:fillClrLst>
+      <a:schemeClr val="accent3">
+        <a:tint val="40000"/>
+        <a:alpha val="90000"/>
+      </a:schemeClr>
+      <a:schemeClr val="accent4">
+        <a:tint val="40000"/>
+        <a:alpha val="90000"/>
+      </a:schemeClr>
+    </dgm:fillClrLst>
+    <dgm:linClrLst>
+      <a:schemeClr val="accent3">
+        <a:tint val="40000"/>
+        <a:alpha val="90000"/>
+      </a:schemeClr>
+      <a:schemeClr val="accent4">
+        <a:tint val="40000"/>
+        <a:alpha val="90000"/>
+      </a:schemeClr>
+    </dgm:linClrLst>
+    <dgm:effectClrLst/>
+    <dgm:txLinClrLst/>
+    <dgm:txFillClrLst meth="repeat">
+      <a:schemeClr val="dk1"/>
+    </dgm:txFillClrLst>
+    <dgm:txEffectClrLst/>
+  </dgm:styleLbl>
+  <dgm:styleLbl name="fgAcc0">
+    <dgm:fillClrLst meth="repeat">
+      <a:schemeClr val="lt1">
+        <a:alpha val="90000"/>
+      </a:schemeClr>
+    </dgm:fillClrLst>
+    <dgm:linClrLst>
+      <a:schemeClr val="accent2"/>
+    </dgm:linClrLst>
+    <dgm:effectClrLst/>
+    <dgm:txLinClrLst/>
+    <dgm:txFillClrLst meth="repeat">
+      <a:schemeClr val="dk1"/>
+    </dgm:txFillClrLst>
+    <dgm:txEffectClrLst/>
+  </dgm:styleLbl>
+  <dgm:styleLbl name="fgAcc2">
+    <dgm:fillClrLst meth="repeat">
+      <a:schemeClr val="lt1">
+        <a:alpha val="90000"/>
+      </a:schemeClr>
+    </dgm:fillClrLst>
+    <dgm:linClrLst>
+      <a:schemeClr val="accent4"/>
+    </dgm:linClrLst>
+    <dgm:effectClrLst/>
+    <dgm:txLinClrLst/>
+    <dgm:txFillClrLst meth="repeat">
+      <a:schemeClr val="dk1"/>
+    </dgm:txFillClrLst>
+    <dgm:txEffectClrLst/>
+  </dgm:styleLbl>
+  <dgm:styleLbl name="fgAcc3">
+    <dgm:fillClrLst meth="repeat">
+      <a:schemeClr val="lt1">
+        <a:alpha val="90000"/>
+      </a:schemeClr>
+    </dgm:fillClrLst>
+    <dgm:linClrLst>
+      <a:schemeClr val="accent5"/>
+    </dgm:linClrLst>
+    <dgm:effectClrLst/>
+    <dgm:txLinClrLst/>
+    <dgm:txFillClrLst meth="repeat">
+      <a:schemeClr val="dk1"/>
+    </dgm:txFillClrLst>
+    <dgm:txEffectClrLst/>
+  </dgm:styleLbl>
+  <dgm:styleLbl name="fgAcc4">
+    <dgm:fillClrLst meth="repeat">
+      <a:schemeClr val="lt1">
+        <a:alpha val="90000"/>
+      </a:schemeClr>
+    </dgm:fillClrLst>
+    <dgm:linClrLst>
+      <a:schemeClr val="accent6"/>
+    </dgm:linClrLst>
+    <dgm:effectClrLst/>
+    <dgm:txLinClrLst/>
+    <dgm:txFillClrLst meth="repeat">
+      <a:schemeClr val="dk1"/>
+    </dgm:txFillClrLst>
+    <dgm:txEffectClrLst/>
+  </dgm:styleLbl>
+  <dgm:styleLbl name="bgShp">
+    <dgm:fillClrLst meth="repeat">
+      <a:schemeClr val="accent3">
+        <a:tint val="40000"/>
+      </a:schemeClr>
+    </dgm:fillClrLst>
+    <dgm:linClrLst meth="repeat">
+      <a:schemeClr val="dk1"/>
+    </dgm:linClrLst>
+    <dgm:effectClrLst/>
+    <dgm:txLinClrLst/>
+    <dgm:txFillClrLst meth="repeat">
+      <a:schemeClr val="dk1"/>
+    </dgm:txFillClrLst>
+    <dgm:txEffectClrLst/>
+  </dgm:styleLbl>
+  <dgm:styleLbl name="dkBgShp">
+    <dgm:fillClrLst meth="repeat">
+      <a:schemeClr val="accent3">
+        <a:shade val="90000"/>
+      </a:schemeClr>
+    </dgm:fillClrLst>
+    <dgm:linClrLst meth="repeat">
+      <a:schemeClr val="dk1"/>
+    </dgm:linClrLst>
+    <dgm:effectClrLst/>
+    <dgm:txLinClrLst/>
+    <dgm:txFillClrLst meth="repeat">
+      <a:schemeClr val="lt1"/>
+    </dgm:txFillClrLst>
+    <dgm:txEffectClrLst/>
+  </dgm:styleLbl>
+  <dgm:styleLbl name="trBgShp">
+    <dgm:fillClrLst meth="repeat">
+      <a:schemeClr val="accent2">
+        <a:tint val="50000"/>
+        <a:alpha val="40000"/>
+      </a:schemeClr>
+    </dgm:fillClrLst>
+    <dgm:linClrLst meth="repeat">
+      <a:schemeClr val="accent3"/>
+    </dgm:linClrLst>
+    <dgm:effectClrLst/>
+    <dgm:txLinClrLst/>
+    <dgm:txFillClrLst meth="repeat">
+      <a:schemeClr val="lt1"/>
+    </dgm:txFillClrLst>
+    <dgm:txEffectClrLst/>
+  </dgm:styleLbl>
+  <dgm:styleLbl name="fgShp">
+    <dgm:fillClrLst meth="repeat">
+      <a:schemeClr val="accent3">
+        <a:tint val="40000"/>
+      </a:schemeClr>
+    </dgm:fillClrLst>
+    <dgm:linClrLst meth="repeat">
+      <a:schemeClr val="lt1"/>
+    </dgm:linClrLst>
+    <dgm:effectClrLst/>
+    <dgm:txLinClrLst/>
+    <dgm:txFillClrLst meth="repeat">
+      <a:schemeClr val="dk1"/>
+    </dgm:txFillClrLst>
+    <dgm:txEffectClrLst/>
+  </dgm:styleLbl>
+  <dgm:styleLbl name="revTx">
+    <dgm:fillClrLst meth="repeat">
+      <a:schemeClr val="lt1">
+        <a:alpha val="0"/>
+      </a:schemeClr>
+    </dgm:fillClrLst>
+    <dgm:linClrLst meth="repeat">
+      <a:schemeClr val="dk1">
+        <a:alpha val="0"/>
+      </a:schemeClr>
+    </dgm:linClrLst>
+    <dgm:effectClrLst/>
+    <dgm:txLinClrLst/>
+    <dgm:txFillClrLst meth="repeat">
+      <a:schemeClr val="tx1"/>
+    </dgm:txFillClrLst>
+    <dgm:txEffectClrLst/>
+  </dgm:styleLbl>
+</dgm:colorsDef>
+</file>
+
+<file path=ppt/diagrams/data1.xml><?xml version="1.0" encoding="utf-8"?>
+<dgm:dataModel xmlns:dgm="http://schemas.openxmlformats.org/drawingml/2006/diagram" xmlns:a="http://schemas.openxmlformats.org/drawingml/2006/main">
+  <dgm:ptLst>
+    <dgm:pt modelId="{D5319EB6-EF34-4822-A5B1-89792CABA139}" type="doc">
+      <dgm:prSet loTypeId="urn:microsoft.com/office/officeart/2005/8/layout/default" loCatId="list" qsTypeId="urn:microsoft.com/office/officeart/2005/8/quickstyle/simple1" qsCatId="simple" csTypeId="urn:microsoft.com/office/officeart/2005/8/colors/accent1_2" csCatId="accent1" phldr="1"/>
+      <dgm:spPr/>
+      <dgm:t>
+        <a:bodyPr/>
+        <a:lstStyle/>
+        <a:p>
+          <a:endParaRPr lang="en-US"/>
+        </a:p>
+      </dgm:t>
+    </dgm:pt>
+    <dgm:pt modelId="{3580DC22-6C46-43B2-AC43-9650B3B0FE9F}">
+      <dgm:prSet phldrT="[Text]"/>
+      <dgm:spPr/>
+      <dgm:t>
+        <a:bodyPr/>
+        <a:lstStyle/>
+        <a:p>
+          <a:r>
+            <a:rPr lang="en-US" dirty="0"/>
+            <a:t>The majority of countries have very limited arable land available per person, with most falling below 0.3 hectares per individual. </a:t>
+          </a:r>
+        </a:p>
+      </dgm:t>
+    </dgm:pt>
+    <dgm:pt modelId="{CE45427E-F445-4806-81B6-D722F6DDD4E5}" type="parTrans" cxnId="{5DEA238C-71C1-4EBB-AAF8-DEEEF25CD369}">
+      <dgm:prSet/>
+      <dgm:spPr/>
+      <dgm:t>
+        <a:bodyPr/>
+        <a:lstStyle/>
+        <a:p>
+          <a:endParaRPr lang="en-US"/>
+        </a:p>
+      </dgm:t>
+    </dgm:pt>
+    <dgm:pt modelId="{D97FFC52-0440-4547-B327-24F58477B79D}" type="sibTrans" cxnId="{5DEA238C-71C1-4EBB-AAF8-DEEEF25CD369}">
+      <dgm:prSet/>
+      <dgm:spPr/>
+      <dgm:t>
+        <a:bodyPr/>
+        <a:lstStyle/>
+        <a:p>
+          <a:endParaRPr lang="en-US"/>
+        </a:p>
+      </dgm:t>
+    </dgm:pt>
+    <dgm:pt modelId="{BF1B677D-9A68-4F61-B6A2-E12C3928A7F6}">
+      <dgm:prSet/>
+      <dgm:spPr/>
+      <dgm:t>
+        <a:bodyPr/>
+        <a:lstStyle/>
+        <a:p>
+          <a:r>
+            <a:rPr lang="en-US" dirty="0"/>
+            <a:t>This indicates high population pressure on arable land in many regions, especially in more densely populated countries. </a:t>
+          </a:r>
+        </a:p>
+      </dgm:t>
+    </dgm:pt>
+    <dgm:pt modelId="{2575B89C-B48F-4F02-A13A-9DB728DF856C}" type="parTrans" cxnId="{17E00E7C-36F8-405E-A1C9-2895E66ED490}">
+      <dgm:prSet/>
+      <dgm:spPr/>
+      <dgm:t>
+        <a:bodyPr/>
+        <a:lstStyle/>
+        <a:p>
+          <a:endParaRPr lang="en-US"/>
+        </a:p>
+      </dgm:t>
+    </dgm:pt>
+    <dgm:pt modelId="{4EDAF0B0-5687-4E7B-BBD7-004A21162419}" type="sibTrans" cxnId="{17E00E7C-36F8-405E-A1C9-2895E66ED490}">
+      <dgm:prSet/>
+      <dgm:spPr/>
+      <dgm:t>
+        <a:bodyPr/>
+        <a:lstStyle/>
+        <a:p>
+          <a:endParaRPr lang="en-US"/>
+        </a:p>
+      </dgm:t>
+    </dgm:pt>
+    <dgm:pt modelId="{853780FB-FD55-4CF5-8CAA-C28DA3888FF3}">
+      <dgm:prSet/>
+      <dgm:spPr/>
+      <dgm:t>
+        <a:bodyPr/>
+        <a:lstStyle/>
+        <a:p>
+          <a:r>
+            <a:rPr lang="en-US" dirty="0"/>
+            <a:t>Only a few countries have significantly more land per person, suggesting large disparities in land availability that could impact food security, land use planning, and agricultural scalability across regions.</a:t>
+          </a:r>
+        </a:p>
+      </dgm:t>
+    </dgm:pt>
+    <dgm:pt modelId="{A69B360C-BFC2-4227-AF18-F94B04D13FE8}" type="parTrans" cxnId="{F4492C82-FB1C-43D7-B5C2-2CE069314905}">
+      <dgm:prSet/>
+      <dgm:spPr/>
+      <dgm:t>
+        <a:bodyPr/>
+        <a:lstStyle/>
+        <a:p>
+          <a:endParaRPr lang="en-US"/>
+        </a:p>
+      </dgm:t>
+    </dgm:pt>
+    <dgm:pt modelId="{4820445B-C232-49C6-9865-FEA4F604B7EA}" type="sibTrans" cxnId="{F4492C82-FB1C-43D7-B5C2-2CE069314905}">
+      <dgm:prSet/>
+      <dgm:spPr/>
+      <dgm:t>
+        <a:bodyPr/>
+        <a:lstStyle/>
+        <a:p>
+          <a:endParaRPr lang="en-US"/>
+        </a:p>
+      </dgm:t>
+    </dgm:pt>
+    <dgm:pt modelId="{B3F7A56C-AE6A-433A-B00B-28FB1386D516}" type="pres">
+      <dgm:prSet presAssocID="{D5319EB6-EF34-4822-A5B1-89792CABA139}" presName="diagram" presStyleCnt="0">
+        <dgm:presLayoutVars>
+          <dgm:dir/>
+          <dgm:resizeHandles val="exact"/>
+        </dgm:presLayoutVars>
+      </dgm:prSet>
+      <dgm:spPr/>
+    </dgm:pt>
+    <dgm:pt modelId="{BA9292E0-4D1C-4797-92AC-39287692D2B3}" type="pres">
+      <dgm:prSet presAssocID="{3580DC22-6C46-43B2-AC43-9650B3B0FE9F}" presName="node" presStyleLbl="node1" presStyleIdx="0" presStyleCnt="3" custLinFactNeighborX="-3167" custLinFactNeighborY="3188">
+        <dgm:presLayoutVars>
+          <dgm:bulletEnabled val="1"/>
+        </dgm:presLayoutVars>
+      </dgm:prSet>
+      <dgm:spPr/>
+    </dgm:pt>
+    <dgm:pt modelId="{D645086E-5C59-4258-B270-9A5434DDFEFA}" type="pres">
+      <dgm:prSet presAssocID="{D97FFC52-0440-4547-B327-24F58477B79D}" presName="sibTrans" presStyleCnt="0"/>
+      <dgm:spPr/>
+    </dgm:pt>
+    <dgm:pt modelId="{E9484987-585D-4D41-8CCD-D411B9C30F87}" type="pres">
+      <dgm:prSet presAssocID="{BF1B677D-9A68-4F61-B6A2-E12C3928A7F6}" presName="node" presStyleLbl="node1" presStyleIdx="1" presStyleCnt="3" custLinFactNeighborX="-3167" custLinFactNeighborY="-6333">
+        <dgm:presLayoutVars>
+          <dgm:bulletEnabled val="1"/>
+        </dgm:presLayoutVars>
+      </dgm:prSet>
+      <dgm:spPr/>
+    </dgm:pt>
+    <dgm:pt modelId="{547B4364-B6C8-4684-A63A-92331D65B567}" type="pres">
+      <dgm:prSet presAssocID="{4EDAF0B0-5687-4E7B-BBD7-004A21162419}" presName="sibTrans" presStyleCnt="0"/>
+      <dgm:spPr/>
+    </dgm:pt>
+    <dgm:pt modelId="{731E87B6-DC49-4C95-9A8C-AE75C8AA791B}" type="pres">
+      <dgm:prSet presAssocID="{853780FB-FD55-4CF5-8CAA-C28DA3888FF3}" presName="node" presStyleLbl="node1" presStyleIdx="2" presStyleCnt="3" custLinFactNeighborX="-3167" custLinFactNeighborY="-12662">
+        <dgm:presLayoutVars>
+          <dgm:bulletEnabled val="1"/>
+        </dgm:presLayoutVars>
+      </dgm:prSet>
+      <dgm:spPr/>
+    </dgm:pt>
+  </dgm:ptLst>
+  <dgm:cxnLst>
+    <dgm:cxn modelId="{8198190B-AE65-4216-AB0E-764C83CFABB3}" type="presOf" srcId="{3580DC22-6C46-43B2-AC43-9650B3B0FE9F}" destId="{BA9292E0-4D1C-4797-92AC-39287692D2B3}" srcOrd="0" destOrd="0" presId="urn:microsoft.com/office/officeart/2005/8/layout/default"/>
+    <dgm:cxn modelId="{60444D38-833C-4DF1-AAB4-4845BCB19B3E}" type="presOf" srcId="{D5319EB6-EF34-4822-A5B1-89792CABA139}" destId="{B3F7A56C-AE6A-433A-B00B-28FB1386D516}" srcOrd="0" destOrd="0" presId="urn:microsoft.com/office/officeart/2005/8/layout/default"/>
+    <dgm:cxn modelId="{17E00E7C-36F8-405E-A1C9-2895E66ED490}" srcId="{D5319EB6-EF34-4822-A5B1-89792CABA139}" destId="{BF1B677D-9A68-4F61-B6A2-E12C3928A7F6}" srcOrd="1" destOrd="0" parTransId="{2575B89C-B48F-4F02-A13A-9DB728DF856C}" sibTransId="{4EDAF0B0-5687-4E7B-BBD7-004A21162419}"/>
+    <dgm:cxn modelId="{F4492C82-FB1C-43D7-B5C2-2CE069314905}" srcId="{D5319EB6-EF34-4822-A5B1-89792CABA139}" destId="{853780FB-FD55-4CF5-8CAA-C28DA3888FF3}" srcOrd="2" destOrd="0" parTransId="{A69B360C-BFC2-4227-AF18-F94B04D13FE8}" sibTransId="{4820445B-C232-49C6-9865-FEA4F604B7EA}"/>
+    <dgm:cxn modelId="{5DEA238C-71C1-4EBB-AAF8-DEEEF25CD369}" srcId="{D5319EB6-EF34-4822-A5B1-89792CABA139}" destId="{3580DC22-6C46-43B2-AC43-9650B3B0FE9F}" srcOrd="0" destOrd="0" parTransId="{CE45427E-F445-4806-81B6-D722F6DDD4E5}" sibTransId="{D97FFC52-0440-4547-B327-24F58477B79D}"/>
+    <dgm:cxn modelId="{ED928EAF-1AEE-4608-B2AF-C74B68743F7E}" type="presOf" srcId="{BF1B677D-9A68-4F61-B6A2-E12C3928A7F6}" destId="{E9484987-585D-4D41-8CCD-D411B9C30F87}" srcOrd="0" destOrd="0" presId="urn:microsoft.com/office/officeart/2005/8/layout/default"/>
+    <dgm:cxn modelId="{CC7495D9-FAE7-425A-A894-B133E925A326}" type="presOf" srcId="{853780FB-FD55-4CF5-8CAA-C28DA3888FF3}" destId="{731E87B6-DC49-4C95-9A8C-AE75C8AA791B}" srcOrd="0" destOrd="0" presId="urn:microsoft.com/office/officeart/2005/8/layout/default"/>
+    <dgm:cxn modelId="{549B2E34-FC04-4570-A41C-6A2CD11694B1}" type="presParOf" srcId="{B3F7A56C-AE6A-433A-B00B-28FB1386D516}" destId="{BA9292E0-4D1C-4797-92AC-39287692D2B3}" srcOrd="0" destOrd="0" presId="urn:microsoft.com/office/officeart/2005/8/layout/default"/>
+    <dgm:cxn modelId="{865E086C-1A5B-4431-8FFB-2C8E7D30FB9D}" type="presParOf" srcId="{B3F7A56C-AE6A-433A-B00B-28FB1386D516}" destId="{D645086E-5C59-4258-B270-9A5434DDFEFA}" srcOrd="1" destOrd="0" presId="urn:microsoft.com/office/officeart/2005/8/layout/default"/>
+    <dgm:cxn modelId="{8499B1C1-9979-4030-8ACA-6A5FDD59D798}" type="presParOf" srcId="{B3F7A56C-AE6A-433A-B00B-28FB1386D516}" destId="{E9484987-585D-4D41-8CCD-D411B9C30F87}" srcOrd="2" destOrd="0" presId="urn:microsoft.com/office/officeart/2005/8/layout/default"/>
+    <dgm:cxn modelId="{AFF2908D-DA91-42D1-8634-BF8F53C9CB15}" type="presParOf" srcId="{B3F7A56C-AE6A-433A-B00B-28FB1386D516}" destId="{547B4364-B6C8-4684-A63A-92331D65B567}" srcOrd="3" destOrd="0" presId="urn:microsoft.com/office/officeart/2005/8/layout/default"/>
+    <dgm:cxn modelId="{943B4361-ED75-4D17-9281-425813F322DE}" type="presParOf" srcId="{B3F7A56C-AE6A-433A-B00B-28FB1386D516}" destId="{731E87B6-DC49-4C95-9A8C-AE75C8AA791B}" srcOrd="4" destOrd="0" presId="urn:microsoft.com/office/officeart/2005/8/layout/default"/>
+  </dgm:cxnLst>
+  <dgm:bg/>
+  <dgm:whole/>
+  <dgm:extLst>
+    <a:ext uri="http://schemas.microsoft.com/office/drawing/2008/diagram">
+      <dsp:dataModelExt xmlns:dsp="http://schemas.microsoft.com/office/drawing/2008/diagram" relId="rId8" minVer="http://schemas.openxmlformats.org/drawingml/2006/diagram"/>
+    </a:ext>
+  </dgm:extLst>
+</dgm:dataModel>
+</file>
+
+<file path=ppt/diagrams/data2.xml><?xml version="1.0" encoding="utf-8"?>
+<dgm:dataModel xmlns:dgm="http://schemas.openxmlformats.org/drawingml/2006/diagram" xmlns:a="http://schemas.openxmlformats.org/drawingml/2006/main">
+  <dgm:ptLst>
+    <dgm:pt modelId="{66906E55-F81D-4A77-BB0C-5E0DF8FCEC34}" type="doc">
+      <dgm:prSet loTypeId="urn:microsoft.com/office/officeart/2005/8/layout/vList2" loCatId="list" qsTypeId="urn:microsoft.com/office/officeart/2005/8/quickstyle/simple1" qsCatId="simple" csTypeId="urn:microsoft.com/office/officeart/2005/8/colors/colorful3" csCatId="colorful"/>
+      <dgm:spPr/>
+      <dgm:t>
+        <a:bodyPr/>
+        <a:lstStyle/>
+        <a:p>
+          <a:endParaRPr lang="en-US"/>
+        </a:p>
+      </dgm:t>
+    </dgm:pt>
+    <dgm:pt modelId="{D77E1289-4B9D-44C5-98AE-AF1305AE097A}">
+      <dgm:prSet/>
+      <dgm:spPr/>
+      <dgm:t>
+        <a:bodyPr/>
+        <a:lstStyle/>
+        <a:p>
+          <a:r>
+            <a:rPr lang="en-US" dirty="0"/>
+            <a:t>Djibouti and Seychelles have the highest fertilizer use, with Djibouti showing extreme variability.</a:t>
+          </a:r>
+        </a:p>
+      </dgm:t>
+    </dgm:pt>
+    <dgm:pt modelId="{D7496367-097D-4318-BD0E-AB12F1074B25}" type="parTrans" cxnId="{962EC2ED-5A15-4E0F-9CE5-8E2D32E9A2B7}">
+      <dgm:prSet/>
+      <dgm:spPr/>
+      <dgm:t>
+        <a:bodyPr/>
+        <a:lstStyle/>
+        <a:p>
+          <a:endParaRPr lang="en-US"/>
+        </a:p>
+      </dgm:t>
+    </dgm:pt>
+    <dgm:pt modelId="{75E6718C-EC66-4775-9680-3ED517B8291A}" type="sibTrans" cxnId="{962EC2ED-5A15-4E0F-9CE5-8E2D32E9A2B7}">
+      <dgm:prSet/>
+      <dgm:spPr/>
+      <dgm:t>
+        <a:bodyPr/>
+        <a:lstStyle/>
+        <a:p>
+          <a:endParaRPr lang="en-US"/>
+        </a:p>
+      </dgm:t>
+    </dgm:pt>
+    <dgm:pt modelId="{D49C2B10-F6F9-42EC-8F64-F991DB000E4A}">
+      <dgm:prSet/>
+      <dgm:spPr/>
+      <dgm:t>
+        <a:bodyPr/>
+        <a:lstStyle/>
+        <a:p>
+          <a:r>
+            <a:rPr lang="en-US" dirty="0"/>
+            <a:t>Mauritius and Rwanda also have relatively high and consistent usage, suggesting well-developed agricultural practices.</a:t>
+          </a:r>
+        </a:p>
+      </dgm:t>
+    </dgm:pt>
+    <dgm:pt modelId="{9DF92AD9-073A-42A9-9DF0-1B79B04EB7A4}" type="parTrans" cxnId="{865CC62F-7A19-4E6B-8F63-EF8E072C687C}">
+      <dgm:prSet/>
+      <dgm:spPr/>
+      <dgm:t>
+        <a:bodyPr/>
+        <a:lstStyle/>
+        <a:p>
+          <a:endParaRPr lang="en-US"/>
+        </a:p>
+      </dgm:t>
+    </dgm:pt>
+    <dgm:pt modelId="{9821B7CF-2DDC-451B-8825-FCE4284EB193}" type="sibTrans" cxnId="{865CC62F-7A19-4E6B-8F63-EF8E072C687C}">
+      <dgm:prSet/>
+      <dgm:spPr/>
+      <dgm:t>
+        <a:bodyPr/>
+        <a:lstStyle/>
+        <a:p>
+          <a:endParaRPr lang="en-US"/>
+        </a:p>
+      </dgm:t>
+    </dgm:pt>
+    <dgm:pt modelId="{581A8DE2-CEF8-423F-95AB-4E0679B90A67}">
+      <dgm:prSet/>
+      <dgm:spPr/>
+      <dgm:t>
+        <a:bodyPr/>
+        <a:lstStyle/>
+        <a:p>
+          <a:r>
+            <a:rPr lang="en-US"/>
+            <a:t>The majority of countries show very low fertilizer use with minimal variation, indicating low input agriculture.</a:t>
+          </a:r>
+        </a:p>
+      </dgm:t>
+    </dgm:pt>
+    <dgm:pt modelId="{62DDB950-CC46-4ED9-8E08-085082FEBAB4}" type="parTrans" cxnId="{7B1C68A2-D73D-4CC2-BC05-1672EFF28D44}">
+      <dgm:prSet/>
+      <dgm:spPr/>
+      <dgm:t>
+        <a:bodyPr/>
+        <a:lstStyle/>
+        <a:p>
+          <a:endParaRPr lang="en-US"/>
+        </a:p>
+      </dgm:t>
+    </dgm:pt>
+    <dgm:pt modelId="{DE5748A7-5A67-499C-BC20-BE882052179C}" type="sibTrans" cxnId="{7B1C68A2-D73D-4CC2-BC05-1672EFF28D44}">
+      <dgm:prSet/>
+      <dgm:spPr/>
+      <dgm:t>
+        <a:bodyPr/>
+        <a:lstStyle/>
+        <a:p>
+          <a:endParaRPr lang="en-US"/>
+        </a:p>
+      </dgm:t>
+    </dgm:pt>
+    <dgm:pt modelId="{C7ECE241-AA97-4164-9E8C-AFF1094E8580}">
+      <dgm:prSet/>
+      <dgm:spPr/>
+      <dgm:t>
+        <a:bodyPr/>
+        <a:lstStyle/>
+        <a:p>
+          <a:r>
+            <a:rPr lang="en-US" dirty="0"/>
+            <a:t>This disparity highlights significant regional differences in agricultural input levels, possibly reflecting economic factors, infrastructure, or policy support.</a:t>
+          </a:r>
+        </a:p>
+      </dgm:t>
+    </dgm:pt>
+    <dgm:pt modelId="{ACF5993E-A1FF-476B-AC09-F22B22DAF8DD}" type="parTrans" cxnId="{E12D75F9-DBAD-400F-AB4C-29567955AF8B}">
+      <dgm:prSet/>
+      <dgm:spPr/>
+      <dgm:t>
+        <a:bodyPr/>
+        <a:lstStyle/>
+        <a:p>
+          <a:endParaRPr lang="en-US"/>
+        </a:p>
+      </dgm:t>
+    </dgm:pt>
+    <dgm:pt modelId="{A4EAF377-0D88-42B2-9D6D-82CC1AAB6A71}" type="sibTrans" cxnId="{E12D75F9-DBAD-400F-AB4C-29567955AF8B}">
+      <dgm:prSet/>
+      <dgm:spPr/>
+      <dgm:t>
+        <a:bodyPr/>
+        <a:lstStyle/>
+        <a:p>
+          <a:endParaRPr lang="en-US"/>
+        </a:p>
+      </dgm:t>
+    </dgm:pt>
+    <dgm:pt modelId="{BA6807F1-18FE-475A-A8D8-9EA5C2D2D016}" type="pres">
+      <dgm:prSet presAssocID="{66906E55-F81D-4A77-BB0C-5E0DF8FCEC34}" presName="linear" presStyleCnt="0">
+        <dgm:presLayoutVars>
+          <dgm:animLvl val="lvl"/>
+          <dgm:resizeHandles val="exact"/>
+        </dgm:presLayoutVars>
+      </dgm:prSet>
+      <dgm:spPr/>
+    </dgm:pt>
+    <dgm:pt modelId="{01F78984-BAD2-48DC-9936-0615A2EF2D7F}" type="pres">
+      <dgm:prSet presAssocID="{D77E1289-4B9D-44C5-98AE-AF1305AE097A}" presName="parentText" presStyleLbl="node1" presStyleIdx="0" presStyleCnt="4">
+        <dgm:presLayoutVars>
+          <dgm:chMax val="0"/>
+          <dgm:bulletEnabled val="1"/>
+        </dgm:presLayoutVars>
+      </dgm:prSet>
+      <dgm:spPr/>
+    </dgm:pt>
+    <dgm:pt modelId="{ADD56D82-1775-4746-A3E0-D270EB66EDEC}" type="pres">
+      <dgm:prSet presAssocID="{75E6718C-EC66-4775-9680-3ED517B8291A}" presName="spacer" presStyleCnt="0"/>
+      <dgm:spPr/>
+    </dgm:pt>
+    <dgm:pt modelId="{38615EDA-5222-4D06-AABE-8677F3B74248}" type="pres">
+      <dgm:prSet presAssocID="{D49C2B10-F6F9-42EC-8F64-F991DB000E4A}" presName="parentText" presStyleLbl="node1" presStyleIdx="1" presStyleCnt="4">
+        <dgm:presLayoutVars>
+          <dgm:chMax val="0"/>
+          <dgm:bulletEnabled val="1"/>
+        </dgm:presLayoutVars>
+      </dgm:prSet>
+      <dgm:spPr/>
+    </dgm:pt>
+    <dgm:pt modelId="{EF42E46C-097E-4763-AA0F-022843970667}" type="pres">
+      <dgm:prSet presAssocID="{9821B7CF-2DDC-451B-8825-FCE4284EB193}" presName="spacer" presStyleCnt="0"/>
+      <dgm:spPr/>
+    </dgm:pt>
+    <dgm:pt modelId="{A16A3601-BE25-4623-8A50-14ABEB88CD1A}" type="pres">
+      <dgm:prSet presAssocID="{581A8DE2-CEF8-423F-95AB-4E0679B90A67}" presName="parentText" presStyleLbl="node1" presStyleIdx="2" presStyleCnt="4">
+        <dgm:presLayoutVars>
+          <dgm:chMax val="0"/>
+          <dgm:bulletEnabled val="1"/>
+        </dgm:presLayoutVars>
+      </dgm:prSet>
+      <dgm:spPr/>
+    </dgm:pt>
+    <dgm:pt modelId="{BB87B226-8860-44D8-860F-670DAF618618}" type="pres">
+      <dgm:prSet presAssocID="{DE5748A7-5A67-499C-BC20-BE882052179C}" presName="spacer" presStyleCnt="0"/>
+      <dgm:spPr/>
+    </dgm:pt>
+    <dgm:pt modelId="{9DC40F07-CD8C-4764-9F67-48D14A43BBC8}" type="pres">
+      <dgm:prSet presAssocID="{C7ECE241-AA97-4164-9E8C-AFF1094E8580}" presName="parentText" presStyleLbl="node1" presStyleIdx="3" presStyleCnt="4">
+        <dgm:presLayoutVars>
+          <dgm:chMax val="0"/>
+          <dgm:bulletEnabled val="1"/>
+        </dgm:presLayoutVars>
+      </dgm:prSet>
+      <dgm:spPr/>
+    </dgm:pt>
+  </dgm:ptLst>
+  <dgm:cxnLst>
+    <dgm:cxn modelId="{BF3ABD16-2AB2-41D1-97F8-56A30A4C72E5}" type="presOf" srcId="{581A8DE2-CEF8-423F-95AB-4E0679B90A67}" destId="{A16A3601-BE25-4623-8A50-14ABEB88CD1A}" srcOrd="0" destOrd="0" presId="urn:microsoft.com/office/officeart/2005/8/layout/vList2"/>
+    <dgm:cxn modelId="{865CC62F-7A19-4E6B-8F63-EF8E072C687C}" srcId="{66906E55-F81D-4A77-BB0C-5E0DF8FCEC34}" destId="{D49C2B10-F6F9-42EC-8F64-F991DB000E4A}" srcOrd="1" destOrd="0" parTransId="{9DF92AD9-073A-42A9-9DF0-1B79B04EB7A4}" sibTransId="{9821B7CF-2DDC-451B-8825-FCE4284EB193}"/>
+    <dgm:cxn modelId="{7D44DD7C-7433-43E7-A768-58B41732A761}" type="presOf" srcId="{66906E55-F81D-4A77-BB0C-5E0DF8FCEC34}" destId="{BA6807F1-18FE-475A-A8D8-9EA5C2D2D016}" srcOrd="0" destOrd="0" presId="urn:microsoft.com/office/officeart/2005/8/layout/vList2"/>
+    <dgm:cxn modelId="{7B1C68A2-D73D-4CC2-BC05-1672EFF28D44}" srcId="{66906E55-F81D-4A77-BB0C-5E0DF8FCEC34}" destId="{581A8DE2-CEF8-423F-95AB-4E0679B90A67}" srcOrd="2" destOrd="0" parTransId="{62DDB950-CC46-4ED9-8E08-085082FEBAB4}" sibTransId="{DE5748A7-5A67-499C-BC20-BE882052179C}"/>
+    <dgm:cxn modelId="{1CA181C5-2AE6-461A-820E-F02FC08B31D1}" type="presOf" srcId="{D77E1289-4B9D-44C5-98AE-AF1305AE097A}" destId="{01F78984-BAD2-48DC-9936-0615A2EF2D7F}" srcOrd="0" destOrd="0" presId="urn:microsoft.com/office/officeart/2005/8/layout/vList2"/>
+    <dgm:cxn modelId="{DDDCD7C7-380C-4097-9C98-18B998107EB0}" type="presOf" srcId="{D49C2B10-F6F9-42EC-8F64-F991DB000E4A}" destId="{38615EDA-5222-4D06-AABE-8677F3B74248}" srcOrd="0" destOrd="0" presId="urn:microsoft.com/office/officeart/2005/8/layout/vList2"/>
+    <dgm:cxn modelId="{D83B1EDA-4B53-4BA1-A0D2-142EB0E50992}" type="presOf" srcId="{C7ECE241-AA97-4164-9E8C-AFF1094E8580}" destId="{9DC40F07-CD8C-4764-9F67-48D14A43BBC8}" srcOrd="0" destOrd="0" presId="urn:microsoft.com/office/officeart/2005/8/layout/vList2"/>
+    <dgm:cxn modelId="{962EC2ED-5A15-4E0F-9CE5-8E2D32E9A2B7}" srcId="{66906E55-F81D-4A77-BB0C-5E0DF8FCEC34}" destId="{D77E1289-4B9D-44C5-98AE-AF1305AE097A}" srcOrd="0" destOrd="0" parTransId="{D7496367-097D-4318-BD0E-AB12F1074B25}" sibTransId="{75E6718C-EC66-4775-9680-3ED517B8291A}"/>
+    <dgm:cxn modelId="{E12D75F9-DBAD-400F-AB4C-29567955AF8B}" srcId="{66906E55-F81D-4A77-BB0C-5E0DF8FCEC34}" destId="{C7ECE241-AA97-4164-9E8C-AFF1094E8580}" srcOrd="3" destOrd="0" parTransId="{ACF5993E-A1FF-476B-AC09-F22B22DAF8DD}" sibTransId="{A4EAF377-0D88-42B2-9D6D-82CC1AAB6A71}"/>
+    <dgm:cxn modelId="{33DD9755-CB65-4C27-A3BF-E11B25FAEBE6}" type="presParOf" srcId="{BA6807F1-18FE-475A-A8D8-9EA5C2D2D016}" destId="{01F78984-BAD2-48DC-9936-0615A2EF2D7F}" srcOrd="0" destOrd="0" presId="urn:microsoft.com/office/officeart/2005/8/layout/vList2"/>
+    <dgm:cxn modelId="{2744B5DB-7FEB-4782-A62B-7C0D24E1885E}" type="presParOf" srcId="{BA6807F1-18FE-475A-A8D8-9EA5C2D2D016}" destId="{ADD56D82-1775-4746-A3E0-D270EB66EDEC}" srcOrd="1" destOrd="0" presId="urn:microsoft.com/office/officeart/2005/8/layout/vList2"/>
+    <dgm:cxn modelId="{ECF98821-6B16-42C0-A53B-1AE5C87AE478}" type="presParOf" srcId="{BA6807F1-18FE-475A-A8D8-9EA5C2D2D016}" destId="{38615EDA-5222-4D06-AABE-8677F3B74248}" srcOrd="2" destOrd="0" presId="urn:microsoft.com/office/officeart/2005/8/layout/vList2"/>
+    <dgm:cxn modelId="{F11118B3-D6EB-4D62-BC94-C8D2FDDB787B}" type="presParOf" srcId="{BA6807F1-18FE-475A-A8D8-9EA5C2D2D016}" destId="{EF42E46C-097E-4763-AA0F-022843970667}" srcOrd="3" destOrd="0" presId="urn:microsoft.com/office/officeart/2005/8/layout/vList2"/>
+    <dgm:cxn modelId="{E8F4FA76-6B38-480A-8D28-BBE28441FC5D}" type="presParOf" srcId="{BA6807F1-18FE-475A-A8D8-9EA5C2D2D016}" destId="{A16A3601-BE25-4623-8A50-14ABEB88CD1A}" srcOrd="4" destOrd="0" presId="urn:microsoft.com/office/officeart/2005/8/layout/vList2"/>
+    <dgm:cxn modelId="{FCD5A244-297E-4226-89F8-19ADA9D592ED}" type="presParOf" srcId="{BA6807F1-18FE-475A-A8D8-9EA5C2D2D016}" destId="{BB87B226-8860-44D8-860F-670DAF618618}" srcOrd="5" destOrd="0" presId="urn:microsoft.com/office/officeart/2005/8/layout/vList2"/>
+    <dgm:cxn modelId="{37628805-C348-4D55-BE39-D59B1E05FE72}" type="presParOf" srcId="{BA6807F1-18FE-475A-A8D8-9EA5C2D2D016}" destId="{9DC40F07-CD8C-4764-9F67-48D14A43BBC8}" srcOrd="6" destOrd="0" presId="urn:microsoft.com/office/officeart/2005/8/layout/vList2"/>
+  </dgm:cxnLst>
+  <dgm:bg/>
+  <dgm:whole/>
+  <dgm:extLst>
+    <a:ext uri="http://schemas.microsoft.com/office/drawing/2008/diagram">
+      <dsp:dataModelExt xmlns:dsp="http://schemas.microsoft.com/office/drawing/2008/diagram" relId="rId7" minVer="http://schemas.openxmlformats.org/drawingml/2006/diagram"/>
+    </a:ext>
+    <a:ext uri="{C62137D5-CB1D-491B-B009-E17868A290BF}">
+      <dgm14:recolorImg xmlns:dgm14="http://schemas.microsoft.com/office/drawing/2010/diagram" val="1"/>
+    </a:ext>
+  </dgm:extLst>
+</dgm:dataModel>
+</file>
+
+<file path=ppt/diagrams/drawing1.xml><?xml version="1.0" encoding="utf-8"?>
+<dsp:drawing xmlns:dgm="http://schemas.openxmlformats.org/drawingml/2006/diagram" xmlns:dsp="http://schemas.microsoft.com/office/drawing/2008/diagram" xmlns:a="http://schemas.openxmlformats.org/drawingml/2006/main">
+  <dsp:spTree>
+    <dsp:nvGrpSpPr>
+      <dsp:cNvPr id="0" name=""/>
+      <dsp:cNvGrpSpPr/>
+    </dsp:nvGrpSpPr>
+    <dsp:grpSpPr/>
+    <dsp:sp modelId="{BA9292E0-4D1C-4797-92AC-39287692D2B3}">
+      <dsp:nvSpPr>
+        <dsp:cNvPr id="0" name=""/>
+        <dsp:cNvSpPr/>
+      </dsp:nvSpPr>
+      <dsp:spPr>
+        <a:xfrm>
+          <a:off x="6" y="66710"/>
+          <a:ext cx="3484503" cy="2090702"/>
+        </a:xfrm>
+        <a:prstGeom prst="rect">
+          <a:avLst/>
+        </a:prstGeom>
+        <a:solidFill>
+          <a:schemeClr val="accent1">
+            <a:hueOff val="0"/>
+            <a:satOff val="0"/>
+            <a:lumOff val="0"/>
+            <a:alphaOff val="0"/>
+          </a:schemeClr>
+        </a:solidFill>
+        <a:ln w="25400" cap="flat" cmpd="sng" algn="ctr">
+          <a:solidFill>
+            <a:schemeClr val="lt1">
+              <a:hueOff val="0"/>
+              <a:satOff val="0"/>
+              <a:lumOff val="0"/>
+              <a:alphaOff val="0"/>
+            </a:schemeClr>
+          </a:solidFill>
+          <a:prstDash val="solid"/>
+        </a:ln>
+        <a:effectLst/>
+      </dsp:spPr>
+      <dsp:style>
+        <a:lnRef idx="2">
+          <a:scrgbClr r="0" g="0" b="0"/>
+        </a:lnRef>
+        <a:fillRef idx="1">
+          <a:scrgbClr r="0" g="0" b="0"/>
+        </a:fillRef>
+        <a:effectRef idx="0">
+          <a:scrgbClr r="0" g="0" b="0"/>
+        </a:effectRef>
+        <a:fontRef idx="minor">
+          <a:schemeClr val="lt1"/>
+        </a:fontRef>
+      </dsp:style>
+      <dsp:txBody>
+        <a:bodyPr spcFirstLastPara="0" vert="horz" wrap="square" lIns="72390" tIns="72390" rIns="72390" bIns="72390" numCol="1" spcCol="1270" anchor="ctr" anchorCtr="0">
+          <a:noAutofit/>
+        </a:bodyPr>
+        <a:lstStyle/>
+        <a:p>
+          <a:pPr marL="0" lvl="0" indent="0" algn="ctr" defTabSz="844550">
+            <a:lnSpc>
+              <a:spcPct val="90000"/>
+            </a:lnSpc>
+            <a:spcBef>
+              <a:spcPct val="0"/>
+            </a:spcBef>
+            <a:spcAft>
+              <a:spcPct val="35000"/>
+            </a:spcAft>
+            <a:buNone/>
+          </a:pPr>
+          <a:r>
+            <a:rPr lang="en-US" sz="1900" kern="1200" dirty="0"/>
+            <a:t>The majority of countries have very limited arable land available per person, with most falling below 0.3 hectares per individual. </a:t>
+          </a:r>
+        </a:p>
+      </dsp:txBody>
+      <dsp:txXfrm>
+        <a:off x="6" y="66710"/>
+        <a:ext cx="3484503" cy="2090702"/>
+      </dsp:txXfrm>
+    </dsp:sp>
+    <dsp:sp modelId="{E9484987-585D-4D41-8CCD-D411B9C30F87}">
+      <dsp:nvSpPr>
+        <dsp:cNvPr id="0" name=""/>
+        <dsp:cNvSpPr/>
+      </dsp:nvSpPr>
+      <dsp:spPr>
+        <a:xfrm>
+          <a:off x="6" y="2306807"/>
+          <a:ext cx="3484503" cy="2090702"/>
+        </a:xfrm>
+        <a:prstGeom prst="rect">
+          <a:avLst/>
+        </a:prstGeom>
+        <a:solidFill>
+          <a:schemeClr val="accent1">
+            <a:hueOff val="0"/>
+            <a:satOff val="0"/>
+            <a:lumOff val="0"/>
+            <a:alphaOff val="0"/>
+          </a:schemeClr>
+        </a:solidFill>
+        <a:ln w="25400" cap="flat" cmpd="sng" algn="ctr">
+          <a:solidFill>
+            <a:schemeClr val="lt1">
+              <a:hueOff val="0"/>
+              <a:satOff val="0"/>
+              <a:lumOff val="0"/>
+              <a:alphaOff val="0"/>
+            </a:schemeClr>
+          </a:solidFill>
+          <a:prstDash val="solid"/>
+        </a:ln>
+        <a:effectLst/>
+      </dsp:spPr>
+      <dsp:style>
+        <a:lnRef idx="2">
+          <a:scrgbClr r="0" g="0" b="0"/>
+        </a:lnRef>
+        <a:fillRef idx="1">
+          <a:scrgbClr r="0" g="0" b="0"/>
+        </a:fillRef>
+        <a:effectRef idx="0">
+          <a:scrgbClr r="0" g="0" b="0"/>
+        </a:effectRef>
+        <a:fontRef idx="minor">
+          <a:schemeClr val="lt1"/>
+        </a:fontRef>
+      </dsp:style>
+      <dsp:txBody>
+        <a:bodyPr spcFirstLastPara="0" vert="horz" wrap="square" lIns="72390" tIns="72390" rIns="72390" bIns="72390" numCol="1" spcCol="1270" anchor="ctr" anchorCtr="0">
+          <a:noAutofit/>
+        </a:bodyPr>
+        <a:lstStyle/>
+        <a:p>
+          <a:pPr marL="0" lvl="0" indent="0" algn="ctr" defTabSz="844550">
+            <a:lnSpc>
+              <a:spcPct val="90000"/>
+            </a:lnSpc>
+            <a:spcBef>
+              <a:spcPct val="0"/>
+            </a:spcBef>
+            <a:spcAft>
+              <a:spcPct val="35000"/>
+            </a:spcAft>
+            <a:buNone/>
+          </a:pPr>
+          <a:r>
+            <a:rPr lang="en-US" sz="1900" kern="1200" dirty="0"/>
+            <a:t>This indicates high population pressure on arable land in many regions, especially in more densely populated countries. </a:t>
+          </a:r>
+        </a:p>
+      </dsp:txBody>
+      <dsp:txXfrm>
+        <a:off x="6" y="2306807"/>
+        <a:ext cx="3484503" cy="2090702"/>
+      </dsp:txXfrm>
+    </dsp:sp>
+    <dsp:sp modelId="{731E87B6-DC49-4C95-9A8C-AE75C8AA791B}">
+      <dsp:nvSpPr>
+        <dsp:cNvPr id="0" name=""/>
+        <dsp:cNvSpPr/>
+      </dsp:nvSpPr>
+      <dsp:spPr>
+        <a:xfrm>
+          <a:off x="6" y="4613639"/>
+          <a:ext cx="3484503" cy="2090702"/>
+        </a:xfrm>
+        <a:prstGeom prst="rect">
+          <a:avLst/>
+        </a:prstGeom>
+        <a:solidFill>
+          <a:schemeClr val="accent1">
+            <a:hueOff val="0"/>
+            <a:satOff val="0"/>
+            <a:lumOff val="0"/>
+            <a:alphaOff val="0"/>
+          </a:schemeClr>
+        </a:solidFill>
+        <a:ln w="25400" cap="flat" cmpd="sng" algn="ctr">
+          <a:solidFill>
+            <a:schemeClr val="lt1">
+              <a:hueOff val="0"/>
+              <a:satOff val="0"/>
+              <a:lumOff val="0"/>
+              <a:alphaOff val="0"/>
+            </a:schemeClr>
+          </a:solidFill>
+          <a:prstDash val="solid"/>
+        </a:ln>
+        <a:effectLst/>
+      </dsp:spPr>
+      <dsp:style>
+        <a:lnRef idx="2">
+          <a:scrgbClr r="0" g="0" b="0"/>
+        </a:lnRef>
+        <a:fillRef idx="1">
+          <a:scrgbClr r="0" g="0" b="0"/>
+        </a:fillRef>
+        <a:effectRef idx="0">
+          <a:scrgbClr r="0" g="0" b="0"/>
+        </a:effectRef>
+        <a:fontRef idx="minor">
+          <a:schemeClr val="lt1"/>
+        </a:fontRef>
+      </dsp:style>
+      <dsp:txBody>
+        <a:bodyPr spcFirstLastPara="0" vert="horz" wrap="square" lIns="72390" tIns="72390" rIns="72390" bIns="72390" numCol="1" spcCol="1270" anchor="ctr" anchorCtr="0">
+          <a:noAutofit/>
+        </a:bodyPr>
+        <a:lstStyle/>
+        <a:p>
+          <a:pPr marL="0" lvl="0" indent="0" algn="ctr" defTabSz="844550">
+            <a:lnSpc>
+              <a:spcPct val="90000"/>
+            </a:lnSpc>
+            <a:spcBef>
+              <a:spcPct val="0"/>
+            </a:spcBef>
+            <a:spcAft>
+              <a:spcPct val="35000"/>
+            </a:spcAft>
+            <a:buNone/>
+          </a:pPr>
+          <a:r>
+            <a:rPr lang="en-US" sz="1900" kern="1200" dirty="0"/>
+            <a:t>Only a few countries have significantly more land per person, suggesting large disparities in land availability that could impact food security, land use planning, and agricultural scalability across regions.</a:t>
+          </a:r>
+        </a:p>
+      </dsp:txBody>
+      <dsp:txXfrm>
+        <a:off x="6" y="4613639"/>
+        <a:ext cx="3484503" cy="2090702"/>
+      </dsp:txXfrm>
+    </dsp:sp>
+  </dsp:spTree>
+</dsp:drawing>
+</file>
+
+<file path=ppt/diagrams/drawing2.xml><?xml version="1.0" encoding="utf-8"?>
+<dsp:drawing xmlns:dgm="http://schemas.openxmlformats.org/drawingml/2006/diagram" xmlns:dsp="http://schemas.microsoft.com/office/drawing/2008/diagram" xmlns:a="http://schemas.openxmlformats.org/drawingml/2006/main">
+  <dsp:spTree>
+    <dsp:nvGrpSpPr>
+      <dsp:cNvPr id="0" name=""/>
+      <dsp:cNvGrpSpPr/>
+    </dsp:nvGrpSpPr>
+    <dsp:grpSpPr/>
+    <dsp:sp modelId="{01F78984-BAD2-48DC-9936-0615A2EF2D7F}">
+      <dsp:nvSpPr>
+        <dsp:cNvPr id="0" name=""/>
+        <dsp:cNvSpPr/>
+      </dsp:nvSpPr>
+      <dsp:spPr>
+        <a:xfrm>
+          <a:off x="0" y="423305"/>
+          <a:ext cx="2986086" cy="1391715"/>
+        </a:xfrm>
+        <a:prstGeom prst="roundRect">
+          <a:avLst/>
+        </a:prstGeom>
+        <a:solidFill>
+          <a:schemeClr val="accent3">
+            <a:hueOff val="0"/>
+            <a:satOff val="0"/>
+            <a:lumOff val="0"/>
+            <a:alphaOff val="0"/>
+          </a:schemeClr>
+        </a:solidFill>
+        <a:ln w="25400" cap="flat" cmpd="sng" algn="ctr">
+          <a:solidFill>
+            <a:schemeClr val="lt1">
+              <a:hueOff val="0"/>
+              <a:satOff val="0"/>
+              <a:lumOff val="0"/>
+              <a:alphaOff val="0"/>
+            </a:schemeClr>
+          </a:solidFill>
+          <a:prstDash val="solid"/>
+        </a:ln>
+        <a:effectLst/>
+      </dsp:spPr>
+      <dsp:style>
+        <a:lnRef idx="2">
+          <a:scrgbClr r="0" g="0" b="0"/>
+        </a:lnRef>
+        <a:fillRef idx="1">
+          <a:scrgbClr r="0" g="0" b="0"/>
+        </a:fillRef>
+        <a:effectRef idx="0">
+          <a:scrgbClr r="0" g="0" b="0"/>
+        </a:effectRef>
+        <a:fontRef idx="minor">
+          <a:schemeClr val="lt1"/>
+        </a:fontRef>
+      </dsp:style>
+      <dsp:txBody>
+        <a:bodyPr spcFirstLastPara="0" vert="horz" wrap="square" lIns="60960" tIns="60960" rIns="60960" bIns="60960" numCol="1" spcCol="1270" anchor="ctr" anchorCtr="0">
+          <a:noAutofit/>
+        </a:bodyPr>
+        <a:lstStyle/>
+        <a:p>
+          <a:pPr marL="0" lvl="0" indent="0" algn="l" defTabSz="711200">
+            <a:lnSpc>
+              <a:spcPct val="90000"/>
+            </a:lnSpc>
+            <a:spcBef>
+              <a:spcPct val="0"/>
+            </a:spcBef>
+            <a:spcAft>
+              <a:spcPct val="35000"/>
+            </a:spcAft>
+            <a:buNone/>
+          </a:pPr>
+          <a:r>
+            <a:rPr lang="en-US" sz="1600" kern="1200" dirty="0"/>
+            <a:t>Djibouti and Seychelles have the highest fertilizer use, with Djibouti showing extreme variability.</a:t>
+          </a:r>
+        </a:p>
+      </dsp:txBody>
+      <dsp:txXfrm>
+        <a:off x="67938" y="491243"/>
+        <a:ext cx="2850210" cy="1255839"/>
+      </dsp:txXfrm>
+    </dsp:sp>
+    <dsp:sp modelId="{38615EDA-5222-4D06-AABE-8677F3B74248}">
+      <dsp:nvSpPr>
+        <dsp:cNvPr id="0" name=""/>
+        <dsp:cNvSpPr/>
+      </dsp:nvSpPr>
+      <dsp:spPr>
+        <a:xfrm>
+          <a:off x="0" y="1861100"/>
+          <a:ext cx="2986086" cy="1391715"/>
+        </a:xfrm>
+        <a:prstGeom prst="roundRect">
+          <a:avLst/>
+        </a:prstGeom>
+        <a:solidFill>
+          <a:schemeClr val="accent3">
+            <a:hueOff val="3750088"/>
+            <a:satOff val="-5627"/>
+            <a:lumOff val="-915"/>
+            <a:alphaOff val="0"/>
+          </a:schemeClr>
+        </a:solidFill>
+        <a:ln w="25400" cap="flat" cmpd="sng" algn="ctr">
+          <a:solidFill>
+            <a:schemeClr val="lt1">
+              <a:hueOff val="0"/>
+              <a:satOff val="0"/>
+              <a:lumOff val="0"/>
+              <a:alphaOff val="0"/>
+            </a:schemeClr>
+          </a:solidFill>
+          <a:prstDash val="solid"/>
+        </a:ln>
+        <a:effectLst/>
+      </dsp:spPr>
+      <dsp:style>
+        <a:lnRef idx="2">
+          <a:scrgbClr r="0" g="0" b="0"/>
+        </a:lnRef>
+        <a:fillRef idx="1">
+          <a:scrgbClr r="0" g="0" b="0"/>
+        </a:fillRef>
+        <a:effectRef idx="0">
+          <a:scrgbClr r="0" g="0" b="0"/>
+        </a:effectRef>
+        <a:fontRef idx="minor">
+          <a:schemeClr val="lt1"/>
+        </a:fontRef>
+      </dsp:style>
+      <dsp:txBody>
+        <a:bodyPr spcFirstLastPara="0" vert="horz" wrap="square" lIns="60960" tIns="60960" rIns="60960" bIns="60960" numCol="1" spcCol="1270" anchor="ctr" anchorCtr="0">
+          <a:noAutofit/>
+        </a:bodyPr>
+        <a:lstStyle/>
+        <a:p>
+          <a:pPr marL="0" lvl="0" indent="0" algn="l" defTabSz="711200">
+            <a:lnSpc>
+              <a:spcPct val="90000"/>
+            </a:lnSpc>
+            <a:spcBef>
+              <a:spcPct val="0"/>
+            </a:spcBef>
+            <a:spcAft>
+              <a:spcPct val="35000"/>
+            </a:spcAft>
+            <a:buNone/>
+          </a:pPr>
+          <a:r>
+            <a:rPr lang="en-US" sz="1600" kern="1200" dirty="0"/>
+            <a:t>Mauritius and Rwanda also have relatively high and consistent usage, suggesting well-developed agricultural practices.</a:t>
+          </a:r>
+        </a:p>
+      </dsp:txBody>
+      <dsp:txXfrm>
+        <a:off x="67938" y="1929038"/>
+        <a:ext cx="2850210" cy="1255839"/>
+      </dsp:txXfrm>
+    </dsp:sp>
+    <dsp:sp modelId="{A16A3601-BE25-4623-8A50-14ABEB88CD1A}">
+      <dsp:nvSpPr>
+        <dsp:cNvPr id="0" name=""/>
+        <dsp:cNvSpPr/>
+      </dsp:nvSpPr>
+      <dsp:spPr>
+        <a:xfrm>
+          <a:off x="0" y="3298896"/>
+          <a:ext cx="2986086" cy="1391715"/>
+        </a:xfrm>
+        <a:prstGeom prst="roundRect">
+          <a:avLst/>
+        </a:prstGeom>
+        <a:solidFill>
+          <a:schemeClr val="accent3">
+            <a:hueOff val="7500176"/>
+            <a:satOff val="-11253"/>
+            <a:lumOff val="-1830"/>
+            <a:alphaOff val="0"/>
+          </a:schemeClr>
+        </a:solidFill>
+        <a:ln w="25400" cap="flat" cmpd="sng" algn="ctr">
+          <a:solidFill>
+            <a:schemeClr val="lt1">
+              <a:hueOff val="0"/>
+              <a:satOff val="0"/>
+              <a:lumOff val="0"/>
+              <a:alphaOff val="0"/>
+            </a:schemeClr>
+          </a:solidFill>
+          <a:prstDash val="solid"/>
+        </a:ln>
+        <a:effectLst/>
+      </dsp:spPr>
+      <dsp:style>
+        <a:lnRef idx="2">
+          <a:scrgbClr r="0" g="0" b="0"/>
+        </a:lnRef>
+        <a:fillRef idx="1">
+          <a:scrgbClr r="0" g="0" b="0"/>
+        </a:fillRef>
+        <a:effectRef idx="0">
+          <a:scrgbClr r="0" g="0" b="0"/>
+        </a:effectRef>
+        <a:fontRef idx="minor">
+          <a:schemeClr val="lt1"/>
+        </a:fontRef>
+      </dsp:style>
+      <dsp:txBody>
+        <a:bodyPr spcFirstLastPara="0" vert="horz" wrap="square" lIns="60960" tIns="60960" rIns="60960" bIns="60960" numCol="1" spcCol="1270" anchor="ctr" anchorCtr="0">
+          <a:noAutofit/>
+        </a:bodyPr>
+        <a:lstStyle/>
+        <a:p>
+          <a:pPr marL="0" lvl="0" indent="0" algn="l" defTabSz="711200">
+            <a:lnSpc>
+              <a:spcPct val="90000"/>
+            </a:lnSpc>
+            <a:spcBef>
+              <a:spcPct val="0"/>
+            </a:spcBef>
+            <a:spcAft>
+              <a:spcPct val="35000"/>
+            </a:spcAft>
+            <a:buNone/>
+          </a:pPr>
+          <a:r>
+            <a:rPr lang="en-US" sz="1600" kern="1200"/>
+            <a:t>The majority of countries show very low fertilizer use with minimal variation, indicating low input agriculture.</a:t>
+          </a:r>
+        </a:p>
+      </dsp:txBody>
+      <dsp:txXfrm>
+        <a:off x="67938" y="3366834"/>
+        <a:ext cx="2850210" cy="1255839"/>
+      </dsp:txXfrm>
+    </dsp:sp>
+    <dsp:sp modelId="{9DC40F07-CD8C-4764-9F67-48D14A43BBC8}">
+      <dsp:nvSpPr>
+        <dsp:cNvPr id="0" name=""/>
+        <dsp:cNvSpPr/>
+      </dsp:nvSpPr>
+      <dsp:spPr>
+        <a:xfrm>
+          <a:off x="0" y="4736691"/>
+          <a:ext cx="2986086" cy="1391715"/>
+        </a:xfrm>
+        <a:prstGeom prst="roundRect">
+          <a:avLst/>
+        </a:prstGeom>
+        <a:solidFill>
+          <a:schemeClr val="accent3">
+            <a:hueOff val="11250264"/>
+            <a:satOff val="-16880"/>
+            <a:lumOff val="-2745"/>
+            <a:alphaOff val="0"/>
+          </a:schemeClr>
+        </a:solidFill>
+        <a:ln w="25400" cap="flat" cmpd="sng" algn="ctr">
+          <a:solidFill>
+            <a:schemeClr val="lt1">
+              <a:hueOff val="0"/>
+              <a:satOff val="0"/>
+              <a:lumOff val="0"/>
+              <a:alphaOff val="0"/>
+            </a:schemeClr>
+          </a:solidFill>
+          <a:prstDash val="solid"/>
+        </a:ln>
+        <a:effectLst/>
+      </dsp:spPr>
+      <dsp:style>
+        <a:lnRef idx="2">
+          <a:scrgbClr r="0" g="0" b="0"/>
+        </a:lnRef>
+        <a:fillRef idx="1">
+          <a:scrgbClr r="0" g="0" b="0"/>
+        </a:fillRef>
+        <a:effectRef idx="0">
+          <a:scrgbClr r="0" g="0" b="0"/>
+        </a:effectRef>
+        <a:fontRef idx="minor">
+          <a:schemeClr val="lt1"/>
+        </a:fontRef>
+      </dsp:style>
+      <dsp:txBody>
+        <a:bodyPr spcFirstLastPara="0" vert="horz" wrap="square" lIns="60960" tIns="60960" rIns="60960" bIns="60960" numCol="1" spcCol="1270" anchor="ctr" anchorCtr="0">
+          <a:noAutofit/>
+        </a:bodyPr>
+        <a:lstStyle/>
+        <a:p>
+          <a:pPr marL="0" lvl="0" indent="0" algn="l" defTabSz="711200">
+            <a:lnSpc>
+              <a:spcPct val="90000"/>
+            </a:lnSpc>
+            <a:spcBef>
+              <a:spcPct val="0"/>
+            </a:spcBef>
+            <a:spcAft>
+              <a:spcPct val="35000"/>
+            </a:spcAft>
+            <a:buNone/>
+          </a:pPr>
+          <a:r>
+            <a:rPr lang="en-US" sz="1600" kern="1200" dirty="0"/>
+            <a:t>This disparity highlights significant regional differences in agricultural input levels, possibly reflecting economic factors, infrastructure, or policy support.</a:t>
+          </a:r>
+        </a:p>
+      </dsp:txBody>
+      <dsp:txXfrm>
+        <a:off x="67938" y="4804629"/>
+        <a:ext cx="2850210" cy="1255839"/>
+      </dsp:txXfrm>
+    </dsp:sp>
+  </dsp:spTree>
+</dsp:drawing>
+</file>
+
+<file path=ppt/diagrams/layout1.xml><?xml version="1.0" encoding="utf-8"?>
+<dgm:layoutDef xmlns:dgm="http://schemas.openxmlformats.org/drawingml/2006/diagram" xmlns:a="http://schemas.openxmlformats.org/drawingml/2006/main" uniqueId="urn:microsoft.com/office/officeart/2005/8/layout/default">
+  <dgm:title val=""/>
+  <dgm:desc val=""/>
+  <dgm:catLst>
+    <dgm:cat type="list" pri="400"/>
+  </dgm:catLst>
+  <dgm:sampData>
+    <dgm:dataModel>
+      <dgm:ptLst>
+        <dgm:pt modelId="0" type="doc"/>
+        <dgm:pt modelId="1">
+          <dgm:prSet phldr="1"/>
+        </dgm:pt>
+        <dgm:pt modelId="2">
+          <dgm:prSet phldr="1"/>
+        </dgm:pt>
+        <dgm:pt modelId="3">
+          <dgm:prSet phldr="1"/>
+        </dgm:pt>
+        <dgm:pt modelId="4">
+          <dgm:prSet phldr="1"/>
+        </dgm:pt>
+        <dgm:pt modelId="5">
+          <dgm:prSet phldr="1"/>
+        </dgm:pt>
+      </dgm:ptLst>
+      <dgm:cxnLst>
+        <dgm:cxn modelId="6" srcId="0" destId="1" srcOrd="0" destOrd="0"/>
+        <dgm:cxn modelId="7" srcId="0" destId="2" srcOrd="1" destOrd="0"/>
+        <dgm:cxn modelId="8" srcId="0" destId="3" srcOrd="2" destOrd="0"/>
+        <dgm:cxn modelId="9" srcId="0" destId="4" srcOrd="3" destOrd="0"/>
+        <dgm:cxn modelId="10" srcId="0" destId="5" srcOrd="4" destOrd="0"/>
+      </dgm:cxnLst>
+      <dgm:bg/>
+      <dgm:whole/>
+    </dgm:dataModel>
+  </dgm:sampData>
+  <dgm:styleData>
+    <dgm:dataModel>
+      <dgm:ptLst>
+        <dgm:pt modelId="0" type="doc"/>
+        <dgm:pt modelId="1"/>
+        <dgm:pt modelId="2"/>
+      </dgm:ptLst>
+      <dgm:cxnLst>
+        <dgm:cxn modelId="3" srcId="0" destId="1" srcOrd="0" destOrd="0"/>
+        <dgm:cxn modelId="4" srcId="0" destId="2" srcOrd="1" destOrd="0"/>
+      </dgm:cxnLst>
+      <dgm:bg/>
+      <dgm:whole/>
+    </dgm:dataModel>
+  </dgm:styleData>
+  <dgm:clrData>
+    <dgm:dataModel>
+      <dgm:ptLst>
+        <dgm:pt modelId="0" type="doc"/>
+        <dgm:pt modelId="1"/>
+        <dgm:pt modelId="2"/>
+        <dgm:pt modelId="3"/>
+        <dgm:pt modelId="4"/>
+        <dgm:pt modelId="5"/>
+        <dgm:pt modelId="6"/>
+      </dgm:ptLst>
+      <dgm:cxnLst>
+        <dgm:cxn modelId="7" srcId="0" destId="1" srcOrd="0" destOrd="0"/>
+        <dgm:cxn modelId="8" srcId="0" destId="2" srcOrd="1" destOrd="0"/>
+        <dgm:cxn modelId="9" srcId="0" destId="3" srcOrd="2" destOrd="0"/>
+        <dgm:cxn modelId="10" srcId="0" destId="4" srcOrd="3" destOrd="0"/>
+        <dgm:cxn modelId="11" srcId="0" destId="5" srcOrd="4" destOrd="0"/>
+        <dgm:cxn modelId="12" srcId="0" destId="6" srcOrd="5" destOrd="0"/>
+      </dgm:cxnLst>
+      <dgm:bg/>
+      <dgm:whole/>
+    </dgm:dataModel>
+  </dgm:clrData>
+  <dgm:layoutNode name="diagram">
+    <dgm:varLst>
+      <dgm:dir/>
+      <dgm:resizeHandles val="exact"/>
+    </dgm:varLst>
+    <dgm:choose name="Name0">
+      <dgm:if name="Name1" func="var" arg="dir" op="equ" val="norm">
+        <dgm:alg type="snake">
+          <dgm:param type="grDir" val="tL"/>
+          <dgm:param type="flowDir" val="row"/>
+          <dgm:param type="contDir" val="sameDir"/>
+          <dgm:param type="off" val="ctr"/>
+        </dgm:alg>
+      </dgm:if>
+      <dgm:else name="Name2">
+        <dgm:alg type="snake">
+          <dgm:param type="grDir" val="tR"/>
+          <dgm:param type="flowDir" val="row"/>
+          <dgm:param type="contDir" val="sameDir"/>
+          <dgm:param type="off" val="ctr"/>
+        </dgm:alg>
+      </dgm:else>
+    </dgm:choose>
+    <dgm:shape xmlns:r="http://schemas.openxmlformats.org/officeDocument/2006/relationships" r:blip="">
+      <dgm:adjLst/>
+    </dgm:shape>
+    <dgm:presOf/>
+    <dgm:constrLst>
+      <dgm:constr type="w" for="ch" forName="node" refType="w"/>
+      <dgm:constr type="h" for="ch" forName="node" refType="w" refFor="ch" refForName="node" fact="0.6"/>
+      <dgm:constr type="w" for="ch" forName="sibTrans" refType="w" refFor="ch" refForName="node" fact="0.1"/>
+      <dgm:constr type="sp" refType="w" refFor="ch" refForName="sibTrans"/>
+      <dgm:constr type="primFontSz" for="ch" forName="node" op="equ" val="65"/>
+    </dgm:constrLst>
+    <dgm:ruleLst/>
+    <dgm:forEach name="Name3" axis="ch" ptType="node">
+      <dgm:layoutNode name="node">
+        <dgm:varLst>
+          <dgm:bulletEnabled val="1"/>
+        </dgm:varLst>
+        <dgm:alg type="tx"/>
+        <dgm:shape xmlns:r="http://schemas.openxmlformats.org/officeDocument/2006/relationships" type="rect" r:blip="">
+          <dgm:adjLst/>
+        </dgm:shape>
+        <dgm:presOf axis="desOrSelf" ptType="node"/>
+        <dgm:constrLst>
+          <dgm:constr type="lMarg" refType="primFontSz" fact="0.3"/>
+          <dgm:constr type="rMarg" refType="primFontSz" fact="0.3"/>
+          <dgm:constr type="tMarg" refType="primFontSz" fact="0.3"/>
+          <dgm:constr type="bMarg" refType="primFontSz" fact="0.3"/>
+        </dgm:constrLst>
+        <dgm:ruleLst>
+          <dgm:rule type="primFontSz" val="5" fact="NaN" max="NaN"/>
+        </dgm:ruleLst>
+      </dgm:layoutNode>
+      <dgm:forEach name="Name4" axis="followSib" ptType="sibTrans" cnt="1">
+        <dgm:layoutNode name="sibTrans">
+          <dgm:alg type="sp"/>
+          <dgm:shape xmlns:r="http://schemas.openxmlformats.org/officeDocument/2006/relationships" r:blip="">
+            <dgm:adjLst/>
+          </dgm:shape>
+          <dgm:presOf/>
+          <dgm:constrLst/>
+          <dgm:ruleLst/>
+        </dgm:layoutNode>
+      </dgm:forEach>
+    </dgm:forEach>
+  </dgm:layoutNode>
+</dgm:layoutDef>
+</file>
+
+<file path=ppt/diagrams/layout2.xml><?xml version="1.0" encoding="utf-8"?>
+<dgm:layoutDef xmlns:dgm="http://schemas.openxmlformats.org/drawingml/2006/diagram" xmlns:a="http://schemas.openxmlformats.org/drawingml/2006/main" uniqueId="urn:microsoft.com/office/officeart/2005/8/layout/vList2">
+  <dgm:title val=""/>
+  <dgm:desc val=""/>
+  <dgm:catLst>
+    <dgm:cat type="list" pri="3000"/>
+    <dgm:cat type="convert" pri="1000"/>
+  </dgm:catLst>
+  <dgm:sampData>
+    <dgm:dataModel>
+      <dgm:ptLst>
+        <dgm:pt modelId="0" type="doc"/>
+        <dgm:pt modelId="1">
+          <dgm:prSet phldr="1"/>
+        </dgm:pt>
+        <dgm:pt modelId="11">
+          <dgm:prSet phldr="1"/>
+        </dgm:pt>
+        <dgm:pt modelId="2">
+          <dgm:prSet phldr="1"/>
+        </dgm:pt>
+        <dgm:pt modelId="21">
+          <dgm:prSet phldr="1"/>
+        </dgm:pt>
+      </dgm:ptLst>
+      <dgm:cxnLst>
+        <dgm:cxn modelId="4" srcId="0" destId="1" srcOrd="0" destOrd="0"/>
+        <dgm:cxn modelId="5" srcId="0" destId="2" srcOrd="1" destOrd="0"/>
+        <dgm:cxn modelId="12" srcId="1" destId="11" srcOrd="0" destOrd="0"/>
+        <dgm:cxn modelId="23" srcId="2" destId="21" srcOrd="0" destOrd="0"/>
+      </dgm:cxnLst>
+      <dgm:bg/>
+      <dgm:whole/>
+    </dgm:dataModel>
+  </dgm:sampData>
+  <dgm:styleData>
+    <dgm:dataModel>
+      <dgm:ptLst>
+        <dgm:pt modelId="0" type="doc"/>
+        <dgm:pt modelId="1"/>
+        <dgm:pt modelId="2"/>
+      </dgm:ptLst>
+      <dgm:cxnLst>
+        <dgm:cxn modelId="3" srcId="0" destId="1" srcOrd="0" destOrd="0"/>
+        <dgm:cxn modelId="4" srcId="0" destId="2" srcOrd="1" destOrd="0"/>
+      </dgm:cxnLst>
+      <dgm:bg/>
+      <dgm:whole/>
+    </dgm:dataModel>
+  </dgm:styleData>
+  <dgm:clrData>
+    <dgm:dataModel>
+      <dgm:ptLst>
+        <dgm:pt modelId="0" type="doc"/>
+        <dgm:pt modelId="1"/>
+        <dgm:pt modelId="2"/>
+        <dgm:pt modelId="3"/>
+        <dgm:pt modelId="4"/>
+      </dgm:ptLst>
+      <dgm:cxnLst>
+        <dgm:cxn modelId="5" srcId="0" destId="1" srcOrd="0" destOrd="0"/>
+        <dgm:cxn modelId="6" srcId="0" destId="2" srcOrd="1" destOrd="0"/>
+        <dgm:cxn modelId="7" srcId="0" destId="3" srcOrd="2" destOrd="0"/>
+        <dgm:cxn modelId="8" srcId="0" destId="4" srcOrd="3" destOrd="0"/>
+      </dgm:cxnLst>
+      <dgm:bg/>
+      <dgm:whole/>
+    </dgm:dataModel>
+  </dgm:clrData>
+  <dgm:layoutNode name="linear">
+    <dgm:varLst>
+      <dgm:animLvl val="lvl"/>
+      <dgm:resizeHandles val="exact"/>
+    </dgm:varLst>
+    <dgm:alg type="lin">
+      <dgm:param type="linDir" val="fromT"/>
+      <dgm:param type="vertAlign" val="mid"/>
+    </dgm:alg>
+    <dgm:shape xmlns:r="http://schemas.openxmlformats.org/officeDocument/2006/relationships" r:blip="">
+      <dgm:adjLst/>
+    </dgm:shape>
+    <dgm:presOf/>
+    <dgm:constrLst>
+      <dgm:constr type="w" for="ch" forName="parentText" refType="w"/>
+      <dgm:constr type="h" for="ch" forName="parentText" refType="primFontSz" refFor="ch" refForName="parentText" fact="0.52"/>
+      <dgm:constr type="w" for="ch" forName="childText" refType="w"/>
+      <dgm:constr type="h" for="ch" forName="childText" refType="primFontSz" refFor="ch" refForName="parentText" fact="0.46"/>
+      <dgm:constr type="h" for="ch" forName="parentText" op="equ"/>
+      <dgm:constr type="primFontSz" for="ch" forName="parentText" op="equ" val="65"/>
+      <dgm:constr type="primFontSz" for="ch" forName="childText" refType="primFontSz" refFor="ch" refForName="parentText" op="equ"/>
+      <dgm:constr type="h" for="ch" forName="spacer" refType="primFontSz" refFor="ch" refForName="parentText" fact="0.08"/>
+    </dgm:constrLst>
+    <dgm:ruleLst>
+      <dgm:rule type="primFontSz" for="ch" forName="parentText" val="5" fact="NaN" max="NaN"/>
+    </dgm:ruleLst>
+    <dgm:forEach name="Name0" axis="ch" ptType="node">
+      <dgm:layoutNode name="parentText" styleLbl="node1">
+        <dgm:varLst>
+          <dgm:chMax val="0"/>
+          <dgm:bulletEnabled val="1"/>
+        </dgm:varLst>
+        <dgm:alg type="tx">
+          <dgm:param type="parTxLTRAlign" val="l"/>
+          <dgm:param type="parTxRTLAlign" val="r"/>
+        </dgm:alg>
+        <dgm:shape xmlns:r="http://schemas.openxmlformats.org/officeDocument/2006/relationships" type="roundRect" r:blip="">
+          <dgm:adjLst/>
+        </dgm:shape>
+        <dgm:presOf axis="self"/>
+        <dgm:constrLst>
+          <dgm:constr type="tMarg" refType="primFontSz" fact="0.3"/>
+          <dgm:constr type="bMarg" refType="primFontSz" fact="0.3"/>
+          <dgm:constr type="lMarg" refType="primFontSz" fact="0.3"/>
+          <dgm:constr type="rMarg" refType="primFontSz" fact="0.3"/>
+        </dgm:constrLst>
+        <dgm:ruleLst>
+          <dgm:rule type="h" val="INF" fact="NaN" max="NaN"/>
+        </dgm:ruleLst>
+      </dgm:layoutNode>
+      <dgm:choose name="Name1">
+        <dgm:if name="Name2" axis="ch" ptType="node" func="cnt" op="gte" val="1">
+          <dgm:layoutNode name="childText" styleLbl="revTx">
+            <dgm:varLst>
+              <dgm:bulletEnabled val="1"/>
+            </dgm:varLst>
+            <dgm:alg type="tx">
+              <dgm:param type="stBulletLvl" val="1"/>
+              <dgm:param type="lnSpAfChP" val="20"/>
+            </dgm:alg>
+            <dgm:shape xmlns:r="http://schemas.openxmlformats.org/officeDocument/2006/relationships" type="rect" r:blip="">
+              <dgm:adjLst/>
+            </dgm:shape>
+            <dgm:presOf axis="des" ptType="node"/>
+            <dgm:constrLst>
+              <dgm:constr type="tMarg" refType="primFontSz" fact="0.1"/>
+              <dgm:constr type="bMarg" refType="primFontSz" fact="0.1"/>
+              <dgm:constr type="lMarg" refType="w" fact="0.09"/>
+            </dgm:constrLst>
+            <dgm:ruleLst>
+              <dgm:rule type="h" val="INF" fact="NaN" max="NaN"/>
+            </dgm:ruleLst>
+          </dgm:layoutNode>
+        </dgm:if>
+        <dgm:else name="Name3">
+          <dgm:choose name="Name4">
+            <dgm:if name="Name5" axis="par ch" ptType="doc node" func="cnt" op="gte" val="2">
+              <dgm:forEach name="Name6" axis="followSib" ptType="sibTrans" cnt="1">
+                <dgm:layoutNode name="spacer">
+                  <dgm:alg type="sp"/>
+                  <dgm:shape xmlns:r="http://schemas.openxmlformats.org/officeDocument/2006/relationships" r:blip="">
+                    <dgm:adjLst/>
+                  </dgm:shape>
+                  <dgm:presOf/>
+                  <dgm:constrLst/>
+                  <dgm:ruleLst/>
+                </dgm:layoutNode>
+              </dgm:forEach>
+            </dgm:if>
+            <dgm:else name="Name7"/>
+          </dgm:choose>
+        </dgm:else>
+      </dgm:choose>
+    </dgm:forEach>
+  </dgm:layoutNode>
+</dgm:layoutDef>
+</file>
+
+<file path=ppt/diagrams/quickStyle1.xml><?xml version="1.0" encoding="utf-8"?>
+<dgm:styleDef xmlns:dgm="http://schemas.openxmlformats.org/drawingml/2006/diagram" xmlns:a="http://schemas.openxmlformats.org/drawingml/2006/main" uniqueId="urn:microsoft.com/office/officeart/2005/8/quickstyle/simple1">
+  <dgm:title val=""/>
+  <dgm:desc val=""/>
+  <dgm:catLst>
+    <dgm:cat type="simple" pri="10100"/>
+  </dgm:catLst>
+  <dgm:scene3d>
+    <a:camera prst="orthographicFront"/>
+    <a:lightRig rig="threePt" dir="t"/>
+  </dgm:scene3d>
+  <dgm:styleLbl name="node0">
+    <dgm:scene3d>
+      <a:camera prst="orthographicFront"/>
+      <a:lightRig rig="threePt" dir="t"/>
+    </dgm:scene3d>
+    <dgm:sp3d/>
+    <dgm:txPr/>
+    <dgm:style>
+      <a:lnRef idx="2">
+        <a:scrgbClr r="0" g="0" b="0"/>
+      </a:lnRef>
+      <a:fillRef idx="1">
+        <a:scrgbClr r="0" g="0" b="0"/>
+      </a:fillRef>
+      <a:effectRef idx="0">
+        <a:scrgbClr r="0" g="0" b="0"/>
+      </a:effectRef>
+      <a:fontRef idx="minor">
+        <a:schemeClr val="lt1"/>
+      </a:fontRef>
+    </dgm:style>
+  </dgm:styleLbl>
+  <dgm:styleLbl name="lnNode1">
+    <dgm:scene3d>
+      <a:camera prst="orthographicFront"/>
+      <a:lightRig rig="threePt" dir="t"/>
+    </dgm:scene3d>
+    <dgm:sp3d/>
+    <dgm:txPr/>
+    <dgm:style>
+      <a:lnRef idx="2">
+        <a:scrgbClr r="0" g="0" b="0"/>
+      </a:lnRef>
+      <a:fillRef idx="1">
+        <a:scrgbClr r="0" g="0" b="0"/>
+      </a:fillRef>
+      <a:effectRef idx="0">
+        <a:scrgbClr r="0" g="0" b="0"/>
+      </a:effectRef>
+      <a:fontRef idx="minor">
+        <a:schemeClr val="lt1"/>
+      </a:fontRef>
+    </dgm:style>
+  </dgm:styleLbl>
+  <dgm:styleLbl name="vennNode1">
+    <dgm:scene3d>
+      <a:camera prst="orthographicFront"/>
+      <a:lightRig rig="threePt" dir="t"/>
+    </dgm:scene3d>
+    <dgm:sp3d/>
+    <dgm:txPr/>
+    <dgm:style>
+      <a:lnRef idx="2">
+        <a:scrgbClr r="0" g="0" b="0"/>
+      </a:lnRef>
+      <a:fillRef idx="1">
+        <a:scrgbClr r="0" g="0" b="0"/>
+      </a:fillRef>
+      <a:effectRef idx="0">
+        <a:scrgbClr r="0" g="0" b="0"/>
+      </a:effectRef>
+      <a:fontRef idx="minor">
+        <a:schemeClr val="tx1"/>
+      </a:fontRef>
+    </dgm:style>
+  </dgm:styleLbl>
+  <dgm:styleLbl name="alignNode1">
+    <dgm:scene3d>
+      <a:camera prst="orthographicFront"/>
+      <a:lightRig rig="threePt" dir="t"/>
+    </dgm:scene3d>
+    <dgm:sp3d/>
+    <dgm:txPr/>
+    <dgm:style>
+      <a:lnRef idx="2">
+        <a:scrgbClr r="0" g="0" b="0"/>
+      </a:lnRef>
+      <a:fillRef idx="1">
+        <a:scrgbClr r="0" g="0" b="0"/>
+      </a:fillRef>
+      <a:effectRef idx="0">
+        <a:scrgbClr r="0" g="0" b="0"/>
+      </a:effectRef>
+      <a:fontRef idx="minor">
+        <a:schemeClr val="lt1"/>
+      </a:fontRef>
+    </dgm:style>
+  </dgm:styleLbl>
+  <dgm:styleLbl name="node1">
+    <dgm:scene3d>
+      <a:camera prst="orthographicFront"/>
+      <a:lightRig rig="threePt" dir="t"/>
+    </dgm:scene3d>
+    <dgm:sp3d/>
+    <dgm:txPr/>
+    <dgm:style>
+      <a:lnRef idx="2">
+        <a:scrgbClr r="0" g="0" b="0"/>
+      </a:lnRef>
+      <a:fillRef idx="1">
+        <a:scrgbClr r="0" g="0" b="0"/>
+      </a:fillRef>
+      <a:effectRef idx="0">
+        <a:scrgbClr r="0" g="0" b="0"/>
+      </a:effectRef>
+      <a:fontRef idx="minor">
+        <a:schemeClr val="lt1"/>
+      </a:fontRef>
+    </dgm:style>
+  </dgm:styleLbl>
+  <dgm:styleLbl name="node2">
+    <dgm:scene3d>
+      <a:camera prst="orthographicFront"/>
+      <a:lightRig rig="threePt" dir="t"/>
+    </dgm:scene3d>
+    <dgm:sp3d/>
+    <dgm:txPr/>
+    <dgm:style>
+      <a:lnRef idx="2">
+        <a:scrgbClr r="0" g="0" b="0"/>
+      </a:lnRef>
+      <a:fillRef idx="1">
+        <a:scrgbClr r="0" g="0" b="0"/>
+      </a:fillRef>
+      <a:effectRef idx="0">
+        <a:scrgbClr r="0" g="0" b="0"/>
+      </a:effectRef>
+      <a:fontRef idx="minor">
+        <a:schemeClr val="lt1"/>
+      </a:fontRef>
+    </dgm:style>
+  </dgm:styleLbl>
+  <dgm:styleLbl name="node3">
+    <dgm:scene3d>
+      <a:camera prst="orthographicFront"/>
+      <a:lightRig rig="threePt" dir="t"/>
+    </dgm:scene3d>
+    <dgm:sp3d/>
+    <dgm:txPr/>
+    <dgm:style>
+      <a:lnRef idx="2">
+        <a:scrgbClr r="0" g="0" b="0"/>
+      </a:lnRef>
+      <a:fillRef idx="1">
+        <a:scrgbClr r="0" g="0" b="0"/>
+      </a:fillRef>
+      <a:effectRef idx="0">
+        <a:scrgbClr r="0" g="0" b="0"/>
+      </a:effectRef>
+      <a:fontRef idx="minor">
+        <a:schemeClr val="lt1"/>
+      </a:fontRef>
+    </dgm:style>
+  </dgm:styleLbl>
+  <dgm:styleLbl name="node4">
+    <dgm:scene3d>
+      <a:camera prst="orthographicFront"/>
+      <a:lightRig rig="threePt" dir="t"/>
+    </dgm:scene3d>
+    <dgm:sp3d/>
+    <dgm:txPr/>
+    <dgm:style>
+      <a:lnRef idx="2">
+        <a:scrgbClr r="0" g="0" b="0"/>
+      </a:lnRef>
+      <a:fillRef idx="1">
+        <a:scrgbClr r="0" g="0" b="0"/>
+      </a:fillRef>
+      <a:effectRef idx="0">
+        <a:scrgbClr r="0" g="0" b="0"/>
+      </a:effectRef>
+      <a:fontRef idx="minor">
+        <a:schemeClr val="lt1"/>
+      </a:fontRef>
+    </dgm:style>
+  </dgm:styleLbl>
+  <dgm:styleLbl name="fgImgPlace1">
+    <dgm:scene3d>
+      <a:camera prst="orthographicFront"/>
+      <a:lightRig rig="threePt" dir="t"/>
+    </dgm:scene3d>
+    <dgm:sp3d/>
+    <dgm:txPr/>
+    <dgm:style>
+      <a:lnRef idx="2">
+        <a:scrgbClr r="0" g="0" b="0"/>
+      </a:lnRef>
+      <a:fillRef idx="1">
+        <a:scrgbClr r="0" g="0" b="0"/>
+      </a:fillRef>
+      <a:effectRef idx="0">
+        <a:scrgbClr r="0" g="0" b="0"/>
+      </a:effectRef>
+      <a:fontRef idx="minor"/>
+    </dgm:style>
+  </dgm:styleLbl>
+  <dgm:styleLbl name="alignImgPlace1">
+    <dgm:scene3d>
+      <a:camera prst="orthographicFront"/>
+      <a:lightRig rig="threePt" dir="t"/>
+    </dgm:scene3d>
+    <dgm:sp3d/>
+    <dgm:txPr/>
+    <dgm:style>
+      <a:lnRef idx="2">
+        <a:scrgbClr r="0" g="0" b="0"/>
+      </a:lnRef>
+      <a:fillRef idx="1">
+        <a:scrgbClr r="0" g="0" b="0"/>
+      </a:fillRef>
+      <a:effectRef idx="0">
+        <a:scrgbClr r="0" g="0" b="0"/>
+      </a:effectRef>
+      <a:fontRef idx="minor"/>
+    </dgm:style>
+  </dgm:styleLbl>
+  <dgm:styleLbl name="bgImgPlace1">
+    <dgm:scene3d>
+      <a:camera prst="orthographicFront"/>
+      <a:lightRig rig="threePt" dir="t"/>
+    </dgm:scene3d>
+    <dgm:sp3d/>
+    <dgm:txPr/>
+    <dgm:style>
+      <a:lnRef idx="2">
+        <a:scrgbClr r="0" g="0" b="0"/>
+      </a:lnRef>
+      <a:fillRef idx="1">
+        <a:scrgbClr r="0" g="0" b="0"/>
+      </a:fillRef>
+      <a:effectRef idx="0">
+        <a:scrgbClr r="0" g="0" b="0"/>
+      </a:effectRef>
+      <a:fontRef idx="minor"/>
+    </dgm:style>
+  </dgm:styleLbl>
+  <dgm:styleLbl name="sibTrans2D1">
+    <dgm:scene3d>
+      <a:camera prst="orthographicFront"/>
+      <a:lightRig rig="threePt" dir="t"/>
+    </dgm:scene3d>
+    <dgm:sp3d/>
+    <dgm:txPr/>
+    <dgm:style>
+      <a:lnRef idx="0">
+        <a:scrgbClr r="0" g="0" b="0"/>
+      </a:lnRef>
+      <a:fillRef idx="1">
+        <a:scrgbClr r="0" g="0" b="0"/>
+      </a:fillRef>
+      <a:effectRef idx="0">
+        <a:scrgbClr r="0" g="0" b="0"/>
+      </a:effectRef>
+      <a:fontRef idx="minor">
+        <a:schemeClr val="lt1"/>
+      </a:fontRef>
+    </dgm:style>
+  </dgm:styleLbl>
+  <dgm:styleLbl name="fgSibTrans2D1">
+    <dgm:scene3d>
+      <a:camera prst="orthographicFront"/>
+      <a:lightRig rig="threePt" dir="t"/>
+    </dgm:scene3d>
+    <dgm:sp3d/>
+    <dgm:txPr/>
+    <dgm:style>
+      <a:lnRef idx="0">
+        <a:scrgbClr r="0" g="0" b="0"/>
+      </a:lnRef>
+      <a:fillRef idx="1">
+        <a:scrgbClr r="0" g="0" b="0"/>
+      </a:fillRef>
+      <a:effectRef idx="0">
+        <a:scrgbClr r="0" g="0" b="0"/>
+      </a:effectRef>
+      <a:fontRef idx="minor">
+        <a:schemeClr val="lt1"/>
+      </a:fontRef>
+    </dgm:style>
+  </dgm:styleLbl>
+  <dgm:styleLbl name="bgSibTrans2D1">
+    <dgm:scene3d>
+      <a:camera prst="orthographicFront"/>
+      <a:lightRig rig="threePt" dir="t"/>
+    </dgm:scene3d>
+    <dgm:sp3d/>
+    <dgm:txPr/>
+    <dgm:style>
+      <a:lnRef idx="0">
+        <a:scrgbClr r="0" g="0" b="0"/>
+      </a:lnRef>
+      <a:fillRef idx="1">
+        <a:scrgbClr r="0" g="0" b="0"/>
+      </a:fillRef>
+      <a:effectRef idx="0">
+        <a:scrgbClr r="0" g="0" b="0"/>
+      </a:effectRef>
+      <a:fontRef idx="minor">
+        <a:schemeClr val="lt1"/>
+      </a:fontRef>
+    </dgm:style>
+  </dgm:styleLbl>
+  <dgm:styleLbl name="sibTrans1D1">
+    <dgm:scene3d>
+      <a:camera prst="orthographicFront"/>
+      <a:lightRig rig="threePt" dir="t"/>
+    </dgm:scene3d>
+    <dgm:sp3d/>
+    <dgm:txPr/>
+    <dgm:style>
+      <a:lnRef idx="1">
+        <a:scrgbClr r="0" g="0" b="0"/>
+      </a:lnRef>
+      <a:fillRef idx="0">
+        <a:scrgbClr r="0" g="0" b="0"/>
+      </a:fillRef>
+      <a:effectRef idx="0">
+        <a:scrgbClr r="0" g="0" b="0"/>
+      </a:effectRef>
+      <a:fontRef idx="minor"/>
+    </dgm:style>
+  </dgm:styleLbl>
+  <dgm:styleLbl name="callout">
+    <dgm:scene3d>
+      <a:camera prst="orthographicFront"/>
+      <a:lightRig rig="threePt" dir="t"/>
+    </dgm:scene3d>
+    <dgm:sp3d/>
+    <dgm:txPr/>
+    <dgm:style>
+      <a:lnRef idx="2">
+        <a:scrgbClr r="0" g="0" b="0"/>
+      </a:lnRef>
+      <a:fillRef idx="1">
+        <a:scrgbClr r="0" g="0" b="0"/>
+      </a:fillRef>
+      <a:effectRef idx="0">
+        <a:scrgbClr r="0" g="0" b="0"/>
+      </a:effectRef>
+      <a:fontRef idx="minor"/>
+    </dgm:style>
+  </dgm:styleLbl>
+  <dgm:styleLbl name="asst0">
+    <dgm:scene3d>
+      <a:camera prst="orthographicFront"/>
+      <a:lightRig rig="threePt" dir="t"/>
+    </dgm:scene3d>
+    <dgm:sp3d/>
+    <dgm:txPr/>
+    <dgm:style>
+      <a:lnRef idx="2">
+        <a:scrgbClr r="0" g="0" b="0"/>
+      </a:lnRef>
+      <a:fillRef idx="1">
+        <a:scrgbClr r="0" g="0" b="0"/>
+      </a:fillRef>
+      <a:effectRef idx="0">
+        <a:scrgbClr r="0" g="0" b="0"/>
+      </a:effectRef>
+      <a:fontRef idx="minor">
+        <a:schemeClr val="lt1"/>
+      </a:fontRef>
+    </dgm:style>
+  </dgm:styleLbl>
+  <dgm:styleLbl name="asst1">
+    <dgm:scene3d>
+      <a:camera prst="orthographicFront"/>
+      <a:lightRig rig="threePt" dir="t"/>
+    </dgm:scene3d>
+    <dgm:sp3d/>
+    <dgm:txPr/>
+    <dgm:style>
+      <a:lnRef idx="2">
+        <a:scrgbClr r="0" g="0" b="0"/>
+      </a:lnRef>
+      <a:fillRef idx="1">
+        <a:scrgbClr r="0" g="0" b="0"/>
+      </a:fillRef>
+      <a:effectRef idx="0">
+        <a:scrgbClr r="0" g="0" b="0"/>
+      </a:effectRef>
+      <a:fontRef idx="minor">
+        <a:schemeClr val="lt1"/>
+      </a:fontRef>
+    </dgm:style>
+  </dgm:styleLbl>
+  <dgm:styleLbl name="asst2">
+    <dgm:scene3d>
+      <a:camera prst="orthographicFront"/>
+      <a:lightRig rig="threePt" dir="t"/>
+    </dgm:scene3d>
+    <dgm:sp3d/>
+    <dgm:txPr/>
+    <dgm:style>
+      <a:lnRef idx="2">
+        <a:scrgbClr r="0" g="0" b="0"/>
+      </a:lnRef>
+      <a:fillRef idx="1">
+        <a:scrgbClr r="0" g="0" b="0"/>
+      </a:fillRef>
+      <a:effectRef idx="0">
+        <a:scrgbClr r="0" g="0" b="0"/>
+      </a:effectRef>
+      <a:fontRef idx="minor">
+        <a:schemeClr val="lt1"/>
+      </a:fontRef>
+    </dgm:style>
+  </dgm:styleLbl>
+  <dgm:styleLbl name="asst3">
+    <dgm:scene3d>
+      <a:camera prst="orthographicFront"/>
+      <a:lightRig rig="threePt" dir="t"/>
+    </dgm:scene3d>
+    <dgm:sp3d/>
+    <dgm:txPr/>
+    <dgm:style>
+      <a:lnRef idx="2">
+        <a:scrgbClr r="0" g="0" b="0"/>
+      </a:lnRef>
+      <a:fillRef idx="1">
+        <a:scrgbClr r="0" g="0" b="0"/>
+      </a:fillRef>
+      <a:effectRef idx="0">
+        <a:scrgbClr r="0" g="0" b="0"/>
+      </a:effectRef>
+      <a:fontRef idx="minor">
+        <a:schemeClr val="lt1"/>
+      </a:fontRef>
+    </dgm:style>
+  </dgm:styleLbl>
+  <dgm:styleLbl name="asst4">
+    <dgm:scene3d>
+      <a:camera prst="orthographicFront"/>
+      <a:lightRig rig="threePt" dir="t"/>
+    </dgm:scene3d>
+    <dgm:sp3d/>
+    <dgm:txPr/>
+    <dgm:style>
+      <a:lnRef idx="2">
+        <a:scrgbClr r="0" g="0" b="0"/>
+      </a:lnRef>
+      <a:fillRef idx="1">
+        <a:scrgbClr r="0" g="0" b="0"/>
+      </a:fillRef>
+      <a:effectRef idx="0">
+        <a:scrgbClr r="0" g="0" b="0"/>
+      </a:effectRef>
+      <a:fontRef idx="minor">
+        <a:schemeClr val="lt1"/>
+      </a:fontRef>
+    </dgm:style>
+  </dgm:styleLbl>
+  <dgm:styleLbl name="parChTrans2D1">
+    <dgm:scene3d>
+      <a:camera prst="orthographicFront"/>
+      <a:lightRig rig="threePt" dir="t"/>
+    </dgm:scene3d>
+    <dgm:sp3d/>
+    <dgm:txPr/>
+    <dgm:style>
+      <a:lnRef idx="2">
+        <a:scrgbClr r="0" g="0" b="0"/>
+      </a:lnRef>
+      <a:fillRef idx="1">
+        <a:scrgbClr r="0" g="0" b="0"/>
+      </a:fillRef>
+      <a:effectRef idx="0">
+        <a:scrgbClr r="0" g="0" b="0"/>
+      </a:effectRef>
+      <a:fontRef idx="minor">
+        <a:schemeClr val="lt1"/>
+      </a:fontRef>
+    </dgm:style>
+  </dgm:styleLbl>
+  <dgm:styleLbl name="parChTrans2D2">
+    <dgm:scene3d>
+      <a:camera prst="orthographicFront"/>
+      <a:lightRig rig="threePt" dir="t"/>
+    </dgm:scene3d>
+    <dgm:sp3d/>
+    <dgm:txPr/>
+    <dgm:style>
+      <a:lnRef idx="2">
+        <a:scrgbClr r="0" g="0" b="0"/>
+      </a:lnRef>
+      <a:fillRef idx="1">
+        <a:scrgbClr r="0" g="0" b="0"/>
+      </a:fillRef>
+      <a:effectRef idx="0">
+        <a:scrgbClr r="0" g="0" b="0"/>
+      </a:effectRef>
+      <a:fontRef idx="minor">
+        <a:schemeClr val="lt1"/>
+      </a:fontRef>
+    </dgm:style>
+  </dgm:styleLbl>
+  <dgm:styleLbl name="parChTrans2D3">
+    <dgm:scene3d>
+      <a:camera prst="orthographicFront"/>
+      <a:lightRig rig="threePt" dir="t"/>
+    </dgm:scene3d>
+    <dgm:sp3d/>
+    <dgm:txPr/>
+    <dgm:style>
+      <a:lnRef idx="2">
+        <a:scrgbClr r="0" g="0" b="0"/>
+      </a:lnRef>
+      <a:fillRef idx="1">
+        <a:scrgbClr r="0" g="0" b="0"/>
+      </a:fillRef>
+      <a:effectRef idx="0">
+        <a:scrgbClr r="0" g="0" b="0"/>
+      </a:effectRef>
+      <a:fontRef idx="minor">
+        <a:schemeClr val="lt1"/>
+      </a:fontRef>
+    </dgm:style>
+  </dgm:styleLbl>
+  <dgm:styleLbl name="parChTrans2D4">
+    <dgm:scene3d>
+      <a:camera prst="orthographicFront"/>
+      <a:lightRig rig="threePt" dir="t"/>
+    </dgm:scene3d>
+    <dgm:sp3d/>
+    <dgm:txPr/>
+    <dgm:style>
+      <a:lnRef idx="2">
+        <a:scrgbClr r="0" g="0" b="0"/>
+      </a:lnRef>
+      <a:fillRef idx="1">
+        <a:scrgbClr r="0" g="0" b="0"/>
+      </a:fillRef>
+      <a:effectRef idx="0">
+        <a:scrgbClr r="0" g="0" b="0"/>
+      </a:effectRef>
+      <a:fontRef idx="minor">
+        <a:schemeClr val="lt1"/>
+      </a:fontRef>
+    </dgm:style>
+  </dgm:styleLbl>
+  <dgm:styleLbl name="parChTrans1D1">
+    <dgm:scene3d>
+      <a:camera prst="orthographicFront"/>
+      <a:lightRig rig="threePt" dir="t"/>
+    </dgm:scene3d>
+    <dgm:sp3d/>
+    <dgm:txPr/>
+    <dgm:style>
+      <a:lnRef idx="2">
+        <a:scrgbClr r="0" g="0" b="0"/>
+      </a:lnRef>
+      <a:fillRef idx="0">
+        <a:scrgbClr r="0" g="0" b="0"/>
+      </a:fillRef>
+      <a:effectRef idx="0">
+        <a:scrgbClr r="0" g="0" b="0"/>
+      </a:effectRef>
+      <a:fontRef idx="minor"/>
+    </dgm:style>
+  </dgm:styleLbl>
+  <dgm:styleLbl name="parChTrans1D2">
+    <dgm:scene3d>
+      <a:camera prst="orthographicFront"/>
+      <a:lightRig rig="threePt" dir="t"/>
+    </dgm:scene3d>
+    <dgm:sp3d/>
+    <dgm:txPr/>
+    <dgm:style>
+      <a:lnRef idx="2">
+        <a:scrgbClr r="0" g="0" b="0"/>
+      </a:lnRef>
+      <a:fillRef idx="0">
+        <a:scrgbClr r="0" g="0" b="0"/>
+      </a:fillRef>
+      <a:effectRef idx="0">
+        <a:scrgbClr r="0" g="0" b="0"/>
+      </a:effectRef>
+      <a:fontRef idx="minor"/>
+    </dgm:style>
+  </dgm:styleLbl>
+  <dgm:styleLbl name="parChTrans1D3">
+    <dgm:scene3d>
+      <a:camera prst="orthographicFront"/>
+      <a:lightRig rig="threePt" dir="t"/>
+    </dgm:scene3d>
+    <dgm:sp3d/>
+    <dgm:txPr/>
+    <dgm:style>
+      <a:lnRef idx="2">
+        <a:scrgbClr r="0" g="0" b="0"/>
+      </a:lnRef>
+      <a:fillRef idx="0">
+        <a:scrgbClr r="0" g="0" b="0"/>
+      </a:fillRef>
+      <a:effectRef idx="0">
+        <a:scrgbClr r="0" g="0" b="0"/>
+      </a:effectRef>
+      <a:fontRef idx="minor"/>
+    </dgm:style>
+  </dgm:styleLbl>
+  <dgm:styleLbl name="parChTrans1D4">
+    <dgm:scene3d>
+      <a:camera prst="orthographicFront"/>
+      <a:lightRig rig="threePt" dir="t"/>
+    </dgm:scene3d>
+    <dgm:sp3d/>
+    <dgm:txPr/>
+    <dgm:style>
+      <a:lnRef idx="2">
+        <a:scrgbClr r="0" g="0" b="0"/>
+      </a:lnRef>
+      <a:fillRef idx="0">
+        <a:scrgbClr r="0" g="0" b="0"/>
+      </a:fillRef>
+      <a:effectRef idx="0">
+        <a:scrgbClr r="0" g="0" b="0"/>
+      </a:effectRef>
+      <a:fontRef idx="minor"/>
+    </dgm:style>
+  </dgm:styleLbl>
+  <dgm:styleLbl name="fgAcc1">
+    <dgm:scene3d>
+      <a:camera prst="orthographicFront"/>
+      <a:lightRig rig="threePt" dir="t"/>
+    </dgm:scene3d>
+    <dgm:sp3d/>
+    <dgm:txPr/>
+    <dgm:style>
+      <a:lnRef idx="2">
+        <a:scrgbClr r="0" g="0" b="0"/>
+      </a:lnRef>
+      <a:fillRef idx="1">
+        <a:scrgbClr r="0" g="0" b="0"/>
+      </a:fillRef>
+      <a:effectRef idx="0">
+        <a:scrgbClr r="0" g="0" b="0"/>
+      </a:effectRef>
+      <a:fontRef idx="minor"/>
+    </dgm:style>
+  </dgm:styleLbl>
+  <dgm:styleLbl name="conFgAcc1">
+    <dgm:scene3d>
+      <a:camera prst="orthographicFront"/>
+      <a:lightRig rig="threePt" dir="t"/>
+    </dgm:scene3d>
+    <dgm:sp3d/>
+    <dgm:txPr/>
+    <dgm:style>
+      <a:lnRef idx="2">
+        <a:scrgbClr r="0" g="0" b="0"/>
+      </a:lnRef>
+      <a:fillRef idx="1">
+        <a:scrgbClr r="0" g="0" b="0"/>
+      </a:fillRef>
+      <a:effectRef idx="0">
+        <a:scrgbClr r="0" g="0" b="0"/>
+      </a:effectRef>
+      <a:fontRef idx="minor"/>
+    </dgm:style>
+  </dgm:styleLbl>
+  <dgm:styleLbl name="alignAcc1">
+    <dgm:scene3d>
+      <a:camera prst="orthographicFront"/>
+      <a:lightRig rig="threePt" dir="t"/>
+    </dgm:scene3d>
+    <dgm:sp3d/>
+    <dgm:txPr/>
+    <dgm:style>
+      <a:lnRef idx="2">
+        <a:scrgbClr r="0" g="0" b="0"/>
+      </a:lnRef>
+      <a:fillRef idx="1">
+        <a:scrgbClr r="0" g="0" b="0"/>
+      </a:fillRef>
+      <a:effectRef idx="0">
+        <a:scrgbClr r="0" g="0" b="0"/>
+      </a:effectRef>
+      <a:fontRef idx="minor"/>
+    </dgm:style>
+  </dgm:styleLbl>
+  <dgm:styleLbl name="trAlignAcc1">
+    <dgm:scene3d>
+      <a:camera prst="orthographicFront"/>
+      <a:lightRig rig="threePt" dir="t"/>
+    </dgm:scene3d>
+    <dgm:sp3d/>
+    <dgm:txPr/>
+    <dgm:style>
+      <a:lnRef idx="1">
+        <a:scrgbClr r="0" g="0" b="0"/>
+      </a:lnRef>
+      <a:fillRef idx="1">
+        <a:scrgbClr r="0" g="0" b="0"/>
+      </a:fillRef>
+      <a:effectRef idx="0">
+        <a:scrgbClr r="0" g="0" b="0"/>
+      </a:effectRef>
+      <a:fontRef idx="minor"/>
+    </dgm:style>
+  </dgm:styleLbl>
+  <dgm:styleLbl name="bgAcc1">
+    <dgm:scene3d>
+      <a:camera prst="orthographicFront"/>
+      <a:lightRig rig="threePt" dir="t"/>
+    </dgm:scene3d>
+    <dgm:sp3d/>
+    <dgm:txPr/>
+    <dgm:style>
+      <a:lnRef idx="2">
+        <a:scrgbClr r="0" g="0" b="0"/>
+      </a:lnRef>
+      <a:fillRef idx="1">
+        <a:scrgbClr r="0" g="0" b="0"/>
+      </a:fillRef>
+      <a:effectRef idx="0">
+        <a:scrgbClr r="0" g="0" b="0"/>
+      </a:effectRef>
+      <a:fontRef idx="minor"/>
+    </dgm:style>
+  </dgm:styleLbl>
+  <dgm:styleLbl name="solidFgAcc1">
+    <dgm:scene3d>
+      <a:camera prst="orthographicFront"/>
+      <a:lightRig rig="threePt" dir="t"/>
+    </dgm:scene3d>
+    <dgm:sp3d/>
+    <dgm:txPr/>
+    <dgm:style>
+      <a:lnRef idx="2">
+        <a:scrgbClr r="0" g="0" b="0"/>
+      </a:lnRef>
+      <a:fillRef idx="1">
+        <a:scrgbClr r="0" g="0" b="0"/>
+      </a:fillRef>
+      <a:effectRef idx="0">
+        <a:scrgbClr r="0" g="0" b="0"/>
+      </a:effectRef>
+      <a:fontRef idx="minor"/>
+    </dgm:style>
+  </dgm:styleLbl>
+  <dgm:styleLbl name="solidAlignAcc1">
+    <dgm:scene3d>
+      <a:camera prst="orthographicFront"/>
+      <a:lightRig rig="threePt" dir="t"/>
+    </dgm:scene3d>
+    <dgm:sp3d/>
+    <dgm:txPr/>
+    <dgm:style>
+      <a:lnRef idx="2">
+        <a:scrgbClr r="0" g="0" b="0"/>
+      </a:lnRef>
+      <a:fillRef idx="1">
+        <a:scrgbClr r="0" g="0" b="0"/>
+      </a:fillRef>
+      <a:effectRef idx="0">
+        <a:scrgbClr r="0" g="0" b="0"/>
+      </a:effectRef>
+      <a:fontRef idx="minor"/>
+    </dgm:style>
+  </dgm:styleLbl>
+  <dgm:styleLbl name="solidBgAcc1">
+    <dgm:scene3d>
+      <a:camera prst="orthographicFront"/>
+      <a:lightRig rig="threePt" dir="t"/>
+    </dgm:scene3d>
+    <dgm:sp3d/>
+    <dgm:txPr/>
+    <dgm:style>
+      <a:lnRef idx="2">
+        <a:scrgbClr r="0" g="0" b="0"/>
+      </a:lnRef>
+      <a:fillRef idx="1">
+        <a:scrgbClr r="0" g="0" b="0"/>
+      </a:fillRef>
+      <a:effectRef idx="0">
+        <a:scrgbClr r="0" g="0" b="0"/>
+      </a:effectRef>
+      <a:fontRef idx="minor"/>
+    </dgm:style>
+  </dgm:styleLbl>
+  <dgm:styleLbl name="fgAccFollowNode1">
+    <dgm:scene3d>
+      <a:camera prst="orthographicFront"/>
+      <a:lightRig rig="threePt" dir="t"/>
+    </dgm:scene3d>
+    <dgm:sp3d/>
+    <dgm:txPr/>
+    <dgm:style>
+      <a:lnRef idx="2">
+        <a:scrgbClr r="0" g="0" b="0"/>
+      </a:lnRef>
+      <a:fillRef idx="1">
+        <a:scrgbClr r="0" g="0" b="0"/>
+      </a:fillRef>
+      <a:effectRef idx="0">
+        <a:scrgbClr r="0" g="0" b="0"/>
+      </a:effectRef>
+      <a:fontRef idx="minor"/>
+    </dgm:style>
+  </dgm:styleLbl>
+  <dgm:styleLbl name="alignAccFollowNode1">
+    <dgm:scene3d>
+      <a:camera prst="orthographicFront"/>
+      <a:lightRig rig="threePt" dir="t"/>
+    </dgm:scene3d>
+    <dgm:sp3d/>
+    <dgm:txPr/>
+    <dgm:style>
+      <a:lnRef idx="2">
+        <a:scrgbClr r="0" g="0" b="0"/>
+      </a:lnRef>
+      <a:fillRef idx="1">
+        <a:scrgbClr r="0" g="0" b="0"/>
+      </a:fillRef>
+      <a:effectRef idx="0">
+        <a:scrgbClr r="0" g="0" b="0"/>
+      </a:effectRef>
+      <a:fontRef idx="minor"/>
+    </dgm:style>
+  </dgm:styleLbl>
+  <dgm:styleLbl name="bgAccFollowNode1">
+    <dgm:scene3d>
+      <a:camera prst="orthographicFront"/>
+      <a:lightRig rig="threePt" dir="t"/>
+    </dgm:scene3d>
+    <dgm:sp3d/>
+    <dgm:txPr/>
+    <dgm:style>
+      <a:lnRef idx="2">
+        <a:scrgbClr r="0" g="0" b="0"/>
+      </a:lnRef>
+      <a:fillRef idx="1">
+        <a:scrgbClr r="0" g="0" b="0"/>
+      </a:fillRef>
+      <a:effectRef idx="0">
+        <a:scrgbClr r="0" g="0" b="0"/>
+      </a:effectRef>
+      <a:fontRef idx="minor"/>
+    </dgm:style>
+  </dgm:styleLbl>
+  <dgm:styleLbl name="fgAcc0">
+    <dgm:scene3d>
+      <a:camera prst="orthographicFront"/>
+      <a:lightRig rig="threePt" dir="t"/>
+    </dgm:scene3d>
+    <dgm:sp3d/>
+    <dgm:txPr/>
+    <dgm:style>
+      <a:lnRef idx="2">
+        <a:scrgbClr r="0" g="0" b="0"/>
+      </a:lnRef>
+      <a:fillRef idx="1">
+        <a:scrgbClr r="0" g="0" b="0"/>
+      </a:fillRef>
+      <a:effectRef idx="0">
+        <a:scrgbClr r="0" g="0" b="0"/>
+      </a:effectRef>
+      <a:fontRef idx="minor"/>
+    </dgm:style>
+  </dgm:styleLbl>
+  <dgm:styleLbl name="fgAcc2">
+    <dgm:scene3d>
+      <a:camera prst="orthographicFront"/>
+      <a:lightRig rig="threePt" dir="t"/>
+    </dgm:scene3d>
+    <dgm:sp3d/>
+    <dgm:txPr/>
+    <dgm:style>
+      <a:lnRef idx="2">
+        <a:scrgbClr r="0" g="0" b="0"/>
+      </a:lnRef>
+      <a:fillRef idx="1">
+        <a:scrgbClr r="0" g="0" b="0"/>
+      </a:fillRef>
+      <a:effectRef idx="0">
+        <a:scrgbClr r="0" g="0" b="0"/>
+      </a:effectRef>
+      <a:fontRef idx="minor"/>
+    </dgm:style>
+  </dgm:styleLbl>
+  <dgm:styleLbl name="fgAcc3">
+    <dgm:scene3d>
+      <a:camera prst="orthographicFront"/>
+      <a:lightRig rig="threePt" dir="t"/>
+    </dgm:scene3d>
+    <dgm:sp3d/>
+    <dgm:txPr/>
+    <dgm:style>
+      <a:lnRef idx="2">
+        <a:scrgbClr r="0" g="0" b="0"/>
+      </a:lnRef>
+      <a:fillRef idx="1">
+        <a:scrgbClr r="0" g="0" b="0"/>
+      </a:fillRef>
+      <a:effectRef idx="0">
+        <a:scrgbClr r="0" g="0" b="0"/>
+      </a:effectRef>
+      <a:fontRef idx="minor"/>
+    </dgm:style>
+  </dgm:styleLbl>
+  <dgm:styleLbl name="fgAcc4">
+    <dgm:scene3d>
+      <a:camera prst="orthographicFront"/>
+      <a:lightRig rig="threePt" dir="t"/>
+    </dgm:scene3d>
+    <dgm:sp3d/>
+    <dgm:txPr/>
+    <dgm:style>
+      <a:lnRef idx="2">
+        <a:scrgbClr r="0" g="0" b="0"/>
+      </a:lnRef>
+      <a:fillRef idx="1">
+        <a:scrgbClr r="0" g="0" b="0"/>
+      </a:fillRef>
+      <a:effectRef idx="0">
+        <a:scrgbClr r="0" g="0" b="0"/>
+      </a:effectRef>
+      <a:fontRef idx="minor"/>
+    </dgm:style>
+  </dgm:styleLbl>
+  <dgm:styleLbl name="bgShp">
+    <dgm:scene3d>
+      <a:camera prst="orthographicFront"/>
+      <a:lightRig rig="threePt" dir="t"/>
+    </dgm:scene3d>
+    <dgm:sp3d/>
+    <dgm:txPr/>
+    <dgm:style>
+      <a:lnRef idx="0">
+        <a:scrgbClr r="0" g="0" b="0"/>
+      </a:lnRef>
+      <a:fillRef idx="1">
+        <a:scrgbClr r="0" g="0" b="0"/>
+      </a:fillRef>
+      <a:effectRef idx="0">
+        <a:scrgbClr r="0" g="0" b="0"/>
+      </a:effectRef>
+      <a:fontRef idx="minor"/>
+    </dgm:style>
+  </dgm:styleLbl>
+  <dgm:styleLbl name="dkBgShp">
+    <dgm:scene3d>
+      <a:camera prst="orthographicFront"/>
+      <a:lightRig rig="threePt" dir="t"/>
+    </dgm:scene3d>
+    <dgm:sp3d/>
+    <dgm:txPr/>
+    <dgm:style>
+      <a:lnRef idx="0">
+        <a:scrgbClr r="0" g="0" b="0"/>
+      </a:lnRef>
+      <a:fillRef idx="1">
+        <a:scrgbClr r="0" g="0" b="0"/>
+      </a:fillRef>
+      <a:effectRef idx="0">
+        <a:scrgbClr r="0" g="0" b="0"/>
+      </a:effectRef>
+      <a:fontRef idx="minor"/>
+    </dgm:style>
+  </dgm:styleLbl>
+  <dgm:styleLbl name="trBgShp">
+    <dgm:scene3d>
+      <a:camera prst="orthographicFront"/>
+      <a:lightRig rig="threePt" dir="t"/>
+    </dgm:scene3d>
+    <dgm:sp3d/>
+    <dgm:txPr/>
+    <dgm:style>
+      <a:lnRef idx="0">
+        <a:scrgbClr r="0" g="0" b="0"/>
+      </a:lnRef>
+      <a:fillRef idx="1">
+        <a:scrgbClr r="0" g="0" b="0"/>
+      </a:fillRef>
+      <a:effectRef idx="0">
+        <a:scrgbClr r="0" g="0" b="0"/>
+      </a:effectRef>
+      <a:fontRef idx="minor"/>
+    </dgm:style>
+  </dgm:styleLbl>
+  <dgm:styleLbl name="fgShp">
+    <dgm:scene3d>
+      <a:camera prst="orthographicFront"/>
+      <a:lightRig rig="threePt" dir="t"/>
+    </dgm:scene3d>
+    <dgm:sp3d/>
+    <dgm:txPr/>
+    <dgm:style>
+      <a:lnRef idx="2">
+        <a:scrgbClr r="0" g="0" b="0"/>
+      </a:lnRef>
+      <a:fillRef idx="1">
+        <a:scrgbClr r="0" g="0" b="0"/>
+      </a:fillRef>
+      <a:effectRef idx="0">
+        <a:scrgbClr r="0" g="0" b="0"/>
+      </a:effectRef>
+      <a:fontRef idx="minor"/>
+    </dgm:style>
+  </dgm:styleLbl>
+  <dgm:styleLbl name="revTx">
+    <dgm:scene3d>
+      <a:camera prst="orthographicFront"/>
+      <a:lightRig rig="threePt" dir="t"/>
+    </dgm:scene3d>
+    <dgm:sp3d/>
+    <dgm:txPr/>
+    <dgm:style>
+      <a:lnRef idx="0">
+        <a:scrgbClr r="0" g="0" b="0"/>
+      </a:lnRef>
+      <a:fillRef idx="0">
+        <a:scrgbClr r="0" g="0" b="0"/>
+      </a:fillRef>
+      <a:effectRef idx="0">
+        <a:scrgbClr r="0" g="0" b="0"/>
+      </a:effectRef>
+      <a:fontRef idx="minor"/>
+    </dgm:style>
+  </dgm:styleLbl>
+</dgm:styleDef>
+</file>
+
+<file path=ppt/diagrams/quickStyle2.xml><?xml version="1.0" encoding="utf-8"?>
+<dgm:styleDef xmlns:dgm="http://schemas.openxmlformats.org/drawingml/2006/diagram" xmlns:a="http://schemas.openxmlformats.org/drawingml/2006/main" uniqueId="urn:microsoft.com/office/officeart/2005/8/quickstyle/simple1">
+  <dgm:title val=""/>
+  <dgm:desc val=""/>
+  <dgm:catLst>
+    <dgm:cat type="simple" pri="10100"/>
+  </dgm:catLst>
+  <dgm:scene3d>
+    <a:camera prst="orthographicFront"/>
+    <a:lightRig rig="threePt" dir="t"/>
+  </dgm:scene3d>
+  <dgm:styleLbl name="node0">
+    <dgm:scene3d>
+      <a:camera prst="orthographicFront"/>
+      <a:lightRig rig="threePt" dir="t"/>
+    </dgm:scene3d>
+    <dgm:sp3d/>
+    <dgm:txPr/>
+    <dgm:style>
+      <a:lnRef idx="2">
+        <a:scrgbClr r="0" g="0" b="0"/>
+      </a:lnRef>
+      <a:fillRef idx="1">
+        <a:scrgbClr r="0" g="0" b="0"/>
+      </a:fillRef>
+      <a:effectRef idx="0">
+        <a:scrgbClr r="0" g="0" b="0"/>
+      </a:effectRef>
+      <a:fontRef idx="minor">
+        <a:schemeClr val="lt1"/>
+      </a:fontRef>
+    </dgm:style>
+  </dgm:styleLbl>
+  <dgm:styleLbl name="lnNode1">
+    <dgm:scene3d>
+      <a:camera prst="orthographicFront"/>
+      <a:lightRig rig="threePt" dir="t"/>
+    </dgm:scene3d>
+    <dgm:sp3d/>
+    <dgm:txPr/>
+    <dgm:style>
+      <a:lnRef idx="2">
+        <a:scrgbClr r="0" g="0" b="0"/>
+      </a:lnRef>
+      <a:fillRef idx="1">
+        <a:scrgbClr r="0" g="0" b="0"/>
+      </a:fillRef>
+      <a:effectRef idx="0">
+        <a:scrgbClr r="0" g="0" b="0"/>
+      </a:effectRef>
+      <a:fontRef idx="minor">
+        <a:schemeClr val="lt1"/>
+      </a:fontRef>
+    </dgm:style>
+  </dgm:styleLbl>
+  <dgm:styleLbl name="vennNode1">
+    <dgm:scene3d>
+      <a:camera prst="orthographicFront"/>
+      <a:lightRig rig="threePt" dir="t"/>
+    </dgm:scene3d>
+    <dgm:sp3d/>
+    <dgm:txPr/>
+    <dgm:style>
+      <a:lnRef idx="2">
+        <a:scrgbClr r="0" g="0" b="0"/>
+      </a:lnRef>
+      <a:fillRef idx="1">
+        <a:scrgbClr r="0" g="0" b="0"/>
+      </a:fillRef>
+      <a:effectRef idx="0">
+        <a:scrgbClr r="0" g="0" b="0"/>
+      </a:effectRef>
+      <a:fontRef idx="minor">
+        <a:schemeClr val="tx1"/>
+      </a:fontRef>
+    </dgm:style>
+  </dgm:styleLbl>
+  <dgm:styleLbl name="alignNode1">
+    <dgm:scene3d>
+      <a:camera prst="orthographicFront"/>
+      <a:lightRig rig="threePt" dir="t"/>
+    </dgm:scene3d>
+    <dgm:sp3d/>
+    <dgm:txPr/>
+    <dgm:style>
+      <a:lnRef idx="2">
+        <a:scrgbClr r="0" g="0" b="0"/>
+      </a:lnRef>
+      <a:fillRef idx="1">
+        <a:scrgbClr r="0" g="0" b="0"/>
+      </a:fillRef>
+      <a:effectRef idx="0">
+        <a:scrgbClr r="0" g="0" b="0"/>
+      </a:effectRef>
+      <a:fontRef idx="minor">
+        <a:schemeClr val="lt1"/>
+      </a:fontRef>
+    </dgm:style>
+  </dgm:styleLbl>
+  <dgm:styleLbl name="node1">
+    <dgm:scene3d>
+      <a:camera prst="orthographicFront"/>
+      <a:lightRig rig="threePt" dir="t"/>
+    </dgm:scene3d>
+    <dgm:sp3d/>
+    <dgm:txPr/>
+    <dgm:style>
+      <a:lnRef idx="2">
+        <a:scrgbClr r="0" g="0" b="0"/>
+      </a:lnRef>
+      <a:fillRef idx="1">
+        <a:scrgbClr r="0" g="0" b="0"/>
+      </a:fillRef>
+      <a:effectRef idx="0">
+        <a:scrgbClr r="0" g="0" b="0"/>
+      </a:effectRef>
+      <a:fontRef idx="minor">
+        <a:schemeClr val="lt1"/>
+      </a:fontRef>
+    </dgm:style>
+  </dgm:styleLbl>
+  <dgm:styleLbl name="node2">
+    <dgm:scene3d>
+      <a:camera prst="orthographicFront"/>
+      <a:lightRig rig="threePt" dir="t"/>
+    </dgm:scene3d>
+    <dgm:sp3d/>
+    <dgm:txPr/>
+    <dgm:style>
+      <a:lnRef idx="2">
+        <a:scrgbClr r="0" g="0" b="0"/>
+      </a:lnRef>
+      <a:fillRef idx="1">
+        <a:scrgbClr r="0" g="0" b="0"/>
+      </a:fillRef>
+      <a:effectRef idx="0">
+        <a:scrgbClr r="0" g="0" b="0"/>
+      </a:effectRef>
+      <a:fontRef idx="minor">
+        <a:schemeClr val="lt1"/>
+      </a:fontRef>
+    </dgm:style>
+  </dgm:styleLbl>
+  <dgm:styleLbl name="node3">
+    <dgm:scene3d>
+      <a:camera prst="orthographicFront"/>
+      <a:lightRig rig="threePt" dir="t"/>
+    </dgm:scene3d>
+    <dgm:sp3d/>
+    <dgm:txPr/>
+    <dgm:style>
+      <a:lnRef idx="2">
+        <a:scrgbClr r="0" g="0" b="0"/>
+      </a:lnRef>
+      <a:fillRef idx="1">
+        <a:scrgbClr r="0" g="0" b="0"/>
+      </a:fillRef>
+      <a:effectRef idx="0">
+        <a:scrgbClr r="0" g="0" b="0"/>
+      </a:effectRef>
+      <a:fontRef idx="minor">
+        <a:schemeClr val="lt1"/>
+      </a:fontRef>
+    </dgm:style>
+  </dgm:styleLbl>
+  <dgm:styleLbl name="node4">
+    <dgm:scene3d>
+      <a:camera prst="orthographicFront"/>
+      <a:lightRig rig="threePt" dir="t"/>
+    </dgm:scene3d>
+    <dgm:sp3d/>
+    <dgm:txPr/>
+    <dgm:style>
+      <a:lnRef idx="2">
+        <a:scrgbClr r="0" g="0" b="0"/>
+      </a:lnRef>
+      <a:fillRef idx="1">
+        <a:scrgbClr r="0" g="0" b="0"/>
+      </a:fillRef>
+      <a:effectRef idx="0">
+        <a:scrgbClr r="0" g="0" b="0"/>
+      </a:effectRef>
+      <a:fontRef idx="minor">
+        <a:schemeClr val="lt1"/>
+      </a:fontRef>
+    </dgm:style>
+  </dgm:styleLbl>
+  <dgm:styleLbl name="fgImgPlace1">
+    <dgm:scene3d>
+      <a:camera prst="orthographicFront"/>
+      <a:lightRig rig="threePt" dir="t"/>
+    </dgm:scene3d>
+    <dgm:sp3d/>
+    <dgm:txPr/>
+    <dgm:style>
+      <a:lnRef idx="2">
+        <a:scrgbClr r="0" g="0" b="0"/>
+      </a:lnRef>
+      <a:fillRef idx="1">
+        <a:scrgbClr r="0" g="0" b="0"/>
+      </a:fillRef>
+      <a:effectRef idx="0">
+        <a:scrgbClr r="0" g="0" b="0"/>
+      </a:effectRef>
+      <a:fontRef idx="minor"/>
+    </dgm:style>
+  </dgm:styleLbl>
+  <dgm:styleLbl name="alignImgPlace1">
+    <dgm:scene3d>
+      <a:camera prst="orthographicFront"/>
+      <a:lightRig rig="threePt" dir="t"/>
+    </dgm:scene3d>
+    <dgm:sp3d/>
+    <dgm:txPr/>
+    <dgm:style>
+      <a:lnRef idx="2">
+        <a:scrgbClr r="0" g="0" b="0"/>
+      </a:lnRef>
+      <a:fillRef idx="1">
+        <a:scrgbClr r="0" g="0" b="0"/>
+      </a:fillRef>
+      <a:effectRef idx="0">
+        <a:scrgbClr r="0" g="0" b="0"/>
+      </a:effectRef>
+      <a:fontRef idx="minor"/>
+    </dgm:style>
+  </dgm:styleLbl>
+  <dgm:styleLbl name="bgImgPlace1">
+    <dgm:scene3d>
+      <a:camera prst="orthographicFront"/>
+      <a:lightRig rig="threePt" dir="t"/>
+    </dgm:scene3d>
+    <dgm:sp3d/>
+    <dgm:txPr/>
+    <dgm:style>
+      <a:lnRef idx="2">
+        <a:scrgbClr r="0" g="0" b="0"/>
+      </a:lnRef>
+      <a:fillRef idx="1">
+        <a:scrgbClr r="0" g="0" b="0"/>
+      </a:fillRef>
+      <a:effectRef idx="0">
+        <a:scrgbClr r="0" g="0" b="0"/>
+      </a:effectRef>
+      <a:fontRef idx="minor"/>
+    </dgm:style>
+  </dgm:styleLbl>
+  <dgm:styleLbl name="sibTrans2D1">
+    <dgm:scene3d>
+      <a:camera prst="orthographicFront"/>
+      <a:lightRig rig="threePt" dir="t"/>
+    </dgm:scene3d>
+    <dgm:sp3d/>
+    <dgm:txPr/>
+    <dgm:style>
+      <a:lnRef idx="0">
+        <a:scrgbClr r="0" g="0" b="0"/>
+      </a:lnRef>
+      <a:fillRef idx="1">
+        <a:scrgbClr r="0" g="0" b="0"/>
+      </a:fillRef>
+      <a:effectRef idx="0">
+        <a:scrgbClr r="0" g="0" b="0"/>
+      </a:effectRef>
+      <a:fontRef idx="minor">
+        <a:schemeClr val="lt1"/>
+      </a:fontRef>
+    </dgm:style>
+  </dgm:styleLbl>
+  <dgm:styleLbl name="fgSibTrans2D1">
+    <dgm:scene3d>
+      <a:camera prst="orthographicFront"/>
+      <a:lightRig rig="threePt" dir="t"/>
+    </dgm:scene3d>
+    <dgm:sp3d/>
+    <dgm:txPr/>
+    <dgm:style>
+      <a:lnRef idx="0">
+        <a:scrgbClr r="0" g="0" b="0"/>
+      </a:lnRef>
+      <a:fillRef idx="1">
+        <a:scrgbClr r="0" g="0" b="0"/>
+      </a:fillRef>
+      <a:effectRef idx="0">
+        <a:scrgbClr r="0" g="0" b="0"/>
+      </a:effectRef>
+      <a:fontRef idx="minor">
+        <a:schemeClr val="lt1"/>
+      </a:fontRef>
+    </dgm:style>
+  </dgm:styleLbl>
+  <dgm:styleLbl name="bgSibTrans2D1">
+    <dgm:scene3d>
+      <a:camera prst="orthographicFront"/>
+      <a:lightRig rig="threePt" dir="t"/>
+    </dgm:scene3d>
+    <dgm:sp3d/>
+    <dgm:txPr/>
+    <dgm:style>
+      <a:lnRef idx="0">
+        <a:scrgbClr r="0" g="0" b="0"/>
+      </a:lnRef>
+      <a:fillRef idx="1">
+        <a:scrgbClr r="0" g="0" b="0"/>
+      </a:fillRef>
+      <a:effectRef idx="0">
+        <a:scrgbClr r="0" g="0" b="0"/>
+      </a:effectRef>
+      <a:fontRef idx="minor">
+        <a:schemeClr val="lt1"/>
+      </a:fontRef>
+    </dgm:style>
+  </dgm:styleLbl>
+  <dgm:styleLbl name="sibTrans1D1">
+    <dgm:scene3d>
+      <a:camera prst="orthographicFront"/>
+      <a:lightRig rig="threePt" dir="t"/>
+    </dgm:scene3d>
+    <dgm:sp3d/>
+    <dgm:txPr/>
+    <dgm:style>
+      <a:lnRef idx="1">
+        <a:scrgbClr r="0" g="0" b="0"/>
+      </a:lnRef>
+      <a:fillRef idx="0">
+        <a:scrgbClr r="0" g="0" b="0"/>
+      </a:fillRef>
+      <a:effectRef idx="0">
+        <a:scrgbClr r="0" g="0" b="0"/>
+      </a:effectRef>
+      <a:fontRef idx="minor"/>
+    </dgm:style>
+  </dgm:styleLbl>
+  <dgm:styleLbl name="callout">
+    <dgm:scene3d>
+      <a:camera prst="orthographicFront"/>
+      <a:lightRig rig="threePt" dir="t"/>
+    </dgm:scene3d>
+    <dgm:sp3d/>
+    <dgm:txPr/>
+    <dgm:style>
+      <a:lnRef idx="2">
+        <a:scrgbClr r="0" g="0" b="0"/>
+      </a:lnRef>
+      <a:fillRef idx="1">
+        <a:scrgbClr r="0" g="0" b="0"/>
+      </a:fillRef>
+      <a:effectRef idx="0">
+        <a:scrgbClr r="0" g="0" b="0"/>
+      </a:effectRef>
+      <a:fontRef idx="minor"/>
+    </dgm:style>
+  </dgm:styleLbl>
+  <dgm:styleLbl name="asst0">
+    <dgm:scene3d>
+      <a:camera prst="orthographicFront"/>
+      <a:lightRig rig="threePt" dir="t"/>
+    </dgm:scene3d>
+    <dgm:sp3d/>
+    <dgm:txPr/>
+    <dgm:style>
+      <a:lnRef idx="2">
+        <a:scrgbClr r="0" g="0" b="0"/>
+      </a:lnRef>
+      <a:fillRef idx="1">
+        <a:scrgbClr r="0" g="0" b="0"/>
+      </a:fillRef>
+      <a:effectRef idx="0">
+        <a:scrgbClr r="0" g="0" b="0"/>
+      </a:effectRef>
+      <a:fontRef idx="minor">
+        <a:schemeClr val="lt1"/>
+      </a:fontRef>
+    </dgm:style>
+  </dgm:styleLbl>
+  <dgm:styleLbl name="asst1">
+    <dgm:scene3d>
+      <a:camera prst="orthographicFront"/>
+      <a:lightRig rig="threePt" dir="t"/>
+    </dgm:scene3d>
+    <dgm:sp3d/>
+    <dgm:txPr/>
+    <dgm:style>
+      <a:lnRef idx="2">
+        <a:scrgbClr r="0" g="0" b="0"/>
+      </a:lnRef>
+      <a:fillRef idx="1">
+        <a:scrgbClr r="0" g="0" b="0"/>
+      </a:fillRef>
+      <a:effectRef idx="0">
+        <a:scrgbClr r="0" g="0" b="0"/>
+      </a:effectRef>
+      <a:fontRef idx="minor">
+        <a:schemeClr val="lt1"/>
+      </a:fontRef>
+    </dgm:style>
+  </dgm:styleLbl>
+  <dgm:styleLbl name="asst2">
+    <dgm:scene3d>
+      <a:camera prst="orthographicFront"/>
+      <a:lightRig rig="threePt" dir="t"/>
+    </dgm:scene3d>
+    <dgm:sp3d/>
+    <dgm:txPr/>
+    <dgm:style>
+      <a:lnRef idx="2">
+        <a:scrgbClr r="0" g="0" b="0"/>
+      </a:lnRef>
+      <a:fillRef idx="1">
+        <a:scrgbClr r="0" g="0" b="0"/>
+      </a:fillRef>
+      <a:effectRef idx="0">
+        <a:scrgbClr r="0" g="0" b="0"/>
+      </a:effectRef>
+      <a:fontRef idx="minor">
+        <a:schemeClr val="lt1"/>
+      </a:fontRef>
+    </dgm:style>
+  </dgm:styleLbl>
+  <dgm:styleLbl name="asst3">
+    <dgm:scene3d>
+      <a:camera prst="orthographicFront"/>
+      <a:lightRig rig="threePt" dir="t"/>
+    </dgm:scene3d>
+    <dgm:sp3d/>
+    <dgm:txPr/>
+    <dgm:style>
+      <a:lnRef idx="2">
+        <a:scrgbClr r="0" g="0" b="0"/>
+      </a:lnRef>
+      <a:fillRef idx="1">
+        <a:scrgbClr r="0" g="0" b="0"/>
+      </a:fillRef>
+      <a:effectRef idx="0">
+        <a:scrgbClr r="0" g="0" b="0"/>
+      </a:effectRef>
+      <a:fontRef idx="minor">
+        <a:schemeClr val="lt1"/>
+      </a:fontRef>
+    </dgm:style>
+  </dgm:styleLbl>
+  <dgm:styleLbl name="asst4">
+    <dgm:scene3d>
+      <a:camera prst="orthographicFront"/>
+      <a:lightRig rig="threePt" dir="t"/>
+    </dgm:scene3d>
+    <dgm:sp3d/>
+    <dgm:txPr/>
+    <dgm:style>
+      <a:lnRef idx="2">
+        <a:scrgbClr r="0" g="0" b="0"/>
+      </a:lnRef>
+      <a:fillRef idx="1">
+        <a:scrgbClr r="0" g="0" b="0"/>
+      </a:fillRef>
+      <a:effectRef idx="0">
+        <a:scrgbClr r="0" g="0" b="0"/>
+      </a:effectRef>
+      <a:fontRef idx="minor">
+        <a:schemeClr val="lt1"/>
+      </a:fontRef>
+    </dgm:style>
+  </dgm:styleLbl>
+  <dgm:styleLbl name="parChTrans2D1">
+    <dgm:scene3d>
+      <a:camera prst="orthographicFront"/>
+      <a:lightRig rig="threePt" dir="t"/>
+    </dgm:scene3d>
+    <dgm:sp3d/>
+    <dgm:txPr/>
+    <dgm:style>
+      <a:lnRef idx="2">
+        <a:scrgbClr r="0" g="0" b="0"/>
+      </a:lnRef>
+      <a:fillRef idx="1">
+        <a:scrgbClr r="0" g="0" b="0"/>
+      </a:fillRef>
+      <a:effectRef idx="0">
+        <a:scrgbClr r="0" g="0" b="0"/>
+      </a:effectRef>
+      <a:fontRef idx="minor">
+        <a:schemeClr val="lt1"/>
+      </a:fontRef>
+    </dgm:style>
+  </dgm:styleLbl>
+  <dgm:styleLbl name="parChTrans2D2">
+    <dgm:scene3d>
+      <a:camera prst="orthographicFront"/>
+      <a:lightRig rig="threePt" dir="t"/>
+    </dgm:scene3d>
+    <dgm:sp3d/>
+    <dgm:txPr/>
+    <dgm:style>
+      <a:lnRef idx="2">
+        <a:scrgbClr r="0" g="0" b="0"/>
+      </a:lnRef>
+      <a:fillRef idx="1">
+        <a:scrgbClr r="0" g="0" b="0"/>
+      </a:fillRef>
+      <a:effectRef idx="0">
+        <a:scrgbClr r="0" g="0" b="0"/>
+      </a:effectRef>
+      <a:fontRef idx="minor">
+        <a:schemeClr val="lt1"/>
+      </a:fontRef>
+    </dgm:style>
+  </dgm:styleLbl>
+  <dgm:styleLbl name="parChTrans2D3">
+    <dgm:scene3d>
+      <a:camera prst="orthographicFront"/>
+      <a:lightRig rig="threePt" dir="t"/>
+    </dgm:scene3d>
+    <dgm:sp3d/>
+    <dgm:txPr/>
+    <dgm:style>
+      <a:lnRef idx="2">
+        <a:scrgbClr r="0" g="0" b="0"/>
+      </a:lnRef>
+      <a:fillRef idx="1">
+        <a:scrgbClr r="0" g="0" b="0"/>
+      </a:fillRef>
+      <a:effectRef idx="0">
+        <a:scrgbClr r="0" g="0" b="0"/>
+      </a:effectRef>
+      <a:fontRef idx="minor">
+        <a:schemeClr val="lt1"/>
+      </a:fontRef>
+    </dgm:style>
+  </dgm:styleLbl>
+  <dgm:styleLbl name="parChTrans2D4">
+    <dgm:scene3d>
+      <a:camera prst="orthographicFront"/>
+      <a:lightRig rig="threePt" dir="t"/>
+    </dgm:scene3d>
+    <dgm:sp3d/>
+    <dgm:txPr/>
+    <dgm:style>
+      <a:lnRef idx="2">
+        <a:scrgbClr r="0" g="0" b="0"/>
+      </a:lnRef>
+      <a:fillRef idx="1">
+        <a:scrgbClr r="0" g="0" b="0"/>
+      </a:fillRef>
+      <a:effectRef idx="0">
+        <a:scrgbClr r="0" g="0" b="0"/>
+      </a:effectRef>
+      <a:fontRef idx="minor">
+        <a:schemeClr val="lt1"/>
+      </a:fontRef>
+    </dgm:style>
+  </dgm:styleLbl>
+  <dgm:styleLbl name="parChTrans1D1">
+    <dgm:scene3d>
+      <a:camera prst="orthographicFront"/>
+      <a:lightRig rig="threePt" dir="t"/>
+    </dgm:scene3d>
+    <dgm:sp3d/>
+    <dgm:txPr/>
+    <dgm:style>
+      <a:lnRef idx="2">
+        <a:scrgbClr r="0" g="0" b="0"/>
+      </a:lnRef>
+      <a:fillRef idx="0">
+        <a:scrgbClr r="0" g="0" b="0"/>
+      </a:fillRef>
+      <a:effectRef idx="0">
+        <a:scrgbClr r="0" g="0" b="0"/>
+      </a:effectRef>
+      <a:fontRef idx="minor"/>
+    </dgm:style>
+  </dgm:styleLbl>
+  <dgm:styleLbl name="parChTrans1D2">
+    <dgm:scene3d>
+      <a:camera prst="orthographicFront"/>
+      <a:lightRig rig="threePt" dir="t"/>
+    </dgm:scene3d>
+    <dgm:sp3d/>
+    <dgm:txPr/>
+    <dgm:style>
+      <a:lnRef idx="2">
+        <a:scrgbClr r="0" g="0" b="0"/>
+      </a:lnRef>
+      <a:fillRef idx="0">
+        <a:scrgbClr r="0" g="0" b="0"/>
+      </a:fillRef>
+      <a:effectRef idx="0">
+        <a:scrgbClr r="0" g="0" b="0"/>
+      </a:effectRef>
+      <a:fontRef idx="minor"/>
+    </dgm:style>
+  </dgm:styleLbl>
+  <dgm:styleLbl name="parChTrans1D3">
+    <dgm:scene3d>
+      <a:camera prst="orthographicFront"/>
+      <a:lightRig rig="threePt" dir="t"/>
+    </dgm:scene3d>
+    <dgm:sp3d/>
+    <dgm:txPr/>
+    <dgm:style>
+      <a:lnRef idx="2">
+        <a:scrgbClr r="0" g="0" b="0"/>
+      </a:lnRef>
+      <a:fillRef idx="0">
+        <a:scrgbClr r="0" g="0" b="0"/>
+      </a:fillRef>
+      <a:effectRef idx="0">
+        <a:scrgbClr r="0" g="0" b="0"/>
+      </a:effectRef>
+      <a:fontRef idx="minor"/>
+    </dgm:style>
+  </dgm:styleLbl>
+  <dgm:styleLbl name="parChTrans1D4">
+    <dgm:scene3d>
+      <a:camera prst="orthographicFront"/>
+      <a:lightRig rig="threePt" dir="t"/>
+    </dgm:scene3d>
+    <dgm:sp3d/>
+    <dgm:txPr/>
+    <dgm:style>
+      <a:lnRef idx="2">
+        <a:scrgbClr r="0" g="0" b="0"/>
+      </a:lnRef>
+      <a:fillRef idx="0">
+        <a:scrgbClr r="0" g="0" b="0"/>
+      </a:fillRef>
+      <a:effectRef idx="0">
+        <a:scrgbClr r="0" g="0" b="0"/>
+      </a:effectRef>
+      <a:fontRef idx="minor"/>
+    </dgm:style>
+  </dgm:styleLbl>
+  <dgm:styleLbl name="fgAcc1">
+    <dgm:scene3d>
+      <a:camera prst="orthographicFront"/>
+      <a:lightRig rig="threePt" dir="t"/>
+    </dgm:scene3d>
+    <dgm:sp3d/>
+    <dgm:txPr/>
+    <dgm:style>
+      <a:lnRef idx="2">
+        <a:scrgbClr r="0" g="0" b="0"/>
+      </a:lnRef>
+      <a:fillRef idx="1">
+        <a:scrgbClr r="0" g="0" b="0"/>
+      </a:fillRef>
+      <a:effectRef idx="0">
+        <a:scrgbClr r="0" g="0" b="0"/>
+      </a:effectRef>
+      <a:fontRef idx="minor"/>
+    </dgm:style>
+  </dgm:styleLbl>
+  <dgm:styleLbl name="conFgAcc1">
+    <dgm:scene3d>
+      <a:camera prst="orthographicFront"/>
+      <a:lightRig rig="threePt" dir="t"/>
+    </dgm:scene3d>
+    <dgm:sp3d/>
+    <dgm:txPr/>
+    <dgm:style>
+      <a:lnRef idx="2">
+        <a:scrgbClr r="0" g="0" b="0"/>
+      </a:lnRef>
+      <a:fillRef idx="1">
+        <a:scrgbClr r="0" g="0" b="0"/>
+      </a:fillRef>
+      <a:effectRef idx="0">
+        <a:scrgbClr r="0" g="0" b="0"/>
+      </a:effectRef>
+      <a:fontRef idx="minor"/>
+    </dgm:style>
+  </dgm:styleLbl>
+  <dgm:styleLbl name="alignAcc1">
+    <dgm:scene3d>
+      <a:camera prst="orthographicFront"/>
+      <a:lightRig rig="threePt" dir="t"/>
+    </dgm:scene3d>
+    <dgm:sp3d/>
+    <dgm:txPr/>
+    <dgm:style>
+      <a:lnRef idx="2">
+        <a:scrgbClr r="0" g="0" b="0"/>
+      </a:lnRef>
+      <a:fillRef idx="1">
+        <a:scrgbClr r="0" g="0" b="0"/>
+      </a:fillRef>
+      <a:effectRef idx="0">
+        <a:scrgbClr r="0" g="0" b="0"/>
+      </a:effectRef>
+      <a:fontRef idx="minor"/>
+    </dgm:style>
+  </dgm:styleLbl>
+  <dgm:styleLbl name="trAlignAcc1">
+    <dgm:scene3d>
+      <a:camera prst="orthographicFront"/>
+      <a:lightRig rig="threePt" dir="t"/>
+    </dgm:scene3d>
+    <dgm:sp3d/>
+    <dgm:txPr/>
+    <dgm:style>
+      <a:lnRef idx="1">
+        <a:scrgbClr r="0" g="0" b="0"/>
+      </a:lnRef>
+      <a:fillRef idx="1">
+        <a:scrgbClr r="0" g="0" b="0"/>
+      </a:fillRef>
+      <a:effectRef idx="0">
+        <a:scrgbClr r="0" g="0" b="0"/>
+      </a:effectRef>
+      <a:fontRef idx="minor"/>
+    </dgm:style>
+  </dgm:styleLbl>
+  <dgm:styleLbl name="bgAcc1">
+    <dgm:scene3d>
+      <a:camera prst="orthographicFront"/>
+      <a:lightRig rig="threePt" dir="t"/>
+    </dgm:scene3d>
+    <dgm:sp3d/>
+    <dgm:txPr/>
+    <dgm:style>
+      <a:lnRef idx="2">
+        <a:scrgbClr r="0" g="0" b="0"/>
+      </a:lnRef>
+      <a:fillRef idx="1">
+        <a:scrgbClr r="0" g="0" b="0"/>
+      </a:fillRef>
+      <a:effectRef idx="0">
+        <a:scrgbClr r="0" g="0" b="0"/>
+      </a:effectRef>
+      <a:fontRef idx="minor"/>
+    </dgm:style>
+  </dgm:styleLbl>
+  <dgm:styleLbl name="solidFgAcc1">
+    <dgm:scene3d>
+      <a:camera prst="orthographicFront"/>
+      <a:lightRig rig="threePt" dir="t"/>
+    </dgm:scene3d>
+    <dgm:sp3d/>
+    <dgm:txPr/>
+    <dgm:style>
+      <a:lnRef idx="2">
+        <a:scrgbClr r="0" g="0" b="0"/>
+      </a:lnRef>
+      <a:fillRef idx="1">
+        <a:scrgbClr r="0" g="0" b="0"/>
+      </a:fillRef>
+      <a:effectRef idx="0">
+        <a:scrgbClr r="0" g="0" b="0"/>
+      </a:effectRef>
+      <a:fontRef idx="minor"/>
+    </dgm:style>
+  </dgm:styleLbl>
+  <dgm:styleLbl name="solidAlignAcc1">
+    <dgm:scene3d>
+      <a:camera prst="orthographicFront"/>
+      <a:lightRig rig="threePt" dir="t"/>
+    </dgm:scene3d>
+    <dgm:sp3d/>
+    <dgm:txPr/>
+    <dgm:style>
+      <a:lnRef idx="2">
+        <a:scrgbClr r="0" g="0" b="0"/>
+      </a:lnRef>
+      <a:fillRef idx="1">
+        <a:scrgbClr r="0" g="0" b="0"/>
+      </a:fillRef>
+      <a:effectRef idx="0">
+        <a:scrgbClr r="0" g="0" b="0"/>
+      </a:effectRef>
+      <a:fontRef idx="minor"/>
+    </dgm:style>
+  </dgm:styleLbl>
+  <dgm:styleLbl name="solidBgAcc1">
+    <dgm:scene3d>
+      <a:camera prst="orthographicFront"/>
+      <a:lightRig rig="threePt" dir="t"/>
+    </dgm:scene3d>
+    <dgm:sp3d/>
+    <dgm:txPr/>
+    <dgm:style>
+      <a:lnRef idx="2">
+        <a:scrgbClr r="0" g="0" b="0"/>
+      </a:lnRef>
+      <a:fillRef idx="1">
+        <a:scrgbClr r="0" g="0" b="0"/>
+      </a:fillRef>
+      <a:effectRef idx="0">
+        <a:scrgbClr r="0" g="0" b="0"/>
+      </a:effectRef>
+      <a:fontRef idx="minor"/>
+    </dgm:style>
+  </dgm:styleLbl>
+  <dgm:styleLbl name="fgAccFollowNode1">
+    <dgm:scene3d>
+      <a:camera prst="orthographicFront"/>
+      <a:lightRig rig="threePt" dir="t"/>
+    </dgm:scene3d>
+    <dgm:sp3d/>
+    <dgm:txPr/>
+    <dgm:style>
+      <a:lnRef idx="2">
+        <a:scrgbClr r="0" g="0" b="0"/>
+      </a:lnRef>
+      <a:fillRef idx="1">
+        <a:scrgbClr r="0" g="0" b="0"/>
+      </a:fillRef>
+      <a:effectRef idx="0">
+        <a:scrgbClr r="0" g="0" b="0"/>
+      </a:effectRef>
+      <a:fontRef idx="minor"/>
+    </dgm:style>
+  </dgm:styleLbl>
+  <dgm:styleLbl name="alignAccFollowNode1">
+    <dgm:scene3d>
+      <a:camera prst="orthographicFront"/>
+      <a:lightRig rig="threePt" dir="t"/>
+    </dgm:scene3d>
+    <dgm:sp3d/>
+    <dgm:txPr/>
+    <dgm:style>
+      <a:lnRef idx="2">
+        <a:scrgbClr r="0" g="0" b="0"/>
+      </a:lnRef>
+      <a:fillRef idx="1">
+        <a:scrgbClr r="0" g="0" b="0"/>
+      </a:fillRef>
+      <a:effectRef idx="0">
+        <a:scrgbClr r="0" g="0" b="0"/>
+      </a:effectRef>
+      <a:fontRef idx="minor"/>
+    </dgm:style>
+  </dgm:styleLbl>
+  <dgm:styleLbl name="bgAccFollowNode1">
+    <dgm:scene3d>
+      <a:camera prst="orthographicFront"/>
+      <a:lightRig rig="threePt" dir="t"/>
+    </dgm:scene3d>
+    <dgm:sp3d/>
+    <dgm:txPr/>
+    <dgm:style>
+      <a:lnRef idx="2">
+        <a:scrgbClr r="0" g="0" b="0"/>
+      </a:lnRef>
+      <a:fillRef idx="1">
+        <a:scrgbClr r="0" g="0" b="0"/>
+      </a:fillRef>
+      <a:effectRef idx="0">
+        <a:scrgbClr r="0" g="0" b="0"/>
+      </a:effectRef>
+      <a:fontRef idx="minor"/>
+    </dgm:style>
+  </dgm:styleLbl>
+  <dgm:styleLbl name="fgAcc0">
+    <dgm:scene3d>
+      <a:camera prst="orthographicFront"/>
+      <a:lightRig rig="threePt" dir="t"/>
+    </dgm:scene3d>
+    <dgm:sp3d/>
+    <dgm:txPr/>
+    <dgm:style>
+      <a:lnRef idx="2">
+        <a:scrgbClr r="0" g="0" b="0"/>
+      </a:lnRef>
+      <a:fillRef idx="1">
+        <a:scrgbClr r="0" g="0" b="0"/>
+      </a:fillRef>
+      <a:effectRef idx="0">
+        <a:scrgbClr r="0" g="0" b="0"/>
+      </a:effectRef>
+      <a:fontRef idx="minor"/>
+    </dgm:style>
+  </dgm:styleLbl>
+  <dgm:styleLbl name="fgAcc2">
+    <dgm:scene3d>
+      <a:camera prst="orthographicFront"/>
+      <a:lightRig rig="threePt" dir="t"/>
+    </dgm:scene3d>
+    <dgm:sp3d/>
+    <dgm:txPr/>
+    <dgm:style>
+      <a:lnRef idx="2">
+        <a:scrgbClr r="0" g="0" b="0"/>
+      </a:lnRef>
+      <a:fillRef idx="1">
+        <a:scrgbClr r="0" g="0" b="0"/>
+      </a:fillRef>
+      <a:effectRef idx="0">
+        <a:scrgbClr r="0" g="0" b="0"/>
+      </a:effectRef>
+      <a:fontRef idx="minor"/>
+    </dgm:style>
+  </dgm:styleLbl>
+  <dgm:styleLbl name="fgAcc3">
+    <dgm:scene3d>
+      <a:camera prst="orthographicFront"/>
+      <a:lightRig rig="threePt" dir="t"/>
+    </dgm:scene3d>
+    <dgm:sp3d/>
+    <dgm:txPr/>
+    <dgm:style>
+      <a:lnRef idx="2">
+        <a:scrgbClr r="0" g="0" b="0"/>
+      </a:lnRef>
+      <a:fillRef idx="1">
+        <a:scrgbClr r="0" g="0" b="0"/>
+      </a:fillRef>
+      <a:effectRef idx="0">
+        <a:scrgbClr r="0" g="0" b="0"/>
+      </a:effectRef>
+      <a:fontRef idx="minor"/>
+    </dgm:style>
+  </dgm:styleLbl>
+  <dgm:styleLbl name="fgAcc4">
+    <dgm:scene3d>
+      <a:camera prst="orthographicFront"/>
+      <a:lightRig rig="threePt" dir="t"/>
+    </dgm:scene3d>
+    <dgm:sp3d/>
+    <dgm:txPr/>
+    <dgm:style>
+      <a:lnRef idx="2">
+        <a:scrgbClr r="0" g="0" b="0"/>
+      </a:lnRef>
+      <a:fillRef idx="1">
+        <a:scrgbClr r="0" g="0" b="0"/>
+      </a:fillRef>
+      <a:effectRef idx="0">
+        <a:scrgbClr r="0" g="0" b="0"/>
+      </a:effectRef>
+      <a:fontRef idx="minor"/>
+    </dgm:style>
+  </dgm:styleLbl>
+  <dgm:styleLbl name="bgShp">
+    <dgm:scene3d>
+      <a:camera prst="orthographicFront"/>
+      <a:lightRig rig="threePt" dir="t"/>
+    </dgm:scene3d>
+    <dgm:sp3d/>
+    <dgm:txPr/>
+    <dgm:style>
+      <a:lnRef idx="0">
+        <a:scrgbClr r="0" g="0" b="0"/>
+      </a:lnRef>
+      <a:fillRef idx="1">
+        <a:scrgbClr r="0" g="0" b="0"/>
+      </a:fillRef>
+      <a:effectRef idx="0">
+        <a:scrgbClr r="0" g="0" b="0"/>
+      </a:effectRef>
+      <a:fontRef idx="minor"/>
+    </dgm:style>
+  </dgm:styleLbl>
+  <dgm:styleLbl name="dkBgShp">
+    <dgm:scene3d>
+      <a:camera prst="orthographicFront"/>
+      <a:lightRig rig="threePt" dir="t"/>
+    </dgm:scene3d>
+    <dgm:sp3d/>
+    <dgm:txPr/>
+    <dgm:style>
+      <a:lnRef idx="0">
+        <a:scrgbClr r="0" g="0" b="0"/>
+      </a:lnRef>
+      <a:fillRef idx="1">
+        <a:scrgbClr r="0" g="0" b="0"/>
+      </a:fillRef>
+      <a:effectRef idx="0">
+        <a:scrgbClr r="0" g="0" b="0"/>
+      </a:effectRef>
+      <a:fontRef idx="minor"/>
+    </dgm:style>
+  </dgm:styleLbl>
+  <dgm:styleLbl name="trBgShp">
+    <dgm:scene3d>
+      <a:camera prst="orthographicFront"/>
+      <a:lightRig rig="threePt" dir="t"/>
+    </dgm:scene3d>
+    <dgm:sp3d/>
+    <dgm:txPr/>
+    <dgm:style>
+      <a:lnRef idx="0">
+        <a:scrgbClr r="0" g="0" b="0"/>
+      </a:lnRef>
+      <a:fillRef idx="1">
+        <a:scrgbClr r="0" g="0" b="0"/>
+      </a:fillRef>
+      <a:effectRef idx="0">
+        <a:scrgbClr r="0" g="0" b="0"/>
+      </a:effectRef>
+      <a:fontRef idx="minor"/>
+    </dgm:style>
+  </dgm:styleLbl>
+  <dgm:styleLbl name="fgShp">
+    <dgm:scene3d>
+      <a:camera prst="orthographicFront"/>
+      <a:lightRig rig="threePt" dir="t"/>
+    </dgm:scene3d>
+    <dgm:sp3d/>
+    <dgm:txPr/>
+    <dgm:style>
+      <a:lnRef idx="2">
+        <a:scrgbClr r="0" g="0" b="0"/>
+      </a:lnRef>
+      <a:fillRef idx="1">
+        <a:scrgbClr r="0" g="0" b="0"/>
+      </a:fillRef>
+      <a:effectRef idx="0">
+        <a:scrgbClr r="0" g="0" b="0"/>
+      </a:effectRef>
+      <a:fontRef idx="minor"/>
+    </dgm:style>
+  </dgm:styleLbl>
+  <dgm:styleLbl name="revTx">
+    <dgm:scene3d>
+      <a:camera prst="orthographicFront"/>
+      <a:lightRig rig="threePt" dir="t"/>
+    </dgm:scene3d>
+    <dgm:sp3d/>
+    <dgm:txPr/>
+    <dgm:style>
+      <a:lnRef idx="0">
+        <a:scrgbClr r="0" g="0" b="0"/>
+      </a:lnRef>
+      <a:fillRef idx="0">
+        <a:scrgbClr r="0" g="0" b="0"/>
+      </a:fillRef>
+      <a:effectRef idx="0">
+        <a:scrgbClr r="0" g="0" b="0"/>
+      </a:effectRef>
+      <a:fontRef idx="minor"/>
+    </dgm:style>
+  </dgm:styleLbl>
+</dgm:styleDef>
+</file>
+
+<file path=ppt/notesMasters/notesMaster1.xml><?xml version="1.0" encoding="utf-8"?>
+<p:notesMaster xmlns:a="http://schemas.openxmlformats.org/drawingml/2006/main" xmlns:r="http://schemas.openxmlformats.org/officeDocument/2006/relationships" xmlns:p="http://schemas.openxmlformats.org/presentationml/2006/main">
+  <p:cSld>
+    <p:bg>
+      <p:bgRef idx="1001">
+        <a:schemeClr val="bg1"/>
+      </p:bgRef>
+    </p:bg>
+    <p:spTree>
+      <p:nvGrpSpPr>
+        <p:cNvPr id="1" name=""/>
+        <p:cNvGrpSpPr/>
+        <p:nvPr/>
+      </p:nvGrpSpPr>
+      <p:grpSpPr>
+        <a:xfrm>
+          <a:off x="0" y="0"/>
+          <a:ext cx="0" cy="0"/>
+          <a:chOff x="0" y="0"/>
+          <a:chExt cx="0" cy="0"/>
+        </a:xfrm>
+      </p:grpSpPr>
+      <p:sp>
+        <p:nvSpPr>
+          <p:cNvPr id="2" name="Header Placeholder 1"/>
+          <p:cNvSpPr>
+            <a:spLocks noGrp="1"/>
+          </p:cNvSpPr>
+          <p:nvPr>
+            <p:ph type="hdr" sz="quarter"/>
+          </p:nvPr>
+        </p:nvSpPr>
+        <p:spPr>
+          <a:xfrm>
+            <a:off x="0" y="0"/>
+            <a:ext cx="2971800" cy="458788"/>
+          </a:xfrm>
+          <a:prstGeom prst="rect">
+            <a:avLst/>
+          </a:prstGeom>
+        </p:spPr>
+        <p:txBody>
+          <a:bodyPr vert="horz" lIns="91440" tIns="45720" rIns="91440" bIns="45720" rtlCol="0"/>
+          <a:lstStyle>
+            <a:lvl1pPr algn="l">
+              <a:defRPr sz="1200"/>
+            </a:lvl1pPr>
+          </a:lstStyle>
+          <a:p>
+            <a:endParaRPr lang="en-US"/>
+          </a:p>
+        </p:txBody>
+      </p:sp>
+      <p:sp>
+        <p:nvSpPr>
+          <p:cNvPr id="3" name="Date Placeholder 2"/>
+          <p:cNvSpPr>
+            <a:spLocks noGrp="1"/>
+          </p:cNvSpPr>
+          <p:nvPr>
+            <p:ph type="dt" idx="1"/>
+          </p:nvPr>
+        </p:nvSpPr>
+        <p:spPr>
+          <a:xfrm>
+            <a:off x="3884613" y="0"/>
+            <a:ext cx="2971800" cy="458788"/>
+          </a:xfrm>
+          <a:prstGeom prst="rect">
+            <a:avLst/>
+          </a:prstGeom>
+        </p:spPr>
+        <p:txBody>
+          <a:bodyPr vert="horz" lIns="91440" tIns="45720" rIns="91440" bIns="45720" rtlCol="0"/>
+          <a:lstStyle>
+            <a:lvl1pPr algn="r">
+              <a:defRPr sz="1200"/>
+            </a:lvl1pPr>
+          </a:lstStyle>
+          <a:p>
+            <a:fld id="{612AD87E-E183-4314-A9E9-C0495967B204}" type="datetimeFigureOut">
+              <a:rPr lang="en-US" smtClean="0"/>
+              <a:t>4/30/2025</a:t>
+            </a:fld>
+            <a:endParaRPr lang="en-US"/>
+          </a:p>
+        </p:txBody>
+      </p:sp>
+      <p:sp>
+        <p:nvSpPr>
+          <p:cNvPr id="4" name="Slide Image Placeholder 3"/>
+          <p:cNvSpPr>
+            <a:spLocks noGrp="1" noRot="1" noChangeAspect="1"/>
+          </p:cNvSpPr>
+          <p:nvPr>
+            <p:ph type="sldImg" idx="2"/>
+          </p:nvPr>
+        </p:nvSpPr>
+        <p:spPr>
+          <a:xfrm>
+            <a:off x="1371600" y="1143000"/>
+            <a:ext cx="4114800" cy="3086100"/>
+          </a:xfrm>
+          <a:prstGeom prst="rect">
+            <a:avLst/>
+          </a:prstGeom>
+          <a:noFill/>
+          <a:ln w="12700">
+            <a:solidFill>
+              <a:prstClr val="black"/>
+            </a:solidFill>
+          </a:ln>
+        </p:spPr>
+        <p:txBody>
+          <a:bodyPr vert="horz" lIns="91440" tIns="45720" rIns="91440" bIns="45720" rtlCol="0" anchor="ctr"/>
+          <a:lstStyle/>
+          <a:p>
+            <a:endParaRPr lang="en-US"/>
+          </a:p>
+        </p:txBody>
+      </p:sp>
+      <p:sp>
+        <p:nvSpPr>
+          <p:cNvPr id="5" name="Notes Placeholder 4"/>
+          <p:cNvSpPr>
+            <a:spLocks noGrp="1"/>
+          </p:cNvSpPr>
+          <p:nvPr>
+            <p:ph type="body" sz="quarter" idx="3"/>
+          </p:nvPr>
+        </p:nvSpPr>
+        <p:spPr>
+          <a:xfrm>
+            <a:off x="685800" y="4400550"/>
+            <a:ext cx="5486400" cy="3600450"/>
+          </a:xfrm>
+          <a:prstGeom prst="rect">
+            <a:avLst/>
+          </a:prstGeom>
+        </p:spPr>
+        <p:txBody>
+          <a:bodyPr vert="horz" lIns="91440" tIns="45720" rIns="91440" bIns="45720" rtlCol="0"/>
+          <a:lstStyle/>
+          <a:p>
+            <a:pPr lvl="0"/>
+            <a:r>
+              <a:rPr lang="en-US"/>
+              <a:t>Click to edit Master text styles</a:t>
+            </a:r>
+          </a:p>
+          <a:p>
+            <a:pPr lvl="1"/>
+            <a:r>
+              <a:rPr lang="en-US"/>
+              <a:t>Second level</a:t>
+            </a:r>
+          </a:p>
+          <a:p>
+            <a:pPr lvl="2"/>
+            <a:r>
+              <a:rPr lang="en-US"/>
+              <a:t>Third level</a:t>
+            </a:r>
+          </a:p>
+          <a:p>
+            <a:pPr lvl="3"/>
+            <a:r>
+              <a:rPr lang="en-US"/>
+              <a:t>Fourth level</a:t>
+            </a:r>
+          </a:p>
+          <a:p>
+            <a:pPr lvl="4"/>
+            <a:r>
+              <a:rPr lang="en-US"/>
+              <a:t>Fifth level</a:t>
+            </a:r>
+          </a:p>
+        </p:txBody>
+      </p:sp>
+      <p:sp>
+        <p:nvSpPr>
+          <p:cNvPr id="6" name="Footer Placeholder 5"/>
+          <p:cNvSpPr>
+            <a:spLocks noGrp="1"/>
+          </p:cNvSpPr>
+          <p:nvPr>
+            <p:ph type="ftr" sz="quarter" idx="4"/>
+          </p:nvPr>
+        </p:nvSpPr>
+        <p:spPr>
+          <a:xfrm>
+            <a:off x="0" y="8685213"/>
+            <a:ext cx="2971800" cy="458787"/>
+          </a:xfrm>
+          <a:prstGeom prst="rect">
+            <a:avLst/>
+          </a:prstGeom>
+        </p:spPr>
+        <p:txBody>
+          <a:bodyPr vert="horz" lIns="91440" tIns="45720" rIns="91440" bIns="45720" rtlCol="0" anchor="b"/>
+          <a:lstStyle>
+            <a:lvl1pPr algn="l">
+              <a:defRPr sz="1200"/>
+            </a:lvl1pPr>
+          </a:lstStyle>
+          <a:p>
+            <a:endParaRPr lang="en-US"/>
+          </a:p>
+        </p:txBody>
+      </p:sp>
+      <p:sp>
+        <p:nvSpPr>
+          <p:cNvPr id="7" name="Slide Number Placeholder 6"/>
+          <p:cNvSpPr>
+            <a:spLocks noGrp="1"/>
+          </p:cNvSpPr>
+          <p:nvPr>
+            <p:ph type="sldNum" sz="quarter" idx="5"/>
+          </p:nvPr>
+        </p:nvSpPr>
+        <p:spPr>
+          <a:xfrm>
+            <a:off x="3884613" y="8685213"/>
+            <a:ext cx="2971800" cy="458787"/>
+          </a:xfrm>
+          <a:prstGeom prst="rect">
+            <a:avLst/>
+          </a:prstGeom>
+        </p:spPr>
+        <p:txBody>
+          <a:bodyPr vert="horz" lIns="91440" tIns="45720" rIns="91440" bIns="45720" rtlCol="0" anchor="b"/>
+          <a:lstStyle>
+            <a:lvl1pPr algn="r">
+              <a:defRPr sz="1200"/>
+            </a:lvl1pPr>
+          </a:lstStyle>
+          <a:p>
+            <a:fld id="{897D800D-3A47-41A7-9FBC-6FDE04BAB01E}" type="slidenum">
+              <a:rPr lang="en-US" smtClean="0"/>
+              <a:t>‹#›</a:t>
+            </a:fld>
+            <a:endParaRPr lang="en-US"/>
+          </a:p>
+        </p:txBody>
+      </p:sp>
+    </p:spTree>
+    <p:extLst>
+      <p:ext uri="{BB962C8B-B14F-4D97-AF65-F5344CB8AC3E}">
+        <p14:creationId xmlns:p14="http://schemas.microsoft.com/office/powerpoint/2010/main" val="345551992"/>
+      </p:ext>
+    </p:extLst>
+  </p:cSld>
+  <p:clrMap bg1="lt1" tx1="dk1" bg2="lt2" tx2="dk2" accent1="accent1" accent2="accent2" accent3="accent3" accent4="accent4" accent5="accent5" accent6="accent6" hlink="hlink" folHlink="folHlink"/>
+  <p:notesStyle>
+    <a:lvl1pPr marL="0" algn="l" defTabSz="914400" rtl="0" eaLnBrk="1" latinLnBrk="0" hangingPunct="1">
+      <a:defRPr sz="1200" kern="1200">
+        <a:solidFill>
+          <a:schemeClr val="tx1"/>
+        </a:solidFill>
+        <a:latin typeface="+mn-lt"/>
+        <a:ea typeface="+mn-ea"/>
+        <a:cs typeface="+mn-cs"/>
+      </a:defRPr>
+    </a:lvl1pPr>
+    <a:lvl2pPr marL="457200" algn="l" defTabSz="914400" rtl="0" eaLnBrk="1" latinLnBrk="0" hangingPunct="1">
+      <a:defRPr sz="1200" kern="1200">
+        <a:solidFill>
+          <a:schemeClr val="tx1"/>
+        </a:solidFill>
+        <a:latin typeface="+mn-lt"/>
+        <a:ea typeface="+mn-ea"/>
+        <a:cs typeface="+mn-cs"/>
+      </a:defRPr>
+    </a:lvl2pPr>
+    <a:lvl3pPr marL="914400" algn="l" defTabSz="914400" rtl="0" eaLnBrk="1" latinLnBrk="0" hangingPunct="1">
+      <a:defRPr sz="1200" kern="1200">
+        <a:solidFill>
+          <a:schemeClr val="tx1"/>
+        </a:solidFill>
+        <a:latin typeface="+mn-lt"/>
+        <a:ea typeface="+mn-ea"/>
+        <a:cs typeface="+mn-cs"/>
+      </a:defRPr>
+    </a:lvl3pPr>
+    <a:lvl4pPr marL="1371600" algn="l" defTabSz="914400" rtl="0" eaLnBrk="1" latinLnBrk="0" hangingPunct="1">
+      <a:defRPr sz="1200" kern="1200">
+        <a:solidFill>
+          <a:schemeClr val="tx1"/>
+        </a:solidFill>
+        <a:latin typeface="+mn-lt"/>
+        <a:ea typeface="+mn-ea"/>
+        <a:cs typeface="+mn-cs"/>
+      </a:defRPr>
+    </a:lvl4pPr>
+    <a:lvl5pPr marL="1828800" algn="l" defTabSz="914400" rtl="0" eaLnBrk="1" latinLnBrk="0" hangingPunct="1">
+      <a:defRPr sz="1200" kern="1200">
+        <a:solidFill>
+          <a:schemeClr val="tx1"/>
+        </a:solidFill>
+        <a:latin typeface="+mn-lt"/>
+        <a:ea typeface="+mn-ea"/>
+        <a:cs typeface="+mn-cs"/>
+      </a:defRPr>
+    </a:lvl5pPr>
+    <a:lvl6pPr marL="2286000" algn="l" defTabSz="914400" rtl="0" eaLnBrk="1" latinLnBrk="0" hangingPunct="1">
+      <a:defRPr sz="1200" kern="1200">
+        <a:solidFill>
+          <a:schemeClr val="tx1"/>
+        </a:solidFill>
+        <a:latin typeface="+mn-lt"/>
+        <a:ea typeface="+mn-ea"/>
+        <a:cs typeface="+mn-cs"/>
+      </a:defRPr>
+    </a:lvl6pPr>
+    <a:lvl7pPr marL="2743200" algn="l" defTabSz="914400" rtl="0" eaLnBrk="1" latinLnBrk="0" hangingPunct="1">
+      <a:defRPr sz="1200" kern="1200">
+        <a:solidFill>
+          <a:schemeClr val="tx1"/>
+        </a:solidFill>
+        <a:latin typeface="+mn-lt"/>
+        <a:ea typeface="+mn-ea"/>
+        <a:cs typeface="+mn-cs"/>
+      </a:defRPr>
+    </a:lvl7pPr>
+    <a:lvl8pPr marL="3200400" algn="l" defTabSz="914400" rtl="0" eaLnBrk="1" latinLnBrk="0" hangingPunct="1">
+      <a:defRPr sz="1200" kern="1200">
+        <a:solidFill>
+          <a:schemeClr val="tx1"/>
+        </a:solidFill>
+        <a:latin typeface="+mn-lt"/>
+        <a:ea typeface="+mn-ea"/>
+        <a:cs typeface="+mn-cs"/>
+      </a:defRPr>
+    </a:lvl8pPr>
+    <a:lvl9pPr marL="3657600" algn="l" defTabSz="914400" rtl="0" eaLnBrk="1" latinLnBrk="0" hangingPunct="1">
+      <a:defRPr sz="1200" kern="1200">
+        <a:solidFill>
+          <a:schemeClr val="tx1"/>
+        </a:solidFill>
+        <a:latin typeface="+mn-lt"/>
+        <a:ea typeface="+mn-ea"/>
+        <a:cs typeface="+mn-cs"/>
+      </a:defRPr>
+    </a:lvl9pPr>
+  </p:notesStyle>
+</p:notesMaster>
+</file>
+
+<file path=ppt/notesSlides/notesSlide1.xml><?xml version="1.0" encoding="utf-8"?>
+<p:notes xmlns:a="http://schemas.openxmlformats.org/drawingml/2006/main" xmlns:r="http://schemas.openxmlformats.org/officeDocument/2006/relationships" xmlns:p="http://schemas.openxmlformats.org/presentationml/2006/main">
+  <p:cSld>
+    <p:spTree>
+      <p:nvGrpSpPr>
+        <p:cNvPr id="1" name=""/>
+        <p:cNvGrpSpPr/>
+        <p:nvPr/>
+      </p:nvGrpSpPr>
+      <p:grpSpPr>
+        <a:xfrm>
+          <a:off x="0" y="0"/>
+          <a:ext cx="0" cy="0"/>
+          <a:chOff x="0" y="0"/>
+          <a:chExt cx="0" cy="0"/>
+        </a:xfrm>
+      </p:grpSpPr>
+      <p:sp>
+        <p:nvSpPr>
+          <p:cNvPr id="2" name="Slide Image Placeholder 1"/>
+          <p:cNvSpPr>
+            <a:spLocks noGrp="1" noRot="1" noChangeAspect="1"/>
+          </p:cNvSpPr>
+          <p:nvPr>
+            <p:ph type="sldImg"/>
+          </p:nvPr>
+        </p:nvSpPr>
+        <p:spPr/>
+      </p:sp>
+      <p:sp>
+        <p:nvSpPr>
+          <p:cNvPr id="3" name="Notes Placeholder 2"/>
+          <p:cNvSpPr>
+            <a:spLocks noGrp="1"/>
+          </p:cNvSpPr>
+          <p:nvPr>
+            <p:ph type="body" idx="1"/>
+          </p:nvPr>
+        </p:nvSpPr>
+        <p:spPr/>
+        <p:txBody>
+          <a:bodyPr/>
+          <a:lstStyle/>
+          <a:p>
+            <a:endParaRPr lang="en-US" dirty="0"/>
+          </a:p>
+        </p:txBody>
+      </p:sp>
+      <p:sp>
+        <p:nvSpPr>
+          <p:cNvPr id="4" name="Slide Number Placeholder 3"/>
+          <p:cNvSpPr>
+            <a:spLocks noGrp="1"/>
+          </p:cNvSpPr>
+          <p:nvPr>
+            <p:ph type="sldNum" sz="quarter" idx="5"/>
+          </p:nvPr>
+        </p:nvSpPr>
+        <p:spPr/>
+        <p:txBody>
+          <a:bodyPr/>
+          <a:lstStyle/>
+          <a:p>
+            <a:fld id="{B8F50897-46D4-4391-9126-944AB571EA1F}" type="slidenum">
+              <a:rPr lang="en-US" smtClean="0"/>
+              <a:t>7</a:t>
+            </a:fld>
+            <a:endParaRPr lang="en-US"/>
+          </a:p>
+        </p:txBody>
+      </p:sp>
+    </p:spTree>
+    <p:extLst>
+      <p:ext uri="{BB962C8B-B14F-4D97-AF65-F5344CB8AC3E}">
+        <p14:creationId xmlns:p14="http://schemas.microsoft.com/office/powerpoint/2010/main" val="904151549"/>
+      </p:ext>
+    </p:extLst>
+  </p:cSld>
+  <p:clrMapOvr>
+    <a:masterClrMapping/>
+  </p:clrMapOvr>
+</p:notes>
 </file>
 
 <file path=ppt/slideLayouts/slideLayout1.xml><?xml version="1.0" encoding="utf-8"?>
@@ -3268,6 +8614,143 @@
           <p:cNvPr id="2" name="Title 1">
             <a:extLst>
               <a:ext uri="{FF2B5EF4-FFF2-40B4-BE49-F238E27FC236}">
+                <a16:creationId xmlns:a16="http://schemas.microsoft.com/office/drawing/2014/main" id="{08A7223D-7216-6876-AEDE-138129C277E1}"/>
+              </a:ext>
+            </a:extLst>
+          </p:cNvPr>
+          <p:cNvSpPr>
+            <a:spLocks noGrp="1"/>
+          </p:cNvSpPr>
+          <p:nvPr>
+            <p:ph type="title"/>
+          </p:nvPr>
+        </p:nvSpPr>
+        <p:spPr/>
+        <p:txBody>
+          <a:bodyPr>
+            <a:normAutofit fontScale="90000"/>
+          </a:bodyPr>
+          <a:lstStyle/>
+          <a:p>
+            <a:br>
+              <a:rPr lang="en-US" b="1" dirty="0">
+                <a:latin typeface="Times New Roman" panose="02020603050405020304" pitchFamily="18" charset="0"/>
+                <a:cs typeface="Times New Roman" panose="02020603050405020304" pitchFamily="18" charset="0"/>
+              </a:rPr>
+            </a:br>
+            <a:r>
+              <a:rPr lang="en-US" b="1" dirty="0">
+                <a:latin typeface="Times New Roman" panose="02020603050405020304" pitchFamily="18" charset="0"/>
+                <a:cs typeface="Times New Roman" panose="02020603050405020304" pitchFamily="18" charset="0"/>
+              </a:rPr>
+              <a:t>Fertilizer Consumption Trends Over Time</a:t>
+            </a:r>
+            <a:br>
+              <a:rPr lang="en-US" b="1" dirty="0"/>
+            </a:br>
+            <a:endParaRPr lang="en-US" dirty="0"/>
+          </a:p>
+        </p:txBody>
+      </p:sp>
+      <p:pic>
+        <p:nvPicPr>
+          <p:cNvPr id="3074" name="Picture 2">
+            <a:extLst>
+              <a:ext uri="{FF2B5EF4-FFF2-40B4-BE49-F238E27FC236}">
+                <a16:creationId xmlns:a16="http://schemas.microsoft.com/office/drawing/2014/main" id="{E1C6CD26-7CDD-FE6C-8EFC-C6097F5EA070}"/>
+              </a:ext>
+            </a:extLst>
+          </p:cNvPr>
+          <p:cNvPicPr>
+            <a:picLocks noGrp="1" noChangeAspect="1" noChangeArrowheads="1"/>
+          </p:cNvPicPr>
+          <p:nvPr>
+            <p:ph idx="1"/>
+          </p:nvPr>
+        </p:nvPicPr>
+        <p:blipFill>
+          <a:blip r:embed="rId3">
+            <a:extLst>
+              <a:ext uri="{28A0092B-C50C-407E-A947-70E740481C1C}">
+                <a14:useLocalDpi xmlns:a14="http://schemas.microsoft.com/office/drawing/2010/main" val="0"/>
+              </a:ext>
+            </a:extLst>
+          </a:blip>
+          <a:srcRect/>
+          <a:stretch>
+            <a:fillRect/>
+          </a:stretch>
+        </p:blipFill>
+        <p:spPr bwMode="auto">
+          <a:xfrm>
+            <a:off x="457200" y="1827388"/>
+            <a:ext cx="8229600" cy="4071587"/>
+          </a:xfrm>
+          <a:prstGeom prst="rect">
+            <a:avLst/>
+          </a:prstGeom>
+          <a:noFill/>
+          <a:extLst>
+            <a:ext uri="{909E8E84-426E-40DD-AFC4-6F175D3DCCD1}">
+              <a14:hiddenFill xmlns:a14="http://schemas.microsoft.com/office/drawing/2010/main">
+                <a:solidFill>
+                  <a:srgbClr val="FFFFFF"/>
+                </a:solidFill>
+              </a14:hiddenFill>
+            </a:ext>
+          </a:extLst>
+        </p:spPr>
+      </p:pic>
+    </p:spTree>
+    <p:extLst>
+      <p:ext uri="{BB962C8B-B14F-4D97-AF65-F5344CB8AC3E}">
+        <p14:creationId xmlns:p14="http://schemas.microsoft.com/office/powerpoint/2010/main" val="3006515765"/>
+      </p:ext>
+    </p:extLst>
+  </p:cSld>
+  <p:clrMapOvr>
+    <a:masterClrMapping/>
+  </p:clrMapOvr>
+</p:sld>
+</file>
+
+<file path=ppt/slides/slide11.xml><?xml version="1.0" encoding="utf-8"?>
+<p:sld xmlns:a="http://schemas.openxmlformats.org/drawingml/2006/main" xmlns:r="http://schemas.openxmlformats.org/officeDocument/2006/relationships" xmlns:p="http://schemas.openxmlformats.org/presentationml/2006/main">
+  <p:cSld>
+    <p:bg>
+      <p:bgPr>
+        <a:blipFill dpi="0" rotWithShape="1">
+          <a:blip r:embed="rId2">
+            <a:alphaModFix amt="20000"/>
+            <a:lum/>
+          </a:blip>
+          <a:srcRect/>
+          <a:stretch>
+            <a:fillRect l="-6000" r="-6000"/>
+          </a:stretch>
+        </a:blipFill>
+        <a:effectLst/>
+      </p:bgPr>
+    </p:bg>
+    <p:spTree>
+      <p:nvGrpSpPr>
+        <p:cNvPr id="1" name=""/>
+        <p:cNvGrpSpPr/>
+        <p:nvPr/>
+      </p:nvGrpSpPr>
+      <p:grpSpPr>
+        <a:xfrm>
+          <a:off x="0" y="0"/>
+          <a:ext cx="0" cy="0"/>
+          <a:chOff x="0" y="0"/>
+          <a:chExt cx="0" cy="0"/>
+        </a:xfrm>
+      </p:grpSpPr>
+      <p:sp>
+        <p:nvSpPr>
+          <p:cNvPr id="2" name="Title 1">
+            <a:extLst>
+              <a:ext uri="{FF2B5EF4-FFF2-40B4-BE49-F238E27FC236}">
                 <a16:creationId xmlns:a16="http://schemas.microsoft.com/office/drawing/2014/main" id="{7355A998-A943-2211-3954-15EFAD695B56}"/>
               </a:ext>
             </a:extLst>
@@ -3428,7 +8911,7 @@
 </p:sld>
 </file>
 
-<file path=ppt/slides/slide11.xml><?xml version="1.0" encoding="utf-8"?>
+<file path=ppt/slides/slide12.xml><?xml version="1.0" encoding="utf-8"?>
 <p:sld xmlns:a="http://schemas.openxmlformats.org/drawingml/2006/main" xmlns:r="http://schemas.openxmlformats.org/officeDocument/2006/relationships" xmlns:p="http://schemas.openxmlformats.org/presentationml/2006/main">
   <p:cSld>
     <p:bg>
@@ -3562,7 +9045,7 @@
 </p:sld>
 </file>
 
-<file path=ppt/slides/slide12.xml><?xml version="1.0" encoding="utf-8"?>
+<file path=ppt/slides/slide13.xml><?xml version="1.0" encoding="utf-8"?>
 <p:sld xmlns:a="http://schemas.openxmlformats.org/drawingml/2006/main" xmlns:r="http://schemas.openxmlformats.org/officeDocument/2006/relationships" xmlns:p="http://schemas.openxmlformats.org/presentationml/2006/main">
   <p:cSld>
     <p:bg>
@@ -3724,7 +9207,7 @@
 </p:sld>
 </file>
 
-<file path=ppt/slides/slide13.xml><?xml version="1.0" encoding="utf-8"?>
+<file path=ppt/slides/slide14.xml><?xml version="1.0" encoding="utf-8"?>
 <p:sld xmlns:a="http://schemas.openxmlformats.org/drawingml/2006/main" xmlns:r="http://schemas.openxmlformats.org/officeDocument/2006/relationships" xmlns:p="http://schemas.openxmlformats.org/presentationml/2006/main">
   <p:cSld>
     <p:bg>
@@ -3861,7 +9344,7 @@
 </p:sld>
 </file>
 
-<file path=ppt/slides/slide14.xml><?xml version="1.0" encoding="utf-8"?>
+<file path=ppt/slides/slide15.xml><?xml version="1.0" encoding="utf-8"?>
 <p:sld xmlns:a="http://schemas.openxmlformats.org/drawingml/2006/main" xmlns:r="http://schemas.openxmlformats.org/officeDocument/2006/relationships" xmlns:p="http://schemas.openxmlformats.org/presentationml/2006/main">
   <p:cSld>
     <p:bg>
@@ -4035,7 +9518,7 @@
 </p:sld>
 </file>
 
-<file path=ppt/slides/slide15.xml><?xml version="1.0" encoding="utf-8"?>
+<file path=ppt/slides/slide16.xml><?xml version="1.0" encoding="utf-8"?>
 <p:sld xmlns:a="http://schemas.openxmlformats.org/drawingml/2006/main" xmlns:r="http://schemas.openxmlformats.org/officeDocument/2006/relationships" xmlns:p="http://schemas.openxmlformats.org/presentationml/2006/main">
   <p:cSld>
     <p:bg>
@@ -4234,7 +9717,7 @@
 </p:sld>
 </file>
 
-<file path=ppt/slides/slide16.xml><?xml version="1.0" encoding="utf-8"?>
+<file path=ppt/slides/slide17.xml><?xml version="1.0" encoding="utf-8"?>
 <p:sld xmlns:a="http://schemas.openxmlformats.org/drawingml/2006/main" xmlns:r="http://schemas.openxmlformats.org/officeDocument/2006/relationships" xmlns:p="http://schemas.openxmlformats.org/presentationml/2006/main">
   <p:cSld>
     <p:bg>
@@ -4418,7 +9901,7 @@
 </p:sld>
 </file>
 
-<file path=ppt/slides/slide17.xml><?xml version="1.0" encoding="utf-8"?>
+<file path=ppt/slides/slide18.xml><?xml version="1.0" encoding="utf-8"?>
 <p:sld xmlns:a="http://schemas.openxmlformats.org/drawingml/2006/main" xmlns:r="http://schemas.openxmlformats.org/officeDocument/2006/relationships" xmlns:p="http://schemas.openxmlformats.org/presentationml/2006/main">
   <p:cSld>
     <p:bg>
@@ -4632,7 +10115,7 @@
 </p:sld>
 </file>
 
-<file path=ppt/slides/slide18.xml><?xml version="1.0" encoding="utf-8"?>
+<file path=ppt/slides/slide19.xml><?xml version="1.0" encoding="utf-8"?>
 <p:sld xmlns:a="http://schemas.openxmlformats.org/drawingml/2006/main" xmlns:r="http://schemas.openxmlformats.org/officeDocument/2006/relationships" xmlns:p="http://schemas.openxmlformats.org/presentationml/2006/main">
   <p:cSld>
     <p:bg>
@@ -4819,7 +10302,206 @@
 </p:sld>
 </file>
 
-<file path=ppt/slides/slide19.xml><?xml version="1.0" encoding="utf-8"?>
+<file path=ppt/slides/slide2.xml><?xml version="1.0" encoding="utf-8"?>
+<p:sld xmlns:a="http://schemas.openxmlformats.org/drawingml/2006/main" xmlns:r="http://schemas.openxmlformats.org/officeDocument/2006/relationships" xmlns:p="http://schemas.openxmlformats.org/presentationml/2006/main">
+  <p:cSld>
+    <p:bg>
+      <p:bgPr>
+        <a:blipFill dpi="0" rotWithShape="1">
+          <a:blip r:embed="rId2">
+            <a:alphaModFix amt="20000"/>
+            <a:lum/>
+          </a:blip>
+          <a:srcRect/>
+          <a:stretch>
+            <a:fillRect l="-6000" r="-6000"/>
+          </a:stretch>
+        </a:blipFill>
+        <a:effectLst/>
+      </p:bgPr>
+    </p:bg>
+    <p:spTree>
+      <p:nvGrpSpPr>
+        <p:cNvPr id="1" name=""/>
+        <p:cNvGrpSpPr/>
+        <p:nvPr/>
+      </p:nvGrpSpPr>
+      <p:grpSpPr>
+        <a:xfrm>
+          <a:off x="0" y="0"/>
+          <a:ext cx="0" cy="0"/>
+          <a:chOff x="0" y="0"/>
+          <a:chExt cx="0" cy="0"/>
+        </a:xfrm>
+      </p:grpSpPr>
+      <p:sp>
+        <p:nvSpPr>
+          <p:cNvPr id="2" name="Title 1">
+            <a:extLst>
+              <a:ext uri="{FF2B5EF4-FFF2-40B4-BE49-F238E27FC236}">
+                <a16:creationId xmlns:a16="http://schemas.microsoft.com/office/drawing/2014/main" id="{03254997-B8CD-4C69-CA51-4789E0A5BBC6}"/>
+              </a:ext>
+            </a:extLst>
+          </p:cNvPr>
+          <p:cNvSpPr>
+            <a:spLocks noGrp="1"/>
+          </p:cNvSpPr>
+          <p:nvPr>
+            <p:ph type="title"/>
+          </p:nvPr>
+        </p:nvSpPr>
+        <p:spPr/>
+        <p:txBody>
+          <a:bodyPr>
+            <a:normAutofit fontScale="90000"/>
+          </a:bodyPr>
+          <a:lstStyle/>
+          <a:p>
+            <a:br>
+              <a:rPr lang="en-US" b="1" dirty="0">
+                <a:latin typeface="Times New Roman" panose="02020603050405020304" pitchFamily="18" charset="0"/>
+                <a:cs typeface="Times New Roman" panose="02020603050405020304" pitchFamily="18" charset="0"/>
+              </a:rPr>
+            </a:br>
+            <a:r>
+              <a:rPr lang="en-US" b="1" dirty="0">
+                <a:latin typeface="Times New Roman" panose="02020603050405020304" pitchFamily="18" charset="0"/>
+                <a:cs typeface="Times New Roman" panose="02020603050405020304" pitchFamily="18" charset="0"/>
+              </a:rPr>
+              <a:t>Business Context/Problem</a:t>
+            </a:r>
+            <a:br>
+              <a:rPr lang="en-US" b="1" dirty="0"/>
+            </a:br>
+            <a:endParaRPr lang="en-US" dirty="0"/>
+          </a:p>
+        </p:txBody>
+      </p:sp>
+      <p:sp>
+        <p:nvSpPr>
+          <p:cNvPr id="3" name="Content Placeholder 2">
+            <a:extLst>
+              <a:ext uri="{FF2B5EF4-FFF2-40B4-BE49-F238E27FC236}">
+                <a16:creationId xmlns:a16="http://schemas.microsoft.com/office/drawing/2014/main" id="{0E6475C2-59CA-3DB5-6955-89A412AFF448}"/>
+              </a:ext>
+            </a:extLst>
+          </p:cNvPr>
+          <p:cNvSpPr>
+            <a:spLocks noGrp="1"/>
+          </p:cNvSpPr>
+          <p:nvPr>
+            <p:ph idx="1"/>
+          </p:nvPr>
+        </p:nvSpPr>
+        <p:spPr/>
+        <p:txBody>
+          <a:bodyPr>
+            <a:normAutofit fontScale="92500" lnSpcReduction="20000"/>
+          </a:bodyPr>
+          <a:lstStyle/>
+          <a:p>
+            <a:pPr marL="0" indent="0">
+              <a:buNone/>
+            </a:pPr>
+            <a:endParaRPr lang="en-US" sz="2800" b="1" dirty="0">
+              <a:latin typeface="Times New Roman" panose="02020603050405020304" pitchFamily="18" charset="0"/>
+              <a:cs typeface="Times New Roman" panose="02020603050405020304" pitchFamily="18" charset="0"/>
+            </a:endParaRPr>
+          </a:p>
+          <a:p>
+            <a:pPr marL="0" indent="0">
+              <a:buNone/>
+            </a:pPr>
+            <a:r>
+              <a:rPr lang="en-US" sz="2800" b="1" dirty="0">
+                <a:latin typeface="Times New Roman" panose="02020603050405020304" pitchFamily="18" charset="0"/>
+                <a:cs typeface="Times New Roman" panose="02020603050405020304" pitchFamily="18" charset="0"/>
+              </a:rPr>
+              <a:t>Problem Statement</a:t>
+            </a:r>
+            <a:br>
+              <a:rPr lang="en-US" sz="2800" dirty="0">
+                <a:latin typeface="Times New Roman" panose="02020603050405020304" pitchFamily="18" charset="0"/>
+                <a:cs typeface="Times New Roman" panose="02020603050405020304" pitchFamily="18" charset="0"/>
+              </a:rPr>
+            </a:br>
+            <a:r>
+              <a:rPr lang="en-US" sz="2800" dirty="0">
+                <a:latin typeface="Times New Roman" panose="02020603050405020304" pitchFamily="18" charset="0"/>
+                <a:cs typeface="Times New Roman" panose="02020603050405020304" pitchFamily="18" charset="0"/>
+              </a:rPr>
+              <a:t>Despite increasing fertilizer consumption in East Africa, agricultural productivity remains inconsistent and often underwhelming. This project investigates whether current fertilizer usage aligns with optimal efficiency and how it impacts overall agricultural output.</a:t>
+            </a:r>
+          </a:p>
+          <a:p>
+            <a:pPr marL="0" indent="0">
+              <a:buNone/>
+            </a:pPr>
+            <a:endParaRPr lang="en-US" sz="2800" dirty="0">
+              <a:latin typeface="Times New Roman" panose="02020603050405020304" pitchFamily="18" charset="0"/>
+              <a:cs typeface="Times New Roman" panose="02020603050405020304" pitchFamily="18" charset="0"/>
+            </a:endParaRPr>
+          </a:p>
+          <a:p>
+            <a:pPr marL="0" indent="0">
+              <a:buNone/>
+            </a:pPr>
+            <a:r>
+              <a:rPr lang="en-US" sz="2800" b="1" dirty="0">
+                <a:latin typeface="Times New Roman" panose="02020603050405020304" pitchFamily="18" charset="0"/>
+                <a:cs typeface="Times New Roman" panose="02020603050405020304" pitchFamily="18" charset="0"/>
+              </a:rPr>
+              <a:t>The Challenge:</a:t>
+            </a:r>
+            <a:r>
+              <a:rPr lang="en-US" sz="2800" dirty="0">
+                <a:latin typeface="Times New Roman" panose="02020603050405020304" pitchFamily="18" charset="0"/>
+                <a:cs typeface="Times New Roman" panose="02020603050405020304" pitchFamily="18" charset="0"/>
+              </a:rPr>
+              <a:t> </a:t>
+            </a:r>
+            <a:br>
+              <a:rPr lang="en-US" sz="2800" dirty="0">
+                <a:latin typeface="Times New Roman" panose="02020603050405020304" pitchFamily="18" charset="0"/>
+                <a:cs typeface="Times New Roman" panose="02020603050405020304" pitchFamily="18" charset="0"/>
+              </a:rPr>
+            </a:br>
+            <a:r>
+              <a:rPr lang="en-US" sz="2800" dirty="0">
+                <a:latin typeface="Times New Roman" panose="02020603050405020304" pitchFamily="18" charset="0"/>
+                <a:cs typeface="Times New Roman" panose="02020603050405020304" pitchFamily="18" charset="0"/>
+              </a:rPr>
+              <a:t>East African nations face a critical challenge: How to boost agricultural productivity without over-relying on chemical fertilizers.</a:t>
+            </a:r>
+          </a:p>
+          <a:p>
+            <a:pPr marL="0" indent="0">
+              <a:buNone/>
+            </a:pPr>
+            <a:endParaRPr lang="en-US" sz="2800" dirty="0">
+              <a:latin typeface="Times New Roman" panose="02020603050405020304" pitchFamily="18" charset="0"/>
+              <a:cs typeface="Times New Roman" panose="02020603050405020304" pitchFamily="18" charset="0"/>
+            </a:endParaRPr>
+          </a:p>
+          <a:p>
+            <a:endParaRPr lang="en-US" dirty="0"/>
+          </a:p>
+        </p:txBody>
+      </p:sp>
+    </p:spTree>
+    <p:extLst>
+      <p:ext uri="{BB962C8B-B14F-4D97-AF65-F5344CB8AC3E}">
+        <p14:creationId xmlns:p14="http://schemas.microsoft.com/office/powerpoint/2010/main" val="216901906"/>
+      </p:ext>
+    </p:extLst>
+  </p:cSld>
+  <p:clrMapOvr>
+    <a:masterClrMapping/>
+  </p:clrMapOvr>
+</p:sld>
+</file>
+
+<file path=ppt/slides/slide20.xml><?xml version="1.0" encoding="utf-8"?>
 <p:sld xmlns:a="http://schemas.openxmlformats.org/drawingml/2006/main" xmlns:r="http://schemas.openxmlformats.org/officeDocument/2006/relationships" xmlns:p="http://schemas.openxmlformats.org/presentationml/2006/main">
   <p:cSld>
     <p:bg>
@@ -5040,206 +10722,7 @@
 </p:sld>
 </file>
 
-<file path=ppt/slides/slide2.xml><?xml version="1.0" encoding="utf-8"?>
-<p:sld xmlns:a="http://schemas.openxmlformats.org/drawingml/2006/main" xmlns:r="http://schemas.openxmlformats.org/officeDocument/2006/relationships" xmlns:p="http://schemas.openxmlformats.org/presentationml/2006/main">
-  <p:cSld>
-    <p:bg>
-      <p:bgPr>
-        <a:blipFill dpi="0" rotWithShape="1">
-          <a:blip r:embed="rId2">
-            <a:alphaModFix amt="20000"/>
-            <a:lum/>
-          </a:blip>
-          <a:srcRect/>
-          <a:stretch>
-            <a:fillRect l="-6000" r="-6000"/>
-          </a:stretch>
-        </a:blipFill>
-        <a:effectLst/>
-      </p:bgPr>
-    </p:bg>
-    <p:spTree>
-      <p:nvGrpSpPr>
-        <p:cNvPr id="1" name=""/>
-        <p:cNvGrpSpPr/>
-        <p:nvPr/>
-      </p:nvGrpSpPr>
-      <p:grpSpPr>
-        <a:xfrm>
-          <a:off x="0" y="0"/>
-          <a:ext cx="0" cy="0"/>
-          <a:chOff x="0" y="0"/>
-          <a:chExt cx="0" cy="0"/>
-        </a:xfrm>
-      </p:grpSpPr>
-      <p:sp>
-        <p:nvSpPr>
-          <p:cNvPr id="2" name="Title 1">
-            <a:extLst>
-              <a:ext uri="{FF2B5EF4-FFF2-40B4-BE49-F238E27FC236}">
-                <a16:creationId xmlns:a16="http://schemas.microsoft.com/office/drawing/2014/main" id="{03254997-B8CD-4C69-CA51-4789E0A5BBC6}"/>
-              </a:ext>
-            </a:extLst>
-          </p:cNvPr>
-          <p:cNvSpPr>
-            <a:spLocks noGrp="1"/>
-          </p:cNvSpPr>
-          <p:nvPr>
-            <p:ph type="title"/>
-          </p:nvPr>
-        </p:nvSpPr>
-        <p:spPr/>
-        <p:txBody>
-          <a:bodyPr>
-            <a:normAutofit fontScale="90000"/>
-          </a:bodyPr>
-          <a:lstStyle/>
-          <a:p>
-            <a:br>
-              <a:rPr lang="en-US" b="1" dirty="0">
-                <a:latin typeface="Times New Roman" panose="02020603050405020304" pitchFamily="18" charset="0"/>
-                <a:cs typeface="Times New Roman" panose="02020603050405020304" pitchFamily="18" charset="0"/>
-              </a:rPr>
-            </a:br>
-            <a:r>
-              <a:rPr lang="en-US" b="1" dirty="0">
-                <a:latin typeface="Times New Roman" panose="02020603050405020304" pitchFamily="18" charset="0"/>
-                <a:cs typeface="Times New Roman" panose="02020603050405020304" pitchFamily="18" charset="0"/>
-              </a:rPr>
-              <a:t>Business Context/Problem</a:t>
-            </a:r>
-            <a:br>
-              <a:rPr lang="en-US" b="1" dirty="0"/>
-            </a:br>
-            <a:endParaRPr lang="en-US" dirty="0"/>
-          </a:p>
-        </p:txBody>
-      </p:sp>
-      <p:sp>
-        <p:nvSpPr>
-          <p:cNvPr id="3" name="Content Placeholder 2">
-            <a:extLst>
-              <a:ext uri="{FF2B5EF4-FFF2-40B4-BE49-F238E27FC236}">
-                <a16:creationId xmlns:a16="http://schemas.microsoft.com/office/drawing/2014/main" id="{0E6475C2-59CA-3DB5-6955-89A412AFF448}"/>
-              </a:ext>
-            </a:extLst>
-          </p:cNvPr>
-          <p:cNvSpPr>
-            <a:spLocks noGrp="1"/>
-          </p:cNvSpPr>
-          <p:nvPr>
-            <p:ph idx="1"/>
-          </p:nvPr>
-        </p:nvSpPr>
-        <p:spPr/>
-        <p:txBody>
-          <a:bodyPr>
-            <a:normAutofit fontScale="92500" lnSpcReduction="20000"/>
-          </a:bodyPr>
-          <a:lstStyle/>
-          <a:p>
-            <a:pPr marL="0" indent="0">
-              <a:buNone/>
-            </a:pPr>
-            <a:endParaRPr lang="en-US" sz="2800" b="1" dirty="0">
-              <a:latin typeface="Times New Roman" panose="02020603050405020304" pitchFamily="18" charset="0"/>
-              <a:cs typeface="Times New Roman" panose="02020603050405020304" pitchFamily="18" charset="0"/>
-            </a:endParaRPr>
-          </a:p>
-          <a:p>
-            <a:pPr marL="0" indent="0">
-              <a:buNone/>
-            </a:pPr>
-            <a:r>
-              <a:rPr lang="en-US" sz="2800" b="1" dirty="0">
-                <a:latin typeface="Times New Roman" panose="02020603050405020304" pitchFamily="18" charset="0"/>
-                <a:cs typeface="Times New Roman" panose="02020603050405020304" pitchFamily="18" charset="0"/>
-              </a:rPr>
-              <a:t>Problem Statement</a:t>
-            </a:r>
-            <a:br>
-              <a:rPr lang="en-US" sz="2800" dirty="0">
-                <a:latin typeface="Times New Roman" panose="02020603050405020304" pitchFamily="18" charset="0"/>
-                <a:cs typeface="Times New Roman" panose="02020603050405020304" pitchFamily="18" charset="0"/>
-              </a:rPr>
-            </a:br>
-            <a:r>
-              <a:rPr lang="en-US" sz="2800" dirty="0">
-                <a:latin typeface="Times New Roman" panose="02020603050405020304" pitchFamily="18" charset="0"/>
-                <a:cs typeface="Times New Roman" panose="02020603050405020304" pitchFamily="18" charset="0"/>
-              </a:rPr>
-              <a:t>Despite increasing fertilizer consumption in East Africa, agricultural productivity remains inconsistent and often underwhelming. This project investigates whether current fertilizer usage aligns with optimal efficiency and how it impacts overall agricultural output.</a:t>
-            </a:r>
-          </a:p>
-          <a:p>
-            <a:pPr marL="0" indent="0">
-              <a:buNone/>
-            </a:pPr>
-            <a:endParaRPr lang="en-US" sz="2800" dirty="0">
-              <a:latin typeface="Times New Roman" panose="02020603050405020304" pitchFamily="18" charset="0"/>
-              <a:cs typeface="Times New Roman" panose="02020603050405020304" pitchFamily="18" charset="0"/>
-            </a:endParaRPr>
-          </a:p>
-          <a:p>
-            <a:pPr marL="0" indent="0">
-              <a:buNone/>
-            </a:pPr>
-            <a:r>
-              <a:rPr lang="en-US" sz="2800" b="1" dirty="0">
-                <a:latin typeface="Times New Roman" panose="02020603050405020304" pitchFamily="18" charset="0"/>
-                <a:cs typeface="Times New Roman" panose="02020603050405020304" pitchFamily="18" charset="0"/>
-              </a:rPr>
-              <a:t>The Challenge:</a:t>
-            </a:r>
-            <a:r>
-              <a:rPr lang="en-US" sz="2800" dirty="0">
-                <a:latin typeface="Times New Roman" panose="02020603050405020304" pitchFamily="18" charset="0"/>
-                <a:cs typeface="Times New Roman" panose="02020603050405020304" pitchFamily="18" charset="0"/>
-              </a:rPr>
-              <a:t> </a:t>
-            </a:r>
-            <a:br>
-              <a:rPr lang="en-US" sz="2800" dirty="0">
-                <a:latin typeface="Times New Roman" panose="02020603050405020304" pitchFamily="18" charset="0"/>
-                <a:cs typeface="Times New Roman" panose="02020603050405020304" pitchFamily="18" charset="0"/>
-              </a:rPr>
-            </a:br>
-            <a:r>
-              <a:rPr lang="en-US" sz="2800" dirty="0">
-                <a:latin typeface="Times New Roman" panose="02020603050405020304" pitchFamily="18" charset="0"/>
-                <a:cs typeface="Times New Roman" panose="02020603050405020304" pitchFamily="18" charset="0"/>
-              </a:rPr>
-              <a:t>East African nations face a critical challenge: How to boost agricultural productivity without over-relying on chemical fertilizers.</a:t>
-            </a:r>
-          </a:p>
-          <a:p>
-            <a:pPr marL="0" indent="0">
-              <a:buNone/>
-            </a:pPr>
-            <a:endParaRPr lang="en-US" sz="2800" dirty="0">
-              <a:latin typeface="Times New Roman" panose="02020603050405020304" pitchFamily="18" charset="0"/>
-              <a:cs typeface="Times New Roman" panose="02020603050405020304" pitchFamily="18" charset="0"/>
-            </a:endParaRPr>
-          </a:p>
-          <a:p>
-            <a:endParaRPr lang="en-US" dirty="0"/>
-          </a:p>
-        </p:txBody>
-      </p:sp>
-    </p:spTree>
-    <p:extLst>
-      <p:ext uri="{BB962C8B-B14F-4D97-AF65-F5344CB8AC3E}">
-        <p14:creationId xmlns:p14="http://schemas.microsoft.com/office/powerpoint/2010/main" val="216901906"/>
-      </p:ext>
-    </p:extLst>
-  </p:cSld>
-  <p:clrMapOvr>
-    <a:masterClrMapping/>
-  </p:clrMapOvr>
-</p:sld>
-</file>
-
-<file path=ppt/slides/slide20.xml><?xml version="1.0" encoding="utf-8"?>
+<file path=ppt/slides/slide21.xml><?xml version="1.0" encoding="utf-8"?>
 <p:sld xmlns:a="http://schemas.openxmlformats.org/drawingml/2006/main" xmlns:r="http://schemas.openxmlformats.org/officeDocument/2006/relationships" xmlns:p="http://schemas.openxmlformats.org/presentationml/2006/main">
   <p:cSld>
     <p:bg>
@@ -5426,7 +10909,7 @@
 </p:sld>
 </file>
 
-<file path=ppt/slides/slide21.xml><?xml version="1.0" encoding="utf-8"?>
+<file path=ppt/slides/slide22.xml><?xml version="1.0" encoding="utf-8"?>
 <p:sld xmlns:a="http://schemas.openxmlformats.org/drawingml/2006/main" xmlns:r="http://schemas.openxmlformats.org/officeDocument/2006/relationships" xmlns:p="http://schemas.openxmlformats.org/presentationml/2006/main">
   <p:cSld>
     <p:bg>
@@ -5578,7 +11061,7 @@
 </p:sld>
 </file>
 
-<file path=ppt/slides/slide22.xml><?xml version="1.0" encoding="utf-8"?>
+<file path=ppt/slides/slide23.xml><?xml version="1.0" encoding="utf-8"?>
 <p:sld xmlns:a="http://schemas.openxmlformats.org/drawingml/2006/main" xmlns:r="http://schemas.openxmlformats.org/officeDocument/2006/relationships" xmlns:p="http://schemas.openxmlformats.org/presentationml/2006/main">
   <p:cSld>
     <p:bg>
@@ -5892,7 +11375,7 @@
 </p:sld>
 </file>
 
-<file path=ppt/slides/slide23.xml><?xml version="1.0" encoding="utf-8"?>
+<file path=ppt/slides/slide24.xml><?xml version="1.0" encoding="utf-8"?>
 <p:sld xmlns:a="http://schemas.openxmlformats.org/drawingml/2006/main" xmlns:r="http://schemas.openxmlformats.org/officeDocument/2006/relationships" xmlns:p="http://schemas.openxmlformats.org/presentationml/2006/main">
   <p:cSld>
     <p:bg>
@@ -6972,21 +12455,6 @@
 <file path=ppt/slides/slide7.xml><?xml version="1.0" encoding="utf-8"?>
 <p:sld xmlns:a="http://schemas.openxmlformats.org/drawingml/2006/main" xmlns:r="http://schemas.openxmlformats.org/officeDocument/2006/relationships" xmlns:p="http://schemas.openxmlformats.org/presentationml/2006/main">
   <p:cSld>
-    <p:bg>
-      <p:bgPr>
-        <a:blipFill dpi="0" rotWithShape="1">
-          <a:blip r:embed="rId2">
-            <a:alphaModFix amt="20000"/>
-            <a:lum/>
-          </a:blip>
-          <a:srcRect/>
-          <a:stretch>
-            <a:fillRect l="-6000" r="-6000"/>
-          </a:stretch>
-        </a:blipFill>
-        <a:effectLst/>
-      </p:bgPr>
-    </p:bg>
     <p:spTree>
       <p:nvGrpSpPr>
         <p:cNvPr id="1" name=""/>
@@ -7001,102 +12469,96 @@
           <a:chExt cx="0" cy="0"/>
         </a:xfrm>
       </p:grpSpPr>
-      <p:sp>
-        <p:nvSpPr>
-          <p:cNvPr id="2" name="Title 1">
+      <p:pic>
+        <p:nvPicPr>
+          <p:cNvPr id="5" name="Content Placeholder 4">
             <a:extLst>
               <a:ext uri="{FF2B5EF4-FFF2-40B4-BE49-F238E27FC236}">
-                <a16:creationId xmlns:a16="http://schemas.microsoft.com/office/drawing/2014/main" id="{3EC975E1-7B56-3DF3-E0FA-AB379ED9F0F0}"/>
-              </a:ext>
-            </a:extLst>
-          </p:cNvPr>
-          <p:cNvSpPr>
-            <a:spLocks noGrp="1"/>
-          </p:cNvSpPr>
-          <p:nvPr>
-            <p:ph type="title"/>
-          </p:nvPr>
-        </p:nvSpPr>
-        <p:spPr/>
-        <p:txBody>
-          <a:bodyPr>
-            <a:normAutofit fontScale="90000"/>
-          </a:bodyPr>
-          <a:lstStyle/>
-          <a:p>
-            <a:br>
-              <a:rPr lang="en-US" b="1" dirty="0">
-                <a:latin typeface="Times New Roman" panose="02020603050405020304" pitchFamily="18" charset="0"/>
-                <a:cs typeface="Times New Roman" panose="02020603050405020304" pitchFamily="18" charset="0"/>
-              </a:rPr>
-            </a:br>
-            <a:r>
-              <a:rPr lang="en-US" b="1" dirty="0">
-                <a:latin typeface="Times New Roman" panose="02020603050405020304" pitchFamily="18" charset="0"/>
-                <a:cs typeface="Times New Roman" panose="02020603050405020304" pitchFamily="18" charset="0"/>
-              </a:rPr>
-              <a:t>Fertilizer Consumption Distribution</a:t>
-            </a:r>
-            <a:br>
-              <a:rPr lang="en-US" b="1" dirty="0"/>
-            </a:br>
-            <a:endParaRPr lang="en-US" dirty="0"/>
-          </a:p>
-        </p:txBody>
-      </p:sp>
-      <p:pic>
-        <p:nvPicPr>
-          <p:cNvPr id="1026" name="Picture 2">
-            <a:extLst>
-              <a:ext uri="{FF2B5EF4-FFF2-40B4-BE49-F238E27FC236}">
-                <a16:creationId xmlns:a16="http://schemas.microsoft.com/office/drawing/2014/main" id="{EE6CD5FA-4548-65D8-66F7-40A4F12825DE}"/>
+                <a16:creationId xmlns:a16="http://schemas.microsoft.com/office/drawing/2014/main" id="{23267AA4-C9C9-A8F3-6840-1069CA46A59E}"/>
               </a:ext>
             </a:extLst>
           </p:cNvPr>
           <p:cNvPicPr>
-            <a:picLocks noGrp="1" noChangeAspect="1" noChangeArrowheads="1"/>
+            <a:picLocks noGrp="1" noChangeAspect="1"/>
           </p:cNvPicPr>
           <p:nvPr>
             <p:ph idx="1"/>
           </p:nvPr>
         </p:nvPicPr>
         <p:blipFill>
-          <a:blip r:embed="rId3">
-            <a:extLst>
-              <a:ext uri="{28A0092B-C50C-407E-A947-70E740481C1C}">
-                <a14:useLocalDpi xmlns:a14="http://schemas.microsoft.com/office/drawing/2010/main" val="0"/>
-              </a:ext>
-            </a:extLst>
-          </a:blip>
-          <a:srcRect/>
+          <a:blip r:embed="rId3"/>
           <a:stretch>
             <a:fillRect/>
           </a:stretch>
         </p:blipFill>
-        <p:spPr bwMode="auto">
+        <p:spPr>
           <a:xfrm>
-            <a:off x="2146603" y="2098102"/>
-            <a:ext cx="4850793" cy="3530159"/>
+            <a:off x="0" y="846137"/>
+            <a:ext cx="5438775" cy="5165725"/>
+          </a:xfrm>
+        </p:spPr>
+      </p:pic>
+      <p:graphicFrame>
+        <p:nvGraphicFramePr>
+          <p:cNvPr id="7" name="Diagram 6">
+            <a:extLst>
+              <a:ext uri="{FF2B5EF4-FFF2-40B4-BE49-F238E27FC236}">
+                <a16:creationId xmlns:a16="http://schemas.microsoft.com/office/drawing/2014/main" id="{44875336-B022-805A-BCAA-18D504554D58}"/>
+              </a:ext>
+            </a:extLst>
+          </p:cNvPr>
+          <p:cNvGraphicFramePr/>
+          <p:nvPr/>
+        </p:nvGraphicFramePr>
+        <p:xfrm>
+          <a:off x="5438774" y="76835"/>
+          <a:ext cx="3705225" cy="6969125"/>
+        </p:xfrm>
+        <a:graphic>
+          <a:graphicData uri="http://schemas.openxmlformats.org/drawingml/2006/diagram">
+            <dgm:relIds xmlns:dgm="http://schemas.openxmlformats.org/drawingml/2006/diagram" xmlns:r="http://schemas.openxmlformats.org/officeDocument/2006/relationships" r:dm="rId4" r:lo="rId5" r:qs="rId6" r:cs="rId7"/>
+          </a:graphicData>
+        </a:graphic>
+      </p:graphicFrame>
+      <p:sp>
+        <p:nvSpPr>
+          <p:cNvPr id="2" name="TextBox 1">
+            <a:extLst>
+              <a:ext uri="{FF2B5EF4-FFF2-40B4-BE49-F238E27FC236}">
+                <a16:creationId xmlns:a16="http://schemas.microsoft.com/office/drawing/2014/main" id="{4C73FE29-9DA6-EEA2-8CD4-82277296CB8E}"/>
+              </a:ext>
+            </a:extLst>
+          </p:cNvPr>
+          <p:cNvSpPr txBox="1"/>
+          <p:nvPr/>
+        </p:nvSpPr>
+        <p:spPr>
+          <a:xfrm>
+            <a:off x="485775" y="276820"/>
+            <a:ext cx="4200525" cy="369332"/>
           </a:xfrm>
           <a:prstGeom prst="rect">
             <a:avLst/>
           </a:prstGeom>
           <a:noFill/>
-          <a:extLst>
-            <a:ext uri="{909E8E84-426E-40DD-AFC4-6F175D3DCCD1}">
-              <a14:hiddenFill xmlns:a14="http://schemas.microsoft.com/office/drawing/2010/main">
-                <a:solidFill>
-                  <a:srgbClr val="FFFFFF"/>
-                </a:solidFill>
-              </a14:hiddenFill>
-            </a:ext>
-          </a:extLst>
         </p:spPr>
-      </p:pic>
+        <p:txBody>
+          <a:bodyPr wrap="square" rtlCol="0">
+            <a:spAutoFit/>
+          </a:bodyPr>
+          <a:lstStyle/>
+          <a:p>
+            <a:r>
+              <a:rPr lang="en-US" b="1" u="sng" dirty="0"/>
+              <a:t>FERTILIZER CONSUMPTION DISTRIBUTION</a:t>
+            </a:r>
+          </a:p>
+        </p:txBody>
+      </p:sp>
     </p:spTree>
     <p:extLst>
       <p:ext uri="{BB962C8B-B14F-4D97-AF65-F5344CB8AC3E}">
-        <p14:creationId xmlns:p14="http://schemas.microsoft.com/office/powerpoint/2010/main" val="2397871754"/>
+        <p14:creationId xmlns:p14="http://schemas.microsoft.com/office/powerpoint/2010/main" val="2963308219"/>
       </p:ext>
     </p:extLst>
   </p:cSld>
@@ -7159,7 +12621,10 @@
           <a:bodyPr/>
           <a:lstStyle/>
           <a:p>
-            <a:endParaRPr lang="en-US"/>
+            <a:r>
+              <a:rPr lang="en-US" dirty="0"/>
+              <a:t>.</a:t>
+            </a:r>
           </a:p>
         </p:txBody>
       </p:sp>
@@ -7179,7 +12644,12 @@
             <p:ph idx="1"/>
           </p:nvPr>
         </p:nvSpPr>
-        <p:spPr/>
+        <p:spPr>
+          <a:xfrm>
+            <a:off x="457200" y="500064"/>
+            <a:ext cx="8229600" cy="5626100"/>
+          </a:xfrm>
+        </p:spPr>
         <p:txBody>
           <a:bodyPr/>
           <a:lstStyle/>
@@ -7297,21 +12767,6 @@
 <file path=ppt/slides/slide9.xml><?xml version="1.0" encoding="utf-8"?>
 <p:sld xmlns:a="http://schemas.openxmlformats.org/drawingml/2006/main" xmlns:r="http://schemas.openxmlformats.org/officeDocument/2006/relationships" xmlns:p="http://schemas.openxmlformats.org/presentationml/2006/main">
   <p:cSld>
-    <p:bg>
-      <p:bgPr>
-        <a:blipFill dpi="0" rotWithShape="1">
-          <a:blip r:embed="rId2">
-            <a:alphaModFix amt="20000"/>
-            <a:lum/>
-          </a:blip>
-          <a:srcRect/>
-          <a:stretch>
-            <a:fillRect l="-6000" r="-6000"/>
-          </a:stretch>
-        </a:blipFill>
-        <a:effectLst/>
-      </p:bgPr>
-    </p:bg>
     <p:spTree>
       <p:nvGrpSpPr>
         <p:cNvPr id="1" name=""/>
@@ -7326,102 +12781,61 @@
           <a:chExt cx="0" cy="0"/>
         </a:xfrm>
       </p:grpSpPr>
-      <p:sp>
-        <p:nvSpPr>
-          <p:cNvPr id="2" name="Title 1">
+      <p:pic>
+        <p:nvPicPr>
+          <p:cNvPr id="5" name="Content Placeholder 4">
             <a:extLst>
               <a:ext uri="{FF2B5EF4-FFF2-40B4-BE49-F238E27FC236}">
-                <a16:creationId xmlns:a16="http://schemas.microsoft.com/office/drawing/2014/main" id="{08A7223D-7216-6876-AEDE-138129C277E1}"/>
-              </a:ext>
-            </a:extLst>
-          </p:cNvPr>
-          <p:cNvSpPr>
-            <a:spLocks noGrp="1"/>
-          </p:cNvSpPr>
-          <p:nvPr>
-            <p:ph type="title"/>
-          </p:nvPr>
-        </p:nvSpPr>
-        <p:spPr/>
-        <p:txBody>
-          <a:bodyPr>
-            <a:normAutofit fontScale="90000"/>
-          </a:bodyPr>
-          <a:lstStyle/>
-          <a:p>
-            <a:br>
-              <a:rPr lang="en-US" b="1" dirty="0">
-                <a:latin typeface="Times New Roman" panose="02020603050405020304" pitchFamily="18" charset="0"/>
-                <a:cs typeface="Times New Roman" panose="02020603050405020304" pitchFamily="18" charset="0"/>
-              </a:rPr>
-            </a:br>
-            <a:r>
-              <a:rPr lang="en-US" b="1" dirty="0">
-                <a:latin typeface="Times New Roman" panose="02020603050405020304" pitchFamily="18" charset="0"/>
-                <a:cs typeface="Times New Roman" panose="02020603050405020304" pitchFamily="18" charset="0"/>
-              </a:rPr>
-              <a:t>Fertilizer Consumption Trends Over Time</a:t>
-            </a:r>
-            <a:br>
-              <a:rPr lang="en-US" b="1" dirty="0"/>
-            </a:br>
-            <a:endParaRPr lang="en-US" dirty="0"/>
-          </a:p>
-        </p:txBody>
-      </p:sp>
-      <p:pic>
-        <p:nvPicPr>
-          <p:cNvPr id="3074" name="Picture 2">
-            <a:extLst>
-              <a:ext uri="{FF2B5EF4-FFF2-40B4-BE49-F238E27FC236}">
-                <a16:creationId xmlns:a16="http://schemas.microsoft.com/office/drawing/2014/main" id="{E1C6CD26-7CDD-FE6C-8EFC-C6097F5EA070}"/>
+                <a16:creationId xmlns:a16="http://schemas.microsoft.com/office/drawing/2014/main" id="{E571E47A-BA38-D0CC-6FF6-E651B534FA35}"/>
               </a:ext>
             </a:extLst>
           </p:cNvPr>
           <p:cNvPicPr>
-            <a:picLocks noGrp="1" noChangeAspect="1" noChangeArrowheads="1"/>
+            <a:picLocks noGrp="1" noChangeAspect="1"/>
           </p:cNvPicPr>
           <p:nvPr>
             <p:ph idx="1"/>
           </p:nvPr>
         </p:nvPicPr>
         <p:blipFill>
-          <a:blip r:embed="rId3">
-            <a:extLst>
-              <a:ext uri="{28A0092B-C50C-407E-A947-70E740481C1C}">
-                <a14:useLocalDpi xmlns:a14="http://schemas.microsoft.com/office/drawing/2010/main" val="0"/>
-              </a:ext>
-            </a:extLst>
-          </a:blip>
-          <a:srcRect/>
+          <a:blip r:embed="rId2"/>
           <a:stretch>
             <a:fillRect/>
           </a:stretch>
         </p:blipFill>
-        <p:spPr bwMode="auto">
+        <p:spPr>
           <a:xfrm>
-            <a:off x="457200" y="1827388"/>
-            <a:ext cx="8229600" cy="4071587"/>
+            <a:off x="2986088" y="904133"/>
+            <a:ext cx="6157911" cy="4743450"/>
           </a:xfrm>
-          <a:prstGeom prst="rect">
-            <a:avLst/>
-          </a:prstGeom>
-          <a:noFill/>
-          <a:extLst>
-            <a:ext uri="{909E8E84-426E-40DD-AFC4-6F175D3DCCD1}">
-              <a14:hiddenFill xmlns:a14="http://schemas.microsoft.com/office/drawing/2010/main">
-                <a:solidFill>
-                  <a:srgbClr val="FFFFFF"/>
-                </a:solidFill>
-              </a14:hiddenFill>
-            </a:ext>
-          </a:extLst>
         </p:spPr>
       </p:pic>
+      <p:graphicFrame>
+        <p:nvGraphicFramePr>
+          <p:cNvPr id="7" name="Diagram 6">
+            <a:extLst>
+              <a:ext uri="{FF2B5EF4-FFF2-40B4-BE49-F238E27FC236}">
+                <a16:creationId xmlns:a16="http://schemas.microsoft.com/office/drawing/2014/main" id="{A39D699B-3386-2579-2B66-8505000C9D40}"/>
+              </a:ext>
+            </a:extLst>
+          </p:cNvPr>
+          <p:cNvGraphicFramePr/>
+          <p:nvPr/>
+        </p:nvGraphicFramePr>
+        <p:xfrm>
+          <a:off x="1" y="2"/>
+          <a:ext cx="2986087" cy="6551712"/>
+        </p:xfrm>
+        <a:graphic>
+          <a:graphicData uri="http://schemas.openxmlformats.org/drawingml/2006/diagram">
+            <dgm:relIds xmlns:dgm="http://schemas.openxmlformats.org/drawingml/2006/diagram" xmlns:r="http://schemas.openxmlformats.org/officeDocument/2006/relationships" r:dm="rId3" r:lo="rId4" r:qs="rId5" r:cs="rId6"/>
+          </a:graphicData>
+        </a:graphic>
+      </p:graphicFrame>
     </p:spTree>
     <p:extLst>
       <p:ext uri="{BB962C8B-B14F-4D97-AF65-F5344CB8AC3E}">
-        <p14:creationId xmlns:p14="http://schemas.microsoft.com/office/powerpoint/2010/main" val="3006515765"/>
+        <p14:creationId xmlns:p14="http://schemas.microsoft.com/office/powerpoint/2010/main" val="1808193976"/>
       </p:ext>
     </p:extLst>
   </p:cSld>
@@ -7749,4 +13163,299 @@
   </a:objectDefaults>
   <a:extraClrSchemeLst/>
 </a:theme>
+</file>
+
+<file path=ppt/theme/theme2.xml><?xml version="1.0" encoding="utf-8"?>
+<a:theme xmlns:a="http://schemas.openxmlformats.org/drawingml/2006/main" name="Office Theme">
+  <a:themeElements>
+    <a:clrScheme name="Office">
+      <a:dk1>
+        <a:sysClr val="windowText" lastClr="000000"/>
+      </a:dk1>
+      <a:lt1>
+        <a:sysClr val="window" lastClr="FFFFFF"/>
+      </a:lt1>
+      <a:dk2>
+        <a:srgbClr val="44546A"/>
+      </a:dk2>
+      <a:lt2>
+        <a:srgbClr val="E7E6E6"/>
+      </a:lt2>
+      <a:accent1>
+        <a:srgbClr val="4472C4"/>
+      </a:accent1>
+      <a:accent2>
+        <a:srgbClr val="ED7D31"/>
+      </a:accent2>
+      <a:accent3>
+        <a:srgbClr val="A5A5A5"/>
+      </a:accent3>
+      <a:accent4>
+        <a:srgbClr val="FFC000"/>
+      </a:accent4>
+      <a:accent5>
+        <a:srgbClr val="5B9BD5"/>
+      </a:accent5>
+      <a:accent6>
+        <a:srgbClr val="70AD47"/>
+      </a:accent6>
+      <a:hlink>
+        <a:srgbClr val="0563C1"/>
+      </a:hlink>
+      <a:folHlink>
+        <a:srgbClr val="954F72"/>
+      </a:folHlink>
+    </a:clrScheme>
+    <a:fontScheme name="Office">
+      <a:majorFont>
+        <a:latin typeface="Calibri Light" panose="020F0302020204030204"/>
+        <a:ea typeface=""/>
+        <a:cs typeface=""/>
+        <a:font script="Jpan" typeface="游ゴシック Light"/>
+        <a:font script="Hang" typeface="맑은 고딕"/>
+        <a:font script="Hans" typeface="等线 Light"/>
+        <a:font script="Hant" typeface="新細明體"/>
+        <a:font script="Arab" typeface="Times New Roman"/>
+        <a:font script="Hebr" typeface="Times New Roman"/>
+        <a:font script="Thai" typeface="Angsana New"/>
+        <a:font script="Ethi" typeface="Nyala"/>
+        <a:font script="Beng" typeface="Vrinda"/>
+        <a:font script="Gujr" typeface="Shruti"/>
+        <a:font script="Khmr" typeface="MoolBoran"/>
+        <a:font script="Knda" typeface="Tunga"/>
+        <a:font script="Guru" typeface="Raavi"/>
+        <a:font script="Cans" typeface="Euphemia"/>
+        <a:font script="Cher" typeface="Plantagenet Cherokee"/>
+        <a:font script="Yiii" typeface="Microsoft Yi Baiti"/>
+        <a:font script="Tibt" typeface="Microsoft Himalaya"/>
+        <a:font script="Thaa" typeface="MV Boli"/>
+        <a:font script="Deva" typeface="Mangal"/>
+        <a:font script="Telu" typeface="Gautami"/>
+        <a:font script="Taml" typeface="Latha"/>
+        <a:font script="Syrc" typeface="Estrangelo Edessa"/>
+        <a:font script="Orya" typeface="Kalinga"/>
+        <a:font script="Mlym" typeface="Kartika"/>
+        <a:font script="Laoo" typeface="DokChampa"/>
+        <a:font script="Sinh" typeface="Iskoola Pota"/>
+        <a:font script="Mong" typeface="Mongolian Baiti"/>
+        <a:font script="Viet" typeface="Times New Roman"/>
+        <a:font script="Uigh" typeface="Microsoft Uighur"/>
+        <a:font script="Geor" typeface="Sylfaen"/>
+        <a:font script="Armn" typeface="Arial"/>
+        <a:font script="Bugi" typeface="Leelawadee UI"/>
+        <a:font script="Bopo" typeface="Microsoft JhengHei"/>
+        <a:font script="Java" typeface="Javanese Text"/>
+        <a:font script="Lisu" typeface="Segoe UI"/>
+        <a:font script="Mymr" typeface="Myanmar Text"/>
+        <a:font script="Nkoo" typeface="Ebrima"/>
+        <a:font script="Olck" typeface="Nirmala UI"/>
+        <a:font script="Osma" typeface="Ebrima"/>
+        <a:font script="Phag" typeface="Phagspa"/>
+        <a:font script="Syrn" typeface="Estrangelo Edessa"/>
+        <a:font script="Syrj" typeface="Estrangelo Edessa"/>
+        <a:font script="Syre" typeface="Estrangelo Edessa"/>
+        <a:font script="Sora" typeface="Nirmala UI"/>
+        <a:font script="Tale" typeface="Microsoft Tai Le"/>
+        <a:font script="Talu" typeface="Microsoft New Tai Lue"/>
+        <a:font script="Tfng" typeface="Ebrima"/>
+      </a:majorFont>
+      <a:minorFont>
+        <a:latin typeface="Calibri" panose="020F0502020204030204"/>
+        <a:ea typeface=""/>
+        <a:cs typeface=""/>
+        <a:font script="Jpan" typeface="游ゴシック"/>
+        <a:font script="Hang" typeface="맑은 고딕"/>
+        <a:font script="Hans" typeface="等线"/>
+        <a:font script="Hant" typeface="新細明體"/>
+        <a:font script="Arab" typeface="Arial"/>
+        <a:font script="Hebr" typeface="Arial"/>
+        <a:font script="Thai" typeface="Cordia New"/>
+        <a:font script="Ethi" typeface="Nyala"/>
+        <a:font script="Beng" typeface="Vrinda"/>
+        <a:font script="Gujr" typeface="Shruti"/>
+        <a:font script="Khmr" typeface="DaunPenh"/>
+        <a:font script="Knda" typeface="Tunga"/>
+        <a:font script="Guru" typeface="Raavi"/>
+        <a:font script="Cans" typeface="Euphemia"/>
+        <a:font script="Cher" typeface="Plantagenet Cherokee"/>
+        <a:font script="Yiii" typeface="Microsoft Yi Baiti"/>
+        <a:font script="Tibt" typeface="Microsoft Himalaya"/>
+        <a:font script="Thaa" typeface="MV Boli"/>
+        <a:font script="Deva" typeface="Mangal"/>
+        <a:font script="Telu" typeface="Gautami"/>
+        <a:font script="Taml" typeface="Latha"/>
+        <a:font script="Syrc" typeface="Estrangelo Edessa"/>
+        <a:font script="Orya" typeface="Kalinga"/>
+        <a:font script="Mlym" typeface="Kartika"/>
+        <a:font script="Laoo" typeface="DokChampa"/>
+        <a:font script="Sinh" typeface="Iskoola Pota"/>
+        <a:font script="Mong" typeface="Mongolian Baiti"/>
+        <a:font script="Viet" typeface="Arial"/>
+        <a:font script="Uigh" typeface="Microsoft Uighur"/>
+        <a:font script="Geor" typeface="Sylfaen"/>
+        <a:font script="Armn" typeface="Arial"/>
+        <a:font script="Bugi" typeface="Leelawadee UI"/>
+        <a:font script="Bopo" typeface="Microsoft JhengHei"/>
+        <a:font script="Java" typeface="Javanese Text"/>
+        <a:font script="Lisu" typeface="Segoe UI"/>
+        <a:font script="Mymr" typeface="Myanmar Text"/>
+        <a:font script="Nkoo" typeface="Ebrima"/>
+        <a:font script="Olck" typeface="Nirmala UI"/>
+        <a:font script="Osma" typeface="Ebrima"/>
+        <a:font script="Phag" typeface="Phagspa"/>
+        <a:font script="Syrn" typeface="Estrangelo Edessa"/>
+        <a:font script="Syrj" typeface="Estrangelo Edessa"/>
+        <a:font script="Syre" typeface="Estrangelo Edessa"/>
+        <a:font script="Sora" typeface="Nirmala UI"/>
+        <a:font script="Tale" typeface="Microsoft Tai Le"/>
+        <a:font script="Talu" typeface="Microsoft New Tai Lue"/>
+        <a:font script="Tfng" typeface="Ebrima"/>
+      </a:minorFont>
+    </a:fontScheme>
+    <a:fmtScheme name="Office">
+      <a:fillStyleLst>
+        <a:solidFill>
+          <a:schemeClr val="phClr"/>
+        </a:solidFill>
+        <a:gradFill rotWithShape="1">
+          <a:gsLst>
+            <a:gs pos="0">
+              <a:schemeClr val="phClr">
+                <a:lumMod val="110000"/>
+                <a:satMod val="105000"/>
+                <a:tint val="67000"/>
+              </a:schemeClr>
+            </a:gs>
+            <a:gs pos="50000">
+              <a:schemeClr val="phClr">
+                <a:lumMod val="105000"/>
+                <a:satMod val="103000"/>
+                <a:tint val="73000"/>
+              </a:schemeClr>
+            </a:gs>
+            <a:gs pos="100000">
+              <a:schemeClr val="phClr">
+                <a:lumMod val="105000"/>
+                <a:satMod val="109000"/>
+                <a:tint val="81000"/>
+              </a:schemeClr>
+            </a:gs>
+          </a:gsLst>
+          <a:lin ang="5400000" scaled="0"/>
+        </a:gradFill>
+        <a:gradFill rotWithShape="1">
+          <a:gsLst>
+            <a:gs pos="0">
+              <a:schemeClr val="phClr">
+                <a:satMod val="103000"/>
+                <a:lumMod val="102000"/>
+                <a:tint val="94000"/>
+              </a:schemeClr>
+            </a:gs>
+            <a:gs pos="50000">
+              <a:schemeClr val="phClr">
+                <a:satMod val="110000"/>
+                <a:lumMod val="100000"/>
+                <a:shade val="100000"/>
+              </a:schemeClr>
+            </a:gs>
+            <a:gs pos="100000">
+              <a:schemeClr val="phClr">
+                <a:lumMod val="99000"/>
+                <a:satMod val="120000"/>
+                <a:shade val="78000"/>
+              </a:schemeClr>
+            </a:gs>
+          </a:gsLst>
+          <a:lin ang="5400000" scaled="0"/>
+        </a:gradFill>
+      </a:fillStyleLst>
+      <a:lnStyleLst>
+        <a:ln w="6350" cap="flat" cmpd="sng" algn="ctr">
+          <a:solidFill>
+            <a:schemeClr val="phClr"/>
+          </a:solidFill>
+          <a:prstDash val="solid"/>
+          <a:miter lim="800000"/>
+        </a:ln>
+        <a:ln w="12700" cap="flat" cmpd="sng" algn="ctr">
+          <a:solidFill>
+            <a:schemeClr val="phClr"/>
+          </a:solidFill>
+          <a:prstDash val="solid"/>
+          <a:miter lim="800000"/>
+        </a:ln>
+        <a:ln w="19050" cap="flat" cmpd="sng" algn="ctr">
+          <a:solidFill>
+            <a:schemeClr val="phClr"/>
+          </a:solidFill>
+          <a:prstDash val="solid"/>
+          <a:miter lim="800000"/>
+        </a:ln>
+      </a:lnStyleLst>
+      <a:effectStyleLst>
+        <a:effectStyle>
+          <a:effectLst/>
+        </a:effectStyle>
+        <a:effectStyle>
+          <a:effectLst/>
+        </a:effectStyle>
+        <a:effectStyle>
+          <a:effectLst>
+            <a:outerShdw blurRad="57150" dist="19050" dir="5400000" algn="ctr" rotWithShape="0">
+              <a:srgbClr val="000000">
+                <a:alpha val="63000"/>
+              </a:srgbClr>
+            </a:outerShdw>
+          </a:effectLst>
+        </a:effectStyle>
+      </a:effectStyleLst>
+      <a:bgFillStyleLst>
+        <a:solidFill>
+          <a:schemeClr val="phClr"/>
+        </a:solidFill>
+        <a:solidFill>
+          <a:schemeClr val="phClr">
+            <a:tint val="95000"/>
+            <a:satMod val="170000"/>
+          </a:schemeClr>
+        </a:solidFill>
+        <a:gradFill rotWithShape="1">
+          <a:gsLst>
+            <a:gs pos="0">
+              <a:schemeClr val="phClr">
+                <a:tint val="93000"/>
+                <a:satMod val="150000"/>
+                <a:shade val="98000"/>
+                <a:lumMod val="102000"/>
+              </a:schemeClr>
+            </a:gs>
+            <a:gs pos="50000">
+              <a:schemeClr val="phClr">
+                <a:tint val="98000"/>
+                <a:satMod val="130000"/>
+                <a:shade val="90000"/>
+                <a:lumMod val="103000"/>
+              </a:schemeClr>
+            </a:gs>
+            <a:gs pos="100000">
+              <a:schemeClr val="phClr">
+                <a:shade val="63000"/>
+                <a:satMod val="120000"/>
+              </a:schemeClr>
+            </a:gs>
+          </a:gsLst>
+          <a:lin ang="5400000" scaled="0"/>
+        </a:gradFill>
+      </a:bgFillStyleLst>
+    </a:fmtScheme>
+  </a:themeElements>
+  <a:objectDefaults/>
+  <a:extraClrSchemeLst/>
+  <a:extLst>
+    <a:ext uri="{05A4C25C-085E-4340-85A3-A5531E510DB2}">
+      <thm15:themeFamily xmlns:thm15="http://schemas.microsoft.com/office/thememl/2012/main" name="Office Theme" id="{62F939B6-93AF-4DB8-9C6B-D6C7DFDC589F}" vid="{4A3C46E8-61CC-4603-A589-7422A47A8E4A}"/>
+    </a:ext>
+  </a:extLst>
+</a:theme>
 </file>